--- a/120/Side-Meeting/draft-netana-nmop-network-anomaly-architecture-semantics-lifecycle.pptx
+++ b/120/Side-Meeting/draft-netana-nmop-network-anomaly-architecture-semantics-lifecycle.pptx
@@ -5,7 +5,7 @@
     <p:sldMasterId id="2147483648" r:id="rId1"/>
   </p:sldMasterIdLst>
   <p:notesMasterIdLst>
-    <p:notesMasterId r:id="rId32"/>
+    <p:notesMasterId r:id="rId33"/>
   </p:notesMasterIdLst>
   <p:sldIdLst>
     <p:sldId id="1041" r:id="rId2"/>
@@ -16,28 +16,29 @@
     <p:sldId id="2145706265" r:id="rId7"/>
     <p:sldId id="2145706263" r:id="rId8"/>
     <p:sldId id="2145706280" r:id="rId9"/>
-    <p:sldId id="2145706226" r:id="rId10"/>
-    <p:sldId id="2145706261" r:id="rId11"/>
-    <p:sldId id="2145706258" r:id="rId12"/>
-    <p:sldId id="2145706240" r:id="rId13"/>
-    <p:sldId id="263" r:id="rId14"/>
-    <p:sldId id="264" r:id="rId15"/>
-    <p:sldId id="2145706262" r:id="rId16"/>
-    <p:sldId id="2145706246" r:id="rId17"/>
-    <p:sldId id="2145706287" r:id="rId18"/>
-    <p:sldId id="2145706288" r:id="rId19"/>
-    <p:sldId id="2145706289" r:id="rId20"/>
-    <p:sldId id="2145706247" r:id="rId21"/>
-    <p:sldId id="2145706248" r:id="rId22"/>
-    <p:sldId id="2145706282" r:id="rId23"/>
-    <p:sldId id="2145706283" r:id="rId24"/>
-    <p:sldId id="2145706285" r:id="rId25"/>
-    <p:sldId id="2145706234" r:id="rId26"/>
-    <p:sldId id="2145706220" r:id="rId27"/>
-    <p:sldId id="2145706236" r:id="rId28"/>
-    <p:sldId id="26422" r:id="rId29"/>
-    <p:sldId id="2145706284" r:id="rId30"/>
-    <p:sldId id="2145706266" r:id="rId31"/>
+    <p:sldId id="2145706290" r:id="rId10"/>
+    <p:sldId id="2145706226" r:id="rId11"/>
+    <p:sldId id="2145706261" r:id="rId12"/>
+    <p:sldId id="2145706258" r:id="rId13"/>
+    <p:sldId id="2145706240" r:id="rId14"/>
+    <p:sldId id="263" r:id="rId15"/>
+    <p:sldId id="264" r:id="rId16"/>
+    <p:sldId id="2145706262" r:id="rId17"/>
+    <p:sldId id="2145706246" r:id="rId18"/>
+    <p:sldId id="2145706287" r:id="rId19"/>
+    <p:sldId id="2145706288" r:id="rId20"/>
+    <p:sldId id="2145706289" r:id="rId21"/>
+    <p:sldId id="2145706247" r:id="rId22"/>
+    <p:sldId id="2145706248" r:id="rId23"/>
+    <p:sldId id="2145706282" r:id="rId24"/>
+    <p:sldId id="2145706283" r:id="rId25"/>
+    <p:sldId id="2145706285" r:id="rId26"/>
+    <p:sldId id="2145706234" r:id="rId27"/>
+    <p:sldId id="2145706220" r:id="rId28"/>
+    <p:sldId id="2145706236" r:id="rId29"/>
+    <p:sldId id="26422" r:id="rId30"/>
+    <p:sldId id="2145706284" r:id="rId31"/>
+    <p:sldId id="2145706266" r:id="rId32"/>
   </p:sldIdLst>
   <p:sldSz cx="12192000" cy="6858000"/>
   <p:notesSz cx="6858000" cy="9144000"/>
@@ -148,7 +149,7 @@
 <p1510:revInfo xmlns:a="http://schemas.openxmlformats.org/drawingml/2006/main" xmlns:r="http://schemas.openxmlformats.org/officeDocument/2006/relationships" xmlns:p1510="http://schemas.microsoft.com/office/powerpoint/2015/10/main">
   <p1510:revLst>
     <p1510:client id="{D5F81756-EA00-4B65-9234-A0FB2F3D032D}" v="8" dt="2024-07-13T15:47:32.435"/>
-    <p1510:client id="{E3161F74-B0AA-40DC-ADA6-35AF10BC3613}" v="35" dt="2024-07-14T07:57:21.023"/>
+    <p1510:client id="{E3161F74-B0AA-40DC-ADA6-35AF10BC3613}" v="39" dt="2024-07-14T08:15:45.807"/>
   </p1510:revLst>
 </p1510:revInfo>
 </file>
@@ -158,7 +159,7 @@
   <pc:docChgLst>
     <pc:chgData name="Graf Thomas, INI-NET-VNC-HCS" userId="487bc3e3-9ce7-4cdd-b7b4-8899ea88d289" providerId="ADAL" clId="{E3161F74-B0AA-40DC-ADA6-35AF10BC3613}"/>
     <pc:docChg chg="undo custSel addSld delSld modSld sldOrd delMainMaster">
-      <pc:chgData name="Graf Thomas, INI-NET-VNC-HCS" userId="487bc3e3-9ce7-4cdd-b7b4-8899ea88d289" providerId="ADAL" clId="{E3161F74-B0AA-40DC-ADA6-35AF10BC3613}" dt="2024-07-14T08:03:04.608" v="1663" actId="12"/>
+      <pc:chgData name="Graf Thomas, INI-NET-VNC-HCS" userId="487bc3e3-9ce7-4cdd-b7b4-8899ea88d289" providerId="ADAL" clId="{E3161F74-B0AA-40DC-ADA6-35AF10BC3613}" dt="2024-07-14T08:15:52.498" v="1670" actId="47"/>
       <pc:docMkLst>
         <pc:docMk/>
       </pc:docMkLst>
@@ -176,6 +177,13 @@
             <ac:spMk id="6" creationId="{6CAA0765-1318-4A03-8F91-D3ECC43D8FA7}"/>
           </ac:spMkLst>
         </pc:spChg>
+      </pc:sldChg>
+      <pc:sldChg chg="del">
+        <pc:chgData name="Graf Thomas, INI-NET-VNC-HCS" userId="487bc3e3-9ce7-4cdd-b7b4-8899ea88d289" providerId="ADAL" clId="{E3161F74-B0AA-40DC-ADA6-35AF10BC3613}" dt="2024-07-14T08:15:52.498" v="1670" actId="47"/>
+        <pc:sldMkLst>
+          <pc:docMk/>
+          <pc:sldMk cId="1779130522" sldId="26371"/>
+        </pc:sldMkLst>
       </pc:sldChg>
       <pc:sldChg chg="add">
         <pc:chgData name="Graf Thomas, INI-NET-VNC-HCS" userId="487bc3e3-9ce7-4cdd-b7b4-8899ea88d289" providerId="ADAL" clId="{E3161F74-B0AA-40DC-ADA6-35AF10BC3613}" dt="2024-07-14T07:16:05.001" v="623"/>
@@ -1782,6 +1790,157 @@
           </ac:picMkLst>
         </pc:picChg>
       </pc:sldChg>
+      <pc:sldChg chg="addSp delSp modSp add mod">
+        <pc:chgData name="Graf Thomas, INI-NET-VNC-HCS" userId="487bc3e3-9ce7-4cdd-b7b4-8899ea88d289" providerId="ADAL" clId="{E3161F74-B0AA-40DC-ADA6-35AF10BC3613}" dt="2024-07-14T08:15:45.807" v="1669" actId="167"/>
+        <pc:sldMkLst>
+          <pc:docMk/>
+          <pc:sldMk cId="9902367" sldId="2145706290"/>
+        </pc:sldMkLst>
+        <pc:spChg chg="add del mod">
+          <ac:chgData name="Graf Thomas, INI-NET-VNC-HCS" userId="487bc3e3-9ce7-4cdd-b7b4-8899ea88d289" providerId="ADAL" clId="{E3161F74-B0AA-40DC-ADA6-35AF10BC3613}" dt="2024-07-14T08:15:32.048" v="1666" actId="478"/>
+          <ac:spMkLst>
+            <pc:docMk/>
+            <pc:sldMk cId="9902367" sldId="2145706290"/>
+            <ac:spMk id="3" creationId="{F687C8DA-194B-BC48-FDDD-1D97BA642BFB}"/>
+          </ac:spMkLst>
+        </pc:spChg>
+        <pc:spChg chg="add mod">
+          <ac:chgData name="Graf Thomas, INI-NET-VNC-HCS" userId="487bc3e3-9ce7-4cdd-b7b4-8899ea88d289" providerId="ADAL" clId="{E3161F74-B0AA-40DC-ADA6-35AF10BC3613}" dt="2024-07-14T08:15:32.962" v="1667"/>
+          <ac:spMkLst>
+            <pc:docMk/>
+            <pc:sldMk cId="9902367" sldId="2145706290"/>
+            <ac:spMk id="4" creationId="{94D1457C-AEF2-95BD-FBF7-B63B661B23C4}"/>
+          </ac:spMkLst>
+        </pc:spChg>
+        <pc:spChg chg="del">
+          <ac:chgData name="Graf Thomas, INI-NET-VNC-HCS" userId="487bc3e3-9ce7-4cdd-b7b4-8899ea88d289" providerId="ADAL" clId="{E3161F74-B0AA-40DC-ADA6-35AF10BC3613}" dt="2024-07-14T08:15:29.508" v="1665" actId="478"/>
+          <ac:spMkLst>
+            <pc:docMk/>
+            <pc:sldMk cId="9902367" sldId="2145706290"/>
+            <ac:spMk id="8" creationId="{E5677CA3-B23A-E701-471E-B07D77B4E223}"/>
+          </ac:spMkLst>
+        </pc:spChg>
+        <pc:spChg chg="del">
+          <ac:chgData name="Graf Thomas, INI-NET-VNC-HCS" userId="487bc3e3-9ce7-4cdd-b7b4-8899ea88d289" providerId="ADAL" clId="{E3161F74-B0AA-40DC-ADA6-35AF10BC3613}" dt="2024-07-14T08:15:29.508" v="1665" actId="478"/>
+          <ac:spMkLst>
+            <pc:docMk/>
+            <pc:sldMk cId="9902367" sldId="2145706290"/>
+            <ac:spMk id="9" creationId="{B670DE5F-A5F9-23E7-3050-437A93C6F879}"/>
+          </ac:spMkLst>
+        </pc:spChg>
+        <pc:spChg chg="del">
+          <ac:chgData name="Graf Thomas, INI-NET-VNC-HCS" userId="487bc3e3-9ce7-4cdd-b7b4-8899ea88d289" providerId="ADAL" clId="{E3161F74-B0AA-40DC-ADA6-35AF10BC3613}" dt="2024-07-14T08:15:29.508" v="1665" actId="478"/>
+          <ac:spMkLst>
+            <pc:docMk/>
+            <pc:sldMk cId="9902367" sldId="2145706290"/>
+            <ac:spMk id="10" creationId="{D349DEB3-4D3A-5208-B274-3EDB4A2B18F4}"/>
+          </ac:spMkLst>
+        </pc:spChg>
+        <pc:spChg chg="del">
+          <ac:chgData name="Graf Thomas, INI-NET-VNC-HCS" userId="487bc3e3-9ce7-4cdd-b7b4-8899ea88d289" providerId="ADAL" clId="{E3161F74-B0AA-40DC-ADA6-35AF10BC3613}" dt="2024-07-14T08:15:29.508" v="1665" actId="478"/>
+          <ac:spMkLst>
+            <pc:docMk/>
+            <pc:sldMk cId="9902367" sldId="2145706290"/>
+            <ac:spMk id="11" creationId="{8D3FA8E1-4837-ED42-27D3-F4F2A40BAC04}"/>
+          </ac:spMkLst>
+        </pc:spChg>
+        <pc:spChg chg="del">
+          <ac:chgData name="Graf Thomas, INI-NET-VNC-HCS" userId="487bc3e3-9ce7-4cdd-b7b4-8899ea88d289" providerId="ADAL" clId="{E3161F74-B0AA-40DC-ADA6-35AF10BC3613}" dt="2024-07-14T08:15:29.508" v="1665" actId="478"/>
+          <ac:spMkLst>
+            <pc:docMk/>
+            <pc:sldMk cId="9902367" sldId="2145706290"/>
+            <ac:spMk id="12" creationId="{BB2371D0-B9FE-D913-1ABB-EE7D8DF2A325}"/>
+          </ac:spMkLst>
+        </pc:spChg>
+        <pc:spChg chg="del">
+          <ac:chgData name="Graf Thomas, INI-NET-VNC-HCS" userId="487bc3e3-9ce7-4cdd-b7b4-8899ea88d289" providerId="ADAL" clId="{E3161F74-B0AA-40DC-ADA6-35AF10BC3613}" dt="2024-07-14T08:15:29.508" v="1665" actId="478"/>
+          <ac:spMkLst>
+            <pc:docMk/>
+            <pc:sldMk cId="9902367" sldId="2145706290"/>
+            <ac:spMk id="13" creationId="{509802C0-BFFB-9B0F-A529-E60CDD518439}"/>
+          </ac:spMkLst>
+        </pc:spChg>
+        <pc:spChg chg="del">
+          <ac:chgData name="Graf Thomas, INI-NET-VNC-HCS" userId="487bc3e3-9ce7-4cdd-b7b4-8899ea88d289" providerId="ADAL" clId="{E3161F74-B0AA-40DC-ADA6-35AF10BC3613}" dt="2024-07-14T08:15:29.508" v="1665" actId="478"/>
+          <ac:spMkLst>
+            <pc:docMk/>
+            <pc:sldMk cId="9902367" sldId="2145706290"/>
+            <ac:spMk id="18" creationId="{7FEC644C-5BBA-9D8A-F77B-29E3C855E4BF}"/>
+          </ac:spMkLst>
+        </pc:spChg>
+        <pc:picChg chg="add mod">
+          <ac:chgData name="Graf Thomas, INI-NET-VNC-HCS" userId="487bc3e3-9ce7-4cdd-b7b4-8899ea88d289" providerId="ADAL" clId="{E3161F74-B0AA-40DC-ADA6-35AF10BC3613}" dt="2024-07-14T08:15:32.962" v="1667"/>
+          <ac:picMkLst>
+            <pc:docMk/>
+            <pc:sldMk cId="9902367" sldId="2145706290"/>
+            <ac:picMk id="5" creationId="{61C68E00-6D94-F42D-C3EE-88A0B5A5937D}"/>
+          </ac:picMkLst>
+        </pc:picChg>
+        <pc:picChg chg="add mod">
+          <ac:chgData name="Graf Thomas, INI-NET-VNC-HCS" userId="487bc3e3-9ce7-4cdd-b7b4-8899ea88d289" providerId="ADAL" clId="{E3161F74-B0AA-40DC-ADA6-35AF10BC3613}" dt="2024-07-14T08:15:45.807" v="1669" actId="167"/>
+          <ac:picMkLst>
+            <pc:docMk/>
+            <pc:sldMk cId="9902367" sldId="2145706290"/>
+            <ac:picMk id="17" creationId="{F0F1E9D6-10B1-F83D-34D5-27D029B3114F}"/>
+          </ac:picMkLst>
+        </pc:picChg>
+        <pc:picChg chg="del">
+          <ac:chgData name="Graf Thomas, INI-NET-VNC-HCS" userId="487bc3e3-9ce7-4cdd-b7b4-8899ea88d289" providerId="ADAL" clId="{E3161F74-B0AA-40DC-ADA6-35AF10BC3613}" dt="2024-07-14T08:15:29.508" v="1665" actId="478"/>
+          <ac:picMkLst>
+            <pc:docMk/>
+            <pc:sldMk cId="9902367" sldId="2145706290"/>
+            <ac:picMk id="20" creationId="{308323BF-D73B-AF00-8DDF-30CFCC18A6A6}"/>
+          </ac:picMkLst>
+        </pc:picChg>
+        <pc:picChg chg="del">
+          <ac:chgData name="Graf Thomas, INI-NET-VNC-HCS" userId="487bc3e3-9ce7-4cdd-b7b4-8899ea88d289" providerId="ADAL" clId="{E3161F74-B0AA-40DC-ADA6-35AF10BC3613}" dt="2024-07-14T08:15:29.508" v="1665" actId="478"/>
+          <ac:picMkLst>
+            <pc:docMk/>
+            <pc:sldMk cId="9902367" sldId="2145706290"/>
+            <ac:picMk id="22" creationId="{3135CB06-6366-E8A5-0C19-26F32ED0F61C}"/>
+          </ac:picMkLst>
+        </pc:picChg>
+        <pc:picChg chg="del">
+          <ac:chgData name="Graf Thomas, INI-NET-VNC-HCS" userId="487bc3e3-9ce7-4cdd-b7b4-8899ea88d289" providerId="ADAL" clId="{E3161F74-B0AA-40DC-ADA6-35AF10BC3613}" dt="2024-07-14T08:15:29.508" v="1665" actId="478"/>
+          <ac:picMkLst>
+            <pc:docMk/>
+            <pc:sldMk cId="9902367" sldId="2145706290"/>
+            <ac:picMk id="23" creationId="{63747016-76D5-353E-8259-8DF586E7D8ED}"/>
+          </ac:picMkLst>
+        </pc:picChg>
+        <pc:cxnChg chg="add mod">
+          <ac:chgData name="Graf Thomas, INI-NET-VNC-HCS" userId="487bc3e3-9ce7-4cdd-b7b4-8899ea88d289" providerId="ADAL" clId="{E3161F74-B0AA-40DC-ADA6-35AF10BC3613}" dt="2024-07-14T08:15:32.962" v="1667"/>
+          <ac:cxnSpMkLst>
+            <pc:docMk/>
+            <pc:sldMk cId="9902367" sldId="2145706290"/>
+            <ac:cxnSpMk id="7" creationId="{B36ECB33-A792-C7CE-A3DA-9B928204F1D8}"/>
+          </ac:cxnSpMkLst>
+        </pc:cxnChg>
+        <pc:cxnChg chg="add mod">
+          <ac:chgData name="Graf Thomas, INI-NET-VNC-HCS" userId="487bc3e3-9ce7-4cdd-b7b4-8899ea88d289" providerId="ADAL" clId="{E3161F74-B0AA-40DC-ADA6-35AF10BC3613}" dt="2024-07-14T08:15:32.962" v="1667"/>
+          <ac:cxnSpMkLst>
+            <pc:docMk/>
+            <pc:sldMk cId="9902367" sldId="2145706290"/>
+            <ac:cxnSpMk id="14" creationId="{DF8FFC08-AD32-126D-410C-DE1D65099B3F}"/>
+          </ac:cxnSpMkLst>
+        </pc:cxnChg>
+        <pc:cxnChg chg="add mod">
+          <ac:chgData name="Graf Thomas, INI-NET-VNC-HCS" userId="487bc3e3-9ce7-4cdd-b7b4-8899ea88d289" providerId="ADAL" clId="{E3161F74-B0AA-40DC-ADA6-35AF10BC3613}" dt="2024-07-14T08:15:32.962" v="1667"/>
+          <ac:cxnSpMkLst>
+            <pc:docMk/>
+            <pc:sldMk cId="9902367" sldId="2145706290"/>
+            <ac:cxnSpMk id="15" creationId="{3AB90515-8012-B50E-1F7E-08EFEAD19B7A}"/>
+          </ac:cxnSpMkLst>
+        </pc:cxnChg>
+        <pc:cxnChg chg="add mod">
+          <ac:chgData name="Graf Thomas, INI-NET-VNC-HCS" userId="487bc3e3-9ce7-4cdd-b7b4-8899ea88d289" providerId="ADAL" clId="{E3161F74-B0AA-40DC-ADA6-35AF10BC3613}" dt="2024-07-14T08:15:32.962" v="1667"/>
+          <ac:cxnSpMkLst>
+            <pc:docMk/>
+            <pc:sldMk cId="9902367" sldId="2145706290"/>
+            <ac:cxnSpMk id="16" creationId="{8BAB2A93-1FD4-1171-26E5-EFE2B463BEA8}"/>
+          </ac:cxnSpMkLst>
+        </pc:cxnChg>
+      </pc:sldChg>
       <pc:sldChg chg="addSp delSp modSp add del mod">
         <pc:chgData name="Graf Thomas, INI-NET-VNC-HCS" userId="487bc3e3-9ce7-4cdd-b7b4-8899ea88d289" providerId="ADAL" clId="{E3161F74-B0AA-40DC-ADA6-35AF10BC3613}" dt="2024-07-14T07:58:07.858" v="1601" actId="47"/>
         <pc:sldMkLst>
@@ -1913,6 +2072,173 @@
             <pc:docMk/>
             <pc:sldMasterMk cId="1575956613" sldId="2147483648"/>
             <pc:sldLayoutMk cId="34337616" sldId="2147483663"/>
+          </pc:sldLayoutMkLst>
+        </pc:sldLayoutChg>
+      </pc:sldMasterChg>
+      <pc:sldMasterChg chg="del delSldLayout">
+        <pc:chgData name="Graf Thomas, INI-NET-VNC-HCS" userId="487bc3e3-9ce7-4cdd-b7b4-8899ea88d289" providerId="ADAL" clId="{E3161F74-B0AA-40DC-ADA6-35AF10BC3613}" dt="2024-07-14T08:15:52.498" v="1670" actId="47"/>
+        <pc:sldMasterMkLst>
+          <pc:docMk/>
+          <pc:sldMasterMk cId="1757921049" sldId="2147483662"/>
+        </pc:sldMasterMkLst>
+        <pc:sldLayoutChg chg="del">
+          <pc:chgData name="Graf Thomas, INI-NET-VNC-HCS" userId="487bc3e3-9ce7-4cdd-b7b4-8899ea88d289" providerId="ADAL" clId="{E3161F74-B0AA-40DC-ADA6-35AF10BC3613}" dt="2024-07-14T08:15:52.498" v="1670" actId="47"/>
+          <pc:sldLayoutMkLst>
+            <pc:docMk/>
+            <pc:sldMasterMk cId="1757921049" sldId="2147483662"/>
+            <pc:sldLayoutMk cId="2898300191" sldId="2147483663"/>
+          </pc:sldLayoutMkLst>
+        </pc:sldLayoutChg>
+        <pc:sldLayoutChg chg="del">
+          <pc:chgData name="Graf Thomas, INI-NET-VNC-HCS" userId="487bc3e3-9ce7-4cdd-b7b4-8899ea88d289" providerId="ADAL" clId="{E3161F74-B0AA-40DC-ADA6-35AF10BC3613}" dt="2024-07-14T08:15:52.498" v="1670" actId="47"/>
+          <pc:sldLayoutMkLst>
+            <pc:docMk/>
+            <pc:sldMasterMk cId="1757921049" sldId="2147483662"/>
+            <pc:sldLayoutMk cId="464070142" sldId="2147483664"/>
+          </pc:sldLayoutMkLst>
+        </pc:sldLayoutChg>
+        <pc:sldLayoutChg chg="del">
+          <pc:chgData name="Graf Thomas, INI-NET-VNC-HCS" userId="487bc3e3-9ce7-4cdd-b7b4-8899ea88d289" providerId="ADAL" clId="{E3161F74-B0AA-40DC-ADA6-35AF10BC3613}" dt="2024-07-14T08:15:52.498" v="1670" actId="47"/>
+          <pc:sldLayoutMkLst>
+            <pc:docMk/>
+            <pc:sldMasterMk cId="1757921049" sldId="2147483662"/>
+            <pc:sldLayoutMk cId="2538067406" sldId="2147483665"/>
+          </pc:sldLayoutMkLst>
+        </pc:sldLayoutChg>
+        <pc:sldLayoutChg chg="del">
+          <pc:chgData name="Graf Thomas, INI-NET-VNC-HCS" userId="487bc3e3-9ce7-4cdd-b7b4-8899ea88d289" providerId="ADAL" clId="{E3161F74-B0AA-40DC-ADA6-35AF10BC3613}" dt="2024-07-14T08:15:52.498" v="1670" actId="47"/>
+          <pc:sldLayoutMkLst>
+            <pc:docMk/>
+            <pc:sldMasterMk cId="1757921049" sldId="2147483662"/>
+            <pc:sldLayoutMk cId="3824125499" sldId="2147483666"/>
+          </pc:sldLayoutMkLst>
+        </pc:sldLayoutChg>
+        <pc:sldLayoutChg chg="del">
+          <pc:chgData name="Graf Thomas, INI-NET-VNC-HCS" userId="487bc3e3-9ce7-4cdd-b7b4-8899ea88d289" providerId="ADAL" clId="{E3161F74-B0AA-40DC-ADA6-35AF10BC3613}" dt="2024-07-14T08:15:52.498" v="1670" actId="47"/>
+          <pc:sldLayoutMkLst>
+            <pc:docMk/>
+            <pc:sldMasterMk cId="1757921049" sldId="2147483662"/>
+            <pc:sldLayoutMk cId="826083309" sldId="2147483667"/>
+          </pc:sldLayoutMkLst>
+        </pc:sldLayoutChg>
+        <pc:sldLayoutChg chg="del">
+          <pc:chgData name="Graf Thomas, INI-NET-VNC-HCS" userId="487bc3e3-9ce7-4cdd-b7b4-8899ea88d289" providerId="ADAL" clId="{E3161F74-B0AA-40DC-ADA6-35AF10BC3613}" dt="2024-07-14T08:15:52.498" v="1670" actId="47"/>
+          <pc:sldLayoutMkLst>
+            <pc:docMk/>
+            <pc:sldMasterMk cId="1757921049" sldId="2147483662"/>
+            <pc:sldLayoutMk cId="2306171648" sldId="2147483668"/>
+          </pc:sldLayoutMkLst>
+        </pc:sldLayoutChg>
+        <pc:sldLayoutChg chg="del">
+          <pc:chgData name="Graf Thomas, INI-NET-VNC-HCS" userId="487bc3e3-9ce7-4cdd-b7b4-8899ea88d289" providerId="ADAL" clId="{E3161F74-B0AA-40DC-ADA6-35AF10BC3613}" dt="2024-07-14T08:15:52.498" v="1670" actId="47"/>
+          <pc:sldLayoutMkLst>
+            <pc:docMk/>
+            <pc:sldMasterMk cId="1757921049" sldId="2147483662"/>
+            <pc:sldLayoutMk cId="672757821" sldId="2147483669"/>
+          </pc:sldLayoutMkLst>
+        </pc:sldLayoutChg>
+        <pc:sldLayoutChg chg="del">
+          <pc:chgData name="Graf Thomas, INI-NET-VNC-HCS" userId="487bc3e3-9ce7-4cdd-b7b4-8899ea88d289" providerId="ADAL" clId="{E3161F74-B0AA-40DC-ADA6-35AF10BC3613}" dt="2024-07-14T08:15:52.498" v="1670" actId="47"/>
+          <pc:sldLayoutMkLst>
+            <pc:docMk/>
+            <pc:sldMasterMk cId="1757921049" sldId="2147483662"/>
+            <pc:sldLayoutMk cId="3655085904" sldId="2147483670"/>
+          </pc:sldLayoutMkLst>
+        </pc:sldLayoutChg>
+        <pc:sldLayoutChg chg="del">
+          <pc:chgData name="Graf Thomas, INI-NET-VNC-HCS" userId="487bc3e3-9ce7-4cdd-b7b4-8899ea88d289" providerId="ADAL" clId="{E3161F74-B0AA-40DC-ADA6-35AF10BC3613}" dt="2024-07-14T08:15:52.498" v="1670" actId="47"/>
+          <pc:sldLayoutMkLst>
+            <pc:docMk/>
+            <pc:sldMasterMk cId="1757921049" sldId="2147483662"/>
+            <pc:sldLayoutMk cId="3639303314" sldId="2147483671"/>
+          </pc:sldLayoutMkLst>
+        </pc:sldLayoutChg>
+        <pc:sldLayoutChg chg="del">
+          <pc:chgData name="Graf Thomas, INI-NET-VNC-HCS" userId="487bc3e3-9ce7-4cdd-b7b4-8899ea88d289" providerId="ADAL" clId="{E3161F74-B0AA-40DC-ADA6-35AF10BC3613}" dt="2024-07-14T08:15:52.498" v="1670" actId="47"/>
+          <pc:sldLayoutMkLst>
+            <pc:docMk/>
+            <pc:sldMasterMk cId="1757921049" sldId="2147483662"/>
+            <pc:sldLayoutMk cId="1802992599" sldId="2147483672"/>
+          </pc:sldLayoutMkLst>
+        </pc:sldLayoutChg>
+        <pc:sldLayoutChg chg="del">
+          <pc:chgData name="Graf Thomas, INI-NET-VNC-HCS" userId="487bc3e3-9ce7-4cdd-b7b4-8899ea88d289" providerId="ADAL" clId="{E3161F74-B0AA-40DC-ADA6-35AF10BC3613}" dt="2024-07-14T08:15:52.498" v="1670" actId="47"/>
+          <pc:sldLayoutMkLst>
+            <pc:docMk/>
+            <pc:sldMasterMk cId="1757921049" sldId="2147483662"/>
+            <pc:sldLayoutMk cId="702871820" sldId="2147483673"/>
+          </pc:sldLayoutMkLst>
+        </pc:sldLayoutChg>
+        <pc:sldLayoutChg chg="del">
+          <pc:chgData name="Graf Thomas, INI-NET-VNC-HCS" userId="487bc3e3-9ce7-4cdd-b7b4-8899ea88d289" providerId="ADAL" clId="{E3161F74-B0AA-40DC-ADA6-35AF10BC3613}" dt="2024-07-14T08:15:52.498" v="1670" actId="47"/>
+          <pc:sldLayoutMkLst>
+            <pc:docMk/>
+            <pc:sldMasterMk cId="1757921049" sldId="2147483662"/>
+            <pc:sldLayoutMk cId="3294083474" sldId="2147483674"/>
+          </pc:sldLayoutMkLst>
+        </pc:sldLayoutChg>
+        <pc:sldLayoutChg chg="del">
+          <pc:chgData name="Graf Thomas, INI-NET-VNC-HCS" userId="487bc3e3-9ce7-4cdd-b7b4-8899ea88d289" providerId="ADAL" clId="{E3161F74-B0AA-40DC-ADA6-35AF10BC3613}" dt="2024-07-14T08:15:52.498" v="1670" actId="47"/>
+          <pc:sldLayoutMkLst>
+            <pc:docMk/>
+            <pc:sldMasterMk cId="1757921049" sldId="2147483662"/>
+            <pc:sldLayoutMk cId="5992461" sldId="2147483675"/>
+          </pc:sldLayoutMkLst>
+        </pc:sldLayoutChg>
+        <pc:sldLayoutChg chg="del">
+          <pc:chgData name="Graf Thomas, INI-NET-VNC-HCS" userId="487bc3e3-9ce7-4cdd-b7b4-8899ea88d289" providerId="ADAL" clId="{E3161F74-B0AA-40DC-ADA6-35AF10BC3613}" dt="2024-07-14T08:15:52.498" v="1670" actId="47"/>
+          <pc:sldLayoutMkLst>
+            <pc:docMk/>
+            <pc:sldMasterMk cId="1757921049" sldId="2147483662"/>
+            <pc:sldLayoutMk cId="2172621788" sldId="2147483676"/>
+          </pc:sldLayoutMkLst>
+        </pc:sldLayoutChg>
+        <pc:sldLayoutChg chg="del">
+          <pc:chgData name="Graf Thomas, INI-NET-VNC-HCS" userId="487bc3e3-9ce7-4cdd-b7b4-8899ea88d289" providerId="ADAL" clId="{E3161F74-B0AA-40DC-ADA6-35AF10BC3613}" dt="2024-07-14T08:15:52.498" v="1670" actId="47"/>
+          <pc:sldLayoutMkLst>
+            <pc:docMk/>
+            <pc:sldMasterMk cId="1757921049" sldId="2147483662"/>
+            <pc:sldLayoutMk cId="1575070959" sldId="2147483677"/>
+          </pc:sldLayoutMkLst>
+        </pc:sldLayoutChg>
+        <pc:sldLayoutChg chg="del">
+          <pc:chgData name="Graf Thomas, INI-NET-VNC-HCS" userId="487bc3e3-9ce7-4cdd-b7b4-8899ea88d289" providerId="ADAL" clId="{E3161F74-B0AA-40DC-ADA6-35AF10BC3613}" dt="2024-07-14T08:15:52.498" v="1670" actId="47"/>
+          <pc:sldLayoutMkLst>
+            <pc:docMk/>
+            <pc:sldMasterMk cId="1757921049" sldId="2147483662"/>
+            <pc:sldLayoutMk cId="2328002019" sldId="2147483678"/>
+          </pc:sldLayoutMkLst>
+        </pc:sldLayoutChg>
+        <pc:sldLayoutChg chg="del">
+          <pc:chgData name="Graf Thomas, INI-NET-VNC-HCS" userId="487bc3e3-9ce7-4cdd-b7b4-8899ea88d289" providerId="ADAL" clId="{E3161F74-B0AA-40DC-ADA6-35AF10BC3613}" dt="2024-07-14T08:15:52.498" v="1670" actId="47"/>
+          <pc:sldLayoutMkLst>
+            <pc:docMk/>
+            <pc:sldMasterMk cId="1757921049" sldId="2147483662"/>
+            <pc:sldLayoutMk cId="839323466" sldId="2147483679"/>
+          </pc:sldLayoutMkLst>
+        </pc:sldLayoutChg>
+        <pc:sldLayoutChg chg="del">
+          <pc:chgData name="Graf Thomas, INI-NET-VNC-HCS" userId="487bc3e3-9ce7-4cdd-b7b4-8899ea88d289" providerId="ADAL" clId="{E3161F74-B0AA-40DC-ADA6-35AF10BC3613}" dt="2024-07-14T08:15:52.498" v="1670" actId="47"/>
+          <pc:sldLayoutMkLst>
+            <pc:docMk/>
+            <pc:sldMasterMk cId="1757921049" sldId="2147483662"/>
+            <pc:sldLayoutMk cId="2554417616" sldId="2147483680"/>
+          </pc:sldLayoutMkLst>
+        </pc:sldLayoutChg>
+        <pc:sldLayoutChg chg="del">
+          <pc:chgData name="Graf Thomas, INI-NET-VNC-HCS" userId="487bc3e3-9ce7-4cdd-b7b4-8899ea88d289" providerId="ADAL" clId="{E3161F74-B0AA-40DC-ADA6-35AF10BC3613}" dt="2024-07-14T08:15:52.498" v="1670" actId="47"/>
+          <pc:sldLayoutMkLst>
+            <pc:docMk/>
+            <pc:sldMasterMk cId="1757921049" sldId="2147483662"/>
+            <pc:sldLayoutMk cId="3805185303" sldId="2147483681"/>
+          </pc:sldLayoutMkLst>
+        </pc:sldLayoutChg>
+        <pc:sldLayoutChg chg="del">
+          <pc:chgData name="Graf Thomas, INI-NET-VNC-HCS" userId="487bc3e3-9ce7-4cdd-b7b4-8899ea88d289" providerId="ADAL" clId="{E3161F74-B0AA-40DC-ADA6-35AF10BC3613}" dt="2024-07-14T08:15:52.498" v="1670" actId="47"/>
+          <pc:sldLayoutMkLst>
+            <pc:docMk/>
+            <pc:sldMasterMk cId="1757921049" sldId="2147483662"/>
+            <pc:sldLayoutMk cId="2790935120" sldId="2147483682"/>
           </pc:sldLayoutMkLst>
         </pc:sldLayoutChg>
       </pc:sldMasterChg>
@@ -3693,7 +4019,7 @@
   <p:cSld>
     <p:spTree>
       <p:nvGrpSpPr>
-        <p:cNvPr id="1" name="Shape 222"/>
+        <p:cNvPr id="1" name="Shape 212"/>
         <p:cNvGrpSpPr/>
         <p:nvPr/>
       </p:nvGrpSpPr>
@@ -3707,7 +4033,7 @@
       </p:grpSpPr>
       <p:sp>
         <p:nvSpPr>
-          <p:cNvPr id="223" name="Google Shape;223;p9:notes"/>
+          <p:cNvPr id="213" name="Google Shape;213;p8:notes"/>
           <p:cNvSpPr txBox="1">
             <a:spLocks noGrp="1"/>
           </p:cNvSpPr>
@@ -3745,7 +4071,7 @@
       </p:sp>
       <p:sp>
         <p:nvSpPr>
-          <p:cNvPr id="224" name="Google Shape;224;p9:notes"/>
+          <p:cNvPr id="214" name="Google Shape;214;p8:notes"/>
           <p:cNvSpPr>
             <a:spLocks noGrp="1" noRot="1" noChangeAspect="1"/>
           </p:cNvSpPr>
@@ -3843,6 +4169,110 @@
               </a:spcAft>
               <a:buNone/>
             </a:pPr>
+            <a:endParaRPr/>
+          </a:p>
+        </p:txBody>
+      </p:sp>
+      <p:sp>
+        <p:nvSpPr>
+          <p:cNvPr id="224" name="Google Shape;224;p9:notes"/>
+          <p:cNvSpPr>
+            <a:spLocks noGrp="1" noRot="1" noChangeAspect="1"/>
+          </p:cNvSpPr>
+          <p:nvPr>
+            <p:ph type="sldImg" idx="2"/>
+          </p:nvPr>
+        </p:nvSpPr>
+        <p:spPr>
+          <a:xfrm>
+            <a:off x="685800" y="1143000"/>
+            <a:ext cx="5486400" cy="3086100"/>
+          </a:xfrm>
+          <a:custGeom>
+            <a:avLst/>
+            <a:gdLst/>
+            <a:ahLst/>
+            <a:cxnLst/>
+            <a:rect l="l" t="t" r="r" b="b"/>
+            <a:pathLst>
+              <a:path w="120000" h="120000" extrusionOk="0">
+                <a:moveTo>
+                  <a:pt x="0" y="0"/>
+                </a:moveTo>
+                <a:lnTo>
+                  <a:pt x="120000" y="0"/>
+                </a:lnTo>
+                <a:lnTo>
+                  <a:pt x="120000" y="120000"/>
+                </a:lnTo>
+                <a:lnTo>
+                  <a:pt x="0" y="120000"/>
+                </a:lnTo>
+                <a:close/>
+              </a:path>
+            </a:pathLst>
+          </a:custGeom>
+        </p:spPr>
+      </p:sp>
+    </p:spTree>
+  </p:cSld>
+  <p:clrMapOvr>
+    <a:masterClrMapping/>
+  </p:clrMapOvr>
+</p:notes>
+</file>
+
+<file path=ppt/notesSlides/notesSlide12.xml><?xml version="1.0" encoding="utf-8"?>
+<p:notes xmlns:a="http://schemas.openxmlformats.org/drawingml/2006/main" xmlns:r="http://schemas.openxmlformats.org/officeDocument/2006/relationships" xmlns:p="http://schemas.openxmlformats.org/presentationml/2006/main" showMasterSp="0" showMasterPhAnim="0">
+  <p:cSld>
+    <p:spTree>
+      <p:nvGrpSpPr>
+        <p:cNvPr id="1" name="Shape 222"/>
+        <p:cNvGrpSpPr/>
+        <p:nvPr/>
+      </p:nvGrpSpPr>
+      <p:grpSpPr>
+        <a:xfrm>
+          <a:off x="0" y="0"/>
+          <a:ext cx="0" cy="0"/>
+          <a:chOff x="0" y="0"/>
+          <a:chExt cx="0" cy="0"/>
+        </a:xfrm>
+      </p:grpSpPr>
+      <p:sp>
+        <p:nvSpPr>
+          <p:cNvPr id="223" name="Google Shape;223;p9:notes"/>
+          <p:cNvSpPr txBox="1">
+            <a:spLocks noGrp="1"/>
+          </p:cNvSpPr>
+          <p:nvPr>
+            <p:ph type="body" idx="1"/>
+          </p:nvPr>
+        </p:nvSpPr>
+        <p:spPr>
+          <a:xfrm>
+            <a:off x="685800" y="4400550"/>
+            <a:ext cx="5486400" cy="3600450"/>
+          </a:xfrm>
+          <a:prstGeom prst="rect">
+            <a:avLst/>
+          </a:prstGeom>
+        </p:spPr>
+        <p:txBody>
+          <a:bodyPr spcFirstLastPara="1" wrap="square" lIns="91425" tIns="45700" rIns="91425" bIns="45700" anchor="t" anchorCtr="0">
+            <a:noAutofit/>
+          </a:bodyPr>
+          <a:lstStyle/>
+          <a:p>
+            <a:pPr marL="0" lvl="0" indent="0" algn="l" rtl="0">
+              <a:spcBef>
+                <a:spcPts val="0"/>
+              </a:spcBef>
+              <a:spcAft>
+                <a:spcPts val="0"/>
+              </a:spcAft>
+              <a:buNone/>
+            </a:pPr>
             <a:endParaRPr dirty="0"/>
           </a:p>
         </p:txBody>
@@ -3901,90 +4331,6 @@
 </p:notes>
 </file>
 
-<file path=ppt/notesSlides/notesSlide12.xml><?xml version="1.0" encoding="utf-8"?>
-<p:notes xmlns:a="http://schemas.openxmlformats.org/drawingml/2006/main" xmlns:r="http://schemas.openxmlformats.org/officeDocument/2006/relationships" xmlns:p="http://schemas.openxmlformats.org/presentationml/2006/main">
-  <p:cSld>
-    <p:spTree>
-      <p:nvGrpSpPr>
-        <p:cNvPr id="1" name=""/>
-        <p:cNvGrpSpPr/>
-        <p:nvPr/>
-      </p:nvGrpSpPr>
-      <p:grpSpPr>
-        <a:xfrm>
-          <a:off x="0" y="0"/>
-          <a:ext cx="0" cy="0"/>
-          <a:chOff x="0" y="0"/>
-          <a:chExt cx="0" cy="0"/>
-        </a:xfrm>
-      </p:grpSpPr>
-      <p:sp>
-        <p:nvSpPr>
-          <p:cNvPr id="2" name="Slide Image Placeholder 1"/>
-          <p:cNvSpPr>
-            <a:spLocks noGrp="1" noRot="1" noChangeAspect="1"/>
-          </p:cNvSpPr>
-          <p:nvPr>
-            <p:ph type="sldImg"/>
-          </p:nvPr>
-        </p:nvSpPr>
-        <p:spPr/>
-      </p:sp>
-      <p:sp>
-        <p:nvSpPr>
-          <p:cNvPr id="3" name="Notes Placeholder 2"/>
-          <p:cNvSpPr>
-            <a:spLocks noGrp="1"/>
-          </p:cNvSpPr>
-          <p:nvPr>
-            <p:ph type="body" idx="1"/>
-          </p:nvPr>
-        </p:nvSpPr>
-        <p:spPr/>
-        <p:txBody>
-          <a:bodyPr/>
-          <a:lstStyle/>
-          <a:p>
-            <a:endParaRPr lang="de-CH" dirty="0"/>
-          </a:p>
-        </p:txBody>
-      </p:sp>
-      <p:sp>
-        <p:nvSpPr>
-          <p:cNvPr id="4" name="Slide Number Placeholder 3"/>
-          <p:cNvSpPr>
-            <a:spLocks noGrp="1"/>
-          </p:cNvSpPr>
-          <p:nvPr>
-            <p:ph type="sldNum" sz="quarter" idx="5"/>
-          </p:nvPr>
-        </p:nvSpPr>
-        <p:spPr/>
-        <p:txBody>
-          <a:bodyPr/>
-          <a:lstStyle/>
-          <a:p>
-            <a:fld id="{2BBC52A0-2F3F-497F-8536-39D60282E9C2}" type="slidenum">
-              <a:rPr lang="de-CH" smtClean="0"/>
-              <a:t>16</a:t>
-            </a:fld>
-            <a:endParaRPr lang="de-CH"/>
-          </a:p>
-        </p:txBody>
-      </p:sp>
-    </p:spTree>
-    <p:extLst>
-      <p:ext uri="{BB962C8B-B14F-4D97-AF65-F5344CB8AC3E}">
-        <p14:creationId xmlns:p14="http://schemas.microsoft.com/office/powerpoint/2010/main" val="1678456165"/>
-      </p:ext>
-    </p:extLst>
-  </p:cSld>
-  <p:clrMapOvr>
-    <a:masterClrMapping/>
-  </p:clrMapOvr>
-</p:notes>
-</file>
-
 <file path=ppt/notesSlides/notesSlide13.xml><?xml version="1.0" encoding="utf-8"?>
 <p:notes xmlns:a="http://schemas.openxmlformats.org/drawingml/2006/main" xmlns:r="http://schemas.openxmlformats.org/officeDocument/2006/relationships" xmlns:p="http://schemas.openxmlformats.org/presentationml/2006/main">
   <p:cSld>
@@ -4059,7 +4405,7 @@
     </p:spTree>
     <p:extLst>
       <p:ext uri="{BB962C8B-B14F-4D97-AF65-F5344CB8AC3E}">
-        <p14:creationId xmlns:p14="http://schemas.microsoft.com/office/powerpoint/2010/main" val="519895572"/>
+        <p14:creationId xmlns:p14="http://schemas.microsoft.com/office/powerpoint/2010/main" val="1678456165"/>
       </p:ext>
     </p:extLst>
   </p:cSld>
@@ -4143,7 +4489,7 @@
     </p:spTree>
     <p:extLst>
       <p:ext uri="{BB962C8B-B14F-4D97-AF65-F5344CB8AC3E}">
-        <p14:creationId xmlns:p14="http://schemas.microsoft.com/office/powerpoint/2010/main" val="3882665195"/>
+        <p14:creationId xmlns:p14="http://schemas.microsoft.com/office/powerpoint/2010/main" val="519895572"/>
       </p:ext>
     </p:extLst>
   </p:cSld>
@@ -4227,7 +4573,7 @@
     </p:spTree>
     <p:extLst>
       <p:ext uri="{BB962C8B-B14F-4D97-AF65-F5344CB8AC3E}">
-        <p14:creationId xmlns:p14="http://schemas.microsoft.com/office/powerpoint/2010/main" val="1360563774"/>
+        <p14:creationId xmlns:p14="http://schemas.microsoft.com/office/powerpoint/2010/main" val="3882665195"/>
       </p:ext>
     </p:extLst>
   </p:cSld>
@@ -4311,6 +4657,90 @@
     </p:spTree>
     <p:extLst>
       <p:ext uri="{BB962C8B-B14F-4D97-AF65-F5344CB8AC3E}">
+        <p14:creationId xmlns:p14="http://schemas.microsoft.com/office/powerpoint/2010/main" val="1360563774"/>
+      </p:ext>
+    </p:extLst>
+  </p:cSld>
+  <p:clrMapOvr>
+    <a:masterClrMapping/>
+  </p:clrMapOvr>
+</p:notes>
+</file>
+
+<file path=ppt/notesSlides/notesSlide17.xml><?xml version="1.0" encoding="utf-8"?>
+<p:notes xmlns:a="http://schemas.openxmlformats.org/drawingml/2006/main" xmlns:r="http://schemas.openxmlformats.org/officeDocument/2006/relationships" xmlns:p="http://schemas.openxmlformats.org/presentationml/2006/main">
+  <p:cSld>
+    <p:spTree>
+      <p:nvGrpSpPr>
+        <p:cNvPr id="1" name=""/>
+        <p:cNvGrpSpPr/>
+        <p:nvPr/>
+      </p:nvGrpSpPr>
+      <p:grpSpPr>
+        <a:xfrm>
+          <a:off x="0" y="0"/>
+          <a:ext cx="0" cy="0"/>
+          <a:chOff x="0" y="0"/>
+          <a:chExt cx="0" cy="0"/>
+        </a:xfrm>
+      </p:grpSpPr>
+      <p:sp>
+        <p:nvSpPr>
+          <p:cNvPr id="2" name="Slide Image Placeholder 1"/>
+          <p:cNvSpPr>
+            <a:spLocks noGrp="1" noRot="1" noChangeAspect="1"/>
+          </p:cNvSpPr>
+          <p:nvPr>
+            <p:ph type="sldImg"/>
+          </p:nvPr>
+        </p:nvSpPr>
+        <p:spPr/>
+      </p:sp>
+      <p:sp>
+        <p:nvSpPr>
+          <p:cNvPr id="3" name="Notes Placeholder 2"/>
+          <p:cNvSpPr>
+            <a:spLocks noGrp="1"/>
+          </p:cNvSpPr>
+          <p:nvPr>
+            <p:ph type="body" idx="1"/>
+          </p:nvPr>
+        </p:nvSpPr>
+        <p:spPr/>
+        <p:txBody>
+          <a:bodyPr/>
+          <a:lstStyle/>
+          <a:p>
+            <a:endParaRPr lang="de-CH" dirty="0"/>
+          </a:p>
+        </p:txBody>
+      </p:sp>
+      <p:sp>
+        <p:nvSpPr>
+          <p:cNvPr id="4" name="Slide Number Placeholder 3"/>
+          <p:cNvSpPr>
+            <a:spLocks noGrp="1"/>
+          </p:cNvSpPr>
+          <p:nvPr>
+            <p:ph type="sldNum" sz="quarter" idx="5"/>
+          </p:nvPr>
+        </p:nvSpPr>
+        <p:spPr/>
+        <p:txBody>
+          <a:bodyPr/>
+          <a:lstStyle/>
+          <a:p>
+            <a:fld id="{2BBC52A0-2F3F-497F-8536-39D60282E9C2}" type="slidenum">
+              <a:rPr lang="de-CH" smtClean="0"/>
+              <a:t>21</a:t>
+            </a:fld>
+            <a:endParaRPr lang="de-CH"/>
+          </a:p>
+        </p:txBody>
+      </p:sp>
+    </p:spTree>
+    <p:extLst>
+      <p:ext uri="{BB962C8B-B14F-4D97-AF65-F5344CB8AC3E}">
         <p14:creationId xmlns:p14="http://schemas.microsoft.com/office/powerpoint/2010/main" val="1168592274"/>
       </p:ext>
     </p:extLst>
@@ -4321,7 +4751,7 @@
 </p:notes>
 </file>
 
-<file path=ppt/notesSlides/notesSlide17.xml><?xml version="1.0" encoding="utf-8"?>
+<file path=ppt/notesSlides/notesSlide18.xml><?xml version="1.0" encoding="utf-8"?>
 <p:notes xmlns:a="http://schemas.openxmlformats.org/drawingml/2006/main" xmlns:r="http://schemas.openxmlformats.org/officeDocument/2006/relationships" xmlns:p="http://schemas.openxmlformats.org/presentationml/2006/main" showMasterSp="0" showMasterPhAnim="0">
   <p:cSld>
     <p:spTree>
@@ -4430,7 +4860,7 @@
 </p:notes>
 </file>
 
-<file path=ppt/notesSlides/notesSlide18.xml><?xml version="1.0" encoding="utf-8"?>
+<file path=ppt/notesSlides/notesSlide19.xml><?xml version="1.0" encoding="utf-8"?>
 <p:notes xmlns:a="http://schemas.openxmlformats.org/drawingml/2006/main" xmlns:r="http://schemas.openxmlformats.org/officeDocument/2006/relationships" xmlns:p="http://schemas.openxmlformats.org/presentationml/2006/main" showMasterSp="0" showMasterPhAnim="0">
   <p:cSld>
     <p:spTree>
@@ -4530,90 +4960,6 @@
     <p:extLst>
       <p:ext uri="{BB962C8B-B14F-4D97-AF65-F5344CB8AC3E}">
         <p14:creationId xmlns:p14="http://schemas.microsoft.com/office/powerpoint/2010/main" val="2117762564"/>
-      </p:ext>
-    </p:extLst>
-  </p:cSld>
-  <p:clrMapOvr>
-    <a:masterClrMapping/>
-  </p:clrMapOvr>
-</p:notes>
-</file>
-
-<file path=ppt/notesSlides/notesSlide19.xml><?xml version="1.0" encoding="utf-8"?>
-<p:notes xmlns:a="http://schemas.openxmlformats.org/drawingml/2006/main" xmlns:r="http://schemas.openxmlformats.org/officeDocument/2006/relationships" xmlns:p="http://schemas.openxmlformats.org/presentationml/2006/main">
-  <p:cSld>
-    <p:spTree>
-      <p:nvGrpSpPr>
-        <p:cNvPr id="1" name=""/>
-        <p:cNvGrpSpPr/>
-        <p:nvPr/>
-      </p:nvGrpSpPr>
-      <p:grpSpPr>
-        <a:xfrm>
-          <a:off x="0" y="0"/>
-          <a:ext cx="0" cy="0"/>
-          <a:chOff x="0" y="0"/>
-          <a:chExt cx="0" cy="0"/>
-        </a:xfrm>
-      </p:grpSpPr>
-      <p:sp>
-        <p:nvSpPr>
-          <p:cNvPr id="2" name="Slide Image Placeholder 1"/>
-          <p:cNvSpPr>
-            <a:spLocks noGrp="1" noRot="1" noChangeAspect="1"/>
-          </p:cNvSpPr>
-          <p:nvPr>
-            <p:ph type="sldImg"/>
-          </p:nvPr>
-        </p:nvSpPr>
-        <p:spPr/>
-      </p:sp>
-      <p:sp>
-        <p:nvSpPr>
-          <p:cNvPr id="3" name="Notes Placeholder 2"/>
-          <p:cNvSpPr>
-            <a:spLocks noGrp="1"/>
-          </p:cNvSpPr>
-          <p:nvPr>
-            <p:ph type="body" idx="1"/>
-          </p:nvPr>
-        </p:nvSpPr>
-        <p:spPr/>
-        <p:txBody>
-          <a:bodyPr/>
-          <a:lstStyle/>
-          <a:p>
-            <a:endParaRPr lang="de-CH" dirty="0"/>
-          </a:p>
-        </p:txBody>
-      </p:sp>
-      <p:sp>
-        <p:nvSpPr>
-          <p:cNvPr id="4" name="Slide Number Placeholder 3"/>
-          <p:cNvSpPr>
-            <a:spLocks noGrp="1"/>
-          </p:cNvSpPr>
-          <p:nvPr>
-            <p:ph type="sldNum" sz="quarter" idx="5"/>
-          </p:nvPr>
-        </p:nvSpPr>
-        <p:spPr/>
-        <p:txBody>
-          <a:bodyPr/>
-          <a:lstStyle/>
-          <a:p>
-            <a:fld id="{2BBC52A0-2F3F-497F-8536-39D60282E9C2}" type="slidenum">
-              <a:rPr lang="de-CH" smtClean="0"/>
-              <a:t>24</a:t>
-            </a:fld>
-            <a:endParaRPr lang="de-CH"/>
-          </a:p>
-        </p:txBody>
-      </p:sp>
-    </p:spTree>
-    <p:extLst>
-      <p:ext uri="{BB962C8B-B14F-4D97-AF65-F5344CB8AC3E}">
-        <p14:creationId xmlns:p14="http://schemas.microsoft.com/office/powerpoint/2010/main" val="3806392774"/>
       </p:ext>
     </p:extLst>
   </p:cSld>
@@ -4751,7 +5097,7 @@
           <a:bodyPr/>
           <a:lstStyle/>
           <a:p>
-            <a:endParaRPr lang="en-US" dirty="0"/>
+            <a:endParaRPr lang="de-CH" dirty="0"/>
           </a:p>
         </p:txBody>
       </p:sp>
@@ -4770,9 +5116,93 @@
           <a:bodyPr/>
           <a:lstStyle/>
           <a:p>
+            <a:fld id="{2BBC52A0-2F3F-497F-8536-39D60282E9C2}" type="slidenum">
+              <a:rPr lang="de-CH" smtClean="0"/>
+              <a:t>25</a:t>
+            </a:fld>
+            <a:endParaRPr lang="de-CH"/>
+          </a:p>
+        </p:txBody>
+      </p:sp>
+    </p:spTree>
+    <p:extLst>
+      <p:ext uri="{BB962C8B-B14F-4D97-AF65-F5344CB8AC3E}">
+        <p14:creationId xmlns:p14="http://schemas.microsoft.com/office/powerpoint/2010/main" val="3806392774"/>
+      </p:ext>
+    </p:extLst>
+  </p:cSld>
+  <p:clrMapOvr>
+    <a:masterClrMapping/>
+  </p:clrMapOvr>
+</p:notes>
+</file>
+
+<file path=ppt/notesSlides/notesSlide21.xml><?xml version="1.0" encoding="utf-8"?>
+<p:notes xmlns:a="http://schemas.openxmlformats.org/drawingml/2006/main" xmlns:r="http://schemas.openxmlformats.org/officeDocument/2006/relationships" xmlns:p="http://schemas.openxmlformats.org/presentationml/2006/main">
+  <p:cSld>
+    <p:spTree>
+      <p:nvGrpSpPr>
+        <p:cNvPr id="1" name=""/>
+        <p:cNvGrpSpPr/>
+        <p:nvPr/>
+      </p:nvGrpSpPr>
+      <p:grpSpPr>
+        <a:xfrm>
+          <a:off x="0" y="0"/>
+          <a:ext cx="0" cy="0"/>
+          <a:chOff x="0" y="0"/>
+          <a:chExt cx="0" cy="0"/>
+        </a:xfrm>
+      </p:grpSpPr>
+      <p:sp>
+        <p:nvSpPr>
+          <p:cNvPr id="2" name="Slide Image Placeholder 1"/>
+          <p:cNvSpPr>
+            <a:spLocks noGrp="1" noRot="1" noChangeAspect="1"/>
+          </p:cNvSpPr>
+          <p:nvPr>
+            <p:ph type="sldImg"/>
+          </p:nvPr>
+        </p:nvSpPr>
+        <p:spPr/>
+      </p:sp>
+      <p:sp>
+        <p:nvSpPr>
+          <p:cNvPr id="3" name="Notes Placeholder 2"/>
+          <p:cNvSpPr>
+            <a:spLocks noGrp="1"/>
+          </p:cNvSpPr>
+          <p:nvPr>
+            <p:ph type="body" idx="1"/>
+          </p:nvPr>
+        </p:nvSpPr>
+        <p:spPr/>
+        <p:txBody>
+          <a:bodyPr/>
+          <a:lstStyle/>
+          <a:p>
+            <a:endParaRPr lang="en-US" dirty="0"/>
+          </a:p>
+        </p:txBody>
+      </p:sp>
+      <p:sp>
+        <p:nvSpPr>
+          <p:cNvPr id="4" name="Slide Number Placeholder 3"/>
+          <p:cNvSpPr>
+            <a:spLocks noGrp="1"/>
+          </p:cNvSpPr>
+          <p:nvPr>
+            <p:ph type="sldNum" sz="quarter" idx="5"/>
+          </p:nvPr>
+        </p:nvSpPr>
+        <p:spPr/>
+        <p:txBody>
+          <a:bodyPr/>
+          <a:lstStyle/>
+          <a:p>
             <a:fld id="{574FFD1E-068C-4775-AB61-A06ECF97265E}" type="slidenum">
               <a:rPr lang="de-CH" smtClean="0"/>
-              <a:t>25</a:t>
+              <a:t>26</a:t>
             </a:fld>
             <a:endParaRPr lang="de-CH"/>
           </a:p>
@@ -4791,7 +5221,7 @@
 </p:notes>
 </file>
 
-<file path=ppt/notesSlides/notesSlide21.xml><?xml version="1.0" encoding="utf-8"?>
+<file path=ppt/notesSlides/notesSlide22.xml><?xml version="1.0" encoding="utf-8"?>
 <p:notes xmlns:a="http://schemas.openxmlformats.org/drawingml/2006/main" xmlns:r="http://schemas.openxmlformats.org/officeDocument/2006/relationships" xmlns:p="http://schemas.openxmlformats.org/presentationml/2006/main">
   <p:cSld>
     <p:spTree>
@@ -4861,7 +5291,7 @@
           <a:p>
             <a:fld id="{E5BBCCF6-F8A8-4C49-BF3D-CA1AA74CA975}" type="slidenum">
               <a:rPr lang="de-DE" sz="1000" smtClean="0"/>
-              <a:t>26</a:t>
+              <a:t>27</a:t>
             </a:fld>
             <a:endParaRPr lang="de-DE" sz="1000"/>
           </a:p>
@@ -4871,90 +5301,6 @@
     <p:extLst>
       <p:ext uri="{BB962C8B-B14F-4D97-AF65-F5344CB8AC3E}">
         <p14:creationId xmlns:p14="http://schemas.microsoft.com/office/powerpoint/2010/main" val="135297159"/>
-      </p:ext>
-    </p:extLst>
-  </p:cSld>
-  <p:clrMapOvr>
-    <a:masterClrMapping/>
-  </p:clrMapOvr>
-</p:notes>
-</file>
-
-<file path=ppt/notesSlides/notesSlide22.xml><?xml version="1.0" encoding="utf-8"?>
-<p:notes xmlns:a="http://schemas.openxmlformats.org/drawingml/2006/main" xmlns:r="http://schemas.openxmlformats.org/officeDocument/2006/relationships" xmlns:p="http://schemas.openxmlformats.org/presentationml/2006/main">
-  <p:cSld>
-    <p:spTree>
-      <p:nvGrpSpPr>
-        <p:cNvPr id="1" name=""/>
-        <p:cNvGrpSpPr/>
-        <p:nvPr/>
-      </p:nvGrpSpPr>
-      <p:grpSpPr>
-        <a:xfrm>
-          <a:off x="0" y="0"/>
-          <a:ext cx="0" cy="0"/>
-          <a:chOff x="0" y="0"/>
-          <a:chExt cx="0" cy="0"/>
-        </a:xfrm>
-      </p:grpSpPr>
-      <p:sp>
-        <p:nvSpPr>
-          <p:cNvPr id="2" name="Slide Image Placeholder 1"/>
-          <p:cNvSpPr>
-            <a:spLocks noGrp="1" noRot="1" noChangeAspect="1"/>
-          </p:cNvSpPr>
-          <p:nvPr>
-            <p:ph type="sldImg"/>
-          </p:nvPr>
-        </p:nvSpPr>
-        <p:spPr/>
-      </p:sp>
-      <p:sp>
-        <p:nvSpPr>
-          <p:cNvPr id="3" name="Notes Placeholder 2"/>
-          <p:cNvSpPr>
-            <a:spLocks noGrp="1"/>
-          </p:cNvSpPr>
-          <p:nvPr>
-            <p:ph type="body" idx="1"/>
-          </p:nvPr>
-        </p:nvSpPr>
-        <p:spPr/>
-        <p:txBody>
-          <a:bodyPr/>
-          <a:lstStyle/>
-          <a:p>
-            <a:endParaRPr lang="de-CH" dirty="0"/>
-          </a:p>
-        </p:txBody>
-      </p:sp>
-      <p:sp>
-        <p:nvSpPr>
-          <p:cNvPr id="4" name="Slide Number Placeholder 3"/>
-          <p:cNvSpPr>
-            <a:spLocks noGrp="1"/>
-          </p:cNvSpPr>
-          <p:nvPr>
-            <p:ph type="sldNum" sz="quarter" idx="5"/>
-          </p:nvPr>
-        </p:nvSpPr>
-        <p:spPr/>
-        <p:txBody>
-          <a:bodyPr/>
-          <a:lstStyle/>
-          <a:p>
-            <a:fld id="{2BBC52A0-2F3F-497F-8536-39D60282E9C2}" type="slidenum">
-              <a:rPr lang="de-CH" smtClean="0"/>
-              <a:t>29</a:t>
-            </a:fld>
-            <a:endParaRPr lang="de-CH"/>
-          </a:p>
-        </p:txBody>
-      </p:sp>
-    </p:spTree>
-    <p:extLst>
-      <p:ext uri="{BB962C8B-B14F-4D97-AF65-F5344CB8AC3E}">
-        <p14:creationId xmlns:p14="http://schemas.microsoft.com/office/powerpoint/2010/main" val="2261027754"/>
       </p:ext>
     </p:extLst>
   </p:cSld>
@@ -5030,6 +5376,90 @@
             <a:fld id="{2BBC52A0-2F3F-497F-8536-39D60282E9C2}" type="slidenum">
               <a:rPr lang="de-CH" smtClean="0"/>
               <a:t>30</a:t>
+            </a:fld>
+            <a:endParaRPr lang="de-CH"/>
+          </a:p>
+        </p:txBody>
+      </p:sp>
+    </p:spTree>
+    <p:extLst>
+      <p:ext uri="{BB962C8B-B14F-4D97-AF65-F5344CB8AC3E}">
+        <p14:creationId xmlns:p14="http://schemas.microsoft.com/office/powerpoint/2010/main" val="2261027754"/>
+      </p:ext>
+    </p:extLst>
+  </p:cSld>
+  <p:clrMapOvr>
+    <a:masterClrMapping/>
+  </p:clrMapOvr>
+</p:notes>
+</file>
+
+<file path=ppt/notesSlides/notesSlide24.xml><?xml version="1.0" encoding="utf-8"?>
+<p:notes xmlns:a="http://schemas.openxmlformats.org/drawingml/2006/main" xmlns:r="http://schemas.openxmlformats.org/officeDocument/2006/relationships" xmlns:p="http://schemas.openxmlformats.org/presentationml/2006/main">
+  <p:cSld>
+    <p:spTree>
+      <p:nvGrpSpPr>
+        <p:cNvPr id="1" name=""/>
+        <p:cNvGrpSpPr/>
+        <p:nvPr/>
+      </p:nvGrpSpPr>
+      <p:grpSpPr>
+        <a:xfrm>
+          <a:off x="0" y="0"/>
+          <a:ext cx="0" cy="0"/>
+          <a:chOff x="0" y="0"/>
+          <a:chExt cx="0" cy="0"/>
+        </a:xfrm>
+      </p:grpSpPr>
+      <p:sp>
+        <p:nvSpPr>
+          <p:cNvPr id="2" name="Slide Image Placeholder 1"/>
+          <p:cNvSpPr>
+            <a:spLocks noGrp="1" noRot="1" noChangeAspect="1"/>
+          </p:cNvSpPr>
+          <p:nvPr>
+            <p:ph type="sldImg"/>
+          </p:nvPr>
+        </p:nvSpPr>
+        <p:spPr/>
+      </p:sp>
+      <p:sp>
+        <p:nvSpPr>
+          <p:cNvPr id="3" name="Notes Placeholder 2"/>
+          <p:cNvSpPr>
+            <a:spLocks noGrp="1"/>
+          </p:cNvSpPr>
+          <p:nvPr>
+            <p:ph type="body" idx="1"/>
+          </p:nvPr>
+        </p:nvSpPr>
+        <p:spPr/>
+        <p:txBody>
+          <a:bodyPr/>
+          <a:lstStyle/>
+          <a:p>
+            <a:endParaRPr lang="de-CH" dirty="0"/>
+          </a:p>
+        </p:txBody>
+      </p:sp>
+      <p:sp>
+        <p:nvSpPr>
+          <p:cNvPr id="4" name="Slide Number Placeholder 3"/>
+          <p:cNvSpPr>
+            <a:spLocks noGrp="1"/>
+          </p:cNvSpPr>
+          <p:nvPr>
+            <p:ph type="sldNum" sz="quarter" idx="5"/>
+          </p:nvPr>
+        </p:nvSpPr>
+        <p:spPr/>
+        <p:txBody>
+          <a:bodyPr/>
+          <a:lstStyle/>
+          <a:p>
+            <a:fld id="{2BBC52A0-2F3F-497F-8536-39D60282E9C2}" type="slidenum">
+              <a:rPr lang="de-CH" smtClean="0"/>
+              <a:t>31</a:t>
             </a:fld>
             <a:endParaRPr lang="de-CH"/>
           </a:p>
@@ -5458,7 +5888,7 @@
     </p:spTree>
     <p:extLst>
       <p:ext uri="{BB962C8B-B14F-4D97-AF65-F5344CB8AC3E}">
-        <p14:creationId xmlns:p14="http://schemas.microsoft.com/office/powerpoint/2010/main" val="167615377"/>
+        <p14:creationId xmlns:p14="http://schemas.microsoft.com/office/powerpoint/2010/main" val="2912116612"/>
       </p:ext>
     </p:extLst>
   </p:cSld>
@@ -5512,7 +5942,7 @@
           <a:bodyPr/>
           <a:lstStyle/>
           <a:p>
-            <a:endParaRPr lang="de-CH" dirty="0"/>
+            <a:endParaRPr lang="en-US" noProof="0" dirty="0"/>
           </a:p>
         </p:txBody>
       </p:sp>
@@ -5531,9 +5961,9 @@
           <a:bodyPr/>
           <a:lstStyle/>
           <a:p>
-            <a:fld id="{2BBC52A0-2F3F-497F-8536-39D60282E9C2}" type="slidenum">
+            <a:fld id="{574FFD1E-068C-4775-AB61-A06ECF97265E}" type="slidenum">
               <a:rPr lang="de-CH" smtClean="0"/>
-              <a:t>11</a:t>
+              <a:t>10</a:t>
             </a:fld>
             <a:endParaRPr lang="de-CH"/>
           </a:p>
@@ -5542,7 +5972,7 @@
     </p:spTree>
     <p:extLst>
       <p:ext uri="{BB962C8B-B14F-4D97-AF65-F5344CB8AC3E}">
-        <p14:creationId xmlns:p14="http://schemas.microsoft.com/office/powerpoint/2010/main" val="2261027754"/>
+        <p14:creationId xmlns:p14="http://schemas.microsoft.com/office/powerpoint/2010/main" val="167615377"/>
       </p:ext>
     </p:extLst>
   </p:cSld>
@@ -5553,11 +5983,11 @@
 </file>
 
 <file path=ppt/notesSlides/notesSlide9.xml><?xml version="1.0" encoding="utf-8"?>
-<p:notes xmlns:a="http://schemas.openxmlformats.org/drawingml/2006/main" xmlns:r="http://schemas.openxmlformats.org/officeDocument/2006/relationships" xmlns:p="http://schemas.openxmlformats.org/presentationml/2006/main" showMasterSp="0" showMasterPhAnim="0">
+<p:notes xmlns:a="http://schemas.openxmlformats.org/drawingml/2006/main" xmlns:r="http://schemas.openxmlformats.org/officeDocument/2006/relationships" xmlns:p="http://schemas.openxmlformats.org/presentationml/2006/main">
   <p:cSld>
     <p:spTree>
       <p:nvGrpSpPr>
-        <p:cNvPr id="1" name="Shape 212"/>
+        <p:cNvPr id="1" name=""/>
         <p:cNvGrpSpPr/>
         <p:nvPr/>
       </p:nvGrpSpPr>
@@ -5571,84 +6001,64 @@
       </p:grpSpPr>
       <p:sp>
         <p:nvSpPr>
-          <p:cNvPr id="213" name="Google Shape;213;p8:notes"/>
-          <p:cNvSpPr txBox="1">
+          <p:cNvPr id="2" name="Slide Image Placeholder 1"/>
+          <p:cNvSpPr>
+            <a:spLocks noGrp="1" noRot="1" noChangeAspect="1"/>
+          </p:cNvSpPr>
+          <p:nvPr>
+            <p:ph type="sldImg"/>
+          </p:nvPr>
+        </p:nvSpPr>
+        <p:spPr/>
+      </p:sp>
+      <p:sp>
+        <p:nvSpPr>
+          <p:cNvPr id="3" name="Notes Placeholder 2"/>
+          <p:cNvSpPr>
             <a:spLocks noGrp="1"/>
           </p:cNvSpPr>
           <p:nvPr>
             <p:ph type="body" idx="1"/>
           </p:nvPr>
         </p:nvSpPr>
-        <p:spPr>
-          <a:xfrm>
-            <a:off x="685800" y="4400550"/>
-            <a:ext cx="5486400" cy="3600450"/>
-          </a:xfrm>
-          <a:prstGeom prst="rect">
-            <a:avLst/>
-          </a:prstGeom>
-        </p:spPr>
+        <p:spPr/>
         <p:txBody>
-          <a:bodyPr spcFirstLastPara="1" wrap="square" lIns="91425" tIns="45700" rIns="91425" bIns="45700" anchor="t" anchorCtr="0">
-            <a:noAutofit/>
-          </a:bodyPr>
+          <a:bodyPr/>
           <a:lstStyle/>
           <a:p>
-            <a:pPr marL="0" lvl="0" indent="0" algn="l" rtl="0">
-              <a:spcBef>
-                <a:spcPts val="0"/>
-              </a:spcBef>
-              <a:spcAft>
-                <a:spcPts val="0"/>
-              </a:spcAft>
-              <a:buNone/>
-            </a:pPr>
-            <a:endParaRPr/>
+            <a:endParaRPr lang="de-CH" dirty="0"/>
           </a:p>
         </p:txBody>
       </p:sp>
       <p:sp>
         <p:nvSpPr>
-          <p:cNvPr id="214" name="Google Shape;214;p8:notes"/>
+          <p:cNvPr id="4" name="Slide Number Placeholder 3"/>
           <p:cNvSpPr>
-            <a:spLocks noGrp="1" noRot="1" noChangeAspect="1"/>
+            <a:spLocks noGrp="1"/>
           </p:cNvSpPr>
           <p:nvPr>
-            <p:ph type="sldImg" idx="2"/>
+            <p:ph type="sldNum" sz="quarter" idx="5"/>
           </p:nvPr>
         </p:nvSpPr>
-        <p:spPr>
-          <a:xfrm>
-            <a:off x="685800" y="1143000"/>
-            <a:ext cx="5486400" cy="3086100"/>
-          </a:xfrm>
-          <a:custGeom>
-            <a:avLst/>
-            <a:gdLst/>
-            <a:ahLst/>
-            <a:cxnLst/>
-            <a:rect l="l" t="t" r="r" b="b"/>
-            <a:pathLst>
-              <a:path w="120000" h="120000" extrusionOk="0">
-                <a:moveTo>
-                  <a:pt x="0" y="0"/>
-                </a:moveTo>
-                <a:lnTo>
-                  <a:pt x="120000" y="0"/>
-                </a:lnTo>
-                <a:lnTo>
-                  <a:pt x="120000" y="120000"/>
-                </a:lnTo>
-                <a:lnTo>
-                  <a:pt x="0" y="120000"/>
-                </a:lnTo>
-                <a:close/>
-              </a:path>
-            </a:pathLst>
-          </a:custGeom>
-        </p:spPr>
+        <p:spPr/>
+        <p:txBody>
+          <a:bodyPr/>
+          <a:lstStyle/>
+          <a:p>
+            <a:fld id="{2BBC52A0-2F3F-497F-8536-39D60282E9C2}" type="slidenum">
+              <a:rPr lang="de-CH" smtClean="0"/>
+              <a:t>12</a:t>
+            </a:fld>
+            <a:endParaRPr lang="de-CH"/>
+          </a:p>
+        </p:txBody>
       </p:sp>
     </p:spTree>
+    <p:extLst>
+      <p:ext uri="{BB962C8B-B14F-4D97-AF65-F5344CB8AC3E}">
+        <p14:creationId xmlns:p14="http://schemas.microsoft.com/office/powerpoint/2010/main" val="2261027754"/>
+      </p:ext>
+    </p:extLst>
   </p:cSld>
   <p:clrMapOvr>
     <a:masterClrMapping/>
@@ -10631,9 +11041,2602 @@
           <a:bodyPr/>
           <a:lstStyle/>
           <a:p>
+            <a:pPr marL="0" marR="0" lvl="0" indent="0" algn="r" defTabSz="914400" rtl="0" eaLnBrk="1" fontAlgn="auto" latinLnBrk="0" hangingPunct="1">
+              <a:lnSpc>
+                <a:spcPct val="100000"/>
+              </a:lnSpc>
+              <a:spcBef>
+                <a:spcPts val="0"/>
+              </a:spcBef>
+              <a:spcAft>
+                <a:spcPts val="0"/>
+              </a:spcAft>
+              <a:buClrTx/>
+              <a:buSzTx/>
+              <a:buFontTx/>
+              <a:buNone/>
+              <a:tabLst/>
+              <a:defRPr/>
+            </a:pPr>
+            <a:fld id="{FC4AC485-25DE-431E-B345-9C0A15BB7F8A}" type="slidenum">
+              <a:rPr kumimoji="0" lang="en-US" sz="1400" b="0" i="0" u="none" strike="noStrike" kern="1200" cap="none" spc="0" normalizeH="0" baseline="0" noProof="0" smtClean="0">
+                <a:ln>
+                  <a:noFill/>
+                </a:ln>
+                <a:solidFill>
+                  <a:prstClr val="black">
+                    <a:tint val="75000"/>
+                  </a:prstClr>
+                </a:solidFill>
+                <a:effectLst/>
+                <a:uLnTx/>
+                <a:uFillTx/>
+                <a:latin typeface="Calibri" panose="020F0502020204030204"/>
+                <a:ea typeface="+mn-ea"/>
+                <a:cs typeface="+mn-cs"/>
+              </a:rPr>
+              <a:pPr marL="0" marR="0" lvl="0" indent="0" algn="r" defTabSz="914400" rtl="0" eaLnBrk="1" fontAlgn="auto" latinLnBrk="0" hangingPunct="1">
+                <a:lnSpc>
+                  <a:spcPct val="100000"/>
+                </a:lnSpc>
+                <a:spcBef>
+                  <a:spcPts val="0"/>
+                </a:spcBef>
+                <a:spcAft>
+                  <a:spcPts val="0"/>
+                </a:spcAft>
+                <a:buClrTx/>
+                <a:buSzTx/>
+                <a:buFontTx/>
+                <a:buNone/>
+                <a:tabLst/>
+                <a:defRPr/>
+              </a:pPr>
+              <a:t>10</a:t>
+            </a:fld>
+            <a:endParaRPr kumimoji="0" lang="en-US" sz="1400" b="0" i="0" u="none" strike="noStrike" kern="1200" cap="none" spc="0" normalizeH="0" baseline="0" noProof="0" dirty="0">
+              <a:ln>
+                <a:noFill/>
+              </a:ln>
+              <a:solidFill>
+                <a:prstClr val="black">
+                  <a:tint val="75000"/>
+                </a:prstClr>
+              </a:solidFill>
+              <a:effectLst/>
+              <a:uLnTx/>
+              <a:uFillTx/>
+              <a:latin typeface="Calibri" panose="020F0502020204030204"/>
+              <a:ea typeface="+mn-ea"/>
+              <a:cs typeface="+mn-cs"/>
+            </a:endParaRPr>
+          </a:p>
+        </p:txBody>
+      </p:sp>
+      <p:sp>
+        <p:nvSpPr>
+          <p:cNvPr id="2" name="Text Placeholder 10">
+            <a:extLst>
+              <a:ext uri="{FF2B5EF4-FFF2-40B4-BE49-F238E27FC236}">
+                <a16:creationId xmlns:a16="http://schemas.microsoft.com/office/drawing/2014/main" id="{0E0DAD8A-94CD-EADA-C24A-D442928BA111}"/>
+              </a:ext>
+            </a:extLst>
+          </p:cNvPr>
+          <p:cNvSpPr txBox="1">
+            <a:spLocks/>
+          </p:cNvSpPr>
+          <p:nvPr/>
+        </p:nvSpPr>
+        <p:spPr bwMode="black">
+          <a:xfrm>
+            <a:off x="2823598" y="1891619"/>
+            <a:ext cx="3530068" cy="926996"/>
+          </a:xfrm>
+          <a:prstGeom prst="rect">
+            <a:avLst/>
+          </a:prstGeom>
+        </p:spPr>
+        <p:txBody>
+          <a:bodyPr lIns="0" tIns="28800" rIns="0" bIns="28800" anchor="b"/>
+          <a:lstStyle>
+            <a:lvl1pPr marL="0" indent="0" algn="l" defTabSz="914400" rtl="0" eaLnBrk="1" latinLnBrk="0" hangingPunct="1">
+              <a:lnSpc>
+                <a:spcPct val="90000"/>
+              </a:lnSpc>
+              <a:spcBef>
+                <a:spcPts val="0"/>
+              </a:spcBef>
+              <a:spcAft>
+                <a:spcPts val="0"/>
+              </a:spcAft>
+              <a:buFont typeface="Arial" panose="020B0604020202020204" pitchFamily="34" charset="0"/>
+              <a:buNone/>
+              <a:defRPr sz="3200" b="1" kern="1200">
+                <a:solidFill>
+                  <a:schemeClr val="tx1"/>
+                </a:solidFill>
+                <a:latin typeface="+mj-lt"/>
+                <a:ea typeface="+mn-ea"/>
+                <a:cs typeface="+mn-cs"/>
+              </a:defRPr>
+            </a:lvl1pPr>
+            <a:lvl2pPr marL="0" indent="0" algn="l" defTabSz="914400" rtl="0" eaLnBrk="1" latinLnBrk="0" hangingPunct="1">
+              <a:lnSpc>
+                <a:spcPct val="90000"/>
+              </a:lnSpc>
+              <a:spcBef>
+                <a:spcPts val="0"/>
+              </a:spcBef>
+              <a:spcAft>
+                <a:spcPts val="0"/>
+              </a:spcAft>
+              <a:buFont typeface="Arial" panose="020B0604020202020204" pitchFamily="34" charset="0"/>
+              <a:buNone/>
+              <a:defRPr sz="3200" b="1" kern="1200">
+                <a:solidFill>
+                  <a:schemeClr val="tx1"/>
+                </a:solidFill>
+                <a:latin typeface="+mj-lt"/>
+                <a:ea typeface="+mn-ea"/>
+                <a:cs typeface="+mn-cs"/>
+              </a:defRPr>
+            </a:lvl2pPr>
+            <a:lvl3pPr marL="0" indent="0" algn="l" defTabSz="914400" rtl="0" eaLnBrk="1" latinLnBrk="0" hangingPunct="1">
+              <a:lnSpc>
+                <a:spcPct val="90000"/>
+              </a:lnSpc>
+              <a:spcBef>
+                <a:spcPts val="0"/>
+              </a:spcBef>
+              <a:spcAft>
+                <a:spcPts val="0"/>
+              </a:spcAft>
+              <a:buFont typeface="TheSans Swisscom Light" panose="020B0300040303060204" pitchFamily="34" charset="0"/>
+              <a:buNone/>
+              <a:defRPr sz="3200" b="1" kern="1200">
+                <a:solidFill>
+                  <a:schemeClr val="tx1"/>
+                </a:solidFill>
+                <a:latin typeface="+mj-lt"/>
+                <a:ea typeface="+mn-ea"/>
+                <a:cs typeface="+mn-cs"/>
+              </a:defRPr>
+            </a:lvl3pPr>
+            <a:lvl4pPr marL="0" indent="0" algn="l" defTabSz="914400" rtl="0" eaLnBrk="1" latinLnBrk="0" hangingPunct="1">
+              <a:lnSpc>
+                <a:spcPct val="90000"/>
+              </a:lnSpc>
+              <a:spcBef>
+                <a:spcPts val="0"/>
+              </a:spcBef>
+              <a:spcAft>
+                <a:spcPts val="0"/>
+              </a:spcAft>
+              <a:buFont typeface="TheSans Swisscom Light" panose="020B0300040303060204" pitchFamily="34" charset="0"/>
+              <a:buNone/>
+              <a:defRPr sz="3200" b="1" kern="1200">
+                <a:solidFill>
+                  <a:schemeClr val="tx1"/>
+                </a:solidFill>
+                <a:latin typeface="+mj-lt"/>
+                <a:ea typeface="+mn-ea"/>
+                <a:cs typeface="+mn-cs"/>
+              </a:defRPr>
+            </a:lvl4pPr>
+            <a:lvl5pPr marL="0" indent="0" algn="l" defTabSz="914400" rtl="0" eaLnBrk="1" latinLnBrk="0" hangingPunct="1">
+              <a:lnSpc>
+                <a:spcPct val="90000"/>
+              </a:lnSpc>
+              <a:spcBef>
+                <a:spcPts val="0"/>
+              </a:spcBef>
+              <a:spcAft>
+                <a:spcPts val="0"/>
+              </a:spcAft>
+              <a:buFont typeface="TheSans Swisscom Light" panose="020B0300040303060204" pitchFamily="34" charset="0"/>
+              <a:buNone/>
+              <a:defRPr sz="3200" b="1" kern="1200">
+                <a:solidFill>
+                  <a:schemeClr val="tx1"/>
+                </a:solidFill>
+                <a:latin typeface="+mj-lt"/>
+                <a:ea typeface="+mn-ea"/>
+                <a:cs typeface="+mn-cs"/>
+              </a:defRPr>
+            </a:lvl5pPr>
+            <a:lvl6pPr marL="0" indent="0" algn="l" defTabSz="914400" rtl="0" eaLnBrk="1" latinLnBrk="0" hangingPunct="1">
+              <a:lnSpc>
+                <a:spcPct val="90000"/>
+              </a:lnSpc>
+              <a:spcBef>
+                <a:spcPts val="0"/>
+              </a:spcBef>
+              <a:spcAft>
+                <a:spcPts val="0"/>
+              </a:spcAft>
+              <a:buFont typeface="TheSans Swisscom Light" panose="020B0300040303060204" pitchFamily="34" charset="0"/>
+              <a:buNone/>
+              <a:defRPr sz="3200" b="1" kern="1200">
+                <a:solidFill>
+                  <a:schemeClr val="tx1"/>
+                </a:solidFill>
+                <a:latin typeface="+mj-lt"/>
+                <a:ea typeface="+mn-ea"/>
+                <a:cs typeface="+mn-cs"/>
+              </a:defRPr>
+            </a:lvl6pPr>
+            <a:lvl7pPr marL="0" indent="0" algn="l" defTabSz="914400" rtl="0" eaLnBrk="1" latinLnBrk="0" hangingPunct="1">
+              <a:lnSpc>
+                <a:spcPct val="90000"/>
+              </a:lnSpc>
+              <a:spcBef>
+                <a:spcPts val="0"/>
+              </a:spcBef>
+              <a:spcAft>
+                <a:spcPts val="0"/>
+              </a:spcAft>
+              <a:buFont typeface="TheSans Swisscom Light" panose="020B0300040303060204" pitchFamily="34" charset="0"/>
+              <a:buNone/>
+              <a:defRPr sz="3200" b="1" kern="1200">
+                <a:solidFill>
+                  <a:schemeClr val="tx1"/>
+                </a:solidFill>
+                <a:latin typeface="+mj-lt"/>
+                <a:ea typeface="+mn-ea"/>
+                <a:cs typeface="+mn-cs"/>
+              </a:defRPr>
+            </a:lvl7pPr>
+            <a:lvl8pPr marL="0" indent="0" algn="l" defTabSz="914400" rtl="0" eaLnBrk="1" latinLnBrk="0" hangingPunct="1">
+              <a:lnSpc>
+                <a:spcPct val="90000"/>
+              </a:lnSpc>
+              <a:spcBef>
+                <a:spcPts val="0"/>
+              </a:spcBef>
+              <a:spcAft>
+                <a:spcPts val="0"/>
+              </a:spcAft>
+              <a:buFont typeface="TheSans Swisscom Light" panose="020B0300040303060204" pitchFamily="34" charset="0"/>
+              <a:buNone/>
+              <a:defRPr sz="3200" b="1" kern="1200">
+                <a:solidFill>
+                  <a:schemeClr val="tx1"/>
+                </a:solidFill>
+                <a:latin typeface="+mj-lt"/>
+                <a:ea typeface="+mn-ea"/>
+                <a:cs typeface="+mn-cs"/>
+              </a:defRPr>
+            </a:lvl8pPr>
+            <a:lvl9pPr marL="0" indent="0" algn="l" defTabSz="914400" rtl="0" eaLnBrk="1" latinLnBrk="0" hangingPunct="1">
+              <a:lnSpc>
+                <a:spcPct val="90000"/>
+              </a:lnSpc>
+              <a:spcBef>
+                <a:spcPts val="0"/>
+              </a:spcBef>
+              <a:spcAft>
+                <a:spcPts val="0"/>
+              </a:spcAft>
+              <a:buFont typeface="TheSans Swisscom Light" panose="020B0300040303060204" pitchFamily="34" charset="0"/>
+              <a:buNone/>
+              <a:defRPr sz="3200" b="1" kern="1200">
+                <a:solidFill>
+                  <a:schemeClr val="tx1"/>
+                </a:solidFill>
+                <a:latin typeface="+mj-lt"/>
+                <a:ea typeface="+mn-ea"/>
+                <a:cs typeface="+mn-cs"/>
+              </a:defRPr>
+            </a:lvl9pPr>
+          </a:lstStyle>
+          <a:p>
+            <a:pPr marL="0" marR="0" lvl="0" indent="0" algn="l" defTabSz="914400" rtl="0" eaLnBrk="1" fontAlgn="auto" latinLnBrk="0" hangingPunct="1">
+              <a:lnSpc>
+                <a:spcPct val="90000"/>
+              </a:lnSpc>
+              <a:spcBef>
+                <a:spcPts val="0"/>
+              </a:spcBef>
+              <a:spcAft>
+                <a:spcPts val="0"/>
+              </a:spcAft>
+              <a:buClrTx/>
+              <a:buSzTx/>
+              <a:buFont typeface="Arial" panose="020B0604020202020204" pitchFamily="34" charset="0"/>
+              <a:buNone/>
+              <a:tabLst/>
+              <a:defRPr/>
+            </a:pPr>
+            <a:r>
+              <a:rPr kumimoji="0" lang="en-US" sz="3200" b="1" i="0" u="none" strike="noStrike" kern="1200" cap="none" spc="-50" normalizeH="0" baseline="0" noProof="0" dirty="0">
+                <a:ln>
+                  <a:noFill/>
+                </a:ln>
+                <a:solidFill>
+                  <a:prstClr val="black"/>
+                </a:solidFill>
+                <a:effectLst/>
+                <a:uLnTx/>
+                <a:uFillTx/>
+                <a:latin typeface="Calibri Light" panose="020F0302020204030204"/>
+                <a:ea typeface="+mn-ea"/>
+                <a:cs typeface="+mn-cs"/>
+              </a:rPr>
+              <a:t>Network Anomaly Detection</a:t>
+            </a:r>
+          </a:p>
+        </p:txBody>
+      </p:sp>
+      <p:sp>
+        <p:nvSpPr>
+          <p:cNvPr id="3" name="Inhaltsplatzhalter 2">
+            <a:extLst>
+              <a:ext uri="{FF2B5EF4-FFF2-40B4-BE49-F238E27FC236}">
+                <a16:creationId xmlns:a16="http://schemas.microsoft.com/office/drawing/2014/main" id="{01913334-AF3D-1C65-5BD7-83A59BC04A95}"/>
+              </a:ext>
+            </a:extLst>
+          </p:cNvPr>
+          <p:cNvSpPr txBox="1">
+            <a:spLocks/>
+          </p:cNvSpPr>
+          <p:nvPr/>
+        </p:nvSpPr>
+        <p:spPr bwMode="black">
+          <a:xfrm>
+            <a:off x="1033895" y="3414211"/>
+            <a:ext cx="5806744" cy="2842871"/>
+          </a:xfrm>
+          <a:prstGeom prst="rect">
+            <a:avLst/>
+          </a:prstGeom>
+        </p:spPr>
+        <p:txBody>
+          <a:bodyPr wrap="square" lIns="0" tIns="0" rIns="0" bIns="0"/>
+          <a:lstStyle>
+            <a:lvl1pPr marL="0" indent="0" algn="l" defTabSz="914400" rtl="0" eaLnBrk="1" latinLnBrk="0" hangingPunct="1">
+              <a:lnSpc>
+                <a:spcPct val="110000"/>
+              </a:lnSpc>
+              <a:spcBef>
+                <a:spcPts val="600"/>
+              </a:spcBef>
+              <a:spcAft>
+                <a:spcPts val="600"/>
+              </a:spcAft>
+              <a:buFont typeface="Arial" panose="020B0604020202020204" pitchFamily="34" charset="0"/>
+              <a:buNone/>
+              <a:defRPr sz="2000" b="0" kern="1200">
+                <a:solidFill>
+                  <a:schemeClr val="tx1"/>
+                </a:solidFill>
+                <a:latin typeface="+mn-lt"/>
+                <a:ea typeface="+mn-ea"/>
+                <a:cs typeface="+mn-cs"/>
+              </a:defRPr>
+            </a:lvl1pPr>
+            <a:lvl2pPr marL="216000" indent="-216000" algn="l" defTabSz="914400" rtl="0" eaLnBrk="1" latinLnBrk="0" hangingPunct="1">
+              <a:lnSpc>
+                <a:spcPct val="110000"/>
+              </a:lnSpc>
+              <a:spcBef>
+                <a:spcPts val="200"/>
+              </a:spcBef>
+              <a:spcAft>
+                <a:spcPts val="200"/>
+              </a:spcAft>
+              <a:buFont typeface="Arial" panose="020B0604020202020204" pitchFamily="34" charset="0"/>
+              <a:buChar char="•"/>
+              <a:defRPr sz="2000" kern="1200">
+                <a:solidFill>
+                  <a:schemeClr val="tx1"/>
+                </a:solidFill>
+                <a:latin typeface="+mn-lt"/>
+                <a:ea typeface="+mn-ea"/>
+                <a:cs typeface="+mn-cs"/>
+              </a:defRPr>
+            </a:lvl2pPr>
+            <a:lvl3pPr marL="504000" indent="-288000" algn="l" defTabSz="914400" rtl="0" eaLnBrk="1" latinLnBrk="0" hangingPunct="1">
+              <a:lnSpc>
+                <a:spcPct val="110000"/>
+              </a:lnSpc>
+              <a:spcBef>
+                <a:spcPts val="200"/>
+              </a:spcBef>
+              <a:spcAft>
+                <a:spcPts val="200"/>
+              </a:spcAft>
+              <a:buFont typeface="TheSans Swisscom Light" panose="020B0300040303060204" pitchFamily="34" charset="0"/>
+              <a:buChar char="−"/>
+              <a:defRPr sz="2000" kern="1200">
+                <a:solidFill>
+                  <a:schemeClr val="tx1"/>
+                </a:solidFill>
+                <a:latin typeface="+mn-lt"/>
+                <a:ea typeface="+mn-ea"/>
+                <a:cs typeface="+mn-cs"/>
+              </a:defRPr>
+            </a:lvl3pPr>
+            <a:lvl4pPr marL="792000" indent="-288000" algn="l" defTabSz="914400" rtl="0" eaLnBrk="1" latinLnBrk="0" hangingPunct="1">
+              <a:lnSpc>
+                <a:spcPct val="110000"/>
+              </a:lnSpc>
+              <a:spcBef>
+                <a:spcPts val="200"/>
+              </a:spcBef>
+              <a:spcAft>
+                <a:spcPts val="200"/>
+              </a:spcAft>
+              <a:buFont typeface="TheSans Swisscom Light" panose="020B0300040303060204" pitchFamily="34" charset="0"/>
+              <a:buChar char="−"/>
+              <a:defRPr sz="2000" kern="1200">
+                <a:solidFill>
+                  <a:schemeClr val="tx1"/>
+                </a:solidFill>
+                <a:latin typeface="+mn-lt"/>
+                <a:ea typeface="+mn-ea"/>
+                <a:cs typeface="+mn-cs"/>
+              </a:defRPr>
+            </a:lvl4pPr>
+            <a:lvl5pPr marL="792000" indent="-288000" algn="l" defTabSz="914400" rtl="0" eaLnBrk="1" latinLnBrk="0" hangingPunct="1">
+              <a:lnSpc>
+                <a:spcPct val="110000"/>
+              </a:lnSpc>
+              <a:spcBef>
+                <a:spcPts val="200"/>
+              </a:spcBef>
+              <a:spcAft>
+                <a:spcPts val="200"/>
+              </a:spcAft>
+              <a:buFont typeface="TheSans Swisscom Light" panose="020B0300040303060204" pitchFamily="34" charset="0"/>
+              <a:buChar char="−"/>
+              <a:defRPr sz="2000" kern="1200">
+                <a:solidFill>
+                  <a:schemeClr val="tx1"/>
+                </a:solidFill>
+                <a:latin typeface="+mn-lt"/>
+                <a:ea typeface="+mn-ea"/>
+                <a:cs typeface="+mn-cs"/>
+              </a:defRPr>
+            </a:lvl5pPr>
+            <a:lvl6pPr marL="792000" indent="-288000" algn="l" defTabSz="914400" rtl="0" eaLnBrk="1" latinLnBrk="0" hangingPunct="1">
+              <a:lnSpc>
+                <a:spcPct val="110000"/>
+              </a:lnSpc>
+              <a:spcBef>
+                <a:spcPts val="200"/>
+              </a:spcBef>
+              <a:spcAft>
+                <a:spcPts val="200"/>
+              </a:spcAft>
+              <a:buFont typeface="TheSans Swisscom Light" panose="020B0300040303060204" pitchFamily="34" charset="0"/>
+              <a:buChar char="−"/>
+              <a:defRPr sz="2000" kern="1200">
+                <a:solidFill>
+                  <a:schemeClr val="tx1"/>
+                </a:solidFill>
+                <a:latin typeface="+mn-lt"/>
+                <a:ea typeface="+mn-ea"/>
+                <a:cs typeface="+mn-cs"/>
+              </a:defRPr>
+            </a:lvl6pPr>
+            <a:lvl7pPr marL="792000" indent="-288000" algn="l" defTabSz="914400" rtl="0" eaLnBrk="1" latinLnBrk="0" hangingPunct="1">
+              <a:lnSpc>
+                <a:spcPct val="110000"/>
+              </a:lnSpc>
+              <a:spcBef>
+                <a:spcPts val="200"/>
+              </a:spcBef>
+              <a:spcAft>
+                <a:spcPts val="200"/>
+              </a:spcAft>
+              <a:buFont typeface="TheSans Swisscom Light" panose="020B0300040303060204" pitchFamily="34" charset="0"/>
+              <a:buChar char="−"/>
+              <a:defRPr sz="2000" kern="1200">
+                <a:solidFill>
+                  <a:schemeClr val="tx1"/>
+                </a:solidFill>
+                <a:latin typeface="+mn-lt"/>
+                <a:ea typeface="+mn-ea"/>
+                <a:cs typeface="+mn-cs"/>
+              </a:defRPr>
+            </a:lvl7pPr>
+            <a:lvl8pPr marL="792000" indent="-288000" algn="l" defTabSz="914400" rtl="0" eaLnBrk="1" latinLnBrk="0" hangingPunct="1">
+              <a:lnSpc>
+                <a:spcPct val="110000"/>
+              </a:lnSpc>
+              <a:spcBef>
+                <a:spcPts val="200"/>
+              </a:spcBef>
+              <a:spcAft>
+                <a:spcPts val="200"/>
+              </a:spcAft>
+              <a:buFont typeface="TheSans Swisscom Light" panose="020B0300040303060204" pitchFamily="34" charset="0"/>
+              <a:buChar char="−"/>
+              <a:defRPr sz="2000" kern="1200">
+                <a:solidFill>
+                  <a:schemeClr val="tx1"/>
+                </a:solidFill>
+                <a:latin typeface="+mn-lt"/>
+                <a:ea typeface="+mn-ea"/>
+                <a:cs typeface="+mn-cs"/>
+              </a:defRPr>
+            </a:lvl8pPr>
+            <a:lvl9pPr marL="792000" indent="-288000" algn="l" defTabSz="914400" rtl="0" eaLnBrk="1" latinLnBrk="0" hangingPunct="1">
+              <a:lnSpc>
+                <a:spcPct val="110000"/>
+              </a:lnSpc>
+              <a:spcBef>
+                <a:spcPts val="200"/>
+              </a:spcBef>
+              <a:spcAft>
+                <a:spcPts val="200"/>
+              </a:spcAft>
+              <a:buFont typeface="TheSans Swisscom Light" panose="020B0300040303060204" pitchFamily="34" charset="0"/>
+              <a:buChar char="−"/>
+              <a:defRPr sz="2000" kern="1200">
+                <a:solidFill>
+                  <a:schemeClr val="tx1"/>
+                </a:solidFill>
+                <a:latin typeface="+mn-lt"/>
+                <a:ea typeface="+mn-ea"/>
+                <a:cs typeface="+mn-cs"/>
+              </a:defRPr>
+            </a:lvl9pPr>
+          </a:lstStyle>
+          <a:p>
+            <a:pPr marL="0" marR="0" lvl="0" indent="0" algn="l" defTabSz="914400" rtl="0" eaLnBrk="1" fontAlgn="auto" latinLnBrk="0" hangingPunct="1">
+              <a:lnSpc>
+                <a:spcPct val="110000"/>
+              </a:lnSpc>
+              <a:spcBef>
+                <a:spcPts val="600"/>
+              </a:spcBef>
+              <a:spcAft>
+                <a:spcPts val="600"/>
+              </a:spcAft>
+              <a:buClrTx/>
+              <a:buSzTx/>
+              <a:buFont typeface="Arial" panose="020B0604020202020204" pitchFamily="34" charset="0"/>
+              <a:buNone/>
+              <a:tabLst/>
+              <a:defRPr/>
+            </a:pPr>
+            <a:r>
+              <a:rPr kumimoji="0" lang="en-US" sz="2000" b="1" i="0" u="none" strike="noStrike" kern="1200" cap="none" spc="0" normalizeH="0" baseline="0" noProof="0" dirty="0">
+                <a:ln>
+                  <a:noFill/>
+                </a:ln>
+                <a:solidFill>
+                  <a:srgbClr val="FF0000"/>
+                </a:solidFill>
+                <a:effectLst/>
+                <a:uLnTx/>
+                <a:uFillTx/>
+                <a:latin typeface="Calibri" panose="020F0502020204030204"/>
+                <a:ea typeface="+mn-ea"/>
+                <a:cs typeface="+mn-cs"/>
+              </a:rPr>
+              <a:t>For Connectivity Services</a:t>
+            </a:r>
+            <a:r>
+              <a:rPr kumimoji="0" lang="en-US" sz="2000" b="0" i="0" u="none" strike="noStrike" kern="1200" cap="none" spc="0" normalizeH="0" baseline="0" noProof="0" dirty="0">
+                <a:ln>
+                  <a:noFill/>
+                </a:ln>
+                <a:solidFill>
+                  <a:prstClr val="black"/>
+                </a:solidFill>
+                <a:effectLst/>
+                <a:uLnTx/>
+                <a:uFillTx/>
+                <a:latin typeface="Calibri" panose="020F0502020204030204"/>
+                <a:ea typeface="+mn-ea"/>
+                <a:cs typeface="+mn-cs"/>
+              </a:rPr>
+              <a:t>, Network Anomaly Detection </a:t>
+            </a:r>
+            <a:r>
+              <a:rPr kumimoji="0" lang="en-US" sz="2000" b="1" i="0" u="none" strike="noStrike" kern="1200" cap="none" spc="0" normalizeH="0" baseline="0" noProof="0" dirty="0">
+                <a:ln>
+                  <a:noFill/>
+                </a:ln>
+                <a:solidFill>
+                  <a:srgbClr val="FF0000"/>
+                </a:solidFill>
+                <a:effectLst/>
+                <a:uLnTx/>
+                <a:uFillTx/>
+                <a:latin typeface="Calibri" panose="020F0502020204030204"/>
+                <a:ea typeface="+mn-ea"/>
+                <a:cs typeface="+mn-cs"/>
+              </a:rPr>
+              <a:t>constantly monitors and detects any network or device topology change</a:t>
+            </a:r>
+            <a:r>
+              <a:rPr kumimoji="0" lang="en-US" sz="2000" b="0" i="0" u="none" strike="noStrike" kern="1200" cap="none" spc="0" normalizeH="0" baseline="0" noProof="0" dirty="0">
+                <a:ln>
+                  <a:noFill/>
+                </a:ln>
+                <a:solidFill>
+                  <a:prstClr val="black"/>
+                </a:solidFill>
+                <a:effectLst/>
+                <a:uLnTx/>
+                <a:uFillTx/>
+                <a:latin typeface="Calibri" panose="020F0502020204030204"/>
+                <a:ea typeface="+mn-ea"/>
+                <a:cs typeface="+mn-cs"/>
+              </a:rPr>
+              <a:t>, along with their associated forwarding consequences for customers as outliers. Notifications are sent to the Network Operation Center before the customer is aware of service disruptions. </a:t>
+            </a:r>
+            <a:r>
+              <a:rPr kumimoji="0" lang="en-US" sz="2000" b="1" i="0" u="none" strike="noStrike" kern="1200" cap="none" spc="0" normalizeH="0" baseline="0" noProof="0" dirty="0">
+                <a:ln>
+                  <a:noFill/>
+                </a:ln>
+                <a:solidFill>
+                  <a:srgbClr val="FF0000"/>
+                </a:solidFill>
+                <a:effectLst/>
+                <a:uLnTx/>
+                <a:uFillTx/>
+                <a:latin typeface="Calibri" panose="020F0502020204030204"/>
+                <a:ea typeface="+mn-ea"/>
+                <a:cs typeface="+mn-cs"/>
+              </a:rPr>
+              <a:t>It offers operational metrics for in-depth analysis,</a:t>
+            </a:r>
+            <a:r>
+              <a:rPr kumimoji="0" lang="en-US" sz="2000" b="0" i="0" u="none" strike="noStrike" kern="1200" cap="none" spc="0" normalizeH="0" baseline="0" noProof="0" dirty="0">
+                <a:ln>
+                  <a:noFill/>
+                </a:ln>
+                <a:solidFill>
+                  <a:srgbClr val="FF0000"/>
+                </a:solidFill>
+                <a:effectLst/>
+                <a:uLnTx/>
+                <a:uFillTx/>
+                <a:latin typeface="Calibri" panose="020F0502020204030204"/>
+                <a:ea typeface="+mn-ea"/>
+                <a:cs typeface="+mn-cs"/>
+              </a:rPr>
+              <a:t> </a:t>
+            </a:r>
+            <a:r>
+              <a:rPr kumimoji="0" lang="en-US" sz="2000" b="0" i="0" u="none" strike="noStrike" kern="1200" cap="none" spc="0" normalizeH="0" baseline="0" noProof="0" dirty="0">
+                <a:ln>
+                  <a:noFill/>
+                </a:ln>
+                <a:solidFill>
+                  <a:prstClr val="black"/>
+                </a:solidFill>
+                <a:effectLst/>
+                <a:uLnTx/>
+                <a:uFillTx/>
+                <a:latin typeface="Calibri" panose="020F0502020204030204"/>
+                <a:ea typeface="+mn-ea"/>
+                <a:cs typeface="+mn-cs"/>
+              </a:rPr>
+              <a:t>allowing to understand in which platform the problem originates and facilitates problem resolution. </a:t>
+            </a:r>
+          </a:p>
+        </p:txBody>
+      </p:sp>
+      <p:sp>
+        <p:nvSpPr>
+          <p:cNvPr id="4" name="Inhaltsplatzhalter 1">
+            <a:extLst>
+              <a:ext uri="{FF2B5EF4-FFF2-40B4-BE49-F238E27FC236}">
+                <a16:creationId xmlns:a16="http://schemas.microsoft.com/office/drawing/2014/main" id="{24F2E4A1-9E2D-0EF1-0811-4E46B062701C}"/>
+              </a:ext>
+            </a:extLst>
+          </p:cNvPr>
+          <p:cNvSpPr txBox="1">
+            <a:spLocks/>
+          </p:cNvSpPr>
+          <p:nvPr/>
+        </p:nvSpPr>
+        <p:spPr bwMode="black">
+          <a:xfrm>
+            <a:off x="7514368" y="1734999"/>
+            <a:ext cx="4391685" cy="4842300"/>
+          </a:xfrm>
+          <a:prstGeom prst="rect">
+            <a:avLst/>
+          </a:prstGeom>
+        </p:spPr>
+        <p:txBody>
+          <a:bodyPr lIns="0" tIns="0" rIns="0" bIns="0" anchor="t"/>
+          <a:lstStyle>
+            <a:lvl1pPr marL="0" indent="0" algn="l" defTabSz="914400" rtl="0" eaLnBrk="1" latinLnBrk="0" hangingPunct="1">
+              <a:lnSpc>
+                <a:spcPct val="110000"/>
+              </a:lnSpc>
+              <a:spcBef>
+                <a:spcPts val="600"/>
+              </a:spcBef>
+              <a:spcAft>
+                <a:spcPts val="600"/>
+              </a:spcAft>
+              <a:buFont typeface="Arial" panose="020B0604020202020204" pitchFamily="34" charset="0"/>
+              <a:buNone/>
+              <a:defRPr sz="1600" b="0" kern="1200">
+                <a:solidFill>
+                  <a:schemeClr val="tx1"/>
+                </a:solidFill>
+                <a:latin typeface="+mn-lt"/>
+                <a:ea typeface="+mn-ea"/>
+                <a:cs typeface="+mn-cs"/>
+              </a:defRPr>
+            </a:lvl1pPr>
+            <a:lvl2pPr marL="180000" indent="-180000" algn="l" defTabSz="914400" rtl="0" eaLnBrk="1" latinLnBrk="0" hangingPunct="1">
+              <a:lnSpc>
+                <a:spcPct val="110000"/>
+              </a:lnSpc>
+              <a:spcBef>
+                <a:spcPts val="200"/>
+              </a:spcBef>
+              <a:spcAft>
+                <a:spcPts val="200"/>
+              </a:spcAft>
+              <a:buFont typeface="Arial" panose="020B0604020202020204" pitchFamily="34" charset="0"/>
+              <a:buChar char="•"/>
+              <a:defRPr sz="1600" kern="1200">
+                <a:solidFill>
+                  <a:schemeClr val="tx1"/>
+                </a:solidFill>
+                <a:latin typeface="+mn-lt"/>
+                <a:ea typeface="+mn-ea"/>
+                <a:cs typeface="+mn-cs"/>
+              </a:defRPr>
+            </a:lvl2pPr>
+            <a:lvl3pPr marL="360000" indent="-180000" algn="l" defTabSz="914400" rtl="0" eaLnBrk="1" latinLnBrk="0" hangingPunct="1">
+              <a:lnSpc>
+                <a:spcPct val="110000"/>
+              </a:lnSpc>
+              <a:spcBef>
+                <a:spcPts val="200"/>
+              </a:spcBef>
+              <a:spcAft>
+                <a:spcPts val="200"/>
+              </a:spcAft>
+              <a:buFont typeface="TheSans Swisscom Light" panose="020B0300040303060204" pitchFamily="34" charset="0"/>
+              <a:buChar char="−"/>
+              <a:defRPr sz="1600" kern="1200">
+                <a:solidFill>
+                  <a:schemeClr val="tx1"/>
+                </a:solidFill>
+                <a:latin typeface="+mn-lt"/>
+                <a:ea typeface="+mn-ea"/>
+                <a:cs typeface="+mn-cs"/>
+              </a:defRPr>
+            </a:lvl3pPr>
+            <a:lvl4pPr marL="540000" indent="-180000" algn="l" defTabSz="914400" rtl="0" eaLnBrk="1" latinLnBrk="0" hangingPunct="1">
+              <a:lnSpc>
+                <a:spcPct val="110000"/>
+              </a:lnSpc>
+              <a:spcBef>
+                <a:spcPts val="200"/>
+              </a:spcBef>
+              <a:spcAft>
+                <a:spcPts val="200"/>
+              </a:spcAft>
+              <a:buFont typeface="TheSans Swisscom Light" panose="020B0300040303060204" pitchFamily="34" charset="0"/>
+              <a:buChar char="−"/>
+              <a:defRPr sz="1600" kern="1200">
+                <a:solidFill>
+                  <a:schemeClr val="tx1"/>
+                </a:solidFill>
+                <a:latin typeface="+mn-lt"/>
+                <a:ea typeface="+mn-ea"/>
+                <a:cs typeface="+mn-cs"/>
+              </a:defRPr>
+            </a:lvl4pPr>
+            <a:lvl5pPr marL="540000" indent="-180000" algn="l" defTabSz="914400" rtl="0" eaLnBrk="1" latinLnBrk="0" hangingPunct="1">
+              <a:lnSpc>
+                <a:spcPct val="110000"/>
+              </a:lnSpc>
+              <a:spcBef>
+                <a:spcPts val="200"/>
+              </a:spcBef>
+              <a:spcAft>
+                <a:spcPts val="200"/>
+              </a:spcAft>
+              <a:buFont typeface="TheSans Swisscom Light" panose="020B0300040303060204" pitchFamily="34" charset="0"/>
+              <a:buChar char="−"/>
+              <a:defRPr sz="1600" kern="1200">
+                <a:solidFill>
+                  <a:schemeClr val="tx1"/>
+                </a:solidFill>
+                <a:latin typeface="+mn-lt"/>
+                <a:ea typeface="+mn-ea"/>
+                <a:cs typeface="+mn-cs"/>
+              </a:defRPr>
+            </a:lvl5pPr>
+            <a:lvl6pPr marL="540000" indent="-180000" algn="l" defTabSz="914400" rtl="0" eaLnBrk="1" latinLnBrk="0" hangingPunct="1">
+              <a:lnSpc>
+                <a:spcPct val="110000"/>
+              </a:lnSpc>
+              <a:spcBef>
+                <a:spcPts val="200"/>
+              </a:spcBef>
+              <a:spcAft>
+                <a:spcPts val="200"/>
+              </a:spcAft>
+              <a:buFont typeface="TheSans Swisscom Light" panose="020B0300040303060204" pitchFamily="34" charset="0"/>
+              <a:buChar char="−"/>
+              <a:defRPr sz="1600" kern="1200">
+                <a:solidFill>
+                  <a:schemeClr val="tx1"/>
+                </a:solidFill>
+                <a:latin typeface="+mn-lt"/>
+                <a:ea typeface="+mn-ea"/>
+                <a:cs typeface="+mn-cs"/>
+              </a:defRPr>
+            </a:lvl6pPr>
+            <a:lvl7pPr marL="540000" indent="-180000" algn="l" defTabSz="914400" rtl="0" eaLnBrk="1" latinLnBrk="0" hangingPunct="1">
+              <a:lnSpc>
+                <a:spcPct val="110000"/>
+              </a:lnSpc>
+              <a:spcBef>
+                <a:spcPts val="200"/>
+              </a:spcBef>
+              <a:spcAft>
+                <a:spcPts val="200"/>
+              </a:spcAft>
+              <a:buFont typeface="TheSans Swisscom Light" panose="020B0300040303060204" pitchFamily="34" charset="0"/>
+              <a:buChar char="−"/>
+              <a:defRPr sz="1600" kern="1200">
+                <a:solidFill>
+                  <a:schemeClr val="tx1"/>
+                </a:solidFill>
+                <a:latin typeface="+mn-lt"/>
+                <a:ea typeface="+mn-ea"/>
+                <a:cs typeface="+mn-cs"/>
+              </a:defRPr>
+            </a:lvl7pPr>
+            <a:lvl8pPr marL="540000" indent="-180000" algn="l" defTabSz="914400" rtl="0" eaLnBrk="1" latinLnBrk="0" hangingPunct="1">
+              <a:lnSpc>
+                <a:spcPct val="110000"/>
+              </a:lnSpc>
+              <a:spcBef>
+                <a:spcPts val="200"/>
+              </a:spcBef>
+              <a:spcAft>
+                <a:spcPts val="200"/>
+              </a:spcAft>
+              <a:buFont typeface="TheSans Swisscom Light" panose="020B0300040303060204" pitchFamily="34" charset="0"/>
+              <a:buChar char="−"/>
+              <a:defRPr sz="1600" kern="1200">
+                <a:solidFill>
+                  <a:schemeClr val="tx1"/>
+                </a:solidFill>
+                <a:latin typeface="+mn-lt"/>
+                <a:ea typeface="+mn-ea"/>
+                <a:cs typeface="+mn-cs"/>
+              </a:defRPr>
+            </a:lvl8pPr>
+            <a:lvl9pPr marL="540000" indent="-180000" algn="l" defTabSz="914400" rtl="0" eaLnBrk="1" latinLnBrk="0" hangingPunct="1">
+              <a:lnSpc>
+                <a:spcPct val="110000"/>
+              </a:lnSpc>
+              <a:spcBef>
+                <a:spcPts val="200"/>
+              </a:spcBef>
+              <a:spcAft>
+                <a:spcPts val="200"/>
+              </a:spcAft>
+              <a:buFont typeface="TheSans Swisscom Light" panose="020B0300040303060204" pitchFamily="34" charset="0"/>
+              <a:buChar char="−"/>
+              <a:defRPr sz="1600" kern="1200">
+                <a:solidFill>
+                  <a:schemeClr val="tx1"/>
+                </a:solidFill>
+                <a:latin typeface="+mn-lt"/>
+                <a:ea typeface="+mn-ea"/>
+                <a:cs typeface="+mn-cs"/>
+              </a:defRPr>
+            </a:lvl9pPr>
+          </a:lstStyle>
+          <a:p>
+            <a:pPr marL="0" marR="0" lvl="0" indent="0" algn="l" defTabSz="914400" rtl="0" eaLnBrk="1" fontAlgn="auto" latinLnBrk="0" hangingPunct="1">
+              <a:lnSpc>
+                <a:spcPct val="110000"/>
+              </a:lnSpc>
+              <a:spcBef>
+                <a:spcPts val="600"/>
+              </a:spcBef>
+              <a:spcAft>
+                <a:spcPts val="600"/>
+              </a:spcAft>
+              <a:buClrTx/>
+              <a:buSzTx/>
+              <a:buFont typeface="Arial" panose="020B0604020202020204" pitchFamily="34" charset="0"/>
+              <a:buNone/>
+              <a:tabLst/>
+              <a:defRPr/>
+            </a:pPr>
+            <a:r>
+              <a:rPr kumimoji="0" lang="en-US" sz="1800" b="1" i="0" u="none" strike="noStrike" kern="1200" cap="none" spc="0" normalizeH="0" baseline="0" noProof="0" dirty="0">
+                <a:ln>
+                  <a:noFill/>
+                </a:ln>
+                <a:solidFill>
+                  <a:prstClr val="black"/>
+                </a:solidFill>
+                <a:effectLst/>
+                <a:uLnTx/>
+                <a:uFillTx/>
+                <a:latin typeface="Calibri" panose="020F0502020204030204"/>
+                <a:ea typeface="+mn-ea"/>
+                <a:cs typeface="+mn-cs"/>
+              </a:rPr>
+              <a:t>Answers</a:t>
+            </a:r>
+          </a:p>
+          <a:p>
+            <a:pPr marL="0" marR="0" lvl="0" indent="0" algn="l" defTabSz="914400" rtl="0" eaLnBrk="1" fontAlgn="auto" latinLnBrk="0" hangingPunct="1">
+              <a:lnSpc>
+                <a:spcPct val="110000"/>
+              </a:lnSpc>
+              <a:spcBef>
+                <a:spcPts val="0"/>
+              </a:spcBef>
+              <a:spcAft>
+                <a:spcPts val="0"/>
+              </a:spcAft>
+              <a:buClrTx/>
+              <a:buSzTx/>
+              <a:buFont typeface="Arial" panose="020B0604020202020204" pitchFamily="34" charset="0"/>
+              <a:buNone/>
+              <a:tabLst/>
+              <a:defRPr/>
+            </a:pPr>
+            <a:r>
+              <a:rPr kumimoji="0" lang="en-US" sz="1800" b="0" i="0" u="none" strike="noStrike" kern="1200" cap="none" spc="0" normalizeH="0" baseline="0" noProof="0" dirty="0">
+                <a:ln>
+                  <a:noFill/>
+                </a:ln>
+                <a:solidFill>
+                  <a:prstClr val="black"/>
+                </a:solidFill>
+                <a:effectLst/>
+                <a:uLnTx/>
+                <a:uFillTx/>
+                <a:latin typeface="Calibri" panose="020F0502020204030204"/>
+                <a:ea typeface="+mn-ea"/>
+                <a:cs typeface="+mn-cs"/>
+              </a:rPr>
+              <a:t>What changed and when, on which connectivity service, and how does it impact the customers?</a:t>
+            </a:r>
+          </a:p>
+          <a:p>
+            <a:pPr marL="0" marR="0" lvl="0" indent="0" algn="l" defTabSz="914400" rtl="0" eaLnBrk="1" fontAlgn="auto" latinLnBrk="0" hangingPunct="1">
+              <a:lnSpc>
+                <a:spcPct val="110000"/>
+              </a:lnSpc>
+              <a:spcBef>
+                <a:spcPts val="600"/>
+              </a:spcBef>
+              <a:spcAft>
+                <a:spcPts val="600"/>
+              </a:spcAft>
+              <a:buClrTx/>
+              <a:buSzTx/>
+              <a:buFont typeface="Arial" panose="020B0604020202020204" pitchFamily="34" charset="0"/>
+              <a:buNone/>
+              <a:tabLst/>
+              <a:defRPr/>
+            </a:pPr>
+            <a:r>
+              <a:rPr kumimoji="0" lang="en-US" sz="1800" b="1" i="0" u="none" strike="noStrike" kern="1200" cap="none" spc="0" normalizeH="0" baseline="0" noProof="0" dirty="0">
+                <a:ln>
+                  <a:noFill/>
+                </a:ln>
+                <a:solidFill>
+                  <a:prstClr val="black"/>
+                </a:solidFill>
+                <a:effectLst/>
+                <a:uLnTx/>
+                <a:uFillTx/>
+                <a:latin typeface="Calibri" panose="020F0502020204030204"/>
+                <a:ea typeface="+mn-ea"/>
+                <a:cs typeface="+mn-cs"/>
+              </a:rPr>
+              <a:t>Focuses</a:t>
+            </a:r>
+          </a:p>
+          <a:p>
+            <a:pPr marL="0" marR="0" lvl="0" indent="0" algn="l" defTabSz="914400" rtl="0" eaLnBrk="1" fontAlgn="auto" latinLnBrk="0" hangingPunct="1">
+              <a:lnSpc>
+                <a:spcPct val="110000"/>
+              </a:lnSpc>
+              <a:spcBef>
+                <a:spcPts val="0"/>
+              </a:spcBef>
+              <a:spcAft>
+                <a:spcPts val="0"/>
+              </a:spcAft>
+              <a:buClrTx/>
+              <a:buSzTx/>
+              <a:buFont typeface="Arial" panose="020B0604020202020204" pitchFamily="34" charset="0"/>
+              <a:buNone/>
+              <a:tabLst/>
+              <a:defRPr/>
+            </a:pPr>
+            <a:r>
+              <a:rPr kumimoji="0" lang="en-US" sz="1800" b="0" i="0" u="none" strike="noStrike" kern="1200" cap="none" spc="0" normalizeH="0" baseline="0" noProof="0" dirty="0">
+                <a:ln>
+                  <a:noFill/>
+                </a:ln>
+                <a:solidFill>
+                  <a:prstClr val="black"/>
+                </a:solidFill>
+                <a:effectLst/>
+                <a:uLnTx/>
+                <a:uFillTx/>
+                <a:latin typeface="Calibri" panose="020F0502020204030204"/>
+                <a:ea typeface="+mn-ea"/>
+                <a:cs typeface="+mn-cs"/>
+              </a:rPr>
+              <a:t>Provides meaningful connectivity service impact information before customer is aware of and support in root-cause analysis.</a:t>
+            </a:r>
+          </a:p>
+          <a:p>
+            <a:pPr marL="0" marR="0" lvl="0" indent="0" algn="l" defTabSz="914400" rtl="0" eaLnBrk="1" fontAlgn="auto" latinLnBrk="0" hangingPunct="1">
+              <a:lnSpc>
+                <a:spcPct val="110000"/>
+              </a:lnSpc>
+              <a:spcBef>
+                <a:spcPts val="600"/>
+              </a:spcBef>
+              <a:spcAft>
+                <a:spcPts val="600"/>
+              </a:spcAft>
+              <a:buClrTx/>
+              <a:buSzTx/>
+              <a:buFont typeface="Arial" panose="020B0604020202020204" pitchFamily="34" charset="0"/>
+              <a:buNone/>
+              <a:tabLst/>
+              <a:defRPr/>
+            </a:pPr>
+            <a:r>
+              <a:rPr kumimoji="0" lang="en-US" sz="1800" b="1" i="0" u="none" strike="noStrike" kern="1200" cap="none" spc="0" normalizeH="0" baseline="0" noProof="0" dirty="0">
+                <a:ln>
+                  <a:noFill/>
+                </a:ln>
+                <a:solidFill>
+                  <a:prstClr val="black"/>
+                </a:solidFill>
+                <a:effectLst/>
+                <a:uLnTx/>
+                <a:uFillTx/>
+                <a:latin typeface="Calibri" panose="020F0502020204030204"/>
+                <a:ea typeface="+mn-ea"/>
+                <a:cs typeface="+mn-cs"/>
+              </a:rPr>
+              <a:t>Data Mesh</a:t>
+            </a:r>
+          </a:p>
+          <a:p>
+            <a:pPr marL="0" marR="0" lvl="0" indent="0" algn="l" defTabSz="914400" rtl="0" eaLnBrk="1" fontAlgn="auto" latinLnBrk="0" hangingPunct="1">
+              <a:lnSpc>
+                <a:spcPct val="110000"/>
+              </a:lnSpc>
+              <a:spcBef>
+                <a:spcPts val="0"/>
+              </a:spcBef>
+              <a:spcAft>
+                <a:spcPts val="0"/>
+              </a:spcAft>
+              <a:buClrTx/>
+              <a:buSzTx/>
+              <a:buFont typeface="Arial" panose="020B0604020202020204" pitchFamily="34" charset="0"/>
+              <a:buNone/>
+              <a:tabLst/>
+              <a:defRPr/>
+            </a:pPr>
+            <a:r>
+              <a:rPr kumimoji="0" lang="en-US" sz="1800" b="0" i="0" u="none" strike="noStrike" kern="1200" cap="none" spc="0" normalizeH="0" baseline="0" noProof="0" dirty="0">
+                <a:ln>
+                  <a:noFill/>
+                </a:ln>
+                <a:solidFill>
+                  <a:prstClr val="black"/>
+                </a:solidFill>
+                <a:effectLst/>
+                <a:uLnTx/>
+                <a:uFillTx/>
+                <a:latin typeface="Calibri" panose="020F0502020204030204"/>
+                <a:ea typeface="+mn-ea"/>
+                <a:cs typeface="+mn-cs"/>
+              </a:rPr>
+              <a:t>Consumes operational real-time Forwarding Plane, Control Plane and Management Plane metrics and produces analytical alerts.</a:t>
+            </a:r>
+          </a:p>
+          <a:p>
+            <a:pPr marL="0" marR="0" lvl="0" indent="0" algn="l" defTabSz="914400" rtl="0" eaLnBrk="1" fontAlgn="auto" latinLnBrk="0" hangingPunct="1">
+              <a:lnSpc>
+                <a:spcPct val="110000"/>
+              </a:lnSpc>
+              <a:spcBef>
+                <a:spcPts val="600"/>
+              </a:spcBef>
+              <a:spcAft>
+                <a:spcPts val="600"/>
+              </a:spcAft>
+              <a:buClrTx/>
+              <a:buSzTx/>
+              <a:buFont typeface="Arial" panose="020B0604020202020204" pitchFamily="34" charset="0"/>
+              <a:buNone/>
+              <a:tabLst/>
+              <a:defRPr/>
+            </a:pPr>
+            <a:r>
+              <a:rPr kumimoji="0" lang="en-US" sz="1800" b="1" i="0" u="none" strike="noStrike" kern="1200" cap="none" spc="0" normalizeH="0" baseline="0" noProof="0" dirty="0">
+                <a:ln>
+                  <a:noFill/>
+                </a:ln>
+                <a:solidFill>
+                  <a:prstClr val="black"/>
+                </a:solidFill>
+                <a:effectLst/>
+                <a:uLnTx/>
+                <a:uFillTx/>
+                <a:latin typeface="Calibri" panose="020F0502020204030204"/>
+                <a:ea typeface="+mn-ea"/>
+                <a:cs typeface="+mn-cs"/>
+              </a:rPr>
+              <a:t>Direction</a:t>
+            </a:r>
+          </a:p>
+          <a:p>
+            <a:pPr marL="0" marR="0" lvl="0" indent="0" algn="l" defTabSz="914400" rtl="0" eaLnBrk="1" fontAlgn="auto" latinLnBrk="0" hangingPunct="1">
+              <a:lnSpc>
+                <a:spcPct val="110000"/>
+              </a:lnSpc>
+              <a:spcBef>
+                <a:spcPts val="0"/>
+              </a:spcBef>
+              <a:spcAft>
+                <a:spcPts val="0"/>
+              </a:spcAft>
+              <a:buClrTx/>
+              <a:buSzTx/>
+              <a:buFont typeface="Arial" panose="020B0604020202020204" pitchFamily="34" charset="0"/>
+              <a:buNone/>
+              <a:tabLst/>
+              <a:defRPr/>
+            </a:pPr>
+            <a:r>
+              <a:rPr kumimoji="0" lang="en-US" sz="1800" b="0" i="0" u="none" strike="noStrike" kern="1200" cap="none" spc="0" normalizeH="0" baseline="0" noProof="0" dirty="0">
+                <a:ln>
+                  <a:noFill/>
+                </a:ln>
+                <a:solidFill>
+                  <a:prstClr val="black"/>
+                </a:solidFill>
+                <a:effectLst/>
+                <a:uLnTx/>
+                <a:uFillTx/>
+                <a:latin typeface="Calibri" panose="020F0502020204030204"/>
+                <a:ea typeface="+mn-ea"/>
+                <a:cs typeface="+mn-cs"/>
+              </a:rPr>
+              <a:t>From connectivity service to network platform.</a:t>
+            </a:r>
+          </a:p>
+        </p:txBody>
+      </p:sp>
+      <p:sp>
+        <p:nvSpPr>
+          <p:cNvPr id="7" name="Inhaltsplatzhalter 1">
+            <a:extLst>
+              <a:ext uri="{FF2B5EF4-FFF2-40B4-BE49-F238E27FC236}">
+                <a16:creationId xmlns:a16="http://schemas.microsoft.com/office/drawing/2014/main" id="{2727A73F-4E58-7304-CF16-627D8D6C87D5}"/>
+              </a:ext>
+            </a:extLst>
+          </p:cNvPr>
+          <p:cNvSpPr txBox="1">
+            <a:spLocks/>
+          </p:cNvSpPr>
+          <p:nvPr/>
+        </p:nvSpPr>
+        <p:spPr bwMode="black">
+          <a:xfrm>
+            <a:off x="7514369" y="3383533"/>
+            <a:ext cx="4032000" cy="1440000"/>
+          </a:xfrm>
+          <a:prstGeom prst="rect">
+            <a:avLst/>
+          </a:prstGeom>
+        </p:spPr>
+        <p:txBody>
+          <a:bodyPr lIns="0" tIns="0" rIns="0" bIns="0" anchor="t"/>
+          <a:lstStyle>
+            <a:lvl1pPr marL="0" indent="0" algn="l" defTabSz="914400" rtl="0" eaLnBrk="1" latinLnBrk="0" hangingPunct="1">
+              <a:lnSpc>
+                <a:spcPct val="110000"/>
+              </a:lnSpc>
+              <a:spcBef>
+                <a:spcPts val="600"/>
+              </a:spcBef>
+              <a:spcAft>
+                <a:spcPts val="600"/>
+              </a:spcAft>
+              <a:buFont typeface="Arial" panose="020B0604020202020204" pitchFamily="34" charset="0"/>
+              <a:buNone/>
+              <a:defRPr sz="1600" b="0" kern="1200">
+                <a:solidFill>
+                  <a:schemeClr val="tx1"/>
+                </a:solidFill>
+                <a:latin typeface="+mn-lt"/>
+                <a:ea typeface="+mn-ea"/>
+                <a:cs typeface="+mn-cs"/>
+              </a:defRPr>
+            </a:lvl1pPr>
+            <a:lvl2pPr marL="180000" indent="-180000" algn="l" defTabSz="914400" rtl="0" eaLnBrk="1" latinLnBrk="0" hangingPunct="1">
+              <a:lnSpc>
+                <a:spcPct val="110000"/>
+              </a:lnSpc>
+              <a:spcBef>
+                <a:spcPts val="200"/>
+              </a:spcBef>
+              <a:spcAft>
+                <a:spcPts val="200"/>
+              </a:spcAft>
+              <a:buFont typeface="Arial" panose="020B0604020202020204" pitchFamily="34" charset="0"/>
+              <a:buChar char="•"/>
+              <a:defRPr sz="1600" kern="1200">
+                <a:solidFill>
+                  <a:schemeClr val="tx1"/>
+                </a:solidFill>
+                <a:latin typeface="+mn-lt"/>
+                <a:ea typeface="+mn-ea"/>
+                <a:cs typeface="+mn-cs"/>
+              </a:defRPr>
+            </a:lvl2pPr>
+            <a:lvl3pPr marL="360000" indent="-180000" algn="l" defTabSz="914400" rtl="0" eaLnBrk="1" latinLnBrk="0" hangingPunct="1">
+              <a:lnSpc>
+                <a:spcPct val="110000"/>
+              </a:lnSpc>
+              <a:spcBef>
+                <a:spcPts val="200"/>
+              </a:spcBef>
+              <a:spcAft>
+                <a:spcPts val="200"/>
+              </a:spcAft>
+              <a:buFont typeface="TheSans Swisscom Light" panose="020B0300040303060204" pitchFamily="34" charset="0"/>
+              <a:buChar char="−"/>
+              <a:defRPr sz="1600" kern="1200">
+                <a:solidFill>
+                  <a:schemeClr val="tx1"/>
+                </a:solidFill>
+                <a:latin typeface="+mn-lt"/>
+                <a:ea typeface="+mn-ea"/>
+                <a:cs typeface="+mn-cs"/>
+              </a:defRPr>
+            </a:lvl3pPr>
+            <a:lvl4pPr marL="540000" indent="-180000" algn="l" defTabSz="914400" rtl="0" eaLnBrk="1" latinLnBrk="0" hangingPunct="1">
+              <a:lnSpc>
+                <a:spcPct val="110000"/>
+              </a:lnSpc>
+              <a:spcBef>
+                <a:spcPts val="200"/>
+              </a:spcBef>
+              <a:spcAft>
+                <a:spcPts val="200"/>
+              </a:spcAft>
+              <a:buFont typeface="TheSans Swisscom Light" panose="020B0300040303060204" pitchFamily="34" charset="0"/>
+              <a:buChar char="−"/>
+              <a:defRPr sz="1600" kern="1200">
+                <a:solidFill>
+                  <a:schemeClr val="tx1"/>
+                </a:solidFill>
+                <a:latin typeface="+mn-lt"/>
+                <a:ea typeface="+mn-ea"/>
+                <a:cs typeface="+mn-cs"/>
+              </a:defRPr>
+            </a:lvl4pPr>
+            <a:lvl5pPr marL="540000" indent="-180000" algn="l" defTabSz="914400" rtl="0" eaLnBrk="1" latinLnBrk="0" hangingPunct="1">
+              <a:lnSpc>
+                <a:spcPct val="110000"/>
+              </a:lnSpc>
+              <a:spcBef>
+                <a:spcPts val="200"/>
+              </a:spcBef>
+              <a:spcAft>
+                <a:spcPts val="200"/>
+              </a:spcAft>
+              <a:buFont typeface="TheSans Swisscom Light" panose="020B0300040303060204" pitchFamily="34" charset="0"/>
+              <a:buChar char="−"/>
+              <a:defRPr sz="1600" kern="1200">
+                <a:solidFill>
+                  <a:schemeClr val="tx1"/>
+                </a:solidFill>
+                <a:latin typeface="+mn-lt"/>
+                <a:ea typeface="+mn-ea"/>
+                <a:cs typeface="+mn-cs"/>
+              </a:defRPr>
+            </a:lvl5pPr>
+            <a:lvl6pPr marL="540000" indent="-180000" algn="l" defTabSz="914400" rtl="0" eaLnBrk="1" latinLnBrk="0" hangingPunct="1">
+              <a:lnSpc>
+                <a:spcPct val="110000"/>
+              </a:lnSpc>
+              <a:spcBef>
+                <a:spcPts val="200"/>
+              </a:spcBef>
+              <a:spcAft>
+                <a:spcPts val="200"/>
+              </a:spcAft>
+              <a:buFont typeface="TheSans Swisscom Light" panose="020B0300040303060204" pitchFamily="34" charset="0"/>
+              <a:buChar char="−"/>
+              <a:defRPr sz="1600" kern="1200">
+                <a:solidFill>
+                  <a:schemeClr val="tx1"/>
+                </a:solidFill>
+                <a:latin typeface="+mn-lt"/>
+                <a:ea typeface="+mn-ea"/>
+                <a:cs typeface="+mn-cs"/>
+              </a:defRPr>
+            </a:lvl6pPr>
+            <a:lvl7pPr marL="540000" indent="-180000" algn="l" defTabSz="914400" rtl="0" eaLnBrk="1" latinLnBrk="0" hangingPunct="1">
+              <a:lnSpc>
+                <a:spcPct val="110000"/>
+              </a:lnSpc>
+              <a:spcBef>
+                <a:spcPts val="200"/>
+              </a:spcBef>
+              <a:spcAft>
+                <a:spcPts val="200"/>
+              </a:spcAft>
+              <a:buFont typeface="TheSans Swisscom Light" panose="020B0300040303060204" pitchFamily="34" charset="0"/>
+              <a:buChar char="−"/>
+              <a:defRPr sz="1600" kern="1200">
+                <a:solidFill>
+                  <a:schemeClr val="tx1"/>
+                </a:solidFill>
+                <a:latin typeface="+mn-lt"/>
+                <a:ea typeface="+mn-ea"/>
+                <a:cs typeface="+mn-cs"/>
+              </a:defRPr>
+            </a:lvl7pPr>
+            <a:lvl8pPr marL="540000" indent="-180000" algn="l" defTabSz="914400" rtl="0" eaLnBrk="1" latinLnBrk="0" hangingPunct="1">
+              <a:lnSpc>
+                <a:spcPct val="110000"/>
+              </a:lnSpc>
+              <a:spcBef>
+                <a:spcPts val="200"/>
+              </a:spcBef>
+              <a:spcAft>
+                <a:spcPts val="200"/>
+              </a:spcAft>
+              <a:buFont typeface="TheSans Swisscom Light" panose="020B0300040303060204" pitchFamily="34" charset="0"/>
+              <a:buChar char="−"/>
+              <a:defRPr sz="1600" kern="1200">
+                <a:solidFill>
+                  <a:schemeClr val="tx1"/>
+                </a:solidFill>
+                <a:latin typeface="+mn-lt"/>
+                <a:ea typeface="+mn-ea"/>
+                <a:cs typeface="+mn-cs"/>
+              </a:defRPr>
+            </a:lvl8pPr>
+            <a:lvl9pPr marL="540000" indent="-180000" algn="l" defTabSz="914400" rtl="0" eaLnBrk="1" latinLnBrk="0" hangingPunct="1">
+              <a:lnSpc>
+                <a:spcPct val="110000"/>
+              </a:lnSpc>
+              <a:spcBef>
+                <a:spcPts val="200"/>
+              </a:spcBef>
+              <a:spcAft>
+                <a:spcPts val="200"/>
+              </a:spcAft>
+              <a:buFont typeface="TheSans Swisscom Light" panose="020B0300040303060204" pitchFamily="34" charset="0"/>
+              <a:buChar char="−"/>
+              <a:defRPr sz="1600" kern="1200">
+                <a:solidFill>
+                  <a:schemeClr val="tx1"/>
+                </a:solidFill>
+                <a:latin typeface="+mn-lt"/>
+                <a:ea typeface="+mn-ea"/>
+                <a:cs typeface="+mn-cs"/>
+              </a:defRPr>
+            </a:lvl9pPr>
+          </a:lstStyle>
+          <a:p>
+            <a:pPr marL="0" marR="0" lvl="0" indent="0" algn="l" defTabSz="914400" rtl="0" eaLnBrk="1" fontAlgn="auto" latinLnBrk="0" hangingPunct="1">
+              <a:lnSpc>
+                <a:spcPct val="110000"/>
+              </a:lnSpc>
+              <a:spcBef>
+                <a:spcPts val="600"/>
+              </a:spcBef>
+              <a:spcAft>
+                <a:spcPts val="600"/>
+              </a:spcAft>
+              <a:buClrTx/>
+              <a:buSzTx/>
+              <a:buFont typeface="Arial" panose="020B0604020202020204" pitchFamily="34" charset="0"/>
+              <a:buNone/>
+              <a:tabLst/>
+              <a:defRPr/>
+            </a:pPr>
+            <a:endParaRPr kumimoji="0" lang="en-US" sz="1600" b="0" i="0" u="none" strike="noStrike" kern="1200" cap="none" spc="0" normalizeH="0" baseline="0" noProof="0" dirty="0">
+              <a:ln>
+                <a:noFill/>
+              </a:ln>
+              <a:solidFill>
+                <a:srgbClr val="E7E6E6"/>
+              </a:solidFill>
+              <a:effectLst/>
+              <a:uLnTx/>
+              <a:uFillTx/>
+              <a:latin typeface="Calibri" panose="020F0502020204030204"/>
+              <a:ea typeface="+mn-ea"/>
+              <a:cs typeface="+mn-cs"/>
+            </a:endParaRPr>
+          </a:p>
+        </p:txBody>
+      </p:sp>
+      <p:sp>
+        <p:nvSpPr>
+          <p:cNvPr id="8" name="Freeform 81">
+            <a:extLst>
+              <a:ext uri="{FF2B5EF4-FFF2-40B4-BE49-F238E27FC236}">
+                <a16:creationId xmlns:a16="http://schemas.microsoft.com/office/drawing/2014/main" id="{AC97AA67-80C3-B6F7-F631-98BE70FEFABA}"/>
+              </a:ext>
+            </a:extLst>
+          </p:cNvPr>
+          <p:cNvSpPr>
+            <a:spLocks noEditPoints="1"/>
+          </p:cNvSpPr>
+          <p:nvPr>
+            <p:custDataLst>
+              <p:tags r:id="rId1"/>
+            </p:custDataLst>
+          </p:nvPr>
+        </p:nvSpPr>
+        <p:spPr bwMode="black">
+          <a:xfrm>
+            <a:off x="6924136" y="3100652"/>
+            <a:ext cx="328612" cy="328612"/>
+          </a:xfrm>
+          <a:custGeom>
+            <a:avLst/>
+            <a:gdLst>
+              <a:gd name="T0" fmla="*/ 68 w 88"/>
+              <a:gd name="T1" fmla="*/ 36 h 88"/>
+              <a:gd name="T2" fmla="*/ 64 w 88"/>
+              <a:gd name="T3" fmla="*/ 40 h 88"/>
+              <a:gd name="T4" fmla="*/ 56 w 88"/>
+              <a:gd name="T5" fmla="*/ 40 h 88"/>
+              <a:gd name="T6" fmla="*/ 56 w 88"/>
+              <a:gd name="T7" fmla="*/ 48 h 88"/>
+              <a:gd name="T8" fmla="*/ 52 w 88"/>
+              <a:gd name="T9" fmla="*/ 52 h 88"/>
+              <a:gd name="T10" fmla="*/ 48 w 88"/>
+              <a:gd name="T11" fmla="*/ 48 h 88"/>
+              <a:gd name="T12" fmla="*/ 48 w 88"/>
+              <a:gd name="T13" fmla="*/ 40 h 88"/>
+              <a:gd name="T14" fmla="*/ 40 w 88"/>
+              <a:gd name="T15" fmla="*/ 40 h 88"/>
+              <a:gd name="T16" fmla="*/ 36 w 88"/>
+              <a:gd name="T17" fmla="*/ 36 h 88"/>
+              <a:gd name="T18" fmla="*/ 40 w 88"/>
+              <a:gd name="T19" fmla="*/ 32 h 88"/>
+              <a:gd name="T20" fmla="*/ 48 w 88"/>
+              <a:gd name="T21" fmla="*/ 32 h 88"/>
+              <a:gd name="T22" fmla="*/ 48 w 88"/>
+              <a:gd name="T23" fmla="*/ 24 h 88"/>
+              <a:gd name="T24" fmla="*/ 52 w 88"/>
+              <a:gd name="T25" fmla="*/ 20 h 88"/>
+              <a:gd name="T26" fmla="*/ 56 w 88"/>
+              <a:gd name="T27" fmla="*/ 24 h 88"/>
+              <a:gd name="T28" fmla="*/ 56 w 88"/>
+              <a:gd name="T29" fmla="*/ 32 h 88"/>
+              <a:gd name="T30" fmla="*/ 64 w 88"/>
+              <a:gd name="T31" fmla="*/ 32 h 88"/>
+              <a:gd name="T32" fmla="*/ 68 w 88"/>
+              <a:gd name="T33" fmla="*/ 36 h 88"/>
+              <a:gd name="T34" fmla="*/ 88 w 88"/>
+              <a:gd name="T35" fmla="*/ 36 h 88"/>
+              <a:gd name="T36" fmla="*/ 52 w 88"/>
+              <a:gd name="T37" fmla="*/ 72 h 88"/>
+              <a:gd name="T38" fmla="*/ 30 w 88"/>
+              <a:gd name="T39" fmla="*/ 64 h 88"/>
+              <a:gd name="T40" fmla="*/ 7 w 88"/>
+              <a:gd name="T41" fmla="*/ 87 h 88"/>
+              <a:gd name="T42" fmla="*/ 1 w 88"/>
+              <a:gd name="T43" fmla="*/ 87 h 88"/>
+              <a:gd name="T44" fmla="*/ 1 w 88"/>
+              <a:gd name="T45" fmla="*/ 81 h 88"/>
+              <a:gd name="T46" fmla="*/ 24 w 88"/>
+              <a:gd name="T47" fmla="*/ 58 h 88"/>
+              <a:gd name="T48" fmla="*/ 16 w 88"/>
+              <a:gd name="T49" fmla="*/ 36 h 88"/>
+              <a:gd name="T50" fmla="*/ 52 w 88"/>
+              <a:gd name="T51" fmla="*/ 0 h 88"/>
+              <a:gd name="T52" fmla="*/ 88 w 88"/>
+              <a:gd name="T53" fmla="*/ 36 h 88"/>
+              <a:gd name="T54" fmla="*/ 80 w 88"/>
+              <a:gd name="T55" fmla="*/ 36 h 88"/>
+              <a:gd name="T56" fmla="*/ 52 w 88"/>
+              <a:gd name="T57" fmla="*/ 8 h 88"/>
+              <a:gd name="T58" fmla="*/ 24 w 88"/>
+              <a:gd name="T59" fmla="*/ 36 h 88"/>
+              <a:gd name="T60" fmla="*/ 52 w 88"/>
+              <a:gd name="T61" fmla="*/ 64 h 88"/>
+              <a:gd name="T62" fmla="*/ 80 w 88"/>
+              <a:gd name="T63" fmla="*/ 36 h 88"/>
+            </a:gdLst>
+            <a:ahLst/>
+            <a:cxnLst>
+              <a:cxn ang="0">
+                <a:pos x="T0" y="T1"/>
+              </a:cxn>
+              <a:cxn ang="0">
+                <a:pos x="T2" y="T3"/>
+              </a:cxn>
+              <a:cxn ang="0">
+                <a:pos x="T4" y="T5"/>
+              </a:cxn>
+              <a:cxn ang="0">
+                <a:pos x="T6" y="T7"/>
+              </a:cxn>
+              <a:cxn ang="0">
+                <a:pos x="T8" y="T9"/>
+              </a:cxn>
+              <a:cxn ang="0">
+                <a:pos x="T10" y="T11"/>
+              </a:cxn>
+              <a:cxn ang="0">
+                <a:pos x="T12" y="T13"/>
+              </a:cxn>
+              <a:cxn ang="0">
+                <a:pos x="T14" y="T15"/>
+              </a:cxn>
+              <a:cxn ang="0">
+                <a:pos x="T16" y="T17"/>
+              </a:cxn>
+              <a:cxn ang="0">
+                <a:pos x="T18" y="T19"/>
+              </a:cxn>
+              <a:cxn ang="0">
+                <a:pos x="T20" y="T21"/>
+              </a:cxn>
+              <a:cxn ang="0">
+                <a:pos x="T22" y="T23"/>
+              </a:cxn>
+              <a:cxn ang="0">
+                <a:pos x="T24" y="T25"/>
+              </a:cxn>
+              <a:cxn ang="0">
+                <a:pos x="T26" y="T27"/>
+              </a:cxn>
+              <a:cxn ang="0">
+                <a:pos x="T28" y="T29"/>
+              </a:cxn>
+              <a:cxn ang="0">
+                <a:pos x="T30" y="T31"/>
+              </a:cxn>
+              <a:cxn ang="0">
+                <a:pos x="T32" y="T33"/>
+              </a:cxn>
+              <a:cxn ang="0">
+                <a:pos x="T34" y="T35"/>
+              </a:cxn>
+              <a:cxn ang="0">
+                <a:pos x="T36" y="T37"/>
+              </a:cxn>
+              <a:cxn ang="0">
+                <a:pos x="T38" y="T39"/>
+              </a:cxn>
+              <a:cxn ang="0">
+                <a:pos x="T40" y="T41"/>
+              </a:cxn>
+              <a:cxn ang="0">
+                <a:pos x="T42" y="T43"/>
+              </a:cxn>
+              <a:cxn ang="0">
+                <a:pos x="T44" y="T45"/>
+              </a:cxn>
+              <a:cxn ang="0">
+                <a:pos x="T46" y="T47"/>
+              </a:cxn>
+              <a:cxn ang="0">
+                <a:pos x="T48" y="T49"/>
+              </a:cxn>
+              <a:cxn ang="0">
+                <a:pos x="T50" y="T51"/>
+              </a:cxn>
+              <a:cxn ang="0">
+                <a:pos x="T52" y="T53"/>
+              </a:cxn>
+              <a:cxn ang="0">
+                <a:pos x="T54" y="T55"/>
+              </a:cxn>
+              <a:cxn ang="0">
+                <a:pos x="T56" y="T57"/>
+              </a:cxn>
+              <a:cxn ang="0">
+                <a:pos x="T58" y="T59"/>
+              </a:cxn>
+              <a:cxn ang="0">
+                <a:pos x="T60" y="T61"/>
+              </a:cxn>
+              <a:cxn ang="0">
+                <a:pos x="T62" y="T63"/>
+              </a:cxn>
+            </a:cxnLst>
+            <a:rect l="0" t="0" r="r" b="b"/>
+            <a:pathLst>
+              <a:path w="88" h="88">
+                <a:moveTo>
+                  <a:pt x="68" y="36"/>
+                </a:moveTo>
+                <a:cubicBezTo>
+                  <a:pt x="68" y="38"/>
+                  <a:pt x="66" y="40"/>
+                  <a:pt x="64" y="40"/>
+                </a:cubicBezTo>
+                <a:cubicBezTo>
+                  <a:pt x="56" y="40"/>
+                  <a:pt x="56" y="40"/>
+                  <a:pt x="56" y="40"/>
+                </a:cubicBezTo>
+                <a:cubicBezTo>
+                  <a:pt x="56" y="48"/>
+                  <a:pt x="56" y="48"/>
+                  <a:pt x="56" y="48"/>
+                </a:cubicBezTo>
+                <a:cubicBezTo>
+                  <a:pt x="56" y="50"/>
+                  <a:pt x="54" y="52"/>
+                  <a:pt x="52" y="52"/>
+                </a:cubicBezTo>
+                <a:cubicBezTo>
+                  <a:pt x="50" y="52"/>
+                  <a:pt x="48" y="50"/>
+                  <a:pt x="48" y="48"/>
+                </a:cubicBezTo>
+                <a:cubicBezTo>
+                  <a:pt x="48" y="40"/>
+                  <a:pt x="48" y="40"/>
+                  <a:pt x="48" y="40"/>
+                </a:cubicBezTo>
+                <a:cubicBezTo>
+                  <a:pt x="40" y="40"/>
+                  <a:pt x="40" y="40"/>
+                  <a:pt x="40" y="40"/>
+                </a:cubicBezTo>
+                <a:cubicBezTo>
+                  <a:pt x="38" y="40"/>
+                  <a:pt x="36" y="38"/>
+                  <a:pt x="36" y="36"/>
+                </a:cubicBezTo>
+                <a:cubicBezTo>
+                  <a:pt x="36" y="34"/>
+                  <a:pt x="38" y="32"/>
+                  <a:pt x="40" y="32"/>
+                </a:cubicBezTo>
+                <a:cubicBezTo>
+                  <a:pt x="48" y="32"/>
+                  <a:pt x="48" y="32"/>
+                  <a:pt x="48" y="32"/>
+                </a:cubicBezTo>
+                <a:cubicBezTo>
+                  <a:pt x="48" y="24"/>
+                  <a:pt x="48" y="24"/>
+                  <a:pt x="48" y="24"/>
+                </a:cubicBezTo>
+                <a:cubicBezTo>
+                  <a:pt x="48" y="22"/>
+                  <a:pt x="50" y="20"/>
+                  <a:pt x="52" y="20"/>
+                </a:cubicBezTo>
+                <a:cubicBezTo>
+                  <a:pt x="54" y="20"/>
+                  <a:pt x="56" y="22"/>
+                  <a:pt x="56" y="24"/>
+                </a:cubicBezTo>
+                <a:cubicBezTo>
+                  <a:pt x="56" y="32"/>
+                  <a:pt x="56" y="32"/>
+                  <a:pt x="56" y="32"/>
+                </a:cubicBezTo>
+                <a:cubicBezTo>
+                  <a:pt x="64" y="32"/>
+                  <a:pt x="64" y="32"/>
+                  <a:pt x="64" y="32"/>
+                </a:cubicBezTo>
+                <a:cubicBezTo>
+                  <a:pt x="66" y="32"/>
+                  <a:pt x="68" y="34"/>
+                  <a:pt x="68" y="36"/>
+                </a:cubicBezTo>
+                <a:close/>
+                <a:moveTo>
+                  <a:pt x="88" y="36"/>
+                </a:moveTo>
+                <a:cubicBezTo>
+                  <a:pt x="88" y="56"/>
+                  <a:pt x="72" y="72"/>
+                  <a:pt x="52" y="72"/>
+                </a:cubicBezTo>
+                <a:cubicBezTo>
+                  <a:pt x="44" y="72"/>
+                  <a:pt x="36" y="69"/>
+                  <a:pt x="30" y="64"/>
+                </a:cubicBezTo>
+                <a:cubicBezTo>
+                  <a:pt x="7" y="87"/>
+                  <a:pt x="7" y="87"/>
+                  <a:pt x="7" y="87"/>
+                </a:cubicBezTo>
+                <a:cubicBezTo>
+                  <a:pt x="5" y="88"/>
+                  <a:pt x="3" y="88"/>
+                  <a:pt x="1" y="87"/>
+                </a:cubicBezTo>
+                <a:cubicBezTo>
+                  <a:pt x="0" y="85"/>
+                  <a:pt x="0" y="83"/>
+                  <a:pt x="1" y="81"/>
+                </a:cubicBezTo>
+                <a:cubicBezTo>
+                  <a:pt x="24" y="58"/>
+                  <a:pt x="24" y="58"/>
+                  <a:pt x="24" y="58"/>
+                </a:cubicBezTo>
+                <a:cubicBezTo>
+                  <a:pt x="19" y="52"/>
+                  <a:pt x="16" y="44"/>
+                  <a:pt x="16" y="36"/>
+                </a:cubicBezTo>
+                <a:cubicBezTo>
+                  <a:pt x="16" y="16"/>
+                  <a:pt x="32" y="0"/>
+                  <a:pt x="52" y="0"/>
+                </a:cubicBezTo>
+                <a:cubicBezTo>
+                  <a:pt x="72" y="0"/>
+                  <a:pt x="88" y="16"/>
+                  <a:pt x="88" y="36"/>
+                </a:cubicBezTo>
+                <a:close/>
+                <a:moveTo>
+                  <a:pt x="80" y="36"/>
+                </a:moveTo>
+                <a:cubicBezTo>
+                  <a:pt x="80" y="21"/>
+                  <a:pt x="67" y="8"/>
+                  <a:pt x="52" y="8"/>
+                </a:cubicBezTo>
+                <a:cubicBezTo>
+                  <a:pt x="37" y="8"/>
+                  <a:pt x="24" y="21"/>
+                  <a:pt x="24" y="36"/>
+                </a:cubicBezTo>
+                <a:cubicBezTo>
+                  <a:pt x="24" y="51"/>
+                  <a:pt x="37" y="64"/>
+                  <a:pt x="52" y="64"/>
+                </a:cubicBezTo>
+                <a:cubicBezTo>
+                  <a:pt x="67" y="64"/>
+                  <a:pt x="80" y="51"/>
+                  <a:pt x="80" y="36"/>
+                </a:cubicBezTo>
+                <a:close/>
+              </a:path>
+            </a:pathLst>
+          </a:custGeom>
+          <a:solidFill>
+            <a:srgbClr val="A63297"/>
+          </a:solidFill>
+          <a:ln>
+            <a:noFill/>
+          </a:ln>
+        </p:spPr>
+        <p:txBody>
+          <a:bodyPr vert="horz" wrap="square" lIns="91440" tIns="45720" rIns="91440" bIns="45720" numCol="1" anchor="t" anchorCtr="0" compatLnSpc="1">
+            <a:prstTxWarp prst="textNoShape">
+              <a:avLst/>
+            </a:prstTxWarp>
+          </a:bodyPr>
+          <a:lstStyle/>
+          <a:p>
+            <a:pPr marL="0" marR="0" lvl="0" indent="0" algn="l" defTabSz="914400" rtl="0" eaLnBrk="1" fontAlgn="auto" latinLnBrk="0" hangingPunct="1">
+              <a:lnSpc>
+                <a:spcPct val="100000"/>
+              </a:lnSpc>
+              <a:spcBef>
+                <a:spcPts val="0"/>
+              </a:spcBef>
+              <a:spcAft>
+                <a:spcPts val="0"/>
+              </a:spcAft>
+              <a:buClrTx/>
+              <a:buSzTx/>
+              <a:buFontTx/>
+              <a:buNone/>
+              <a:tabLst/>
+              <a:defRPr/>
+            </a:pPr>
+            <a:endParaRPr kumimoji="0" lang="en-US" sz="1600" b="0" i="0" u="none" strike="noStrike" kern="1200" cap="none" spc="0" normalizeH="0" baseline="0" noProof="0" dirty="0">
+              <a:ln>
+                <a:noFill/>
+              </a:ln>
+              <a:solidFill>
+                <a:srgbClr val="0EABA9"/>
+              </a:solidFill>
+              <a:effectLst/>
+              <a:uLnTx/>
+              <a:uFillTx/>
+              <a:latin typeface="Calibri" panose="020F0502020204030204"/>
+              <a:ea typeface="+mn-ea"/>
+              <a:cs typeface="+mn-cs"/>
+            </a:endParaRPr>
+          </a:p>
+        </p:txBody>
+      </p:sp>
+      <p:sp>
+        <p:nvSpPr>
+          <p:cNvPr id="9" name="Inhaltsplatzhalter 1">
+            <a:extLst>
+              <a:ext uri="{FF2B5EF4-FFF2-40B4-BE49-F238E27FC236}">
+                <a16:creationId xmlns:a16="http://schemas.microsoft.com/office/drawing/2014/main" id="{AE8C7DD3-D1F1-0DFF-EE87-6F292DE4F59F}"/>
+              </a:ext>
+            </a:extLst>
+          </p:cNvPr>
+          <p:cNvSpPr txBox="1">
+            <a:spLocks/>
+          </p:cNvSpPr>
+          <p:nvPr/>
+        </p:nvSpPr>
+        <p:spPr bwMode="black">
+          <a:xfrm>
+            <a:off x="7514369" y="5387987"/>
+            <a:ext cx="4032000" cy="1398094"/>
+          </a:xfrm>
+          <a:prstGeom prst="rect">
+            <a:avLst/>
+          </a:prstGeom>
+        </p:spPr>
+        <p:txBody>
+          <a:bodyPr lIns="0" tIns="0" rIns="0" bIns="0" anchor="t"/>
+          <a:lstStyle>
+            <a:lvl1pPr marL="0" indent="0" algn="l" defTabSz="914400" rtl="0" eaLnBrk="1" latinLnBrk="0" hangingPunct="1">
+              <a:lnSpc>
+                <a:spcPct val="110000"/>
+              </a:lnSpc>
+              <a:spcBef>
+                <a:spcPts val="600"/>
+              </a:spcBef>
+              <a:spcAft>
+                <a:spcPts val="600"/>
+              </a:spcAft>
+              <a:buFont typeface="Arial" panose="020B0604020202020204" pitchFamily="34" charset="0"/>
+              <a:buNone/>
+              <a:defRPr sz="1600" b="0" kern="1200">
+                <a:solidFill>
+                  <a:schemeClr val="tx1"/>
+                </a:solidFill>
+                <a:latin typeface="+mn-lt"/>
+                <a:ea typeface="+mn-ea"/>
+                <a:cs typeface="+mn-cs"/>
+              </a:defRPr>
+            </a:lvl1pPr>
+            <a:lvl2pPr marL="180000" indent="-180000" algn="l" defTabSz="914400" rtl="0" eaLnBrk="1" latinLnBrk="0" hangingPunct="1">
+              <a:lnSpc>
+                <a:spcPct val="110000"/>
+              </a:lnSpc>
+              <a:spcBef>
+                <a:spcPts val="200"/>
+              </a:spcBef>
+              <a:spcAft>
+                <a:spcPts val="200"/>
+              </a:spcAft>
+              <a:buFont typeface="Arial" panose="020B0604020202020204" pitchFamily="34" charset="0"/>
+              <a:buChar char="•"/>
+              <a:defRPr sz="1600" kern="1200">
+                <a:solidFill>
+                  <a:schemeClr val="tx1"/>
+                </a:solidFill>
+                <a:latin typeface="+mn-lt"/>
+                <a:ea typeface="+mn-ea"/>
+                <a:cs typeface="+mn-cs"/>
+              </a:defRPr>
+            </a:lvl2pPr>
+            <a:lvl3pPr marL="360000" indent="-180000" algn="l" defTabSz="914400" rtl="0" eaLnBrk="1" latinLnBrk="0" hangingPunct="1">
+              <a:lnSpc>
+                <a:spcPct val="110000"/>
+              </a:lnSpc>
+              <a:spcBef>
+                <a:spcPts val="200"/>
+              </a:spcBef>
+              <a:spcAft>
+                <a:spcPts val="200"/>
+              </a:spcAft>
+              <a:buFont typeface="TheSans Swisscom Light" panose="020B0300040303060204" pitchFamily="34" charset="0"/>
+              <a:buChar char="−"/>
+              <a:defRPr sz="1600" kern="1200">
+                <a:solidFill>
+                  <a:schemeClr val="tx1"/>
+                </a:solidFill>
+                <a:latin typeface="+mn-lt"/>
+                <a:ea typeface="+mn-ea"/>
+                <a:cs typeface="+mn-cs"/>
+              </a:defRPr>
+            </a:lvl3pPr>
+            <a:lvl4pPr marL="540000" indent="-180000" algn="l" defTabSz="914400" rtl="0" eaLnBrk="1" latinLnBrk="0" hangingPunct="1">
+              <a:lnSpc>
+                <a:spcPct val="110000"/>
+              </a:lnSpc>
+              <a:spcBef>
+                <a:spcPts val="200"/>
+              </a:spcBef>
+              <a:spcAft>
+                <a:spcPts val="200"/>
+              </a:spcAft>
+              <a:buFont typeface="TheSans Swisscom Light" panose="020B0300040303060204" pitchFamily="34" charset="0"/>
+              <a:buChar char="−"/>
+              <a:defRPr sz="1600" kern="1200">
+                <a:solidFill>
+                  <a:schemeClr val="tx1"/>
+                </a:solidFill>
+                <a:latin typeface="+mn-lt"/>
+                <a:ea typeface="+mn-ea"/>
+                <a:cs typeface="+mn-cs"/>
+              </a:defRPr>
+            </a:lvl4pPr>
+            <a:lvl5pPr marL="540000" indent="-180000" algn="l" defTabSz="914400" rtl="0" eaLnBrk="1" latinLnBrk="0" hangingPunct="1">
+              <a:lnSpc>
+                <a:spcPct val="110000"/>
+              </a:lnSpc>
+              <a:spcBef>
+                <a:spcPts val="200"/>
+              </a:spcBef>
+              <a:spcAft>
+                <a:spcPts val="200"/>
+              </a:spcAft>
+              <a:buFont typeface="TheSans Swisscom Light" panose="020B0300040303060204" pitchFamily="34" charset="0"/>
+              <a:buChar char="−"/>
+              <a:defRPr sz="1600" kern="1200">
+                <a:solidFill>
+                  <a:schemeClr val="tx1"/>
+                </a:solidFill>
+                <a:latin typeface="+mn-lt"/>
+                <a:ea typeface="+mn-ea"/>
+                <a:cs typeface="+mn-cs"/>
+              </a:defRPr>
+            </a:lvl5pPr>
+            <a:lvl6pPr marL="540000" indent="-180000" algn="l" defTabSz="914400" rtl="0" eaLnBrk="1" latinLnBrk="0" hangingPunct="1">
+              <a:lnSpc>
+                <a:spcPct val="110000"/>
+              </a:lnSpc>
+              <a:spcBef>
+                <a:spcPts val="200"/>
+              </a:spcBef>
+              <a:spcAft>
+                <a:spcPts val="200"/>
+              </a:spcAft>
+              <a:buFont typeface="TheSans Swisscom Light" panose="020B0300040303060204" pitchFamily="34" charset="0"/>
+              <a:buChar char="−"/>
+              <a:defRPr sz="1600" kern="1200">
+                <a:solidFill>
+                  <a:schemeClr val="tx1"/>
+                </a:solidFill>
+                <a:latin typeface="+mn-lt"/>
+                <a:ea typeface="+mn-ea"/>
+                <a:cs typeface="+mn-cs"/>
+              </a:defRPr>
+            </a:lvl6pPr>
+            <a:lvl7pPr marL="540000" indent="-180000" algn="l" defTabSz="914400" rtl="0" eaLnBrk="1" latinLnBrk="0" hangingPunct="1">
+              <a:lnSpc>
+                <a:spcPct val="110000"/>
+              </a:lnSpc>
+              <a:spcBef>
+                <a:spcPts val="200"/>
+              </a:spcBef>
+              <a:spcAft>
+                <a:spcPts val="200"/>
+              </a:spcAft>
+              <a:buFont typeface="TheSans Swisscom Light" panose="020B0300040303060204" pitchFamily="34" charset="0"/>
+              <a:buChar char="−"/>
+              <a:defRPr sz="1600" kern="1200">
+                <a:solidFill>
+                  <a:schemeClr val="tx1"/>
+                </a:solidFill>
+                <a:latin typeface="+mn-lt"/>
+                <a:ea typeface="+mn-ea"/>
+                <a:cs typeface="+mn-cs"/>
+              </a:defRPr>
+            </a:lvl7pPr>
+            <a:lvl8pPr marL="540000" indent="-180000" algn="l" defTabSz="914400" rtl="0" eaLnBrk="1" latinLnBrk="0" hangingPunct="1">
+              <a:lnSpc>
+                <a:spcPct val="110000"/>
+              </a:lnSpc>
+              <a:spcBef>
+                <a:spcPts val="200"/>
+              </a:spcBef>
+              <a:spcAft>
+                <a:spcPts val="200"/>
+              </a:spcAft>
+              <a:buFont typeface="TheSans Swisscom Light" panose="020B0300040303060204" pitchFamily="34" charset="0"/>
+              <a:buChar char="−"/>
+              <a:defRPr sz="1600" kern="1200">
+                <a:solidFill>
+                  <a:schemeClr val="tx1"/>
+                </a:solidFill>
+                <a:latin typeface="+mn-lt"/>
+                <a:ea typeface="+mn-ea"/>
+                <a:cs typeface="+mn-cs"/>
+              </a:defRPr>
+            </a:lvl8pPr>
+            <a:lvl9pPr marL="540000" indent="-180000" algn="l" defTabSz="914400" rtl="0" eaLnBrk="1" latinLnBrk="0" hangingPunct="1">
+              <a:lnSpc>
+                <a:spcPct val="110000"/>
+              </a:lnSpc>
+              <a:spcBef>
+                <a:spcPts val="200"/>
+              </a:spcBef>
+              <a:spcAft>
+                <a:spcPts val="200"/>
+              </a:spcAft>
+              <a:buFont typeface="TheSans Swisscom Light" panose="020B0300040303060204" pitchFamily="34" charset="0"/>
+              <a:buChar char="−"/>
+              <a:defRPr sz="1600" kern="1200">
+                <a:solidFill>
+                  <a:schemeClr val="tx1"/>
+                </a:solidFill>
+                <a:latin typeface="+mn-lt"/>
+                <a:ea typeface="+mn-ea"/>
+                <a:cs typeface="+mn-cs"/>
+              </a:defRPr>
+            </a:lvl9pPr>
+          </a:lstStyle>
+          <a:p>
+            <a:pPr marL="0" marR="0" lvl="0" indent="0" algn="l" defTabSz="914400" rtl="0" eaLnBrk="1" fontAlgn="auto" latinLnBrk="0" hangingPunct="1">
+              <a:lnSpc>
+                <a:spcPct val="110000"/>
+              </a:lnSpc>
+              <a:spcBef>
+                <a:spcPts val="600"/>
+              </a:spcBef>
+              <a:spcAft>
+                <a:spcPts val="600"/>
+              </a:spcAft>
+              <a:buClrTx/>
+              <a:buSzTx/>
+              <a:buFont typeface="Arial" panose="020B0604020202020204" pitchFamily="34" charset="0"/>
+              <a:buNone/>
+              <a:tabLst/>
+              <a:defRPr/>
+            </a:pPr>
+            <a:endParaRPr kumimoji="0" lang="en-US" sz="1600" b="0" i="0" u="none" strike="noStrike" kern="1200" cap="none" spc="0" normalizeH="0" baseline="0" noProof="0" dirty="0">
+              <a:ln>
+                <a:noFill/>
+              </a:ln>
+              <a:solidFill>
+                <a:srgbClr val="E7E6E6"/>
+              </a:solidFill>
+              <a:effectLst/>
+              <a:uLnTx/>
+              <a:uFillTx/>
+              <a:latin typeface="Calibri" panose="020F0502020204030204"/>
+              <a:ea typeface="+mn-ea"/>
+              <a:cs typeface="+mn-cs"/>
+            </a:endParaRPr>
+          </a:p>
+        </p:txBody>
+      </p:sp>
+      <p:pic>
+        <p:nvPicPr>
+          <p:cNvPr id="10" name="Graphic 9">
+            <a:extLst>
+              <a:ext uri="{FF2B5EF4-FFF2-40B4-BE49-F238E27FC236}">
+                <a16:creationId xmlns:a16="http://schemas.microsoft.com/office/drawing/2014/main" id="{EF8CBE0D-416F-8BAD-1E56-FA9713FABCF5}"/>
+              </a:ext>
+            </a:extLst>
+          </p:cNvPr>
+          <p:cNvPicPr>
+            <a:picLocks noChangeAspect="1"/>
+          </p:cNvPicPr>
+          <p:nvPr/>
+        </p:nvPicPr>
+        <p:blipFill>
+          <a:blip r:embed="rId4">
+            <a:extLst>
+              <a:ext uri="{28A0092B-C50C-407E-A947-70E740481C1C}">
+                <a14:useLocalDpi xmlns:a14="http://schemas.microsoft.com/office/drawing/2010/main" val="0"/>
+              </a:ext>
+              <a:ext uri="{96DAC541-7B7A-43D3-8B79-37D633B846F1}">
+                <asvg:svgBlip xmlns:asvg="http://schemas.microsoft.com/office/drawing/2016/SVG/main" r:embed="rId5"/>
+              </a:ext>
+            </a:extLst>
+          </a:blip>
+          <a:stretch>
+            <a:fillRect/>
+          </a:stretch>
+        </p:blipFill>
+        <p:spPr>
+          <a:xfrm>
+            <a:off x="6883242" y="1734999"/>
+            <a:ext cx="410400" cy="410400"/>
+          </a:xfrm>
+          <a:prstGeom prst="rect">
+            <a:avLst/>
+          </a:prstGeom>
+        </p:spPr>
+      </p:pic>
+      <p:pic>
+        <p:nvPicPr>
+          <p:cNvPr id="11" name="Graphic 10">
+            <a:extLst>
+              <a:ext uri="{FF2B5EF4-FFF2-40B4-BE49-F238E27FC236}">
+                <a16:creationId xmlns:a16="http://schemas.microsoft.com/office/drawing/2014/main" id="{0B68DB88-2125-5D8A-E234-D104730CD789}"/>
+              </a:ext>
+            </a:extLst>
+          </p:cNvPr>
+          <p:cNvPicPr>
+            <a:picLocks noChangeAspect="1"/>
+          </p:cNvPicPr>
+          <p:nvPr/>
+        </p:nvPicPr>
+        <p:blipFill>
+          <a:blip r:embed="rId6">
+            <a:extLst>
+              <a:ext uri="{28A0092B-C50C-407E-A947-70E740481C1C}">
+                <a14:useLocalDpi xmlns:a14="http://schemas.microsoft.com/office/drawing/2010/main" val="0"/>
+              </a:ext>
+              <a:ext uri="{96DAC541-7B7A-43D3-8B79-37D633B846F1}">
+                <asvg:svgBlip xmlns:asvg="http://schemas.microsoft.com/office/drawing/2016/SVG/main" r:embed="rId7"/>
+              </a:ext>
+            </a:extLst>
+          </a:blip>
+          <a:stretch>
+            <a:fillRect/>
+          </a:stretch>
+        </p:blipFill>
+        <p:spPr>
+          <a:xfrm>
+            <a:off x="6883242" y="5833131"/>
+            <a:ext cx="410400" cy="410400"/>
+          </a:xfrm>
+          <a:prstGeom prst="rect">
+            <a:avLst/>
+          </a:prstGeom>
+        </p:spPr>
+      </p:pic>
+      <p:sp>
+        <p:nvSpPr>
+          <p:cNvPr id="12" name="Inhaltsplatzhalter 1">
+            <a:extLst>
+              <a:ext uri="{FF2B5EF4-FFF2-40B4-BE49-F238E27FC236}">
+                <a16:creationId xmlns:a16="http://schemas.microsoft.com/office/drawing/2014/main" id="{F823DFEB-60B2-6861-BABA-41683121FBF6}"/>
+              </a:ext>
+            </a:extLst>
+          </p:cNvPr>
+          <p:cNvSpPr txBox="1">
+            <a:spLocks/>
+          </p:cNvSpPr>
+          <p:nvPr/>
+        </p:nvSpPr>
+        <p:spPr bwMode="black">
+          <a:xfrm>
+            <a:off x="7514369" y="5013855"/>
+            <a:ext cx="4032000" cy="1388709"/>
+          </a:xfrm>
+          <a:prstGeom prst="rect">
+            <a:avLst/>
+          </a:prstGeom>
+        </p:spPr>
+        <p:txBody>
+          <a:bodyPr lIns="0" tIns="0" rIns="0" bIns="0" anchor="t"/>
+          <a:lstStyle>
+            <a:lvl1pPr marL="0" indent="0" algn="l" defTabSz="914400" rtl="0" eaLnBrk="1" latinLnBrk="0" hangingPunct="1">
+              <a:lnSpc>
+                <a:spcPct val="110000"/>
+              </a:lnSpc>
+              <a:spcBef>
+                <a:spcPts val="600"/>
+              </a:spcBef>
+              <a:spcAft>
+                <a:spcPts val="600"/>
+              </a:spcAft>
+              <a:buFont typeface="Arial" panose="020B0604020202020204" pitchFamily="34" charset="0"/>
+              <a:buNone/>
+              <a:defRPr sz="1600" b="0" kern="1200">
+                <a:solidFill>
+                  <a:schemeClr val="tx1"/>
+                </a:solidFill>
+                <a:latin typeface="+mn-lt"/>
+                <a:ea typeface="+mn-ea"/>
+                <a:cs typeface="+mn-cs"/>
+              </a:defRPr>
+            </a:lvl1pPr>
+            <a:lvl2pPr marL="180000" indent="-180000" algn="l" defTabSz="914400" rtl="0" eaLnBrk="1" latinLnBrk="0" hangingPunct="1">
+              <a:lnSpc>
+                <a:spcPct val="110000"/>
+              </a:lnSpc>
+              <a:spcBef>
+                <a:spcPts val="200"/>
+              </a:spcBef>
+              <a:spcAft>
+                <a:spcPts val="200"/>
+              </a:spcAft>
+              <a:buFont typeface="Arial" panose="020B0604020202020204" pitchFamily="34" charset="0"/>
+              <a:buChar char="•"/>
+              <a:defRPr sz="1600" kern="1200">
+                <a:solidFill>
+                  <a:schemeClr val="tx1"/>
+                </a:solidFill>
+                <a:latin typeface="+mn-lt"/>
+                <a:ea typeface="+mn-ea"/>
+                <a:cs typeface="+mn-cs"/>
+              </a:defRPr>
+            </a:lvl2pPr>
+            <a:lvl3pPr marL="360000" indent="-180000" algn="l" defTabSz="914400" rtl="0" eaLnBrk="1" latinLnBrk="0" hangingPunct="1">
+              <a:lnSpc>
+                <a:spcPct val="110000"/>
+              </a:lnSpc>
+              <a:spcBef>
+                <a:spcPts val="200"/>
+              </a:spcBef>
+              <a:spcAft>
+                <a:spcPts val="200"/>
+              </a:spcAft>
+              <a:buFont typeface="TheSans Swisscom Light" panose="020B0300040303060204" pitchFamily="34" charset="0"/>
+              <a:buChar char="−"/>
+              <a:defRPr sz="1600" kern="1200">
+                <a:solidFill>
+                  <a:schemeClr val="tx1"/>
+                </a:solidFill>
+                <a:latin typeface="+mn-lt"/>
+                <a:ea typeface="+mn-ea"/>
+                <a:cs typeface="+mn-cs"/>
+              </a:defRPr>
+            </a:lvl3pPr>
+            <a:lvl4pPr marL="540000" indent="-180000" algn="l" defTabSz="914400" rtl="0" eaLnBrk="1" latinLnBrk="0" hangingPunct="1">
+              <a:lnSpc>
+                <a:spcPct val="110000"/>
+              </a:lnSpc>
+              <a:spcBef>
+                <a:spcPts val="200"/>
+              </a:spcBef>
+              <a:spcAft>
+                <a:spcPts val="200"/>
+              </a:spcAft>
+              <a:buFont typeface="TheSans Swisscom Light" panose="020B0300040303060204" pitchFamily="34" charset="0"/>
+              <a:buChar char="−"/>
+              <a:defRPr sz="1600" kern="1200">
+                <a:solidFill>
+                  <a:schemeClr val="tx1"/>
+                </a:solidFill>
+                <a:latin typeface="+mn-lt"/>
+                <a:ea typeface="+mn-ea"/>
+                <a:cs typeface="+mn-cs"/>
+              </a:defRPr>
+            </a:lvl4pPr>
+            <a:lvl5pPr marL="540000" indent="-180000" algn="l" defTabSz="914400" rtl="0" eaLnBrk="1" latinLnBrk="0" hangingPunct="1">
+              <a:lnSpc>
+                <a:spcPct val="110000"/>
+              </a:lnSpc>
+              <a:spcBef>
+                <a:spcPts val="200"/>
+              </a:spcBef>
+              <a:spcAft>
+                <a:spcPts val="200"/>
+              </a:spcAft>
+              <a:buFont typeface="TheSans Swisscom Light" panose="020B0300040303060204" pitchFamily="34" charset="0"/>
+              <a:buChar char="−"/>
+              <a:defRPr sz="1600" kern="1200">
+                <a:solidFill>
+                  <a:schemeClr val="tx1"/>
+                </a:solidFill>
+                <a:latin typeface="+mn-lt"/>
+                <a:ea typeface="+mn-ea"/>
+                <a:cs typeface="+mn-cs"/>
+              </a:defRPr>
+            </a:lvl5pPr>
+            <a:lvl6pPr marL="540000" indent="-180000" algn="l" defTabSz="914400" rtl="0" eaLnBrk="1" latinLnBrk="0" hangingPunct="1">
+              <a:lnSpc>
+                <a:spcPct val="110000"/>
+              </a:lnSpc>
+              <a:spcBef>
+                <a:spcPts val="200"/>
+              </a:spcBef>
+              <a:spcAft>
+                <a:spcPts val="200"/>
+              </a:spcAft>
+              <a:buFont typeface="TheSans Swisscom Light" panose="020B0300040303060204" pitchFamily="34" charset="0"/>
+              <a:buChar char="−"/>
+              <a:defRPr sz="1600" kern="1200">
+                <a:solidFill>
+                  <a:schemeClr val="tx1"/>
+                </a:solidFill>
+                <a:latin typeface="+mn-lt"/>
+                <a:ea typeface="+mn-ea"/>
+                <a:cs typeface="+mn-cs"/>
+              </a:defRPr>
+            </a:lvl6pPr>
+            <a:lvl7pPr marL="540000" indent="-180000" algn="l" defTabSz="914400" rtl="0" eaLnBrk="1" latinLnBrk="0" hangingPunct="1">
+              <a:lnSpc>
+                <a:spcPct val="110000"/>
+              </a:lnSpc>
+              <a:spcBef>
+                <a:spcPts val="200"/>
+              </a:spcBef>
+              <a:spcAft>
+                <a:spcPts val="200"/>
+              </a:spcAft>
+              <a:buFont typeface="TheSans Swisscom Light" panose="020B0300040303060204" pitchFamily="34" charset="0"/>
+              <a:buChar char="−"/>
+              <a:defRPr sz="1600" kern="1200">
+                <a:solidFill>
+                  <a:schemeClr val="tx1"/>
+                </a:solidFill>
+                <a:latin typeface="+mn-lt"/>
+                <a:ea typeface="+mn-ea"/>
+                <a:cs typeface="+mn-cs"/>
+              </a:defRPr>
+            </a:lvl7pPr>
+            <a:lvl8pPr marL="540000" indent="-180000" algn="l" defTabSz="914400" rtl="0" eaLnBrk="1" latinLnBrk="0" hangingPunct="1">
+              <a:lnSpc>
+                <a:spcPct val="110000"/>
+              </a:lnSpc>
+              <a:spcBef>
+                <a:spcPts val="200"/>
+              </a:spcBef>
+              <a:spcAft>
+                <a:spcPts val="200"/>
+              </a:spcAft>
+              <a:buFont typeface="TheSans Swisscom Light" panose="020B0300040303060204" pitchFamily="34" charset="0"/>
+              <a:buChar char="−"/>
+              <a:defRPr sz="1600" kern="1200">
+                <a:solidFill>
+                  <a:schemeClr val="tx1"/>
+                </a:solidFill>
+                <a:latin typeface="+mn-lt"/>
+                <a:ea typeface="+mn-ea"/>
+                <a:cs typeface="+mn-cs"/>
+              </a:defRPr>
+            </a:lvl8pPr>
+            <a:lvl9pPr marL="540000" indent="-180000" algn="l" defTabSz="914400" rtl="0" eaLnBrk="1" latinLnBrk="0" hangingPunct="1">
+              <a:lnSpc>
+                <a:spcPct val="110000"/>
+              </a:lnSpc>
+              <a:spcBef>
+                <a:spcPts val="200"/>
+              </a:spcBef>
+              <a:spcAft>
+                <a:spcPts val="200"/>
+              </a:spcAft>
+              <a:buFont typeface="TheSans Swisscom Light" panose="020B0300040303060204" pitchFamily="34" charset="0"/>
+              <a:buChar char="−"/>
+              <a:defRPr sz="1600" kern="1200">
+                <a:solidFill>
+                  <a:schemeClr val="tx1"/>
+                </a:solidFill>
+                <a:latin typeface="+mn-lt"/>
+                <a:ea typeface="+mn-ea"/>
+                <a:cs typeface="+mn-cs"/>
+              </a:defRPr>
+            </a:lvl9pPr>
+          </a:lstStyle>
+          <a:p>
+            <a:pPr marL="0" marR="0" lvl="0" indent="0" algn="l" defTabSz="914400" rtl="0" eaLnBrk="1" fontAlgn="auto" latinLnBrk="0" hangingPunct="1">
+              <a:lnSpc>
+                <a:spcPct val="110000"/>
+              </a:lnSpc>
+              <a:spcBef>
+                <a:spcPts val="600"/>
+              </a:spcBef>
+              <a:spcAft>
+                <a:spcPts val="600"/>
+              </a:spcAft>
+              <a:buClrTx/>
+              <a:buSzTx/>
+              <a:buFont typeface="Arial" panose="020B0604020202020204" pitchFamily="34" charset="0"/>
+              <a:buNone/>
+              <a:tabLst/>
+              <a:defRPr/>
+            </a:pPr>
+            <a:endParaRPr kumimoji="0" lang="en-US" sz="1600" b="0" i="0" u="none" strike="noStrike" kern="1200" cap="none" spc="0" normalizeH="0" baseline="0" noProof="0" dirty="0">
+              <a:ln>
+                <a:noFill/>
+              </a:ln>
+              <a:solidFill>
+                <a:srgbClr val="E7E6E6"/>
+              </a:solidFill>
+              <a:effectLst/>
+              <a:uLnTx/>
+              <a:uFillTx/>
+              <a:latin typeface="Calibri" panose="020F0502020204030204"/>
+              <a:ea typeface="+mn-ea"/>
+              <a:cs typeface="+mn-cs"/>
+            </a:endParaRPr>
+          </a:p>
+        </p:txBody>
+      </p:sp>
+      <p:pic>
+        <p:nvPicPr>
+          <p:cNvPr id="13" name="Graphic 12">
+            <a:extLst>
+              <a:ext uri="{FF2B5EF4-FFF2-40B4-BE49-F238E27FC236}">
+                <a16:creationId xmlns:a16="http://schemas.microsoft.com/office/drawing/2014/main" id="{F95B0A8A-AF7B-BD55-22AA-98E6E6CF536D}"/>
+              </a:ext>
+            </a:extLst>
+          </p:cNvPr>
+          <p:cNvPicPr>
+            <a:picLocks noChangeAspect="1"/>
+          </p:cNvPicPr>
+          <p:nvPr/>
+        </p:nvPicPr>
+        <p:blipFill rotWithShape="1">
+          <a:blip r:embed="rId8" cstate="print">
+            <a:extLst>
+              <a:ext uri="{28A0092B-C50C-407E-A947-70E740481C1C}">
+                <a14:useLocalDpi xmlns:a14="http://schemas.microsoft.com/office/drawing/2010/main" val="0"/>
+              </a:ext>
+              <a:ext uri="{96DAC541-7B7A-43D3-8B79-37D633B846F1}">
+                <asvg:svgBlip xmlns:asvg="http://schemas.microsoft.com/office/drawing/2016/SVG/main" r:embed="rId9"/>
+              </a:ext>
+            </a:extLst>
+          </a:blip>
+          <a:srcRect/>
+          <a:stretch/>
+        </p:blipFill>
+        <p:spPr>
+          <a:xfrm>
+            <a:off x="6882162" y="4448315"/>
+            <a:ext cx="411480" cy="411480"/>
+          </a:xfrm>
+          <a:prstGeom prst="rect">
+            <a:avLst/>
+          </a:prstGeom>
+        </p:spPr>
+      </p:pic>
+      <p:pic>
+        <p:nvPicPr>
+          <p:cNvPr id="15" name="Picture 14">
+            <a:extLst>
+              <a:ext uri="{FF2B5EF4-FFF2-40B4-BE49-F238E27FC236}">
+                <a16:creationId xmlns:a16="http://schemas.microsoft.com/office/drawing/2014/main" id="{D722580C-E14C-C31D-D703-E102C17A75C2}"/>
+              </a:ext>
+            </a:extLst>
+          </p:cNvPr>
+          <p:cNvPicPr>
+            <a:picLocks noChangeAspect="1"/>
+          </p:cNvPicPr>
+          <p:nvPr/>
+        </p:nvPicPr>
+        <p:blipFill>
+          <a:blip r:embed="rId10"/>
+          <a:stretch>
+            <a:fillRect/>
+          </a:stretch>
+        </p:blipFill>
+        <p:spPr>
+          <a:xfrm>
+            <a:off x="993210" y="1891618"/>
+            <a:ext cx="1685925" cy="1457325"/>
+          </a:xfrm>
+          <a:prstGeom prst="rect">
+            <a:avLst/>
+          </a:prstGeom>
+        </p:spPr>
+      </p:pic>
+      <p:sp>
+        <p:nvSpPr>
+          <p:cNvPr id="16" name="Title 1">
+            <a:extLst>
+              <a:ext uri="{FF2B5EF4-FFF2-40B4-BE49-F238E27FC236}">
+                <a16:creationId xmlns:a16="http://schemas.microsoft.com/office/drawing/2014/main" id="{2D8B3AFB-4500-052D-4E96-82B4FC5CC5DF}"/>
+              </a:ext>
+            </a:extLst>
+          </p:cNvPr>
+          <p:cNvSpPr>
+            <a:spLocks noGrp="1"/>
+          </p:cNvSpPr>
+          <p:nvPr>
+            <p:ph type="title"/>
+          </p:nvPr>
+        </p:nvSpPr>
+        <p:spPr>
+          <a:xfrm>
+            <a:off x="838200" y="365125"/>
+            <a:ext cx="10515600" cy="1325563"/>
+          </a:xfrm>
+        </p:spPr>
+        <p:txBody>
+          <a:bodyPr>
+            <a:normAutofit/>
+          </a:bodyPr>
+          <a:lstStyle/>
+          <a:p>
+            <a:r>
+              <a:rPr lang="en-US" sz="2800" b="1" dirty="0"/>
+              <a:t>What does Network Anomaly Detection mean</a:t>
+            </a:r>
+            <a:br>
+              <a:rPr lang="en-US" sz="3600" dirty="0"/>
+            </a:br>
+            <a:r>
+              <a:rPr lang="en-US" sz="2700" dirty="0">
+                <a:solidFill>
+                  <a:schemeClr val="bg2">
+                    <a:lumMod val="75000"/>
+                  </a:schemeClr>
+                </a:solidFill>
+              </a:rPr>
+              <a:t>Monitor changes, called outliers, in networks</a:t>
+            </a:r>
+          </a:p>
+        </p:txBody>
+      </p:sp>
+    </p:spTree>
+    <p:extLst>
+      <p:ext uri="{BB962C8B-B14F-4D97-AF65-F5344CB8AC3E}">
+        <p14:creationId xmlns:p14="http://schemas.microsoft.com/office/powerpoint/2010/main" val="3384652948"/>
+      </p:ext>
+    </p:extLst>
+  </p:cSld>
+  <p:clrMapOvr>
+    <a:masterClrMapping/>
+  </p:clrMapOvr>
+</p:sld>
+</file>
+
+<file path=ppt/slides/slide11.xml><?xml version="1.0" encoding="utf-8"?>
+<p:sld xmlns:a="http://schemas.openxmlformats.org/drawingml/2006/main" xmlns:r="http://schemas.openxmlformats.org/officeDocument/2006/relationships" xmlns:p="http://schemas.openxmlformats.org/presentationml/2006/main">
+  <p:cSld>
+    <p:spTree>
+      <p:nvGrpSpPr>
+        <p:cNvPr id="1" name=""/>
+        <p:cNvGrpSpPr/>
+        <p:nvPr/>
+      </p:nvGrpSpPr>
+      <p:grpSpPr>
+        <a:xfrm>
+          <a:off x="0" y="0"/>
+          <a:ext cx="0" cy="0"/>
+          <a:chOff x="0" y="0"/>
+          <a:chExt cx="0" cy="0"/>
+        </a:xfrm>
+      </p:grpSpPr>
+      <p:sp>
+        <p:nvSpPr>
+          <p:cNvPr id="6" name="Slide Number Placeholder 1">
+            <a:extLst>
+              <a:ext uri="{FF2B5EF4-FFF2-40B4-BE49-F238E27FC236}">
+                <a16:creationId xmlns:a16="http://schemas.microsoft.com/office/drawing/2014/main" id="{024DC3B6-499C-4E15-9336-2F15A0DFB843}"/>
+              </a:ext>
+            </a:extLst>
+          </p:cNvPr>
+          <p:cNvSpPr>
+            <a:spLocks noGrp="1"/>
+          </p:cNvSpPr>
+          <p:nvPr>
+            <p:ph type="sldNum" sz="quarter" idx="12"/>
+          </p:nvPr>
+        </p:nvSpPr>
+        <p:spPr>
+          <a:xfrm>
+            <a:off x="11587892" y="6361637"/>
+            <a:ext cx="414251" cy="365125"/>
+          </a:xfrm>
+        </p:spPr>
+        <p:txBody>
+          <a:bodyPr/>
+          <a:lstStyle/>
+          <a:p>
             <a:fld id="{FC4AC485-25DE-431E-B345-9C0A15BB7F8A}" type="slidenum">
               <a:rPr lang="de-CH" sz="1400" smtClean="0"/>
-              <a:t>10</a:t>
+              <a:t>11</a:t>
             </a:fld>
             <a:endParaRPr lang="de-CH" sz="1400" dirty="0"/>
           </a:p>
@@ -11052,7 +14055,7 @@
 </p:sld>
 </file>
 
-<file path=ppt/slides/slide11.xml><?xml version="1.0" encoding="utf-8"?>
+<file path=ppt/slides/slide12.xml><?xml version="1.0" encoding="utf-8"?>
 <p:sld xmlns:a="http://schemas.openxmlformats.org/drawingml/2006/main" xmlns:r="http://schemas.openxmlformats.org/officeDocument/2006/relationships" xmlns:p="http://schemas.openxmlformats.org/presentationml/2006/main">
   <p:cSld>
     <p:spTree>
@@ -11373,7 +14376,7 @@
           <a:p>
             <a:fld id="{FC4AC485-25DE-431E-B345-9C0A15BB7F8A}" type="slidenum">
               <a:rPr lang="de-CH" sz="1400" smtClean="0"/>
-              <a:t>11</a:t>
+              <a:t>12</a:t>
             </a:fld>
             <a:endParaRPr lang="de-CH" sz="1400" dirty="0"/>
           </a:p>
@@ -11465,7 +14468,7 @@
 </p:sld>
 </file>
 
-<file path=ppt/slides/slide12.xml><?xml version="1.0" encoding="utf-8"?>
+<file path=ppt/slides/slide13.xml><?xml version="1.0" encoding="utf-8"?>
 <p:sld xmlns:a="http://schemas.openxmlformats.org/drawingml/2006/main" xmlns:r="http://schemas.openxmlformats.org/officeDocument/2006/relationships" xmlns:p="http://schemas.openxmlformats.org/presentationml/2006/main">
   <p:cSld>
     <p:spTree>
@@ -12939,7 +15942,7 @@
           <a:p>
             <a:fld id="{FC4AC485-25DE-431E-B345-9C0A15BB7F8A}" type="slidenum">
               <a:rPr lang="de-CH" sz="1400" smtClean="0"/>
-              <a:t>12</a:t>
+              <a:t>13</a:t>
             </a:fld>
             <a:endParaRPr lang="de-CH" sz="1400" dirty="0"/>
           </a:p>
@@ -13350,7 +16353,7 @@
 </p:sld>
 </file>
 
-<file path=ppt/slides/slide13.xml><?xml version="1.0" encoding="utf-8"?>
+<file path=ppt/slides/slide14.xml><?xml version="1.0" encoding="utf-8"?>
 <p:sld xmlns:a="http://schemas.openxmlformats.org/drawingml/2006/main" xmlns:r="http://schemas.openxmlformats.org/officeDocument/2006/relationships" xmlns:p="http://schemas.openxmlformats.org/presentationml/2006/main">
   <p:cSld>
     <p:spTree>
@@ -13407,7 +16410,7 @@
             </a:pPr>
             <a:fld id="{00000000-1234-1234-1234-123412341234}" type="slidenum">
               <a:rPr lang="en-US" sz="1400"/>
-              <a:t>13</a:t>
+              <a:t>14</a:t>
             </a:fld>
             <a:endParaRPr sz="1400"/>
           </a:p>
@@ -13827,7 +16830,7 @@
 </p:sld>
 </file>
 
-<file path=ppt/slides/slide14.xml><?xml version="1.0" encoding="utf-8"?>
+<file path=ppt/slides/slide15.xml><?xml version="1.0" encoding="utf-8"?>
 <p:sld xmlns:a="http://schemas.openxmlformats.org/drawingml/2006/main" xmlns:r="http://schemas.openxmlformats.org/officeDocument/2006/relationships" xmlns:p="http://schemas.openxmlformats.org/presentationml/2006/main">
   <p:cSld>
     <p:spTree>
@@ -14612,7 +17615,7 @@
             </a:pPr>
             <a:fld id="{00000000-1234-1234-1234-123412341234}" type="slidenum">
               <a:rPr lang="en-US" sz="1400"/>
-              <a:t>14</a:t>
+              <a:t>15</a:t>
             </a:fld>
             <a:endParaRPr sz="1400"/>
           </a:p>
@@ -14987,7 +17990,7 @@
 </p:sld>
 </file>
 
-<file path=ppt/slides/slide15.xml><?xml version="1.0" encoding="utf-8"?>
+<file path=ppt/slides/slide16.xml><?xml version="1.0" encoding="utf-8"?>
 <p:sld xmlns:a="http://schemas.openxmlformats.org/drawingml/2006/main" xmlns:r="http://schemas.openxmlformats.org/officeDocument/2006/relationships" xmlns:p="http://schemas.openxmlformats.org/presentationml/2006/main">
   <p:cSld>
     <p:spTree>
@@ -15044,7 +18047,7 @@
             </a:pPr>
             <a:fld id="{00000000-1234-1234-1234-123412341234}" type="slidenum">
               <a:rPr lang="en-US" sz="1400"/>
-              <a:t>15</a:t>
+              <a:t>16</a:t>
             </a:fld>
             <a:endParaRPr sz="1400"/>
           </a:p>
@@ -15612,7 +18615,7 @@
 </p:sld>
 </file>
 
-<file path=ppt/slides/slide16.xml><?xml version="1.0" encoding="utf-8"?>
+<file path=ppt/slides/slide17.xml><?xml version="1.0" encoding="utf-8"?>
 <p:sld xmlns:a="http://schemas.openxmlformats.org/drawingml/2006/main" xmlns:r="http://schemas.openxmlformats.org/officeDocument/2006/relationships" xmlns:p="http://schemas.openxmlformats.org/presentationml/2006/main">
   <p:cSld>
     <p:spTree>
@@ -15657,7 +18660,7 @@
           <a:p>
             <a:fld id="{FC4AC485-25DE-431E-B345-9C0A15BB7F8A}" type="slidenum">
               <a:rPr lang="de-CH" sz="1400" smtClean="0"/>
-              <a:t>16</a:t>
+              <a:t>17</a:t>
             </a:fld>
             <a:endParaRPr lang="de-CH" sz="1400" dirty="0"/>
           </a:p>
@@ -16876,7 +19879,7 @@
 </p:sld>
 </file>
 
-<file path=ppt/slides/slide17.xml><?xml version="1.0" encoding="utf-8"?>
+<file path=ppt/slides/slide18.xml><?xml version="1.0" encoding="utf-8"?>
 <p:sld xmlns:a="http://schemas.openxmlformats.org/drawingml/2006/main" xmlns:r="http://schemas.openxmlformats.org/officeDocument/2006/relationships" xmlns:p="http://schemas.openxmlformats.org/presentationml/2006/main">
   <p:cSld>
     <p:spTree>
@@ -16921,7 +19924,7 @@
           <a:p>
             <a:fld id="{FC4AC485-25DE-431E-B345-9C0A15BB7F8A}" type="slidenum">
               <a:rPr lang="de-CH" sz="1400" smtClean="0"/>
-              <a:t>17</a:t>
+              <a:t>18</a:t>
             </a:fld>
             <a:endParaRPr lang="de-CH" sz="1400" dirty="0"/>
           </a:p>
@@ -20148,7 +23151,7 @@
 </p:sld>
 </file>
 
-<file path=ppt/slides/slide18.xml><?xml version="1.0" encoding="utf-8"?>
+<file path=ppt/slides/slide19.xml><?xml version="1.0" encoding="utf-8"?>
 <p:sld xmlns:a="http://schemas.openxmlformats.org/drawingml/2006/main" xmlns:r="http://schemas.openxmlformats.org/officeDocument/2006/relationships" xmlns:p="http://schemas.openxmlformats.org/presentationml/2006/main">
   <p:cSld>
     <p:spTree>
@@ -20193,7 +23196,7 @@
           <a:p>
             <a:fld id="{FC4AC485-25DE-431E-B345-9C0A15BB7F8A}" type="slidenum">
               <a:rPr lang="de-CH" sz="1400" smtClean="0"/>
-              <a:t>18</a:t>
+              <a:t>19</a:t>
             </a:fld>
             <a:endParaRPr lang="de-CH" sz="1400" dirty="0"/>
           </a:p>
@@ -22789,807 +25792,6 @@
     <p:extLst>
       <p:ext uri="{BB962C8B-B14F-4D97-AF65-F5344CB8AC3E}">
         <p14:creationId xmlns:p14="http://schemas.microsoft.com/office/powerpoint/2010/main" val="2006087439"/>
-      </p:ext>
-    </p:extLst>
-  </p:cSld>
-  <p:clrMapOvr>
-    <a:masterClrMapping/>
-  </p:clrMapOvr>
-</p:sld>
-</file>
-
-<file path=ppt/slides/slide19.xml><?xml version="1.0" encoding="utf-8"?>
-<p:sld xmlns:a="http://schemas.openxmlformats.org/drawingml/2006/main" xmlns:r="http://schemas.openxmlformats.org/officeDocument/2006/relationships" xmlns:p="http://schemas.openxmlformats.org/presentationml/2006/main">
-  <p:cSld>
-    <p:spTree>
-      <p:nvGrpSpPr>
-        <p:cNvPr id="1" name=""/>
-        <p:cNvGrpSpPr/>
-        <p:nvPr/>
-      </p:nvGrpSpPr>
-      <p:grpSpPr>
-        <a:xfrm>
-          <a:off x="0" y="0"/>
-          <a:ext cx="0" cy="0"/>
-          <a:chOff x="0" y="0"/>
-          <a:chExt cx="0" cy="0"/>
-        </a:xfrm>
-      </p:grpSpPr>
-      <p:sp>
-        <p:nvSpPr>
-          <p:cNvPr id="6" name="Slide Number Placeholder 1">
-            <a:extLst>
-              <a:ext uri="{FF2B5EF4-FFF2-40B4-BE49-F238E27FC236}">
-                <a16:creationId xmlns:a16="http://schemas.microsoft.com/office/drawing/2014/main" id="{024DC3B6-499C-4E15-9336-2F15A0DFB843}"/>
-              </a:ext>
-            </a:extLst>
-          </p:cNvPr>
-          <p:cNvSpPr>
-            <a:spLocks noGrp="1"/>
-          </p:cNvSpPr>
-          <p:nvPr>
-            <p:ph type="sldNum" sz="quarter" idx="12"/>
-          </p:nvPr>
-        </p:nvSpPr>
-        <p:spPr>
-          <a:xfrm>
-            <a:off x="11587892" y="6361637"/>
-            <a:ext cx="414251" cy="365125"/>
-          </a:xfrm>
-        </p:spPr>
-        <p:txBody>
-          <a:bodyPr/>
-          <a:lstStyle/>
-          <a:p>
-            <a:fld id="{FC4AC485-25DE-431E-B345-9C0A15BB7F8A}" type="slidenum">
-              <a:rPr lang="de-CH" sz="1400" smtClean="0"/>
-              <a:t>19</a:t>
-            </a:fld>
-            <a:endParaRPr lang="de-CH" sz="1400" dirty="0"/>
-          </a:p>
-        </p:txBody>
-      </p:sp>
-      <p:sp>
-        <p:nvSpPr>
-          <p:cNvPr id="48" name="Title 1">
-            <a:extLst>
-              <a:ext uri="{FF2B5EF4-FFF2-40B4-BE49-F238E27FC236}">
-                <a16:creationId xmlns:a16="http://schemas.microsoft.com/office/drawing/2014/main" id="{A48B1DB7-BCDC-5D18-F56D-8A1447F1B8BA}"/>
-              </a:ext>
-            </a:extLst>
-          </p:cNvPr>
-          <p:cNvSpPr>
-            <a:spLocks noGrp="1"/>
-          </p:cNvSpPr>
-          <p:nvPr>
-            <p:ph type="title"/>
-          </p:nvPr>
-        </p:nvSpPr>
-        <p:spPr>
-          <a:xfrm>
-            <a:off x="838200" y="365125"/>
-            <a:ext cx="10515600" cy="1325563"/>
-          </a:xfrm>
-        </p:spPr>
-        <p:txBody>
-          <a:bodyPr>
-            <a:normAutofit/>
-          </a:bodyPr>
-          <a:lstStyle/>
-          <a:p>
-            <a:r>
-              <a:rPr lang="en-US" sz="2800" b="1" dirty="0"/>
-              <a:t>Postmortem, L3 VPN Pilot Migration - Voice Over IP</a:t>
-            </a:r>
-            <a:br>
-              <a:rPr lang="en-GB" sz="3600" dirty="0"/>
-            </a:br>
-            <a:r>
-              <a:rPr lang="en-US" sz="2800" b="0" dirty="0">
-                <a:solidFill>
-                  <a:schemeClr val="bg1">
-                    <a:lumMod val="65000"/>
-                  </a:schemeClr>
-                </a:solidFill>
-              </a:rPr>
-              <a:t>Route-Reflector Peering and L3 VPN Traffic View</a:t>
-            </a:r>
-            <a:endParaRPr lang="en-US" sz="2700" dirty="0">
-              <a:solidFill>
-                <a:schemeClr val="bg2">
-                  <a:lumMod val="75000"/>
-                </a:schemeClr>
-              </a:solidFill>
-            </a:endParaRPr>
-          </a:p>
-        </p:txBody>
-      </p:sp>
-      <p:sp>
-        <p:nvSpPr>
-          <p:cNvPr id="5" name="Inhaltsplatzhalter 2">
-            <a:extLst>
-              <a:ext uri="{FF2B5EF4-FFF2-40B4-BE49-F238E27FC236}">
-                <a16:creationId xmlns:a16="http://schemas.microsoft.com/office/drawing/2014/main" id="{477E3269-AE0B-75EF-0438-609ED261D5F5}"/>
-              </a:ext>
-            </a:extLst>
-          </p:cNvPr>
-          <p:cNvSpPr txBox="1">
-            <a:spLocks/>
-          </p:cNvSpPr>
-          <p:nvPr/>
-        </p:nvSpPr>
-        <p:spPr bwMode="black">
-          <a:xfrm>
-            <a:off x="9900281" y="1681163"/>
-            <a:ext cx="1824993" cy="3153997"/>
-          </a:xfrm>
-          <a:prstGeom prst="rect">
-            <a:avLst/>
-          </a:prstGeom>
-        </p:spPr>
-        <p:txBody>
-          <a:bodyPr lIns="0" tIns="0" rIns="0" bIns="0"/>
-          <a:lstStyle>
-            <a:lvl1pPr marL="0" indent="0" algn="l" defTabSz="914400" rtl="0" eaLnBrk="1" latinLnBrk="0" hangingPunct="1">
-              <a:lnSpc>
-                <a:spcPct val="110000"/>
-              </a:lnSpc>
-              <a:spcBef>
-                <a:spcPts val="600"/>
-              </a:spcBef>
-              <a:spcAft>
-                <a:spcPts val="600"/>
-              </a:spcAft>
-              <a:buFont typeface="Arial" panose="020B0604020202020204" pitchFamily="34" charset="0"/>
-              <a:buNone/>
-              <a:defRPr sz="2000" b="0" kern="1200">
-                <a:solidFill>
-                  <a:schemeClr val="tx1"/>
-                </a:solidFill>
-                <a:latin typeface="+mn-lt"/>
-                <a:ea typeface="+mn-ea"/>
-                <a:cs typeface="+mn-cs"/>
-              </a:defRPr>
-            </a:lvl1pPr>
-            <a:lvl2pPr marL="216000" indent="-216000" algn="l" defTabSz="914400" rtl="0" eaLnBrk="1" latinLnBrk="0" hangingPunct="1">
-              <a:lnSpc>
-                <a:spcPct val="110000"/>
-              </a:lnSpc>
-              <a:spcBef>
-                <a:spcPts val="200"/>
-              </a:spcBef>
-              <a:spcAft>
-                <a:spcPts val="200"/>
-              </a:spcAft>
-              <a:buFont typeface="Arial" panose="020B0604020202020204" pitchFamily="34" charset="0"/>
-              <a:buChar char="•"/>
-              <a:defRPr sz="2000" kern="1200">
-                <a:solidFill>
-                  <a:schemeClr val="tx1"/>
-                </a:solidFill>
-                <a:latin typeface="+mn-lt"/>
-                <a:ea typeface="+mn-ea"/>
-                <a:cs typeface="+mn-cs"/>
-              </a:defRPr>
-            </a:lvl2pPr>
-            <a:lvl3pPr marL="504000" indent="-288000" algn="l" defTabSz="914400" rtl="0" eaLnBrk="1" latinLnBrk="0" hangingPunct="1">
-              <a:lnSpc>
-                <a:spcPct val="110000"/>
-              </a:lnSpc>
-              <a:spcBef>
-                <a:spcPts val="200"/>
-              </a:spcBef>
-              <a:spcAft>
-                <a:spcPts val="200"/>
-              </a:spcAft>
-              <a:buFont typeface="TheSans Swisscom Light" panose="020B0300040303060204" pitchFamily="34" charset="0"/>
-              <a:buChar char="−"/>
-              <a:defRPr sz="2000" kern="1200">
-                <a:solidFill>
-                  <a:schemeClr val="tx1"/>
-                </a:solidFill>
-                <a:latin typeface="+mn-lt"/>
-                <a:ea typeface="+mn-ea"/>
-                <a:cs typeface="+mn-cs"/>
-              </a:defRPr>
-            </a:lvl3pPr>
-            <a:lvl4pPr marL="792000" indent="-288000" algn="l" defTabSz="914400" rtl="0" eaLnBrk="1" latinLnBrk="0" hangingPunct="1">
-              <a:lnSpc>
-                <a:spcPct val="110000"/>
-              </a:lnSpc>
-              <a:spcBef>
-                <a:spcPts val="200"/>
-              </a:spcBef>
-              <a:spcAft>
-                <a:spcPts val="200"/>
-              </a:spcAft>
-              <a:buFont typeface="TheSans Swisscom Light" panose="020B0300040303060204" pitchFamily="34" charset="0"/>
-              <a:buChar char="−"/>
-              <a:defRPr sz="2000" kern="1200">
-                <a:solidFill>
-                  <a:schemeClr val="tx1"/>
-                </a:solidFill>
-                <a:latin typeface="+mn-lt"/>
-                <a:ea typeface="+mn-ea"/>
-                <a:cs typeface="+mn-cs"/>
-              </a:defRPr>
-            </a:lvl4pPr>
-            <a:lvl5pPr marL="792000" indent="-288000" algn="l" defTabSz="914400" rtl="0" eaLnBrk="1" latinLnBrk="0" hangingPunct="1">
-              <a:lnSpc>
-                <a:spcPct val="110000"/>
-              </a:lnSpc>
-              <a:spcBef>
-                <a:spcPts val="200"/>
-              </a:spcBef>
-              <a:spcAft>
-                <a:spcPts val="200"/>
-              </a:spcAft>
-              <a:buFont typeface="TheSans Swisscom Light" panose="020B0300040303060204" pitchFamily="34" charset="0"/>
-              <a:buChar char="−"/>
-              <a:defRPr sz="2000" kern="1200">
-                <a:solidFill>
-                  <a:schemeClr val="tx1"/>
-                </a:solidFill>
-                <a:latin typeface="+mn-lt"/>
-                <a:ea typeface="+mn-ea"/>
-                <a:cs typeface="+mn-cs"/>
-              </a:defRPr>
-            </a:lvl5pPr>
-            <a:lvl6pPr marL="792000" indent="-288000" algn="l" defTabSz="914400" rtl="0" eaLnBrk="1" latinLnBrk="0" hangingPunct="1">
-              <a:lnSpc>
-                <a:spcPct val="110000"/>
-              </a:lnSpc>
-              <a:spcBef>
-                <a:spcPts val="200"/>
-              </a:spcBef>
-              <a:spcAft>
-                <a:spcPts val="200"/>
-              </a:spcAft>
-              <a:buFont typeface="TheSans Swisscom Light" panose="020B0300040303060204" pitchFamily="34" charset="0"/>
-              <a:buChar char="−"/>
-              <a:defRPr sz="2000" kern="1200">
-                <a:solidFill>
-                  <a:schemeClr val="tx1"/>
-                </a:solidFill>
-                <a:latin typeface="+mn-lt"/>
-                <a:ea typeface="+mn-ea"/>
-                <a:cs typeface="+mn-cs"/>
-              </a:defRPr>
-            </a:lvl6pPr>
-            <a:lvl7pPr marL="792000" indent="-288000" algn="l" defTabSz="914400" rtl="0" eaLnBrk="1" latinLnBrk="0" hangingPunct="1">
-              <a:lnSpc>
-                <a:spcPct val="110000"/>
-              </a:lnSpc>
-              <a:spcBef>
-                <a:spcPts val="200"/>
-              </a:spcBef>
-              <a:spcAft>
-                <a:spcPts val="200"/>
-              </a:spcAft>
-              <a:buFont typeface="TheSans Swisscom Light" panose="020B0300040303060204" pitchFamily="34" charset="0"/>
-              <a:buChar char="−"/>
-              <a:defRPr sz="2000" kern="1200">
-                <a:solidFill>
-                  <a:schemeClr val="tx1"/>
-                </a:solidFill>
-                <a:latin typeface="+mn-lt"/>
-                <a:ea typeface="+mn-ea"/>
-                <a:cs typeface="+mn-cs"/>
-              </a:defRPr>
-            </a:lvl7pPr>
-            <a:lvl8pPr marL="792000" indent="-288000" algn="l" defTabSz="914400" rtl="0" eaLnBrk="1" latinLnBrk="0" hangingPunct="1">
-              <a:lnSpc>
-                <a:spcPct val="110000"/>
-              </a:lnSpc>
-              <a:spcBef>
-                <a:spcPts val="200"/>
-              </a:spcBef>
-              <a:spcAft>
-                <a:spcPts val="200"/>
-              </a:spcAft>
-              <a:buFont typeface="TheSans Swisscom Light" panose="020B0300040303060204" pitchFamily="34" charset="0"/>
-              <a:buChar char="−"/>
-              <a:defRPr sz="2000" kern="1200">
-                <a:solidFill>
-                  <a:schemeClr val="tx1"/>
-                </a:solidFill>
-                <a:latin typeface="+mn-lt"/>
-                <a:ea typeface="+mn-ea"/>
-                <a:cs typeface="+mn-cs"/>
-              </a:defRPr>
-            </a:lvl8pPr>
-            <a:lvl9pPr marL="792000" indent="-288000" algn="l" defTabSz="914400" rtl="0" eaLnBrk="1" latinLnBrk="0" hangingPunct="1">
-              <a:lnSpc>
-                <a:spcPct val="110000"/>
-              </a:lnSpc>
-              <a:spcBef>
-                <a:spcPts val="200"/>
-              </a:spcBef>
-              <a:spcAft>
-                <a:spcPts val="200"/>
-              </a:spcAft>
-              <a:buFont typeface="TheSans Swisscom Light" panose="020B0300040303060204" pitchFamily="34" charset="0"/>
-              <a:buChar char="−"/>
-              <a:defRPr sz="2000" kern="1200">
-                <a:solidFill>
-                  <a:schemeClr val="tx1"/>
-                </a:solidFill>
-                <a:latin typeface="+mn-lt"/>
-                <a:ea typeface="+mn-ea"/>
-                <a:cs typeface="+mn-cs"/>
-              </a:defRPr>
-            </a:lvl9pPr>
-          </a:lstStyle>
-          <a:p>
-            <a:pPr marL="0" marR="0" lvl="0" indent="0" algn="l" defTabSz="914400" rtl="0" eaLnBrk="1" fontAlgn="auto" latinLnBrk="0" hangingPunct="1">
-              <a:lnSpc>
-                <a:spcPct val="110000"/>
-              </a:lnSpc>
-              <a:spcBef>
-                <a:spcPts val="900"/>
-              </a:spcBef>
-              <a:spcAft>
-                <a:spcPts val="900"/>
-              </a:spcAft>
-              <a:buClrTx/>
-              <a:buSzTx/>
-              <a:buFont typeface="Arial" panose="020B0604020202020204" pitchFamily="34" charset="0"/>
-              <a:buNone/>
-              <a:tabLst/>
-              <a:defRPr/>
-            </a:pPr>
-            <a:r>
-              <a:rPr kumimoji="0" lang="en-US" sz="1350" b="0" i="0" u="none" strike="noStrike" kern="1200" cap="none" spc="0" normalizeH="0" baseline="0" noProof="0" dirty="0">
-                <a:ln>
-                  <a:noFill/>
-                </a:ln>
-                <a:solidFill>
-                  <a:srgbClr val="333333"/>
-                </a:solidFill>
-                <a:effectLst/>
-                <a:uLnTx/>
-                <a:uFillTx/>
-                <a:latin typeface="TheSans Swisscom Light"/>
-                <a:ea typeface="+mn-ea"/>
-                <a:cs typeface="+mn-cs"/>
-              </a:rPr>
-              <a:t>IPFIX configured on PE </a:t>
-            </a:r>
-            <a:r>
-              <a:rPr kumimoji="0" lang="en-US" sz="1350" b="1" i="0" u="none" strike="noStrike" kern="1200" cap="none" spc="0" normalizeH="0" baseline="0" noProof="0" dirty="0">
-                <a:ln>
-                  <a:noFill/>
-                </a:ln>
-                <a:solidFill>
-                  <a:srgbClr val="FF0000"/>
-                </a:solidFill>
-                <a:effectLst/>
-                <a:uLnTx/>
-                <a:uFillTx/>
-                <a:latin typeface="TheSans Swisscom Light"/>
-                <a:ea typeface="+mn-ea"/>
-                <a:cs typeface="+mn-cs"/>
-              </a:rPr>
-              <a:t>but not on involved MPLS Inter-AS option B ASBRs </a:t>
-            </a:r>
-            <a:r>
-              <a:rPr kumimoji="0" lang="en-US" sz="1400" b="1" i="0" u="none" strike="noStrike" kern="1200" cap="none" spc="0" normalizeH="0" baseline="0" noProof="0" dirty="0">
-                <a:ln>
-                  <a:noFill/>
-                </a:ln>
-                <a:solidFill>
-                  <a:srgbClr val="FF0000"/>
-                </a:solidFill>
-                <a:effectLst/>
-                <a:uLnTx/>
-                <a:uFillTx/>
-                <a:latin typeface="TheSans Swisscom Light"/>
-                <a:ea typeface="+mn-ea"/>
-                <a:cs typeface="+mn-cs"/>
-              </a:rPr>
-              <a:t>due to PR1567039</a:t>
-            </a:r>
-            <a:r>
-              <a:rPr kumimoji="0" lang="en-US" sz="1350" b="1" i="0" u="none" strike="noStrike" kern="1200" cap="none" spc="0" normalizeH="0" baseline="0" noProof="0" dirty="0">
-                <a:ln>
-                  <a:noFill/>
-                </a:ln>
-                <a:solidFill>
-                  <a:srgbClr val="FF0000"/>
-                </a:solidFill>
-                <a:effectLst/>
-                <a:uLnTx/>
-                <a:uFillTx/>
-                <a:latin typeface="TheSans Swisscom Light"/>
-                <a:ea typeface="+mn-ea"/>
-                <a:cs typeface="+mn-cs"/>
-              </a:rPr>
-              <a:t>.</a:t>
-            </a:r>
-          </a:p>
-          <a:p>
-            <a:pPr marL="0" marR="0" lvl="0" indent="0" algn="l" defTabSz="914400" rtl="0" eaLnBrk="1" fontAlgn="auto" latinLnBrk="0" hangingPunct="1">
-              <a:lnSpc>
-                <a:spcPct val="110000"/>
-              </a:lnSpc>
-              <a:spcBef>
-                <a:spcPts val="900"/>
-              </a:spcBef>
-              <a:spcAft>
-                <a:spcPts val="900"/>
-              </a:spcAft>
-              <a:buClrTx/>
-              <a:buSzTx/>
-              <a:buFont typeface="Arial" panose="020B0604020202020204" pitchFamily="34" charset="0"/>
-              <a:buNone/>
-              <a:tabLst/>
-              <a:defRPr/>
-            </a:pPr>
-            <a:r>
-              <a:rPr kumimoji="0" lang="en-US" sz="1350" b="0" i="0" u="none" strike="noStrike" kern="1200" cap="none" spc="0" normalizeH="0" baseline="0" noProof="0" dirty="0">
-                <a:ln>
-                  <a:noFill/>
-                </a:ln>
-                <a:solidFill>
-                  <a:srgbClr val="333333"/>
-                </a:solidFill>
-                <a:effectLst/>
-                <a:uLnTx/>
-                <a:uFillTx/>
-                <a:latin typeface="TheSans Swisscom Light"/>
-                <a:ea typeface="+mn-ea"/>
-                <a:cs typeface="+mn-cs"/>
-              </a:rPr>
-              <a:t>BMP ADJ-RIB In pre-policy on BGP VPNv4 /6 on MPLS PE's. BMP ADJ-RIB In pre-policy on BGP VPNv4 /6 on Route Reflectors and BMP ADJ-RIB In pre-policy and ADJ-RIB Out post-policy on Inter-AS Option B ASBR.</a:t>
-            </a:r>
-          </a:p>
-          <a:p>
-            <a:pPr marL="0" marR="0" lvl="0" indent="0" algn="l" defTabSz="914400" rtl="0" eaLnBrk="1" fontAlgn="auto" latinLnBrk="0" hangingPunct="1">
-              <a:lnSpc>
-                <a:spcPct val="110000"/>
-              </a:lnSpc>
-              <a:spcBef>
-                <a:spcPts val="900"/>
-              </a:spcBef>
-              <a:spcAft>
-                <a:spcPts val="900"/>
-              </a:spcAft>
-              <a:buClrTx/>
-              <a:buSzTx/>
-              <a:buFont typeface="Arial" panose="020B0604020202020204" pitchFamily="34" charset="0"/>
-              <a:buNone/>
-              <a:tabLst/>
-              <a:defRPr/>
-            </a:pPr>
-            <a:r>
-              <a:rPr kumimoji="0" lang="en-US" sz="1350" b="0" i="0" u="none" strike="noStrike" kern="1200" cap="none" spc="0" normalizeH="0" baseline="0" noProof="0" dirty="0">
-                <a:ln>
-                  <a:noFill/>
-                </a:ln>
-                <a:solidFill>
-                  <a:srgbClr val="333333"/>
-                </a:solidFill>
-                <a:effectLst/>
-                <a:uLnTx/>
-                <a:uFillTx/>
-                <a:latin typeface="TheSans Swisscom Light"/>
-                <a:ea typeface="+mn-ea"/>
-                <a:cs typeface="+mn-cs"/>
-              </a:rPr>
-              <a:t>YANG Push on most nodes but not relevant for this use case.</a:t>
-            </a:r>
-          </a:p>
-        </p:txBody>
-      </p:sp>
-      <p:pic>
-        <p:nvPicPr>
-          <p:cNvPr id="8" name="Grafik 8">
-            <a:extLst>
-              <a:ext uri="{FF2B5EF4-FFF2-40B4-BE49-F238E27FC236}">
-                <a16:creationId xmlns:a16="http://schemas.microsoft.com/office/drawing/2014/main" id="{54154485-B928-B492-B0BF-0F2B48285B49}"/>
-              </a:ext>
-            </a:extLst>
-          </p:cNvPr>
-          <p:cNvPicPr>
-            <a:picLocks noChangeAspect="1"/>
-          </p:cNvPicPr>
-          <p:nvPr/>
-        </p:nvPicPr>
-        <p:blipFill>
-          <a:blip r:embed="rId3">
-            <a:extLst>
-              <a:ext uri="{28A0092B-C50C-407E-A947-70E740481C1C}">
-                <a14:useLocalDpi xmlns:a14="http://schemas.microsoft.com/office/drawing/2010/main" val="0"/>
-              </a:ext>
-              <a:ext uri="{96DAC541-7B7A-43D3-8B79-37D633B846F1}">
-                <asvg:svgBlip xmlns:asvg="http://schemas.microsoft.com/office/drawing/2016/SVG/main" r:embed="rId4"/>
-              </a:ext>
-            </a:extLst>
-          </a:blip>
-          <a:stretch>
-            <a:fillRect/>
-          </a:stretch>
-        </p:blipFill>
-        <p:spPr>
-          <a:xfrm>
-            <a:off x="9379124" y="3058389"/>
-            <a:ext cx="409069" cy="409069"/>
-          </a:xfrm>
-          <a:prstGeom prst="rect">
-            <a:avLst/>
-          </a:prstGeom>
-        </p:spPr>
-      </p:pic>
-      <p:pic>
-        <p:nvPicPr>
-          <p:cNvPr id="9" name="Graphic 8">
-            <a:extLst>
-              <a:ext uri="{FF2B5EF4-FFF2-40B4-BE49-F238E27FC236}">
-                <a16:creationId xmlns:a16="http://schemas.microsoft.com/office/drawing/2014/main" id="{2B0ED05A-090F-1833-44DF-BB03C2D98034}"/>
-              </a:ext>
-            </a:extLst>
-          </p:cNvPr>
-          <p:cNvPicPr>
-            <a:picLocks noChangeAspect="1"/>
-          </p:cNvPicPr>
-          <p:nvPr/>
-        </p:nvPicPr>
-        <p:blipFill>
-          <a:blip r:embed="rId5">
-            <a:extLst>
-              <a:ext uri="{28A0092B-C50C-407E-A947-70E740481C1C}">
-                <a14:useLocalDpi xmlns:a14="http://schemas.microsoft.com/office/drawing/2010/main" val="0"/>
-              </a:ext>
-              <a:ext uri="{96DAC541-7B7A-43D3-8B79-37D633B846F1}">
-                <asvg:svgBlip xmlns:asvg="http://schemas.microsoft.com/office/drawing/2016/SVG/main" r:embed="rId6"/>
-              </a:ext>
-            </a:extLst>
-          </a:blip>
-          <a:stretch>
-            <a:fillRect/>
-          </a:stretch>
-        </p:blipFill>
-        <p:spPr>
-          <a:xfrm>
-            <a:off x="9379124" y="5580908"/>
-            <a:ext cx="410400" cy="410400"/>
-          </a:xfrm>
-          <a:prstGeom prst="rect">
-            <a:avLst/>
-          </a:prstGeom>
-        </p:spPr>
-      </p:pic>
-      <p:sp>
-        <p:nvSpPr>
-          <p:cNvPr id="10" name="Rectangle 9">
-            <a:extLst>
-              <a:ext uri="{FF2B5EF4-FFF2-40B4-BE49-F238E27FC236}">
-                <a16:creationId xmlns:a16="http://schemas.microsoft.com/office/drawing/2014/main" id="{D5BF30A0-2EDE-D753-5071-EAC623851B2A}"/>
-              </a:ext>
-            </a:extLst>
-          </p:cNvPr>
-          <p:cNvSpPr/>
-          <p:nvPr/>
-        </p:nvSpPr>
-        <p:spPr>
-          <a:xfrm>
-            <a:off x="2562225" y="3837023"/>
-            <a:ext cx="3659921" cy="276999"/>
-          </a:xfrm>
-          <a:prstGeom prst="rect">
-            <a:avLst/>
-          </a:prstGeom>
-        </p:spPr>
-        <p:txBody>
-          <a:bodyPr wrap="square">
-            <a:spAutoFit/>
-          </a:bodyPr>
-          <a:lstStyle/>
-          <a:p>
-            <a:pPr marL="0" marR="0" lvl="0" indent="0" algn="ctr" defTabSz="914400" rtl="0" eaLnBrk="1" fontAlgn="auto" latinLnBrk="0" hangingPunct="1">
-              <a:lnSpc>
-                <a:spcPct val="100000"/>
-              </a:lnSpc>
-              <a:spcBef>
-                <a:spcPts val="0"/>
-              </a:spcBef>
-              <a:spcAft>
-                <a:spcPts val="0"/>
-              </a:spcAft>
-              <a:buClrTx/>
-              <a:buSzTx/>
-              <a:buFontTx/>
-              <a:buNone/>
-              <a:tabLst/>
-              <a:defRPr/>
-            </a:pPr>
-            <a:r>
-              <a:rPr kumimoji="0" lang="en-US" sz="1200" b="1" i="0" u="none" strike="noStrike" kern="1200" cap="none" spc="0" normalizeH="0" baseline="0" noProof="0" dirty="0">
-                <a:ln>
-                  <a:noFill/>
-                </a:ln>
-                <a:solidFill>
-                  <a:srgbClr val="333333"/>
-                </a:solidFill>
-                <a:effectLst/>
-                <a:uLnTx/>
-                <a:uFillTx/>
-                <a:latin typeface="TheSans Swisscom Light"/>
-                <a:ea typeface="+mn-ea"/>
-                <a:cs typeface="+mn-cs"/>
-              </a:rPr>
-              <a:t>BMP Peering Statistics on Route Reflectors</a:t>
-            </a:r>
-          </a:p>
-        </p:txBody>
-      </p:sp>
-      <p:pic>
-        <p:nvPicPr>
-          <p:cNvPr id="11" name="Graphic 10">
-            <a:extLst>
-              <a:ext uri="{FF2B5EF4-FFF2-40B4-BE49-F238E27FC236}">
-                <a16:creationId xmlns:a16="http://schemas.microsoft.com/office/drawing/2014/main" id="{A016D5FB-2A70-8FB0-B62D-016BEC79DF4B}"/>
-              </a:ext>
-            </a:extLst>
-          </p:cNvPr>
-          <p:cNvPicPr>
-            <a:picLocks noChangeAspect="1"/>
-          </p:cNvPicPr>
-          <p:nvPr/>
-        </p:nvPicPr>
-        <p:blipFill>
-          <a:blip r:embed="rId7">
-            <a:extLst>
-              <a:ext uri="{28A0092B-C50C-407E-A947-70E740481C1C}">
-                <a14:useLocalDpi xmlns:a14="http://schemas.microsoft.com/office/drawing/2010/main" val="0"/>
-              </a:ext>
-              <a:ext uri="{96DAC541-7B7A-43D3-8B79-37D633B846F1}">
-                <asvg:svgBlip xmlns:asvg="http://schemas.microsoft.com/office/drawing/2016/SVG/main" r:embed="rId8"/>
-              </a:ext>
-            </a:extLst>
-          </a:blip>
-          <a:stretch>
-            <a:fillRect/>
-          </a:stretch>
-        </p:blipFill>
-        <p:spPr>
-          <a:xfrm>
-            <a:off x="9292916" y="1714589"/>
-            <a:ext cx="525183" cy="525183"/>
-          </a:xfrm>
-          <a:prstGeom prst="rect">
-            <a:avLst/>
-          </a:prstGeom>
-        </p:spPr>
-      </p:pic>
-      <p:pic>
-        <p:nvPicPr>
-          <p:cNvPr id="12" name="Picture 11">
-            <a:extLst>
-              <a:ext uri="{FF2B5EF4-FFF2-40B4-BE49-F238E27FC236}">
-                <a16:creationId xmlns:a16="http://schemas.microsoft.com/office/drawing/2014/main" id="{53FBDF35-349F-4A69-857C-9D3F5A1A82DE}"/>
-              </a:ext>
-            </a:extLst>
-          </p:cNvPr>
-          <p:cNvPicPr>
-            <a:picLocks noChangeAspect="1"/>
-          </p:cNvPicPr>
-          <p:nvPr/>
-        </p:nvPicPr>
-        <p:blipFill>
-          <a:blip r:embed="rId9"/>
-          <a:stretch>
-            <a:fillRect/>
-          </a:stretch>
-        </p:blipFill>
-        <p:spPr>
-          <a:xfrm>
-            <a:off x="2666304" y="1714589"/>
-            <a:ext cx="3555842" cy="2000161"/>
-          </a:xfrm>
-          <a:prstGeom prst="rect">
-            <a:avLst/>
-          </a:prstGeom>
-        </p:spPr>
-      </p:pic>
-      <p:sp>
-        <p:nvSpPr>
-          <p:cNvPr id="13" name="Rectangle 12">
-            <a:extLst>
-              <a:ext uri="{FF2B5EF4-FFF2-40B4-BE49-F238E27FC236}">
-                <a16:creationId xmlns:a16="http://schemas.microsoft.com/office/drawing/2014/main" id="{BB63D1CC-F8AF-E563-C0E8-E96F4B90A8F1}"/>
-              </a:ext>
-            </a:extLst>
-          </p:cNvPr>
-          <p:cNvSpPr/>
-          <p:nvPr/>
-        </p:nvSpPr>
-        <p:spPr>
-          <a:xfrm>
-            <a:off x="942278" y="6260357"/>
-            <a:ext cx="7411145" cy="276999"/>
-          </a:xfrm>
-          <a:prstGeom prst="rect">
-            <a:avLst/>
-          </a:prstGeom>
-        </p:spPr>
-        <p:txBody>
-          <a:bodyPr wrap="square">
-            <a:spAutoFit/>
-          </a:bodyPr>
-          <a:lstStyle/>
-          <a:p>
-            <a:pPr marL="0" marR="0" lvl="0" indent="0" algn="ctr" defTabSz="914400" rtl="0" eaLnBrk="1" fontAlgn="auto" latinLnBrk="0" hangingPunct="1">
-              <a:lnSpc>
-                <a:spcPct val="100000"/>
-              </a:lnSpc>
-              <a:spcBef>
-                <a:spcPts val="0"/>
-              </a:spcBef>
-              <a:spcAft>
-                <a:spcPts val="0"/>
-              </a:spcAft>
-              <a:buClrTx/>
-              <a:buSzTx/>
-              <a:buFontTx/>
-              <a:buNone/>
-              <a:tabLst/>
-              <a:defRPr/>
-            </a:pPr>
-            <a:r>
-              <a:rPr kumimoji="0" lang="en-US" sz="1200" b="1" i="0" u="none" strike="noStrike" kern="1200" cap="none" spc="0" normalizeH="0" baseline="0" noProof="0" dirty="0">
-                <a:ln>
-                  <a:noFill/>
-                </a:ln>
-                <a:solidFill>
-                  <a:srgbClr val="333333"/>
-                </a:solidFill>
-                <a:effectLst/>
-                <a:uLnTx/>
-                <a:uFillTx/>
-                <a:latin typeface="TheSans Swisscom Light"/>
-                <a:ea typeface="+mn-ea"/>
-                <a:cs typeface="+mn-cs"/>
-              </a:rPr>
-              <a:t>Traffic to Voice over IP Service on affected L3 VPN</a:t>
-            </a:r>
-          </a:p>
-        </p:txBody>
-      </p:sp>
-      <p:pic>
-        <p:nvPicPr>
-          <p:cNvPr id="14" name="Picture 13">
-            <a:extLst>
-              <a:ext uri="{FF2B5EF4-FFF2-40B4-BE49-F238E27FC236}">
-                <a16:creationId xmlns:a16="http://schemas.microsoft.com/office/drawing/2014/main" id="{BD2E6EE8-E200-90CF-5E2F-040788DDDF24}"/>
-              </a:ext>
-            </a:extLst>
-          </p:cNvPr>
-          <p:cNvPicPr>
-            <a:picLocks noChangeAspect="1"/>
-          </p:cNvPicPr>
-          <p:nvPr/>
-        </p:nvPicPr>
-        <p:blipFill>
-          <a:blip r:embed="rId10"/>
-          <a:stretch>
-            <a:fillRect/>
-          </a:stretch>
-        </p:blipFill>
-        <p:spPr>
-          <a:xfrm>
-            <a:off x="942279" y="4337683"/>
-            <a:ext cx="7411146" cy="1830782"/>
-          </a:xfrm>
-          <a:prstGeom prst="rect">
-            <a:avLst/>
-          </a:prstGeom>
-        </p:spPr>
-      </p:pic>
-    </p:spTree>
-    <p:extLst>
-      <p:ext uri="{BB962C8B-B14F-4D97-AF65-F5344CB8AC3E}">
-        <p14:creationId xmlns:p14="http://schemas.microsoft.com/office/powerpoint/2010/main" val="1265367659"/>
       </p:ext>
     </p:extLst>
   </p:cSld>
@@ -27759,6 +29961,807 @@
                   </a:schemeClr>
                 </a:solidFill>
               </a:rPr>
+              <a:t>Route-Reflector Peering and L3 VPN Traffic View</a:t>
+            </a:r>
+            <a:endParaRPr lang="en-US" sz="2700" dirty="0">
+              <a:solidFill>
+                <a:schemeClr val="bg2">
+                  <a:lumMod val="75000"/>
+                </a:schemeClr>
+              </a:solidFill>
+            </a:endParaRPr>
+          </a:p>
+        </p:txBody>
+      </p:sp>
+      <p:sp>
+        <p:nvSpPr>
+          <p:cNvPr id="5" name="Inhaltsplatzhalter 2">
+            <a:extLst>
+              <a:ext uri="{FF2B5EF4-FFF2-40B4-BE49-F238E27FC236}">
+                <a16:creationId xmlns:a16="http://schemas.microsoft.com/office/drawing/2014/main" id="{477E3269-AE0B-75EF-0438-609ED261D5F5}"/>
+              </a:ext>
+            </a:extLst>
+          </p:cNvPr>
+          <p:cNvSpPr txBox="1">
+            <a:spLocks/>
+          </p:cNvSpPr>
+          <p:nvPr/>
+        </p:nvSpPr>
+        <p:spPr bwMode="black">
+          <a:xfrm>
+            <a:off x="9900281" y="1681163"/>
+            <a:ext cx="1824993" cy="3153997"/>
+          </a:xfrm>
+          <a:prstGeom prst="rect">
+            <a:avLst/>
+          </a:prstGeom>
+        </p:spPr>
+        <p:txBody>
+          <a:bodyPr lIns="0" tIns="0" rIns="0" bIns="0"/>
+          <a:lstStyle>
+            <a:lvl1pPr marL="0" indent="0" algn="l" defTabSz="914400" rtl="0" eaLnBrk="1" latinLnBrk="0" hangingPunct="1">
+              <a:lnSpc>
+                <a:spcPct val="110000"/>
+              </a:lnSpc>
+              <a:spcBef>
+                <a:spcPts val="600"/>
+              </a:spcBef>
+              <a:spcAft>
+                <a:spcPts val="600"/>
+              </a:spcAft>
+              <a:buFont typeface="Arial" panose="020B0604020202020204" pitchFamily="34" charset="0"/>
+              <a:buNone/>
+              <a:defRPr sz="2000" b="0" kern="1200">
+                <a:solidFill>
+                  <a:schemeClr val="tx1"/>
+                </a:solidFill>
+                <a:latin typeface="+mn-lt"/>
+                <a:ea typeface="+mn-ea"/>
+                <a:cs typeface="+mn-cs"/>
+              </a:defRPr>
+            </a:lvl1pPr>
+            <a:lvl2pPr marL="216000" indent="-216000" algn="l" defTabSz="914400" rtl="0" eaLnBrk="1" latinLnBrk="0" hangingPunct="1">
+              <a:lnSpc>
+                <a:spcPct val="110000"/>
+              </a:lnSpc>
+              <a:spcBef>
+                <a:spcPts val="200"/>
+              </a:spcBef>
+              <a:spcAft>
+                <a:spcPts val="200"/>
+              </a:spcAft>
+              <a:buFont typeface="Arial" panose="020B0604020202020204" pitchFamily="34" charset="0"/>
+              <a:buChar char="•"/>
+              <a:defRPr sz="2000" kern="1200">
+                <a:solidFill>
+                  <a:schemeClr val="tx1"/>
+                </a:solidFill>
+                <a:latin typeface="+mn-lt"/>
+                <a:ea typeface="+mn-ea"/>
+                <a:cs typeface="+mn-cs"/>
+              </a:defRPr>
+            </a:lvl2pPr>
+            <a:lvl3pPr marL="504000" indent="-288000" algn="l" defTabSz="914400" rtl="0" eaLnBrk="1" latinLnBrk="0" hangingPunct="1">
+              <a:lnSpc>
+                <a:spcPct val="110000"/>
+              </a:lnSpc>
+              <a:spcBef>
+                <a:spcPts val="200"/>
+              </a:spcBef>
+              <a:spcAft>
+                <a:spcPts val="200"/>
+              </a:spcAft>
+              <a:buFont typeface="TheSans Swisscom Light" panose="020B0300040303060204" pitchFamily="34" charset="0"/>
+              <a:buChar char="−"/>
+              <a:defRPr sz="2000" kern="1200">
+                <a:solidFill>
+                  <a:schemeClr val="tx1"/>
+                </a:solidFill>
+                <a:latin typeface="+mn-lt"/>
+                <a:ea typeface="+mn-ea"/>
+                <a:cs typeface="+mn-cs"/>
+              </a:defRPr>
+            </a:lvl3pPr>
+            <a:lvl4pPr marL="792000" indent="-288000" algn="l" defTabSz="914400" rtl="0" eaLnBrk="1" latinLnBrk="0" hangingPunct="1">
+              <a:lnSpc>
+                <a:spcPct val="110000"/>
+              </a:lnSpc>
+              <a:spcBef>
+                <a:spcPts val="200"/>
+              </a:spcBef>
+              <a:spcAft>
+                <a:spcPts val="200"/>
+              </a:spcAft>
+              <a:buFont typeface="TheSans Swisscom Light" panose="020B0300040303060204" pitchFamily="34" charset="0"/>
+              <a:buChar char="−"/>
+              <a:defRPr sz="2000" kern="1200">
+                <a:solidFill>
+                  <a:schemeClr val="tx1"/>
+                </a:solidFill>
+                <a:latin typeface="+mn-lt"/>
+                <a:ea typeface="+mn-ea"/>
+                <a:cs typeface="+mn-cs"/>
+              </a:defRPr>
+            </a:lvl4pPr>
+            <a:lvl5pPr marL="792000" indent="-288000" algn="l" defTabSz="914400" rtl="0" eaLnBrk="1" latinLnBrk="0" hangingPunct="1">
+              <a:lnSpc>
+                <a:spcPct val="110000"/>
+              </a:lnSpc>
+              <a:spcBef>
+                <a:spcPts val="200"/>
+              </a:spcBef>
+              <a:spcAft>
+                <a:spcPts val="200"/>
+              </a:spcAft>
+              <a:buFont typeface="TheSans Swisscom Light" panose="020B0300040303060204" pitchFamily="34" charset="0"/>
+              <a:buChar char="−"/>
+              <a:defRPr sz="2000" kern="1200">
+                <a:solidFill>
+                  <a:schemeClr val="tx1"/>
+                </a:solidFill>
+                <a:latin typeface="+mn-lt"/>
+                <a:ea typeface="+mn-ea"/>
+                <a:cs typeface="+mn-cs"/>
+              </a:defRPr>
+            </a:lvl5pPr>
+            <a:lvl6pPr marL="792000" indent="-288000" algn="l" defTabSz="914400" rtl="0" eaLnBrk="1" latinLnBrk="0" hangingPunct="1">
+              <a:lnSpc>
+                <a:spcPct val="110000"/>
+              </a:lnSpc>
+              <a:spcBef>
+                <a:spcPts val="200"/>
+              </a:spcBef>
+              <a:spcAft>
+                <a:spcPts val="200"/>
+              </a:spcAft>
+              <a:buFont typeface="TheSans Swisscom Light" panose="020B0300040303060204" pitchFamily="34" charset="0"/>
+              <a:buChar char="−"/>
+              <a:defRPr sz="2000" kern="1200">
+                <a:solidFill>
+                  <a:schemeClr val="tx1"/>
+                </a:solidFill>
+                <a:latin typeface="+mn-lt"/>
+                <a:ea typeface="+mn-ea"/>
+                <a:cs typeface="+mn-cs"/>
+              </a:defRPr>
+            </a:lvl6pPr>
+            <a:lvl7pPr marL="792000" indent="-288000" algn="l" defTabSz="914400" rtl="0" eaLnBrk="1" latinLnBrk="0" hangingPunct="1">
+              <a:lnSpc>
+                <a:spcPct val="110000"/>
+              </a:lnSpc>
+              <a:spcBef>
+                <a:spcPts val="200"/>
+              </a:spcBef>
+              <a:spcAft>
+                <a:spcPts val="200"/>
+              </a:spcAft>
+              <a:buFont typeface="TheSans Swisscom Light" panose="020B0300040303060204" pitchFamily="34" charset="0"/>
+              <a:buChar char="−"/>
+              <a:defRPr sz="2000" kern="1200">
+                <a:solidFill>
+                  <a:schemeClr val="tx1"/>
+                </a:solidFill>
+                <a:latin typeface="+mn-lt"/>
+                <a:ea typeface="+mn-ea"/>
+                <a:cs typeface="+mn-cs"/>
+              </a:defRPr>
+            </a:lvl7pPr>
+            <a:lvl8pPr marL="792000" indent="-288000" algn="l" defTabSz="914400" rtl="0" eaLnBrk="1" latinLnBrk="0" hangingPunct="1">
+              <a:lnSpc>
+                <a:spcPct val="110000"/>
+              </a:lnSpc>
+              <a:spcBef>
+                <a:spcPts val="200"/>
+              </a:spcBef>
+              <a:spcAft>
+                <a:spcPts val="200"/>
+              </a:spcAft>
+              <a:buFont typeface="TheSans Swisscom Light" panose="020B0300040303060204" pitchFamily="34" charset="0"/>
+              <a:buChar char="−"/>
+              <a:defRPr sz="2000" kern="1200">
+                <a:solidFill>
+                  <a:schemeClr val="tx1"/>
+                </a:solidFill>
+                <a:latin typeface="+mn-lt"/>
+                <a:ea typeface="+mn-ea"/>
+                <a:cs typeface="+mn-cs"/>
+              </a:defRPr>
+            </a:lvl8pPr>
+            <a:lvl9pPr marL="792000" indent="-288000" algn="l" defTabSz="914400" rtl="0" eaLnBrk="1" latinLnBrk="0" hangingPunct="1">
+              <a:lnSpc>
+                <a:spcPct val="110000"/>
+              </a:lnSpc>
+              <a:spcBef>
+                <a:spcPts val="200"/>
+              </a:spcBef>
+              <a:spcAft>
+                <a:spcPts val="200"/>
+              </a:spcAft>
+              <a:buFont typeface="TheSans Swisscom Light" panose="020B0300040303060204" pitchFamily="34" charset="0"/>
+              <a:buChar char="−"/>
+              <a:defRPr sz="2000" kern="1200">
+                <a:solidFill>
+                  <a:schemeClr val="tx1"/>
+                </a:solidFill>
+                <a:latin typeface="+mn-lt"/>
+                <a:ea typeface="+mn-ea"/>
+                <a:cs typeface="+mn-cs"/>
+              </a:defRPr>
+            </a:lvl9pPr>
+          </a:lstStyle>
+          <a:p>
+            <a:pPr marL="0" marR="0" lvl="0" indent="0" algn="l" defTabSz="914400" rtl="0" eaLnBrk="1" fontAlgn="auto" latinLnBrk="0" hangingPunct="1">
+              <a:lnSpc>
+                <a:spcPct val="110000"/>
+              </a:lnSpc>
+              <a:spcBef>
+                <a:spcPts val="900"/>
+              </a:spcBef>
+              <a:spcAft>
+                <a:spcPts val="900"/>
+              </a:spcAft>
+              <a:buClrTx/>
+              <a:buSzTx/>
+              <a:buFont typeface="Arial" panose="020B0604020202020204" pitchFamily="34" charset="0"/>
+              <a:buNone/>
+              <a:tabLst/>
+              <a:defRPr/>
+            </a:pPr>
+            <a:r>
+              <a:rPr kumimoji="0" lang="en-US" sz="1350" b="0" i="0" u="none" strike="noStrike" kern="1200" cap="none" spc="0" normalizeH="0" baseline="0" noProof="0" dirty="0">
+                <a:ln>
+                  <a:noFill/>
+                </a:ln>
+                <a:solidFill>
+                  <a:srgbClr val="333333"/>
+                </a:solidFill>
+                <a:effectLst/>
+                <a:uLnTx/>
+                <a:uFillTx/>
+                <a:latin typeface="TheSans Swisscom Light"/>
+                <a:ea typeface="+mn-ea"/>
+                <a:cs typeface="+mn-cs"/>
+              </a:rPr>
+              <a:t>IPFIX configured on PE </a:t>
+            </a:r>
+            <a:r>
+              <a:rPr kumimoji="0" lang="en-US" sz="1350" b="1" i="0" u="none" strike="noStrike" kern="1200" cap="none" spc="0" normalizeH="0" baseline="0" noProof="0" dirty="0">
+                <a:ln>
+                  <a:noFill/>
+                </a:ln>
+                <a:solidFill>
+                  <a:srgbClr val="FF0000"/>
+                </a:solidFill>
+                <a:effectLst/>
+                <a:uLnTx/>
+                <a:uFillTx/>
+                <a:latin typeface="TheSans Swisscom Light"/>
+                <a:ea typeface="+mn-ea"/>
+                <a:cs typeface="+mn-cs"/>
+              </a:rPr>
+              <a:t>but not on involved MPLS Inter-AS option B ASBRs </a:t>
+            </a:r>
+            <a:r>
+              <a:rPr kumimoji="0" lang="en-US" sz="1400" b="1" i="0" u="none" strike="noStrike" kern="1200" cap="none" spc="0" normalizeH="0" baseline="0" noProof="0" dirty="0">
+                <a:ln>
+                  <a:noFill/>
+                </a:ln>
+                <a:solidFill>
+                  <a:srgbClr val="FF0000"/>
+                </a:solidFill>
+                <a:effectLst/>
+                <a:uLnTx/>
+                <a:uFillTx/>
+                <a:latin typeface="TheSans Swisscom Light"/>
+                <a:ea typeface="+mn-ea"/>
+                <a:cs typeface="+mn-cs"/>
+              </a:rPr>
+              <a:t>due to PR1567039</a:t>
+            </a:r>
+            <a:r>
+              <a:rPr kumimoji="0" lang="en-US" sz="1350" b="1" i="0" u="none" strike="noStrike" kern="1200" cap="none" spc="0" normalizeH="0" baseline="0" noProof="0" dirty="0">
+                <a:ln>
+                  <a:noFill/>
+                </a:ln>
+                <a:solidFill>
+                  <a:srgbClr val="FF0000"/>
+                </a:solidFill>
+                <a:effectLst/>
+                <a:uLnTx/>
+                <a:uFillTx/>
+                <a:latin typeface="TheSans Swisscom Light"/>
+                <a:ea typeface="+mn-ea"/>
+                <a:cs typeface="+mn-cs"/>
+              </a:rPr>
+              <a:t>.</a:t>
+            </a:r>
+          </a:p>
+          <a:p>
+            <a:pPr marL="0" marR="0" lvl="0" indent="0" algn="l" defTabSz="914400" rtl="0" eaLnBrk="1" fontAlgn="auto" latinLnBrk="0" hangingPunct="1">
+              <a:lnSpc>
+                <a:spcPct val="110000"/>
+              </a:lnSpc>
+              <a:spcBef>
+                <a:spcPts val="900"/>
+              </a:spcBef>
+              <a:spcAft>
+                <a:spcPts val="900"/>
+              </a:spcAft>
+              <a:buClrTx/>
+              <a:buSzTx/>
+              <a:buFont typeface="Arial" panose="020B0604020202020204" pitchFamily="34" charset="0"/>
+              <a:buNone/>
+              <a:tabLst/>
+              <a:defRPr/>
+            </a:pPr>
+            <a:r>
+              <a:rPr kumimoji="0" lang="en-US" sz="1350" b="0" i="0" u="none" strike="noStrike" kern="1200" cap="none" spc="0" normalizeH="0" baseline="0" noProof="0" dirty="0">
+                <a:ln>
+                  <a:noFill/>
+                </a:ln>
+                <a:solidFill>
+                  <a:srgbClr val="333333"/>
+                </a:solidFill>
+                <a:effectLst/>
+                <a:uLnTx/>
+                <a:uFillTx/>
+                <a:latin typeface="TheSans Swisscom Light"/>
+                <a:ea typeface="+mn-ea"/>
+                <a:cs typeface="+mn-cs"/>
+              </a:rPr>
+              <a:t>BMP ADJ-RIB In pre-policy on BGP VPNv4 /6 on MPLS PE's. BMP ADJ-RIB In pre-policy on BGP VPNv4 /6 on Route Reflectors and BMP ADJ-RIB In pre-policy and ADJ-RIB Out post-policy on Inter-AS Option B ASBR.</a:t>
+            </a:r>
+          </a:p>
+          <a:p>
+            <a:pPr marL="0" marR="0" lvl="0" indent="0" algn="l" defTabSz="914400" rtl="0" eaLnBrk="1" fontAlgn="auto" latinLnBrk="0" hangingPunct="1">
+              <a:lnSpc>
+                <a:spcPct val="110000"/>
+              </a:lnSpc>
+              <a:spcBef>
+                <a:spcPts val="900"/>
+              </a:spcBef>
+              <a:spcAft>
+                <a:spcPts val="900"/>
+              </a:spcAft>
+              <a:buClrTx/>
+              <a:buSzTx/>
+              <a:buFont typeface="Arial" panose="020B0604020202020204" pitchFamily="34" charset="0"/>
+              <a:buNone/>
+              <a:tabLst/>
+              <a:defRPr/>
+            </a:pPr>
+            <a:r>
+              <a:rPr kumimoji="0" lang="en-US" sz="1350" b="0" i="0" u="none" strike="noStrike" kern="1200" cap="none" spc="0" normalizeH="0" baseline="0" noProof="0" dirty="0">
+                <a:ln>
+                  <a:noFill/>
+                </a:ln>
+                <a:solidFill>
+                  <a:srgbClr val="333333"/>
+                </a:solidFill>
+                <a:effectLst/>
+                <a:uLnTx/>
+                <a:uFillTx/>
+                <a:latin typeface="TheSans Swisscom Light"/>
+                <a:ea typeface="+mn-ea"/>
+                <a:cs typeface="+mn-cs"/>
+              </a:rPr>
+              <a:t>YANG Push on most nodes but not relevant for this use case.</a:t>
+            </a:r>
+          </a:p>
+        </p:txBody>
+      </p:sp>
+      <p:pic>
+        <p:nvPicPr>
+          <p:cNvPr id="8" name="Grafik 8">
+            <a:extLst>
+              <a:ext uri="{FF2B5EF4-FFF2-40B4-BE49-F238E27FC236}">
+                <a16:creationId xmlns:a16="http://schemas.microsoft.com/office/drawing/2014/main" id="{54154485-B928-B492-B0BF-0F2B48285B49}"/>
+              </a:ext>
+            </a:extLst>
+          </p:cNvPr>
+          <p:cNvPicPr>
+            <a:picLocks noChangeAspect="1"/>
+          </p:cNvPicPr>
+          <p:nvPr/>
+        </p:nvPicPr>
+        <p:blipFill>
+          <a:blip r:embed="rId3">
+            <a:extLst>
+              <a:ext uri="{28A0092B-C50C-407E-A947-70E740481C1C}">
+                <a14:useLocalDpi xmlns:a14="http://schemas.microsoft.com/office/drawing/2010/main" val="0"/>
+              </a:ext>
+              <a:ext uri="{96DAC541-7B7A-43D3-8B79-37D633B846F1}">
+                <asvg:svgBlip xmlns:asvg="http://schemas.microsoft.com/office/drawing/2016/SVG/main" r:embed="rId4"/>
+              </a:ext>
+            </a:extLst>
+          </a:blip>
+          <a:stretch>
+            <a:fillRect/>
+          </a:stretch>
+        </p:blipFill>
+        <p:spPr>
+          <a:xfrm>
+            <a:off x="9379124" y="3058389"/>
+            <a:ext cx="409069" cy="409069"/>
+          </a:xfrm>
+          <a:prstGeom prst="rect">
+            <a:avLst/>
+          </a:prstGeom>
+        </p:spPr>
+      </p:pic>
+      <p:pic>
+        <p:nvPicPr>
+          <p:cNvPr id="9" name="Graphic 8">
+            <a:extLst>
+              <a:ext uri="{FF2B5EF4-FFF2-40B4-BE49-F238E27FC236}">
+                <a16:creationId xmlns:a16="http://schemas.microsoft.com/office/drawing/2014/main" id="{2B0ED05A-090F-1833-44DF-BB03C2D98034}"/>
+              </a:ext>
+            </a:extLst>
+          </p:cNvPr>
+          <p:cNvPicPr>
+            <a:picLocks noChangeAspect="1"/>
+          </p:cNvPicPr>
+          <p:nvPr/>
+        </p:nvPicPr>
+        <p:blipFill>
+          <a:blip r:embed="rId5">
+            <a:extLst>
+              <a:ext uri="{28A0092B-C50C-407E-A947-70E740481C1C}">
+                <a14:useLocalDpi xmlns:a14="http://schemas.microsoft.com/office/drawing/2010/main" val="0"/>
+              </a:ext>
+              <a:ext uri="{96DAC541-7B7A-43D3-8B79-37D633B846F1}">
+                <asvg:svgBlip xmlns:asvg="http://schemas.microsoft.com/office/drawing/2016/SVG/main" r:embed="rId6"/>
+              </a:ext>
+            </a:extLst>
+          </a:blip>
+          <a:stretch>
+            <a:fillRect/>
+          </a:stretch>
+        </p:blipFill>
+        <p:spPr>
+          <a:xfrm>
+            <a:off x="9379124" y="5580908"/>
+            <a:ext cx="410400" cy="410400"/>
+          </a:xfrm>
+          <a:prstGeom prst="rect">
+            <a:avLst/>
+          </a:prstGeom>
+        </p:spPr>
+      </p:pic>
+      <p:sp>
+        <p:nvSpPr>
+          <p:cNvPr id="10" name="Rectangle 9">
+            <a:extLst>
+              <a:ext uri="{FF2B5EF4-FFF2-40B4-BE49-F238E27FC236}">
+                <a16:creationId xmlns:a16="http://schemas.microsoft.com/office/drawing/2014/main" id="{D5BF30A0-2EDE-D753-5071-EAC623851B2A}"/>
+              </a:ext>
+            </a:extLst>
+          </p:cNvPr>
+          <p:cNvSpPr/>
+          <p:nvPr/>
+        </p:nvSpPr>
+        <p:spPr>
+          <a:xfrm>
+            <a:off x="2562225" y="3837023"/>
+            <a:ext cx="3659921" cy="276999"/>
+          </a:xfrm>
+          <a:prstGeom prst="rect">
+            <a:avLst/>
+          </a:prstGeom>
+        </p:spPr>
+        <p:txBody>
+          <a:bodyPr wrap="square">
+            <a:spAutoFit/>
+          </a:bodyPr>
+          <a:lstStyle/>
+          <a:p>
+            <a:pPr marL="0" marR="0" lvl="0" indent="0" algn="ctr" defTabSz="914400" rtl="0" eaLnBrk="1" fontAlgn="auto" latinLnBrk="0" hangingPunct="1">
+              <a:lnSpc>
+                <a:spcPct val="100000"/>
+              </a:lnSpc>
+              <a:spcBef>
+                <a:spcPts val="0"/>
+              </a:spcBef>
+              <a:spcAft>
+                <a:spcPts val="0"/>
+              </a:spcAft>
+              <a:buClrTx/>
+              <a:buSzTx/>
+              <a:buFontTx/>
+              <a:buNone/>
+              <a:tabLst/>
+              <a:defRPr/>
+            </a:pPr>
+            <a:r>
+              <a:rPr kumimoji="0" lang="en-US" sz="1200" b="1" i="0" u="none" strike="noStrike" kern="1200" cap="none" spc="0" normalizeH="0" baseline="0" noProof="0" dirty="0">
+                <a:ln>
+                  <a:noFill/>
+                </a:ln>
+                <a:solidFill>
+                  <a:srgbClr val="333333"/>
+                </a:solidFill>
+                <a:effectLst/>
+                <a:uLnTx/>
+                <a:uFillTx/>
+                <a:latin typeface="TheSans Swisscom Light"/>
+                <a:ea typeface="+mn-ea"/>
+                <a:cs typeface="+mn-cs"/>
+              </a:rPr>
+              <a:t>BMP Peering Statistics on Route Reflectors</a:t>
+            </a:r>
+          </a:p>
+        </p:txBody>
+      </p:sp>
+      <p:pic>
+        <p:nvPicPr>
+          <p:cNvPr id="11" name="Graphic 10">
+            <a:extLst>
+              <a:ext uri="{FF2B5EF4-FFF2-40B4-BE49-F238E27FC236}">
+                <a16:creationId xmlns:a16="http://schemas.microsoft.com/office/drawing/2014/main" id="{A016D5FB-2A70-8FB0-B62D-016BEC79DF4B}"/>
+              </a:ext>
+            </a:extLst>
+          </p:cNvPr>
+          <p:cNvPicPr>
+            <a:picLocks noChangeAspect="1"/>
+          </p:cNvPicPr>
+          <p:nvPr/>
+        </p:nvPicPr>
+        <p:blipFill>
+          <a:blip r:embed="rId7">
+            <a:extLst>
+              <a:ext uri="{28A0092B-C50C-407E-A947-70E740481C1C}">
+                <a14:useLocalDpi xmlns:a14="http://schemas.microsoft.com/office/drawing/2010/main" val="0"/>
+              </a:ext>
+              <a:ext uri="{96DAC541-7B7A-43D3-8B79-37D633B846F1}">
+                <asvg:svgBlip xmlns:asvg="http://schemas.microsoft.com/office/drawing/2016/SVG/main" r:embed="rId8"/>
+              </a:ext>
+            </a:extLst>
+          </a:blip>
+          <a:stretch>
+            <a:fillRect/>
+          </a:stretch>
+        </p:blipFill>
+        <p:spPr>
+          <a:xfrm>
+            <a:off x="9292916" y="1714589"/>
+            <a:ext cx="525183" cy="525183"/>
+          </a:xfrm>
+          <a:prstGeom prst="rect">
+            <a:avLst/>
+          </a:prstGeom>
+        </p:spPr>
+      </p:pic>
+      <p:pic>
+        <p:nvPicPr>
+          <p:cNvPr id="12" name="Picture 11">
+            <a:extLst>
+              <a:ext uri="{FF2B5EF4-FFF2-40B4-BE49-F238E27FC236}">
+                <a16:creationId xmlns:a16="http://schemas.microsoft.com/office/drawing/2014/main" id="{53FBDF35-349F-4A69-857C-9D3F5A1A82DE}"/>
+              </a:ext>
+            </a:extLst>
+          </p:cNvPr>
+          <p:cNvPicPr>
+            <a:picLocks noChangeAspect="1"/>
+          </p:cNvPicPr>
+          <p:nvPr/>
+        </p:nvPicPr>
+        <p:blipFill>
+          <a:blip r:embed="rId9"/>
+          <a:stretch>
+            <a:fillRect/>
+          </a:stretch>
+        </p:blipFill>
+        <p:spPr>
+          <a:xfrm>
+            <a:off x="2666304" y="1714589"/>
+            <a:ext cx="3555842" cy="2000161"/>
+          </a:xfrm>
+          <a:prstGeom prst="rect">
+            <a:avLst/>
+          </a:prstGeom>
+        </p:spPr>
+      </p:pic>
+      <p:sp>
+        <p:nvSpPr>
+          <p:cNvPr id="13" name="Rectangle 12">
+            <a:extLst>
+              <a:ext uri="{FF2B5EF4-FFF2-40B4-BE49-F238E27FC236}">
+                <a16:creationId xmlns:a16="http://schemas.microsoft.com/office/drawing/2014/main" id="{BB63D1CC-F8AF-E563-C0E8-E96F4B90A8F1}"/>
+              </a:ext>
+            </a:extLst>
+          </p:cNvPr>
+          <p:cNvSpPr/>
+          <p:nvPr/>
+        </p:nvSpPr>
+        <p:spPr>
+          <a:xfrm>
+            <a:off x="942278" y="6260357"/>
+            <a:ext cx="7411145" cy="276999"/>
+          </a:xfrm>
+          <a:prstGeom prst="rect">
+            <a:avLst/>
+          </a:prstGeom>
+        </p:spPr>
+        <p:txBody>
+          <a:bodyPr wrap="square">
+            <a:spAutoFit/>
+          </a:bodyPr>
+          <a:lstStyle/>
+          <a:p>
+            <a:pPr marL="0" marR="0" lvl="0" indent="0" algn="ctr" defTabSz="914400" rtl="0" eaLnBrk="1" fontAlgn="auto" latinLnBrk="0" hangingPunct="1">
+              <a:lnSpc>
+                <a:spcPct val="100000"/>
+              </a:lnSpc>
+              <a:spcBef>
+                <a:spcPts val="0"/>
+              </a:spcBef>
+              <a:spcAft>
+                <a:spcPts val="0"/>
+              </a:spcAft>
+              <a:buClrTx/>
+              <a:buSzTx/>
+              <a:buFontTx/>
+              <a:buNone/>
+              <a:tabLst/>
+              <a:defRPr/>
+            </a:pPr>
+            <a:r>
+              <a:rPr kumimoji="0" lang="en-US" sz="1200" b="1" i="0" u="none" strike="noStrike" kern="1200" cap="none" spc="0" normalizeH="0" baseline="0" noProof="0" dirty="0">
+                <a:ln>
+                  <a:noFill/>
+                </a:ln>
+                <a:solidFill>
+                  <a:srgbClr val="333333"/>
+                </a:solidFill>
+                <a:effectLst/>
+                <a:uLnTx/>
+                <a:uFillTx/>
+                <a:latin typeface="TheSans Swisscom Light"/>
+                <a:ea typeface="+mn-ea"/>
+                <a:cs typeface="+mn-cs"/>
+              </a:rPr>
+              <a:t>Traffic to Voice over IP Service on affected L3 VPN</a:t>
+            </a:r>
+          </a:p>
+        </p:txBody>
+      </p:sp>
+      <p:pic>
+        <p:nvPicPr>
+          <p:cNvPr id="14" name="Picture 13">
+            <a:extLst>
+              <a:ext uri="{FF2B5EF4-FFF2-40B4-BE49-F238E27FC236}">
+                <a16:creationId xmlns:a16="http://schemas.microsoft.com/office/drawing/2014/main" id="{BD2E6EE8-E200-90CF-5E2F-040788DDDF24}"/>
+              </a:ext>
+            </a:extLst>
+          </p:cNvPr>
+          <p:cNvPicPr>
+            <a:picLocks noChangeAspect="1"/>
+          </p:cNvPicPr>
+          <p:nvPr/>
+        </p:nvPicPr>
+        <p:blipFill>
+          <a:blip r:embed="rId10"/>
+          <a:stretch>
+            <a:fillRect/>
+          </a:stretch>
+        </p:blipFill>
+        <p:spPr>
+          <a:xfrm>
+            <a:off x="942279" y="4337683"/>
+            <a:ext cx="7411146" cy="1830782"/>
+          </a:xfrm>
+          <a:prstGeom prst="rect">
+            <a:avLst/>
+          </a:prstGeom>
+        </p:spPr>
+      </p:pic>
+    </p:spTree>
+    <p:extLst>
+      <p:ext uri="{BB962C8B-B14F-4D97-AF65-F5344CB8AC3E}">
+        <p14:creationId xmlns:p14="http://schemas.microsoft.com/office/powerpoint/2010/main" val="1265367659"/>
+      </p:ext>
+    </p:extLst>
+  </p:cSld>
+  <p:clrMapOvr>
+    <a:masterClrMapping/>
+  </p:clrMapOvr>
+</p:sld>
+</file>
+
+<file path=ppt/slides/slide21.xml><?xml version="1.0" encoding="utf-8"?>
+<p:sld xmlns:a="http://schemas.openxmlformats.org/drawingml/2006/main" xmlns:r="http://schemas.openxmlformats.org/officeDocument/2006/relationships" xmlns:p="http://schemas.openxmlformats.org/presentationml/2006/main">
+  <p:cSld>
+    <p:spTree>
+      <p:nvGrpSpPr>
+        <p:cNvPr id="1" name=""/>
+        <p:cNvGrpSpPr/>
+        <p:nvPr/>
+      </p:nvGrpSpPr>
+      <p:grpSpPr>
+        <a:xfrm>
+          <a:off x="0" y="0"/>
+          <a:ext cx="0" cy="0"/>
+          <a:chOff x="0" y="0"/>
+          <a:chExt cx="0" cy="0"/>
+        </a:xfrm>
+      </p:grpSpPr>
+      <p:sp>
+        <p:nvSpPr>
+          <p:cNvPr id="6" name="Slide Number Placeholder 1">
+            <a:extLst>
+              <a:ext uri="{FF2B5EF4-FFF2-40B4-BE49-F238E27FC236}">
+                <a16:creationId xmlns:a16="http://schemas.microsoft.com/office/drawing/2014/main" id="{024DC3B6-499C-4E15-9336-2F15A0DFB843}"/>
+              </a:ext>
+            </a:extLst>
+          </p:cNvPr>
+          <p:cNvSpPr>
+            <a:spLocks noGrp="1"/>
+          </p:cNvSpPr>
+          <p:nvPr>
+            <p:ph type="sldNum" sz="quarter" idx="12"/>
+          </p:nvPr>
+        </p:nvSpPr>
+        <p:spPr>
+          <a:xfrm>
+            <a:off x="11587892" y="6361637"/>
+            <a:ext cx="414251" cy="365125"/>
+          </a:xfrm>
+        </p:spPr>
+        <p:txBody>
+          <a:bodyPr/>
+          <a:lstStyle/>
+          <a:p>
+            <a:fld id="{FC4AC485-25DE-431E-B345-9C0A15BB7F8A}" type="slidenum">
+              <a:rPr lang="de-CH" sz="1400" smtClean="0"/>
+              <a:t>21</a:t>
+            </a:fld>
+            <a:endParaRPr lang="de-CH" sz="1400" dirty="0"/>
+          </a:p>
+        </p:txBody>
+      </p:sp>
+      <p:sp>
+        <p:nvSpPr>
+          <p:cNvPr id="48" name="Title 1">
+            <a:extLst>
+              <a:ext uri="{FF2B5EF4-FFF2-40B4-BE49-F238E27FC236}">
+                <a16:creationId xmlns:a16="http://schemas.microsoft.com/office/drawing/2014/main" id="{A48B1DB7-BCDC-5D18-F56D-8A1447F1B8BA}"/>
+              </a:ext>
+            </a:extLst>
+          </p:cNvPr>
+          <p:cNvSpPr>
+            <a:spLocks noGrp="1"/>
+          </p:cNvSpPr>
+          <p:nvPr>
+            <p:ph type="title"/>
+          </p:nvPr>
+        </p:nvSpPr>
+        <p:spPr>
+          <a:xfrm>
+            <a:off x="838200" y="365125"/>
+            <a:ext cx="10515600" cy="1325563"/>
+          </a:xfrm>
+        </p:spPr>
+        <p:txBody>
+          <a:bodyPr>
+            <a:normAutofit/>
+          </a:bodyPr>
+          <a:lstStyle/>
+          <a:p>
+            <a:r>
+              <a:rPr lang="en-US" sz="2800" b="1" dirty="0"/>
+              <a:t>Postmortem, L3 VPN Pilot Migration - Voice Over IP</a:t>
+            </a:r>
+            <a:br>
+              <a:rPr lang="en-GB" sz="3600" dirty="0"/>
+            </a:br>
+            <a:r>
+              <a:rPr lang="en-US" sz="2800" b="0" dirty="0">
+                <a:solidFill>
+                  <a:schemeClr val="bg1">
+                    <a:lumMod val="65000"/>
+                  </a:schemeClr>
+                </a:solidFill>
+              </a:rPr>
               <a:t>64497:4965 - Anomaly Detection - </a:t>
             </a:r>
             <a:r>
@@ -28981,7 +31984,7 @@
 </p:sld>
 </file>
 
-<file path=ppt/slides/slide21.xml><?xml version="1.0" encoding="utf-8"?>
+<file path=ppt/slides/slide22.xml><?xml version="1.0" encoding="utf-8"?>
 <p:sld xmlns:a="http://schemas.openxmlformats.org/drawingml/2006/main" xmlns:r="http://schemas.openxmlformats.org/officeDocument/2006/relationships" xmlns:p="http://schemas.openxmlformats.org/presentationml/2006/main">
   <p:cSld>
     <p:spTree>
@@ -29026,7 +32029,7 @@
           <a:p>
             <a:fld id="{FC4AC485-25DE-431E-B345-9C0A15BB7F8A}" type="slidenum">
               <a:rPr lang="de-CH" sz="1400" smtClean="0"/>
-              <a:t>21</a:t>
+              <a:t>22</a:t>
             </a:fld>
             <a:endParaRPr lang="de-CH" sz="1400" dirty="0"/>
           </a:p>
@@ -31717,7 +34720,7 @@
 </p:sld>
 </file>
 
-<file path=ppt/slides/slide22.xml><?xml version="1.0" encoding="utf-8"?>
+<file path=ppt/slides/slide23.xml><?xml version="1.0" encoding="utf-8"?>
 <p:sld xmlns:a="http://schemas.openxmlformats.org/drawingml/2006/main" xmlns:r="http://schemas.openxmlformats.org/officeDocument/2006/relationships" xmlns:p="http://schemas.openxmlformats.org/presentationml/2006/main">
   <p:cSld>
     <p:spTree>
@@ -31774,7 +34777,7 @@
             </a:pPr>
             <a:fld id="{00000000-1234-1234-1234-123412341234}" type="slidenum">
               <a:rPr lang="en-US" sz="1400"/>
-              <a:t>22</a:t>
+              <a:t>23</a:t>
             </a:fld>
             <a:endParaRPr sz="1400"/>
           </a:p>
@@ -33011,7 +36014,7 @@
 </p:sld>
 </file>
 
-<file path=ppt/slides/slide23.xml><?xml version="1.0" encoding="utf-8"?>
+<file path=ppt/slides/slide24.xml><?xml version="1.0" encoding="utf-8"?>
 <p:sld xmlns:a="http://schemas.openxmlformats.org/drawingml/2006/main" xmlns:r="http://schemas.openxmlformats.org/officeDocument/2006/relationships" xmlns:p="http://schemas.openxmlformats.org/presentationml/2006/main">
   <p:cSld>
     <p:spTree>
@@ -33068,7 +36071,7 @@
             </a:pPr>
             <a:fld id="{00000000-1234-1234-1234-123412341234}" type="slidenum">
               <a:rPr lang="en-US" sz="1400"/>
-              <a:t>23</a:t>
+              <a:t>24</a:t>
             </a:fld>
             <a:endParaRPr sz="1400"/>
           </a:p>
@@ -34362,7 +37365,7 @@
 </p:sld>
 </file>
 
-<file path=ppt/slides/slide24.xml><?xml version="1.0" encoding="utf-8"?>
+<file path=ppt/slides/slide25.xml><?xml version="1.0" encoding="utf-8"?>
 <p:sld xmlns:a="http://schemas.openxmlformats.org/drawingml/2006/main" xmlns:r="http://schemas.openxmlformats.org/officeDocument/2006/relationships" xmlns:p="http://schemas.openxmlformats.org/presentationml/2006/main">
   <p:cSld>
     <p:spTree>
@@ -34677,7 +37680,7 @@
           <a:p>
             <a:fld id="{FC4AC485-25DE-431E-B345-9C0A15BB7F8A}" type="slidenum">
               <a:rPr lang="de-CH" sz="1400" smtClean="0"/>
-              <a:t>24</a:t>
+              <a:t>25</a:t>
             </a:fld>
             <a:endParaRPr lang="de-CH" sz="1400" dirty="0"/>
           </a:p>
@@ -34972,7 +37975,7 @@
 </p:sld>
 </file>
 
-<file path=ppt/slides/slide25.xml><?xml version="1.0" encoding="utf-8"?>
+<file path=ppt/slides/slide26.xml><?xml version="1.0" encoding="utf-8"?>
 <p:sld xmlns:a="http://schemas.openxmlformats.org/drawingml/2006/main" xmlns:r="http://schemas.openxmlformats.org/officeDocument/2006/relationships" xmlns:p="http://schemas.openxmlformats.org/presentationml/2006/main">
   <p:cSld>
     <p:spTree>
@@ -35066,7 +38069,7 @@
                 <a:tabLst/>
                 <a:defRPr/>
               </a:pPr>
-              <a:t>25</a:t>
+              <a:t>26</a:t>
             </a:fld>
             <a:endParaRPr kumimoji="0" lang="de-CH" sz="1400" b="0" i="0" u="none" strike="noStrike" kern="1200" cap="none" spc="0" normalizeH="0" baseline="0" noProof="0" dirty="0">
               <a:ln>
@@ -35511,7 +38514,7 @@
 </p:sld>
 </file>
 
-<file path=ppt/slides/slide26.xml><?xml version="1.0" encoding="utf-8"?>
+<file path=ppt/slides/slide27.xml><?xml version="1.0" encoding="utf-8"?>
 <p:sld xmlns:a="http://schemas.openxmlformats.org/drawingml/2006/main" xmlns:r="http://schemas.openxmlformats.org/officeDocument/2006/relationships" xmlns:p="http://schemas.openxmlformats.org/presentationml/2006/main">
   <p:cSld>
     <p:spTree>
@@ -35602,7 +38605,7 @@
                   <a:spcPts val="600"/>
                 </a:spcAft>
               </a:pPr>
-              <a:t>26</a:t>
+              <a:t>27</a:t>
             </a:fld>
             <a:endParaRPr lang="de-CH"/>
           </a:p>
@@ -35621,7 +38624,7 @@
 </p:sld>
 </file>
 
-<file path=ppt/slides/slide27.xml><?xml version="1.0" encoding="utf-8"?>
+<file path=ppt/slides/slide28.xml><?xml version="1.0" encoding="utf-8"?>
 <p:sld xmlns:a="http://schemas.openxmlformats.org/drawingml/2006/main" xmlns:r="http://schemas.openxmlformats.org/officeDocument/2006/relationships" xmlns:p="http://schemas.openxmlformats.org/presentationml/2006/main">
   <p:cSld>
     <p:spTree>
@@ -35666,7 +38669,7 @@
           <a:p>
             <a:fld id="{FC4AC485-25DE-431E-B345-9C0A15BB7F8A}" type="slidenum">
               <a:rPr lang="de-CH" sz="1400" smtClean="0"/>
-              <a:t>27</a:t>
+              <a:t>28</a:t>
             </a:fld>
             <a:endParaRPr lang="de-CH" sz="1400" dirty="0"/>
           </a:p>
@@ -36091,7 +39094,7 @@
 </p:sld>
 </file>
 
-<file path=ppt/slides/slide28.xml><?xml version="1.0" encoding="utf-8"?>
+<file path=ppt/slides/slide29.xml><?xml version="1.0" encoding="utf-8"?>
 <p:sld xmlns:a="http://schemas.openxmlformats.org/drawingml/2006/main" xmlns:r="http://schemas.openxmlformats.org/officeDocument/2006/relationships" xmlns:p="http://schemas.openxmlformats.org/presentationml/2006/main">
   <p:cSld>
     <p:spTree>
@@ -36391,7 +39394,7 @@
           <a:p>
             <a:fld id="{FC4AC485-25DE-431E-B345-9C0A15BB7F8A}" type="slidenum">
               <a:rPr lang="de-CH" sz="1400" smtClean="0"/>
-              <a:t>28</a:t>
+              <a:t>29</a:t>
             </a:fld>
             <a:endParaRPr lang="de-CH" sz="1400" dirty="0"/>
           </a:p>
@@ -36401,252 +39404,6 @@
     <p:extLst>
       <p:ext uri="{BB962C8B-B14F-4D97-AF65-F5344CB8AC3E}">
         <p14:creationId xmlns:p14="http://schemas.microsoft.com/office/powerpoint/2010/main" val="1088069469"/>
-      </p:ext>
-    </p:extLst>
-  </p:cSld>
-  <p:clrMapOvr>
-    <a:masterClrMapping/>
-  </p:clrMapOvr>
-</p:sld>
-</file>
-
-<file path=ppt/slides/slide29.xml><?xml version="1.0" encoding="utf-8"?>
-<p:sld xmlns:a="http://schemas.openxmlformats.org/drawingml/2006/main" xmlns:r="http://schemas.openxmlformats.org/officeDocument/2006/relationships" xmlns:p="http://schemas.openxmlformats.org/presentationml/2006/main">
-  <p:cSld>
-    <p:spTree>
-      <p:nvGrpSpPr>
-        <p:cNvPr id="1" name=""/>
-        <p:cNvGrpSpPr/>
-        <p:nvPr/>
-      </p:nvGrpSpPr>
-      <p:grpSpPr>
-        <a:xfrm>
-          <a:off x="0" y="0"/>
-          <a:ext cx="0" cy="0"/>
-          <a:chOff x="0" y="0"/>
-          <a:chExt cx="0" cy="0"/>
-        </a:xfrm>
-      </p:grpSpPr>
-      <p:sp>
-        <p:nvSpPr>
-          <p:cNvPr id="3" name="Content Placeholder 2">
-            <a:extLst>
-              <a:ext uri="{FF2B5EF4-FFF2-40B4-BE49-F238E27FC236}">
-                <a16:creationId xmlns:a16="http://schemas.microsoft.com/office/drawing/2014/main" id="{29C0DFD4-432D-4B0C-93DF-790441DCF5B9}"/>
-              </a:ext>
-            </a:extLst>
-          </p:cNvPr>
-          <p:cNvSpPr>
-            <a:spLocks noGrp="1"/>
-          </p:cNvSpPr>
-          <p:nvPr>
-            <p:ph idx="1"/>
-          </p:nvPr>
-        </p:nvSpPr>
-        <p:spPr>
-          <a:xfrm>
-            <a:off x="6096001" y="838986"/>
-            <a:ext cx="5906142" cy="5122382"/>
-          </a:xfrm>
-        </p:spPr>
-        <p:txBody>
-          <a:bodyPr>
-            <a:noAutofit/>
-          </a:bodyPr>
-          <a:lstStyle/>
-          <a:p>
-            <a:r>
-              <a:rPr lang="en-US" sz="2000" b="1" dirty="0">
-                <a:solidFill>
-                  <a:srgbClr val="FF0000"/>
-                </a:solidFill>
-              </a:rPr>
-              <a:t>Network Orchestration</a:t>
-            </a:r>
-            <a:r>
-              <a:rPr lang="en-US" sz="2000" dirty="0"/>
-              <a:t> subscribes to YANG datastore. </a:t>
-            </a:r>
-          </a:p>
-          <a:p>
-            <a:r>
-              <a:rPr lang="en-US" sz="2000" b="1" dirty="0">
-                <a:solidFill>
-                  <a:srgbClr val="FF0000"/>
-                </a:solidFill>
-              </a:rPr>
-              <a:t>Network Node </a:t>
-            </a:r>
-            <a:r>
-              <a:rPr lang="en-US" sz="2000" dirty="0"/>
-              <a:t>informs Data Collection on subscription state and publishes YANG metrics with YANG-Push.</a:t>
-            </a:r>
-          </a:p>
-          <a:p>
-            <a:r>
-              <a:rPr lang="en-US" sz="2000" b="1" dirty="0">
-                <a:solidFill>
-                  <a:srgbClr val="FF0000"/>
-                </a:solidFill>
-              </a:rPr>
-              <a:t>Data Collection </a:t>
-            </a:r>
-            <a:r>
-              <a:rPr lang="en-US" sz="2000" dirty="0"/>
-              <a:t>obtains for each subscription the YANG module dependencies and the YANG modules on the network node, registers it in the YANG Schema Registry and prefixes the forwarded YANG notifications with the obtained schema ID.</a:t>
-            </a:r>
-          </a:p>
-          <a:p>
-            <a:r>
-              <a:rPr lang="en-US" sz="2000" b="1" dirty="0">
-                <a:solidFill>
-                  <a:srgbClr val="FF0000"/>
-                </a:solidFill>
-              </a:rPr>
-              <a:t>YANG Schema Registry</a:t>
-            </a:r>
-            <a:r>
-              <a:rPr lang="en-US" sz="2000" dirty="0"/>
-              <a:t> issues for a Message Broker subject a schema ID for each new schema tree, compares a new schema tree with an existing and versions it.</a:t>
-            </a:r>
-          </a:p>
-          <a:p>
-            <a:r>
-              <a:rPr lang="en-US" sz="2000" b="1" dirty="0">
-                <a:solidFill>
-                  <a:srgbClr val="FF0000"/>
-                </a:solidFill>
-              </a:rPr>
-              <a:t>Time Series Database Ingestion </a:t>
-            </a:r>
-            <a:r>
-              <a:rPr lang="en-US" sz="2000" dirty="0"/>
-              <a:t>consumes YANG-Push notifications from Message Broker, obtains schema tree from YANG schema registry, validates YANG notifications against schema and uses schema to populate into database table.</a:t>
-            </a:r>
-          </a:p>
-        </p:txBody>
-      </p:sp>
-      <p:sp>
-        <p:nvSpPr>
-          <p:cNvPr id="11" name="Slide Number Placeholder 1">
-            <a:extLst>
-              <a:ext uri="{FF2B5EF4-FFF2-40B4-BE49-F238E27FC236}">
-                <a16:creationId xmlns:a16="http://schemas.microsoft.com/office/drawing/2014/main" id="{512B43D3-8F19-488A-8D0D-979DD7EC8E7E}"/>
-              </a:ext>
-            </a:extLst>
-          </p:cNvPr>
-          <p:cNvSpPr>
-            <a:spLocks noGrp="1"/>
-          </p:cNvSpPr>
-          <p:nvPr>
-            <p:ph type="sldNum" sz="quarter" idx="12"/>
-          </p:nvPr>
-        </p:nvSpPr>
-        <p:spPr>
-          <a:xfrm>
-            <a:off x="11587892" y="6361637"/>
-            <a:ext cx="414251" cy="365125"/>
-          </a:xfrm>
-        </p:spPr>
-        <p:txBody>
-          <a:bodyPr/>
-          <a:lstStyle/>
-          <a:p>
-            <a:fld id="{FC4AC485-25DE-431E-B345-9C0A15BB7F8A}" type="slidenum">
-              <a:rPr lang="de-CH" sz="1400" smtClean="0"/>
-              <a:t>29</a:t>
-            </a:fld>
-            <a:endParaRPr lang="de-CH" sz="1400" dirty="0"/>
-          </a:p>
-        </p:txBody>
-      </p:sp>
-      <p:sp>
-        <p:nvSpPr>
-          <p:cNvPr id="6" name="Title 1">
-            <a:extLst>
-              <a:ext uri="{FF2B5EF4-FFF2-40B4-BE49-F238E27FC236}">
-                <a16:creationId xmlns:a16="http://schemas.microsoft.com/office/drawing/2014/main" id="{ABB61075-2877-B162-7D8F-97EC17B8DF39}"/>
-              </a:ext>
-            </a:extLst>
-          </p:cNvPr>
-          <p:cNvSpPr>
-            <a:spLocks noGrp="1"/>
-          </p:cNvSpPr>
-          <p:nvPr>
-            <p:ph type="title"/>
-          </p:nvPr>
-        </p:nvSpPr>
-        <p:spPr>
-          <a:xfrm>
-            <a:off x="838200" y="365125"/>
-            <a:ext cx="10515600" cy="1325563"/>
-          </a:xfrm>
-        </p:spPr>
-        <p:txBody>
-          <a:bodyPr>
-            <a:normAutofit/>
-          </a:bodyPr>
-          <a:lstStyle/>
-          <a:p>
-            <a:r>
-              <a:rPr lang="en-US" sz="2800" b="1" dirty="0"/>
-              <a:t>Elements of the Architecture</a:t>
-            </a:r>
-            <a:br>
-              <a:rPr lang="en-US" sz="3600" dirty="0"/>
-            </a:br>
-            <a:r>
-              <a:rPr lang="en-US" sz="2700" dirty="0">
-                <a:solidFill>
-                  <a:schemeClr val="bg2">
-                    <a:lumMod val="75000"/>
-                  </a:schemeClr>
-                </a:solidFill>
-              </a:rPr>
-              <a:t>Workflow Diagram</a:t>
-            </a:r>
-            <a:endParaRPr lang="en-US" sz="2700" dirty="0">
-              <a:solidFill>
-                <a:srgbClr val="FF0000"/>
-              </a:solidFill>
-            </a:endParaRPr>
-          </a:p>
-        </p:txBody>
-      </p:sp>
-      <p:pic>
-        <p:nvPicPr>
-          <p:cNvPr id="4" name="Picture 3">
-            <a:extLst>
-              <a:ext uri="{FF2B5EF4-FFF2-40B4-BE49-F238E27FC236}">
-                <a16:creationId xmlns:a16="http://schemas.microsoft.com/office/drawing/2014/main" id="{7966EF60-4572-6C60-B040-DFC7E219032C}"/>
-              </a:ext>
-            </a:extLst>
-          </p:cNvPr>
-          <p:cNvPicPr>
-            <a:picLocks noChangeAspect="1"/>
-          </p:cNvPicPr>
-          <p:nvPr/>
-        </p:nvPicPr>
-        <p:blipFill>
-          <a:blip r:embed="rId3"/>
-          <a:stretch>
-            <a:fillRect/>
-          </a:stretch>
-        </p:blipFill>
-        <p:spPr>
-          <a:xfrm>
-            <a:off x="932468" y="1500630"/>
-            <a:ext cx="4106247" cy="5226132"/>
-          </a:xfrm>
-          <a:prstGeom prst="rect">
-            <a:avLst/>
-          </a:prstGeom>
-        </p:spPr>
-      </p:pic>
-    </p:spTree>
-    <p:extLst>
-      <p:ext uri="{BB962C8B-B14F-4D97-AF65-F5344CB8AC3E}">
-        <p14:creationId xmlns:p14="http://schemas.microsoft.com/office/powerpoint/2010/main" val="2347697025"/>
       </p:ext>
     </p:extLst>
   </p:cSld>
@@ -37028,6 +39785,252 @@
       </p:grpSpPr>
       <p:sp>
         <p:nvSpPr>
+          <p:cNvPr id="3" name="Content Placeholder 2">
+            <a:extLst>
+              <a:ext uri="{FF2B5EF4-FFF2-40B4-BE49-F238E27FC236}">
+                <a16:creationId xmlns:a16="http://schemas.microsoft.com/office/drawing/2014/main" id="{29C0DFD4-432D-4B0C-93DF-790441DCF5B9}"/>
+              </a:ext>
+            </a:extLst>
+          </p:cNvPr>
+          <p:cNvSpPr>
+            <a:spLocks noGrp="1"/>
+          </p:cNvSpPr>
+          <p:nvPr>
+            <p:ph idx="1"/>
+          </p:nvPr>
+        </p:nvSpPr>
+        <p:spPr>
+          <a:xfrm>
+            <a:off x="6096001" y="838986"/>
+            <a:ext cx="5906142" cy="5122382"/>
+          </a:xfrm>
+        </p:spPr>
+        <p:txBody>
+          <a:bodyPr>
+            <a:noAutofit/>
+          </a:bodyPr>
+          <a:lstStyle/>
+          <a:p>
+            <a:r>
+              <a:rPr lang="en-US" sz="2000" b="1" dirty="0">
+                <a:solidFill>
+                  <a:srgbClr val="FF0000"/>
+                </a:solidFill>
+              </a:rPr>
+              <a:t>Network Orchestration</a:t>
+            </a:r>
+            <a:r>
+              <a:rPr lang="en-US" sz="2000" dirty="0"/>
+              <a:t> subscribes to YANG datastore. </a:t>
+            </a:r>
+          </a:p>
+          <a:p>
+            <a:r>
+              <a:rPr lang="en-US" sz="2000" b="1" dirty="0">
+                <a:solidFill>
+                  <a:srgbClr val="FF0000"/>
+                </a:solidFill>
+              </a:rPr>
+              <a:t>Network Node </a:t>
+            </a:r>
+            <a:r>
+              <a:rPr lang="en-US" sz="2000" dirty="0"/>
+              <a:t>informs Data Collection on subscription state and publishes YANG metrics with YANG-Push.</a:t>
+            </a:r>
+          </a:p>
+          <a:p>
+            <a:r>
+              <a:rPr lang="en-US" sz="2000" b="1" dirty="0">
+                <a:solidFill>
+                  <a:srgbClr val="FF0000"/>
+                </a:solidFill>
+              </a:rPr>
+              <a:t>Data Collection </a:t>
+            </a:r>
+            <a:r>
+              <a:rPr lang="en-US" sz="2000" dirty="0"/>
+              <a:t>obtains for each subscription the YANG module dependencies and the YANG modules on the network node, registers it in the YANG Schema Registry and prefixes the forwarded YANG notifications with the obtained schema ID.</a:t>
+            </a:r>
+          </a:p>
+          <a:p>
+            <a:r>
+              <a:rPr lang="en-US" sz="2000" b="1" dirty="0">
+                <a:solidFill>
+                  <a:srgbClr val="FF0000"/>
+                </a:solidFill>
+              </a:rPr>
+              <a:t>YANG Schema Registry</a:t>
+            </a:r>
+            <a:r>
+              <a:rPr lang="en-US" sz="2000" dirty="0"/>
+              <a:t> issues for a Message Broker subject a schema ID for each new schema tree, compares a new schema tree with an existing and versions it.</a:t>
+            </a:r>
+          </a:p>
+          <a:p>
+            <a:r>
+              <a:rPr lang="en-US" sz="2000" b="1" dirty="0">
+                <a:solidFill>
+                  <a:srgbClr val="FF0000"/>
+                </a:solidFill>
+              </a:rPr>
+              <a:t>Time Series Database Ingestion </a:t>
+            </a:r>
+            <a:r>
+              <a:rPr lang="en-US" sz="2000" dirty="0"/>
+              <a:t>consumes YANG-Push notifications from Message Broker, obtains schema tree from YANG schema registry, validates YANG notifications against schema and uses schema to populate into database table.</a:t>
+            </a:r>
+          </a:p>
+        </p:txBody>
+      </p:sp>
+      <p:sp>
+        <p:nvSpPr>
+          <p:cNvPr id="11" name="Slide Number Placeholder 1">
+            <a:extLst>
+              <a:ext uri="{FF2B5EF4-FFF2-40B4-BE49-F238E27FC236}">
+                <a16:creationId xmlns:a16="http://schemas.microsoft.com/office/drawing/2014/main" id="{512B43D3-8F19-488A-8D0D-979DD7EC8E7E}"/>
+              </a:ext>
+            </a:extLst>
+          </p:cNvPr>
+          <p:cNvSpPr>
+            <a:spLocks noGrp="1"/>
+          </p:cNvSpPr>
+          <p:nvPr>
+            <p:ph type="sldNum" sz="quarter" idx="12"/>
+          </p:nvPr>
+        </p:nvSpPr>
+        <p:spPr>
+          <a:xfrm>
+            <a:off x="11587892" y="6361637"/>
+            <a:ext cx="414251" cy="365125"/>
+          </a:xfrm>
+        </p:spPr>
+        <p:txBody>
+          <a:bodyPr/>
+          <a:lstStyle/>
+          <a:p>
+            <a:fld id="{FC4AC485-25DE-431E-B345-9C0A15BB7F8A}" type="slidenum">
+              <a:rPr lang="de-CH" sz="1400" smtClean="0"/>
+              <a:t>30</a:t>
+            </a:fld>
+            <a:endParaRPr lang="de-CH" sz="1400" dirty="0"/>
+          </a:p>
+        </p:txBody>
+      </p:sp>
+      <p:sp>
+        <p:nvSpPr>
+          <p:cNvPr id="6" name="Title 1">
+            <a:extLst>
+              <a:ext uri="{FF2B5EF4-FFF2-40B4-BE49-F238E27FC236}">
+                <a16:creationId xmlns:a16="http://schemas.microsoft.com/office/drawing/2014/main" id="{ABB61075-2877-B162-7D8F-97EC17B8DF39}"/>
+              </a:ext>
+            </a:extLst>
+          </p:cNvPr>
+          <p:cNvSpPr>
+            <a:spLocks noGrp="1"/>
+          </p:cNvSpPr>
+          <p:nvPr>
+            <p:ph type="title"/>
+          </p:nvPr>
+        </p:nvSpPr>
+        <p:spPr>
+          <a:xfrm>
+            <a:off x="838200" y="365125"/>
+            <a:ext cx="10515600" cy="1325563"/>
+          </a:xfrm>
+        </p:spPr>
+        <p:txBody>
+          <a:bodyPr>
+            <a:normAutofit/>
+          </a:bodyPr>
+          <a:lstStyle/>
+          <a:p>
+            <a:r>
+              <a:rPr lang="en-US" sz="2800" b="1" dirty="0"/>
+              <a:t>Elements of the Architecture</a:t>
+            </a:r>
+            <a:br>
+              <a:rPr lang="en-US" sz="3600" dirty="0"/>
+            </a:br>
+            <a:r>
+              <a:rPr lang="en-US" sz="2700" dirty="0">
+                <a:solidFill>
+                  <a:schemeClr val="bg2">
+                    <a:lumMod val="75000"/>
+                  </a:schemeClr>
+                </a:solidFill>
+              </a:rPr>
+              <a:t>Workflow Diagram</a:t>
+            </a:r>
+            <a:endParaRPr lang="en-US" sz="2700" dirty="0">
+              <a:solidFill>
+                <a:srgbClr val="FF0000"/>
+              </a:solidFill>
+            </a:endParaRPr>
+          </a:p>
+        </p:txBody>
+      </p:sp>
+      <p:pic>
+        <p:nvPicPr>
+          <p:cNvPr id="4" name="Picture 3">
+            <a:extLst>
+              <a:ext uri="{FF2B5EF4-FFF2-40B4-BE49-F238E27FC236}">
+                <a16:creationId xmlns:a16="http://schemas.microsoft.com/office/drawing/2014/main" id="{7966EF60-4572-6C60-B040-DFC7E219032C}"/>
+              </a:ext>
+            </a:extLst>
+          </p:cNvPr>
+          <p:cNvPicPr>
+            <a:picLocks noChangeAspect="1"/>
+          </p:cNvPicPr>
+          <p:nvPr/>
+        </p:nvPicPr>
+        <p:blipFill>
+          <a:blip r:embed="rId3"/>
+          <a:stretch>
+            <a:fillRect/>
+          </a:stretch>
+        </p:blipFill>
+        <p:spPr>
+          <a:xfrm>
+            <a:off x="932468" y="1500630"/>
+            <a:ext cx="4106247" cy="5226132"/>
+          </a:xfrm>
+          <a:prstGeom prst="rect">
+            <a:avLst/>
+          </a:prstGeom>
+        </p:spPr>
+      </p:pic>
+    </p:spTree>
+    <p:extLst>
+      <p:ext uri="{BB962C8B-B14F-4D97-AF65-F5344CB8AC3E}">
+        <p14:creationId xmlns:p14="http://schemas.microsoft.com/office/powerpoint/2010/main" val="2347697025"/>
+      </p:ext>
+    </p:extLst>
+  </p:cSld>
+  <p:clrMapOvr>
+    <a:masterClrMapping/>
+  </p:clrMapOvr>
+</p:sld>
+</file>
+
+<file path=ppt/slides/slide31.xml><?xml version="1.0" encoding="utf-8"?>
+<p:sld xmlns:a="http://schemas.openxmlformats.org/drawingml/2006/main" xmlns:r="http://schemas.openxmlformats.org/officeDocument/2006/relationships" xmlns:p="http://schemas.openxmlformats.org/presentationml/2006/main">
+  <p:cSld>
+    <p:spTree>
+      <p:nvGrpSpPr>
+        <p:cNvPr id="1" name=""/>
+        <p:cNvGrpSpPr/>
+        <p:nvPr/>
+      </p:nvGrpSpPr>
+      <p:grpSpPr>
+        <a:xfrm>
+          <a:off x="0" y="0"/>
+          <a:ext cx="0" cy="0"/>
+          <a:chOff x="0" y="0"/>
+          <a:chExt cx="0" cy="0"/>
+        </a:xfrm>
+      </p:grpSpPr>
+      <p:sp>
+        <p:nvSpPr>
           <p:cNvPr id="2" name="Title 1">
             <a:extLst>
               <a:ext uri="{FF2B5EF4-FFF2-40B4-BE49-F238E27FC236}">
@@ -37369,7 +40372,7 @@
           <a:p>
             <a:fld id="{FC4AC485-25DE-431E-B345-9C0A15BB7F8A}" type="slidenum">
               <a:rPr lang="de-CH" sz="1400" smtClean="0"/>
-              <a:t>30</a:t>
+              <a:t>31</a:t>
             </a:fld>
             <a:endParaRPr lang="de-CH" sz="1400" dirty="0"/>
           </a:p>
@@ -44717,6 +47720,51 @@
           <a:chExt cx="0" cy="0"/>
         </a:xfrm>
       </p:grpSpPr>
+      <p:pic>
+        <p:nvPicPr>
+          <p:cNvPr id="17" name="Picture 4">
+            <a:extLst>
+              <a:ext uri="{FF2B5EF4-FFF2-40B4-BE49-F238E27FC236}">
+                <a16:creationId xmlns:a16="http://schemas.microsoft.com/office/drawing/2014/main" id="{F0F1E9D6-10B1-F83D-34D5-27D029B3114F}"/>
+              </a:ext>
+            </a:extLst>
+          </p:cNvPr>
+          <p:cNvPicPr>
+            <a:picLocks noChangeAspect="1" noChangeArrowheads="1"/>
+          </p:cNvPicPr>
+          <p:nvPr/>
+        </p:nvPicPr>
+        <p:blipFill rotWithShape="1">
+          <a:blip r:embed="rId3" cstate="screen">
+            <a:extLst>
+              <a:ext uri="{28A0092B-C50C-407E-A947-70E740481C1C}">
+                <a14:useLocalDpi xmlns:a14="http://schemas.microsoft.com/office/drawing/2010/main"/>
+              </a:ext>
+            </a:extLst>
+          </a:blip>
+          <a:srcRect l="3241"/>
+          <a:stretch/>
+        </p:blipFill>
+        <p:spPr bwMode="auto">
+          <a:xfrm rot="16200000">
+            <a:off x="-548774" y="-654091"/>
+            <a:ext cx="9287173" cy="9476204"/>
+          </a:xfrm>
+          <a:prstGeom prst="rect">
+            <a:avLst/>
+          </a:prstGeom>
+          <a:noFill/>
+          <a:extLst>
+            <a:ext uri="{909E8E84-426E-40DD-AFC4-6F175D3DCCD1}">
+              <a14:hiddenFill xmlns:a14="http://schemas.microsoft.com/office/drawing/2010/main">
+                <a:solidFill>
+                  <a:srgbClr val="FFFFFF"/>
+                </a:solidFill>
+              </a14:hiddenFill>
+            </a:ext>
+          </a:extLst>
+        </p:spPr>
+      </p:pic>
       <p:sp>
         <p:nvSpPr>
           <p:cNvPr id="6" name="Slide Number Placeholder 1">
@@ -44761,7 +47809,7 @@
               <a:defRPr/>
             </a:pPr>
             <a:fld id="{FC4AC485-25DE-431E-B345-9C0A15BB7F8A}" type="slidenum">
-              <a:rPr kumimoji="0" lang="en-US" sz="1400" b="0" i="0" u="none" strike="noStrike" kern="1200" cap="none" spc="0" normalizeH="0" baseline="0" noProof="0" smtClean="0">
+              <a:rPr kumimoji="0" lang="de-CH" sz="1400" b="0" i="0" u="none" strike="noStrike" kern="1200" cap="none" spc="0" normalizeH="0" baseline="0" noProof="0" smtClean="0">
                 <a:ln>
                   <a:noFill/>
                 </a:ln>
@@ -44796,7 +47844,7 @@
               </a:pPr>
               <a:t>9</a:t>
             </a:fld>
-            <a:endParaRPr kumimoji="0" lang="en-US" sz="1400" b="0" i="0" u="none" strike="noStrike" kern="1200" cap="none" spc="0" normalizeH="0" baseline="0" noProof="0" dirty="0">
+            <a:endParaRPr kumimoji="0" lang="de-CH" sz="1400" b="0" i="0" u="none" strike="noStrike" kern="1200" cap="none" spc="0" normalizeH="0" baseline="0" noProof="0" dirty="0">
               <a:ln>
                 <a:noFill/>
               </a:ln>
@@ -44817,10 +47865,10 @@
       </p:sp>
       <p:sp>
         <p:nvSpPr>
-          <p:cNvPr id="2" name="Text Placeholder 10">
+          <p:cNvPr id="4" name="Text Placeholder 10">
             <a:extLst>
               <a:ext uri="{FF2B5EF4-FFF2-40B4-BE49-F238E27FC236}">
-                <a16:creationId xmlns:a16="http://schemas.microsoft.com/office/drawing/2014/main" id="{0E0DAD8A-94CD-EADA-C24A-D442928BA111}"/>
+                <a16:creationId xmlns:a16="http://schemas.microsoft.com/office/drawing/2014/main" id="{94D1457C-AEF2-95BD-FBF7-B63B661B23C4}"/>
               </a:ext>
             </a:extLst>
           </p:cNvPr>
@@ -44831,8 +47879,8 @@
         </p:nvSpPr>
         <p:spPr bwMode="black">
           <a:xfrm>
-            <a:off x="2823598" y="1891619"/>
-            <a:ext cx="3530068" cy="926996"/>
+            <a:off x="7741430" y="1475305"/>
+            <a:ext cx="3971855" cy="3540832"/>
           </a:xfrm>
           <a:prstGeom prst="rect">
             <a:avLst/>
@@ -45032,9 +48080,9 @@
             </a:lvl9pPr>
           </a:lstStyle>
           <a:p>
-            <a:pPr marL="0" marR="0" lvl="0" indent="0" algn="l" defTabSz="914400" rtl="0" eaLnBrk="1" fontAlgn="auto" latinLnBrk="0" hangingPunct="1">
-              <a:lnSpc>
-                <a:spcPct val="90000"/>
+            <a:pPr marL="0" marR="0" lvl="0" indent="0" algn="ctr" defTabSz="914400" rtl="0" eaLnBrk="1" fontAlgn="auto" latinLnBrk="0" hangingPunct="1">
+              <a:lnSpc>
+                <a:spcPct val="100000"/>
               </a:lnSpc>
               <a:spcBef>
                 <a:spcPts val="0"/>
@@ -45049,252 +48097,31 @@
               <a:tabLst/>
               <a:defRPr/>
             </a:pPr>
-            <a:r>
-              <a:rPr kumimoji="0" lang="en-US" sz="3200" b="1" i="0" u="none" strike="noStrike" kern="1200" cap="none" spc="-50" normalizeH="0" baseline="0" noProof="0" dirty="0">
-                <a:ln>
-                  <a:noFill/>
-                </a:ln>
-                <a:solidFill>
-                  <a:prstClr val="black"/>
-                </a:solidFill>
-                <a:effectLst/>
-                <a:uLnTx/>
-                <a:uFillTx/>
-                <a:latin typeface="Calibri Light" panose="020F0302020204030204"/>
-                <a:ea typeface="+mn-ea"/>
-                <a:cs typeface="+mn-cs"/>
-              </a:rPr>
-              <a:t>Network Anomaly Detection</a:t>
-            </a:r>
-          </a:p>
-        </p:txBody>
-      </p:sp>
-      <p:sp>
-        <p:nvSpPr>
-          <p:cNvPr id="3" name="Inhaltsplatzhalter 2">
-            <a:extLst>
-              <a:ext uri="{FF2B5EF4-FFF2-40B4-BE49-F238E27FC236}">
-                <a16:creationId xmlns:a16="http://schemas.microsoft.com/office/drawing/2014/main" id="{01913334-AF3D-1C65-5BD7-83A59BC04A95}"/>
-              </a:ext>
-            </a:extLst>
-          </p:cNvPr>
-          <p:cNvSpPr txBox="1">
-            <a:spLocks/>
-          </p:cNvSpPr>
-          <p:nvPr/>
-        </p:nvSpPr>
-        <p:spPr bwMode="black">
-          <a:xfrm>
-            <a:off x="1033895" y="3414211"/>
-            <a:ext cx="5806744" cy="2842871"/>
-          </a:xfrm>
-          <a:prstGeom prst="rect">
-            <a:avLst/>
-          </a:prstGeom>
-        </p:spPr>
-        <p:txBody>
-          <a:bodyPr wrap="square" lIns="0" tIns="0" rIns="0" bIns="0"/>
-          <a:lstStyle>
-            <a:lvl1pPr marL="0" indent="0" algn="l" defTabSz="914400" rtl="0" eaLnBrk="1" latinLnBrk="0" hangingPunct="1">
-              <a:lnSpc>
-                <a:spcPct val="110000"/>
-              </a:lnSpc>
-              <a:spcBef>
-                <a:spcPts val="600"/>
-              </a:spcBef>
-              <a:spcAft>
-                <a:spcPts val="600"/>
-              </a:spcAft>
-              <a:buFont typeface="Arial" panose="020B0604020202020204" pitchFamily="34" charset="0"/>
-              <a:buNone/>
-              <a:defRPr sz="2000" b="0" kern="1200">
-                <a:solidFill>
-                  <a:schemeClr val="tx1"/>
-                </a:solidFill>
-                <a:latin typeface="+mn-lt"/>
-                <a:ea typeface="+mn-ea"/>
-                <a:cs typeface="+mn-cs"/>
-              </a:defRPr>
-            </a:lvl1pPr>
-            <a:lvl2pPr marL="216000" indent="-216000" algn="l" defTabSz="914400" rtl="0" eaLnBrk="1" latinLnBrk="0" hangingPunct="1">
-              <a:lnSpc>
-                <a:spcPct val="110000"/>
-              </a:lnSpc>
-              <a:spcBef>
-                <a:spcPts val="200"/>
-              </a:spcBef>
-              <a:spcAft>
-                <a:spcPts val="200"/>
-              </a:spcAft>
-              <a:buFont typeface="Arial" panose="020B0604020202020204" pitchFamily="34" charset="0"/>
-              <a:buChar char="•"/>
-              <a:defRPr sz="2000" kern="1200">
-                <a:solidFill>
-                  <a:schemeClr val="tx1"/>
-                </a:solidFill>
-                <a:latin typeface="+mn-lt"/>
-                <a:ea typeface="+mn-ea"/>
-                <a:cs typeface="+mn-cs"/>
-              </a:defRPr>
-            </a:lvl2pPr>
-            <a:lvl3pPr marL="504000" indent="-288000" algn="l" defTabSz="914400" rtl="0" eaLnBrk="1" latinLnBrk="0" hangingPunct="1">
-              <a:lnSpc>
-                <a:spcPct val="110000"/>
-              </a:lnSpc>
-              <a:spcBef>
-                <a:spcPts val="200"/>
-              </a:spcBef>
-              <a:spcAft>
-                <a:spcPts val="200"/>
-              </a:spcAft>
-              <a:buFont typeface="TheSans Swisscom Light" panose="020B0300040303060204" pitchFamily="34" charset="0"/>
-              <a:buChar char="−"/>
-              <a:defRPr sz="2000" kern="1200">
-                <a:solidFill>
-                  <a:schemeClr val="tx1"/>
-                </a:solidFill>
-                <a:latin typeface="+mn-lt"/>
-                <a:ea typeface="+mn-ea"/>
-                <a:cs typeface="+mn-cs"/>
-              </a:defRPr>
-            </a:lvl3pPr>
-            <a:lvl4pPr marL="792000" indent="-288000" algn="l" defTabSz="914400" rtl="0" eaLnBrk="1" latinLnBrk="0" hangingPunct="1">
-              <a:lnSpc>
-                <a:spcPct val="110000"/>
-              </a:lnSpc>
-              <a:spcBef>
-                <a:spcPts val="200"/>
-              </a:spcBef>
-              <a:spcAft>
-                <a:spcPts val="200"/>
-              </a:spcAft>
-              <a:buFont typeface="TheSans Swisscom Light" panose="020B0300040303060204" pitchFamily="34" charset="0"/>
-              <a:buChar char="−"/>
-              <a:defRPr sz="2000" kern="1200">
-                <a:solidFill>
-                  <a:schemeClr val="tx1"/>
-                </a:solidFill>
-                <a:latin typeface="+mn-lt"/>
-                <a:ea typeface="+mn-ea"/>
-                <a:cs typeface="+mn-cs"/>
-              </a:defRPr>
-            </a:lvl4pPr>
-            <a:lvl5pPr marL="792000" indent="-288000" algn="l" defTabSz="914400" rtl="0" eaLnBrk="1" latinLnBrk="0" hangingPunct="1">
-              <a:lnSpc>
-                <a:spcPct val="110000"/>
-              </a:lnSpc>
-              <a:spcBef>
-                <a:spcPts val="200"/>
-              </a:spcBef>
-              <a:spcAft>
-                <a:spcPts val="200"/>
-              </a:spcAft>
-              <a:buFont typeface="TheSans Swisscom Light" panose="020B0300040303060204" pitchFamily="34" charset="0"/>
-              <a:buChar char="−"/>
-              <a:defRPr sz="2000" kern="1200">
-                <a:solidFill>
-                  <a:schemeClr val="tx1"/>
-                </a:solidFill>
-                <a:latin typeface="+mn-lt"/>
-                <a:ea typeface="+mn-ea"/>
-                <a:cs typeface="+mn-cs"/>
-              </a:defRPr>
-            </a:lvl5pPr>
-            <a:lvl6pPr marL="792000" indent="-288000" algn="l" defTabSz="914400" rtl="0" eaLnBrk="1" latinLnBrk="0" hangingPunct="1">
-              <a:lnSpc>
-                <a:spcPct val="110000"/>
-              </a:lnSpc>
-              <a:spcBef>
-                <a:spcPts val="200"/>
-              </a:spcBef>
-              <a:spcAft>
-                <a:spcPts val="200"/>
-              </a:spcAft>
-              <a:buFont typeface="TheSans Swisscom Light" panose="020B0300040303060204" pitchFamily="34" charset="0"/>
-              <a:buChar char="−"/>
-              <a:defRPr sz="2000" kern="1200">
-                <a:solidFill>
-                  <a:schemeClr val="tx1"/>
-                </a:solidFill>
-                <a:latin typeface="+mn-lt"/>
-                <a:ea typeface="+mn-ea"/>
-                <a:cs typeface="+mn-cs"/>
-              </a:defRPr>
-            </a:lvl6pPr>
-            <a:lvl7pPr marL="792000" indent="-288000" algn="l" defTabSz="914400" rtl="0" eaLnBrk="1" latinLnBrk="0" hangingPunct="1">
-              <a:lnSpc>
-                <a:spcPct val="110000"/>
-              </a:lnSpc>
-              <a:spcBef>
-                <a:spcPts val="200"/>
-              </a:spcBef>
-              <a:spcAft>
-                <a:spcPts val="200"/>
-              </a:spcAft>
-              <a:buFont typeface="TheSans Swisscom Light" panose="020B0300040303060204" pitchFamily="34" charset="0"/>
-              <a:buChar char="−"/>
-              <a:defRPr sz="2000" kern="1200">
-                <a:solidFill>
-                  <a:schemeClr val="tx1"/>
-                </a:solidFill>
-                <a:latin typeface="+mn-lt"/>
-                <a:ea typeface="+mn-ea"/>
-                <a:cs typeface="+mn-cs"/>
-              </a:defRPr>
-            </a:lvl7pPr>
-            <a:lvl8pPr marL="792000" indent="-288000" algn="l" defTabSz="914400" rtl="0" eaLnBrk="1" latinLnBrk="0" hangingPunct="1">
-              <a:lnSpc>
-                <a:spcPct val="110000"/>
-              </a:lnSpc>
-              <a:spcBef>
-                <a:spcPts val="200"/>
-              </a:spcBef>
-              <a:spcAft>
-                <a:spcPts val="200"/>
-              </a:spcAft>
-              <a:buFont typeface="TheSans Swisscom Light" panose="020B0300040303060204" pitchFamily="34" charset="0"/>
-              <a:buChar char="−"/>
-              <a:defRPr sz="2000" kern="1200">
-                <a:solidFill>
-                  <a:schemeClr val="tx1"/>
-                </a:solidFill>
-                <a:latin typeface="+mn-lt"/>
-                <a:ea typeface="+mn-ea"/>
-                <a:cs typeface="+mn-cs"/>
-              </a:defRPr>
-            </a:lvl8pPr>
-            <a:lvl9pPr marL="792000" indent="-288000" algn="l" defTabSz="914400" rtl="0" eaLnBrk="1" latinLnBrk="0" hangingPunct="1">
-              <a:lnSpc>
-                <a:spcPct val="110000"/>
-              </a:lnSpc>
-              <a:spcBef>
-                <a:spcPts val="200"/>
-              </a:spcBef>
-              <a:spcAft>
-                <a:spcPts val="200"/>
-              </a:spcAft>
-              <a:buFont typeface="TheSans Swisscom Light" panose="020B0300040303060204" pitchFamily="34" charset="0"/>
-              <a:buChar char="−"/>
-              <a:defRPr sz="2000" kern="1200">
-                <a:solidFill>
-                  <a:schemeClr val="tx1"/>
-                </a:solidFill>
-                <a:latin typeface="+mn-lt"/>
-                <a:ea typeface="+mn-ea"/>
-                <a:cs typeface="+mn-cs"/>
-              </a:defRPr>
-            </a:lvl9pPr>
-          </a:lstStyle>
-          <a:p>
-            <a:pPr marL="0" marR="0" lvl="0" indent="0" algn="l" defTabSz="914400" rtl="0" eaLnBrk="1" fontAlgn="auto" latinLnBrk="0" hangingPunct="1">
-              <a:lnSpc>
-                <a:spcPct val="110000"/>
-              </a:lnSpc>
-              <a:spcBef>
-                <a:spcPts val="600"/>
-              </a:spcBef>
-              <a:spcAft>
-                <a:spcPts val="600"/>
+            <a:endParaRPr kumimoji="0" lang="en-US" sz="2700" b="1" i="0" u="none" strike="noStrike" kern="1200" cap="none" spc="-50" normalizeH="0" baseline="0" noProof="0" dirty="0">
+              <a:ln>
+                <a:noFill/>
+              </a:ln>
+              <a:solidFill>
+                <a:srgbClr val="333333"/>
+              </a:solidFill>
+              <a:effectLst/>
+              <a:uLnTx/>
+              <a:uFillTx/>
+              <a:latin typeface="TheSans Swisscom Light"/>
+              <a:ea typeface="+mn-ea"/>
+              <a:cs typeface="+mn-cs"/>
+            </a:endParaRPr>
+          </a:p>
+          <a:p>
+            <a:pPr marL="0" marR="0" lvl="0" indent="0" algn="ctr" defTabSz="914400" rtl="0" eaLnBrk="1" fontAlgn="auto" latinLnBrk="0" hangingPunct="1">
+              <a:lnSpc>
+                <a:spcPct val="100000"/>
+              </a:lnSpc>
+              <a:spcBef>
+                <a:spcPts val="0"/>
+              </a:spcBef>
+              <a:spcAft>
+                <a:spcPts val="0"/>
               </a:spcAft>
               <a:buClrTx/>
               <a:buSzTx/>
@@ -45304,353 +48131,63 @@
               <a:defRPr/>
             </a:pPr>
             <a:r>
-              <a:rPr kumimoji="0" lang="en-US" sz="2000" b="1" i="0" u="none" strike="noStrike" kern="1200" cap="none" spc="0" normalizeH="0" baseline="0" noProof="0" dirty="0">
+              <a:rPr kumimoji="0" lang="en-US" sz="2700" b="1" i="0" u="none" strike="noStrike" kern="1200" cap="none" spc="-50" normalizeH="0" baseline="0" noProof="0" dirty="0">
                 <a:ln>
                   <a:noFill/>
                 </a:ln>
                 <a:solidFill>
-                  <a:srgbClr val="FF0000"/>
+                  <a:srgbClr val="333333"/>
                 </a:solidFill>
                 <a:effectLst/>
                 <a:uLnTx/>
                 <a:uFillTx/>
-                <a:latin typeface="Calibri" panose="020F0502020204030204"/>
-                <a:ea typeface="+mn-ea"/>
-                <a:cs typeface="+mn-cs"/>
-              </a:rPr>
-              <a:t>For Connectivity Services</a:t>
-            </a:r>
-            <a:r>
-              <a:rPr kumimoji="0" lang="en-US" sz="2000" b="0" i="0" u="none" strike="noStrike" kern="1200" cap="none" spc="0" normalizeH="0" baseline="0" noProof="0" dirty="0">
+                <a:latin typeface="TheSans Swisscom Light"/>
+                <a:ea typeface="+mn-ea"/>
+                <a:cs typeface="+mn-cs"/>
+              </a:rPr>
+              <a:t>Network Observability</a:t>
+            </a:r>
+            <a:br>
+              <a:rPr kumimoji="0" lang="en-US" sz="2700" b="1" i="0" u="none" strike="noStrike" kern="1200" cap="none" spc="-50" normalizeH="0" baseline="0" noProof="0" dirty="0">
                 <a:ln>
                   <a:noFill/>
                 </a:ln>
                 <a:solidFill>
-                  <a:prstClr val="black"/>
+                  <a:srgbClr val="333333"/>
                 </a:solidFill>
                 <a:effectLst/>
                 <a:uLnTx/>
                 <a:uFillTx/>
-                <a:latin typeface="Calibri" panose="020F0502020204030204"/>
-                <a:ea typeface="+mn-ea"/>
-                <a:cs typeface="+mn-cs"/>
-              </a:rPr>
-              <a:t>, Network Anomaly Detection </a:t>
-            </a:r>
-            <a:r>
-              <a:rPr kumimoji="0" lang="en-US" sz="2000" b="1" i="0" u="none" strike="noStrike" kern="1200" cap="none" spc="0" normalizeH="0" baseline="0" noProof="0" dirty="0">
-                <a:ln>
-                  <a:noFill/>
-                </a:ln>
-                <a:solidFill>
-                  <a:srgbClr val="FF0000"/>
-                </a:solidFill>
-                <a:effectLst/>
-                <a:uLnTx/>
-                <a:uFillTx/>
-                <a:latin typeface="Calibri" panose="020F0502020204030204"/>
-                <a:ea typeface="+mn-ea"/>
-                <a:cs typeface="+mn-cs"/>
-              </a:rPr>
-              <a:t>constantly monitors and detects any network or device topology change</a:t>
-            </a:r>
-            <a:r>
-              <a:rPr kumimoji="0" lang="en-US" sz="2000" b="0" i="0" u="none" strike="noStrike" kern="1200" cap="none" spc="0" normalizeH="0" baseline="0" noProof="0" dirty="0">
-                <a:ln>
-                  <a:noFill/>
-                </a:ln>
-                <a:solidFill>
-                  <a:prstClr val="black"/>
-                </a:solidFill>
-                <a:effectLst/>
-                <a:uLnTx/>
-                <a:uFillTx/>
-                <a:latin typeface="Calibri" panose="020F0502020204030204"/>
-                <a:ea typeface="+mn-ea"/>
-                <a:cs typeface="+mn-cs"/>
-              </a:rPr>
-              <a:t>, along with their associated forwarding consequences for customers as outliers. Notifications are sent to the Network Operation Center before the customer is aware of service disruptions. </a:t>
-            </a:r>
-            <a:r>
-              <a:rPr kumimoji="0" lang="en-US" sz="2000" b="1" i="0" u="none" strike="noStrike" kern="1200" cap="none" spc="0" normalizeH="0" baseline="0" noProof="0" dirty="0">
-                <a:ln>
-                  <a:noFill/>
-                </a:ln>
-                <a:solidFill>
-                  <a:srgbClr val="FF0000"/>
-                </a:solidFill>
-                <a:effectLst/>
-                <a:uLnTx/>
-                <a:uFillTx/>
-                <a:latin typeface="Calibri" panose="020F0502020204030204"/>
-                <a:ea typeface="+mn-ea"/>
-                <a:cs typeface="+mn-cs"/>
-              </a:rPr>
-              <a:t>It offers operational metrics for in-depth analysis,</a:t>
-            </a:r>
-            <a:r>
-              <a:rPr kumimoji="0" lang="en-US" sz="2000" b="0" i="0" u="none" strike="noStrike" kern="1200" cap="none" spc="0" normalizeH="0" baseline="0" noProof="0" dirty="0">
-                <a:ln>
-                  <a:noFill/>
-                </a:ln>
-                <a:solidFill>
-                  <a:srgbClr val="FF0000"/>
-                </a:solidFill>
-                <a:effectLst/>
-                <a:uLnTx/>
-                <a:uFillTx/>
-                <a:latin typeface="Calibri" panose="020F0502020204030204"/>
-                <a:ea typeface="+mn-ea"/>
-                <a:cs typeface="+mn-cs"/>
-              </a:rPr>
-              <a:t> </a:t>
-            </a:r>
-            <a:r>
-              <a:rPr kumimoji="0" lang="en-US" sz="2000" b="0" i="0" u="none" strike="noStrike" kern="1200" cap="none" spc="0" normalizeH="0" baseline="0" noProof="0" dirty="0">
-                <a:ln>
-                  <a:noFill/>
-                </a:ln>
-                <a:solidFill>
-                  <a:prstClr val="black"/>
-                </a:solidFill>
-                <a:effectLst/>
-                <a:uLnTx/>
-                <a:uFillTx/>
-                <a:latin typeface="Calibri" panose="020F0502020204030204"/>
-                <a:ea typeface="+mn-ea"/>
-                <a:cs typeface="+mn-cs"/>
-              </a:rPr>
-              <a:t>allowing to understand in which platform the problem originates and facilitates problem resolution. </a:t>
-            </a:r>
-          </a:p>
-        </p:txBody>
-      </p:sp>
-      <p:sp>
-        <p:nvSpPr>
-          <p:cNvPr id="4" name="Inhaltsplatzhalter 1">
-            <a:extLst>
-              <a:ext uri="{FF2B5EF4-FFF2-40B4-BE49-F238E27FC236}">
-                <a16:creationId xmlns:a16="http://schemas.microsoft.com/office/drawing/2014/main" id="{24F2E4A1-9E2D-0EF1-0811-4E46B062701C}"/>
-              </a:ext>
-            </a:extLst>
-          </p:cNvPr>
-          <p:cNvSpPr txBox="1">
-            <a:spLocks/>
-          </p:cNvSpPr>
-          <p:nvPr/>
-        </p:nvSpPr>
-        <p:spPr bwMode="black">
-          <a:xfrm>
-            <a:off x="7514368" y="1734999"/>
-            <a:ext cx="4391685" cy="4842300"/>
-          </a:xfrm>
-          <a:prstGeom prst="rect">
-            <a:avLst/>
-          </a:prstGeom>
-        </p:spPr>
-        <p:txBody>
-          <a:bodyPr lIns="0" tIns="0" rIns="0" bIns="0" anchor="t"/>
-          <a:lstStyle>
-            <a:lvl1pPr marL="0" indent="0" algn="l" defTabSz="914400" rtl="0" eaLnBrk="1" latinLnBrk="0" hangingPunct="1">
-              <a:lnSpc>
-                <a:spcPct val="110000"/>
-              </a:lnSpc>
-              <a:spcBef>
-                <a:spcPts val="600"/>
-              </a:spcBef>
-              <a:spcAft>
-                <a:spcPts val="600"/>
-              </a:spcAft>
-              <a:buFont typeface="Arial" panose="020B0604020202020204" pitchFamily="34" charset="0"/>
-              <a:buNone/>
-              <a:defRPr sz="1600" b="0" kern="1200">
-                <a:solidFill>
-                  <a:schemeClr val="tx1"/>
-                </a:solidFill>
-                <a:latin typeface="+mn-lt"/>
-                <a:ea typeface="+mn-ea"/>
-                <a:cs typeface="+mn-cs"/>
-              </a:defRPr>
-            </a:lvl1pPr>
-            <a:lvl2pPr marL="180000" indent="-180000" algn="l" defTabSz="914400" rtl="0" eaLnBrk="1" latinLnBrk="0" hangingPunct="1">
-              <a:lnSpc>
-                <a:spcPct val="110000"/>
-              </a:lnSpc>
-              <a:spcBef>
-                <a:spcPts val="200"/>
-              </a:spcBef>
-              <a:spcAft>
-                <a:spcPts val="200"/>
-              </a:spcAft>
-              <a:buFont typeface="Arial" panose="020B0604020202020204" pitchFamily="34" charset="0"/>
-              <a:buChar char="•"/>
-              <a:defRPr sz="1600" kern="1200">
-                <a:solidFill>
-                  <a:schemeClr val="tx1"/>
-                </a:solidFill>
-                <a:latin typeface="+mn-lt"/>
-                <a:ea typeface="+mn-ea"/>
-                <a:cs typeface="+mn-cs"/>
-              </a:defRPr>
-            </a:lvl2pPr>
-            <a:lvl3pPr marL="360000" indent="-180000" algn="l" defTabSz="914400" rtl="0" eaLnBrk="1" latinLnBrk="0" hangingPunct="1">
-              <a:lnSpc>
-                <a:spcPct val="110000"/>
-              </a:lnSpc>
-              <a:spcBef>
-                <a:spcPts val="200"/>
-              </a:spcBef>
-              <a:spcAft>
-                <a:spcPts val="200"/>
-              </a:spcAft>
-              <a:buFont typeface="TheSans Swisscom Light" panose="020B0300040303060204" pitchFamily="34" charset="0"/>
-              <a:buChar char="−"/>
-              <a:defRPr sz="1600" kern="1200">
-                <a:solidFill>
-                  <a:schemeClr val="tx1"/>
-                </a:solidFill>
-                <a:latin typeface="+mn-lt"/>
-                <a:ea typeface="+mn-ea"/>
-                <a:cs typeface="+mn-cs"/>
-              </a:defRPr>
-            </a:lvl3pPr>
-            <a:lvl4pPr marL="540000" indent="-180000" algn="l" defTabSz="914400" rtl="0" eaLnBrk="1" latinLnBrk="0" hangingPunct="1">
-              <a:lnSpc>
-                <a:spcPct val="110000"/>
-              </a:lnSpc>
-              <a:spcBef>
-                <a:spcPts val="200"/>
-              </a:spcBef>
-              <a:spcAft>
-                <a:spcPts val="200"/>
-              </a:spcAft>
-              <a:buFont typeface="TheSans Swisscom Light" panose="020B0300040303060204" pitchFamily="34" charset="0"/>
-              <a:buChar char="−"/>
-              <a:defRPr sz="1600" kern="1200">
-                <a:solidFill>
-                  <a:schemeClr val="tx1"/>
-                </a:solidFill>
-                <a:latin typeface="+mn-lt"/>
-                <a:ea typeface="+mn-ea"/>
-                <a:cs typeface="+mn-cs"/>
-              </a:defRPr>
-            </a:lvl4pPr>
-            <a:lvl5pPr marL="540000" indent="-180000" algn="l" defTabSz="914400" rtl="0" eaLnBrk="1" latinLnBrk="0" hangingPunct="1">
-              <a:lnSpc>
-                <a:spcPct val="110000"/>
-              </a:lnSpc>
-              <a:spcBef>
-                <a:spcPts val="200"/>
-              </a:spcBef>
-              <a:spcAft>
-                <a:spcPts val="200"/>
-              </a:spcAft>
-              <a:buFont typeface="TheSans Swisscom Light" panose="020B0300040303060204" pitchFamily="34" charset="0"/>
-              <a:buChar char="−"/>
-              <a:defRPr sz="1600" kern="1200">
-                <a:solidFill>
-                  <a:schemeClr val="tx1"/>
-                </a:solidFill>
-                <a:latin typeface="+mn-lt"/>
-                <a:ea typeface="+mn-ea"/>
-                <a:cs typeface="+mn-cs"/>
-              </a:defRPr>
-            </a:lvl5pPr>
-            <a:lvl6pPr marL="540000" indent="-180000" algn="l" defTabSz="914400" rtl="0" eaLnBrk="1" latinLnBrk="0" hangingPunct="1">
-              <a:lnSpc>
-                <a:spcPct val="110000"/>
-              </a:lnSpc>
-              <a:spcBef>
-                <a:spcPts val="200"/>
-              </a:spcBef>
-              <a:spcAft>
-                <a:spcPts val="200"/>
-              </a:spcAft>
-              <a:buFont typeface="TheSans Swisscom Light" panose="020B0300040303060204" pitchFamily="34" charset="0"/>
-              <a:buChar char="−"/>
-              <a:defRPr sz="1600" kern="1200">
-                <a:solidFill>
-                  <a:schemeClr val="tx1"/>
-                </a:solidFill>
-                <a:latin typeface="+mn-lt"/>
-                <a:ea typeface="+mn-ea"/>
-                <a:cs typeface="+mn-cs"/>
-              </a:defRPr>
-            </a:lvl6pPr>
-            <a:lvl7pPr marL="540000" indent="-180000" algn="l" defTabSz="914400" rtl="0" eaLnBrk="1" latinLnBrk="0" hangingPunct="1">
-              <a:lnSpc>
-                <a:spcPct val="110000"/>
-              </a:lnSpc>
-              <a:spcBef>
-                <a:spcPts val="200"/>
-              </a:spcBef>
-              <a:spcAft>
-                <a:spcPts val="200"/>
-              </a:spcAft>
-              <a:buFont typeface="TheSans Swisscom Light" panose="020B0300040303060204" pitchFamily="34" charset="0"/>
-              <a:buChar char="−"/>
-              <a:defRPr sz="1600" kern="1200">
-                <a:solidFill>
-                  <a:schemeClr val="tx1"/>
-                </a:solidFill>
-                <a:latin typeface="+mn-lt"/>
-                <a:ea typeface="+mn-ea"/>
-                <a:cs typeface="+mn-cs"/>
-              </a:defRPr>
-            </a:lvl7pPr>
-            <a:lvl8pPr marL="540000" indent="-180000" algn="l" defTabSz="914400" rtl="0" eaLnBrk="1" latinLnBrk="0" hangingPunct="1">
-              <a:lnSpc>
-                <a:spcPct val="110000"/>
-              </a:lnSpc>
-              <a:spcBef>
-                <a:spcPts val="200"/>
-              </a:spcBef>
-              <a:spcAft>
-                <a:spcPts val="200"/>
-              </a:spcAft>
-              <a:buFont typeface="TheSans Swisscom Light" panose="020B0300040303060204" pitchFamily="34" charset="0"/>
-              <a:buChar char="−"/>
-              <a:defRPr sz="1600" kern="1200">
-                <a:solidFill>
-                  <a:schemeClr val="tx1"/>
-                </a:solidFill>
-                <a:latin typeface="+mn-lt"/>
-                <a:ea typeface="+mn-ea"/>
-                <a:cs typeface="+mn-cs"/>
-              </a:defRPr>
-            </a:lvl8pPr>
-            <a:lvl9pPr marL="540000" indent="-180000" algn="l" defTabSz="914400" rtl="0" eaLnBrk="1" latinLnBrk="0" hangingPunct="1">
-              <a:lnSpc>
-                <a:spcPct val="110000"/>
-              </a:lnSpc>
-              <a:spcBef>
-                <a:spcPts val="200"/>
-              </a:spcBef>
-              <a:spcAft>
-                <a:spcPts val="200"/>
-              </a:spcAft>
-              <a:buFont typeface="TheSans Swisscom Light" panose="020B0300040303060204" pitchFamily="34" charset="0"/>
-              <a:buChar char="−"/>
-              <a:defRPr sz="1600" kern="1200">
-                <a:solidFill>
-                  <a:schemeClr val="tx1"/>
-                </a:solidFill>
-                <a:latin typeface="+mn-lt"/>
-                <a:ea typeface="+mn-ea"/>
-                <a:cs typeface="+mn-cs"/>
-              </a:defRPr>
-            </a:lvl9pPr>
-          </a:lstStyle>
-          <a:p>
-            <a:pPr marL="0" marR="0" lvl="0" indent="0" algn="l" defTabSz="914400" rtl="0" eaLnBrk="1" fontAlgn="auto" latinLnBrk="0" hangingPunct="1">
-              <a:lnSpc>
-                <a:spcPct val="110000"/>
-              </a:lnSpc>
-              <a:spcBef>
-                <a:spcPts val="600"/>
-              </a:spcBef>
-              <a:spcAft>
-                <a:spcPts val="600"/>
+                <a:latin typeface="TheSans Swisscom Light"/>
+                <a:ea typeface="+mn-ea"/>
+                <a:cs typeface="+mn-cs"/>
+              </a:rPr>
+            </a:br>
+            <a:endParaRPr kumimoji="0" lang="en-US" sz="2700" b="1" i="0" u="none" strike="noStrike" kern="1200" cap="none" spc="-50" normalizeH="0" baseline="0" noProof="0" dirty="0">
+              <a:ln>
+                <a:noFill/>
+              </a:ln>
+              <a:solidFill>
+                <a:srgbClr val="321A10"/>
+              </a:solidFill>
+              <a:effectLst/>
+              <a:uLnTx/>
+              <a:uFillTx/>
+              <a:latin typeface="TheSans Swisscom Light"/>
+              <a:ea typeface="+mn-ea"/>
+              <a:cs typeface="+mn-cs"/>
+            </a:endParaRPr>
+          </a:p>
+          <a:p>
+            <a:pPr marL="0" marR="0" lvl="0" indent="0" algn="ctr" defTabSz="914400" rtl="0" eaLnBrk="1" fontAlgn="auto" latinLnBrk="0" hangingPunct="1">
+              <a:lnSpc>
+                <a:spcPct val="100000"/>
+              </a:lnSpc>
+              <a:spcBef>
+                <a:spcPts val="0"/>
+              </a:spcBef>
+              <a:spcAft>
+                <a:spcPts val="0"/>
               </a:spcAft>
               <a:buClrTx/>
               <a:buSzTx/>
@@ -45660,1187 +48197,163 @@
               <a:defRPr/>
             </a:pPr>
             <a:r>
-              <a:rPr kumimoji="0" lang="en-US" sz="1800" b="1" i="0" u="none" strike="noStrike" kern="1200" cap="none" spc="0" normalizeH="0" baseline="0" noProof="0" dirty="0">
+              <a:rPr kumimoji="0" lang="en-US" sz="2700" b="1" i="0" u="none" strike="noStrike" kern="1200" cap="none" spc="-50" normalizeH="0" baseline="0" noProof="0" dirty="0">
                 <a:ln>
                   <a:noFill/>
                 </a:ln>
                 <a:solidFill>
-                  <a:prstClr val="black"/>
+                  <a:srgbClr val="FF0000"/>
                 </a:solidFill>
                 <a:effectLst/>
                 <a:uLnTx/>
                 <a:uFillTx/>
-                <a:latin typeface="Calibri" panose="020F0502020204030204"/>
-                <a:ea typeface="+mn-ea"/>
-                <a:cs typeface="+mn-cs"/>
-              </a:rPr>
-              <a:t>Answers</a:t>
-            </a:r>
-          </a:p>
-          <a:p>
-            <a:pPr marL="0" marR="0" lvl="0" indent="0" algn="l" defTabSz="914400" rtl="0" eaLnBrk="1" fontAlgn="auto" latinLnBrk="0" hangingPunct="1">
-              <a:lnSpc>
-                <a:spcPct val="110000"/>
-              </a:lnSpc>
-              <a:spcBef>
-                <a:spcPts val="0"/>
-              </a:spcBef>
-              <a:spcAft>
-                <a:spcPts val="0"/>
-              </a:spcAft>
-              <a:buClrTx/>
-              <a:buSzTx/>
-              <a:buFont typeface="Arial" panose="020B0604020202020204" pitchFamily="34" charset="0"/>
-              <a:buNone/>
-              <a:tabLst/>
-              <a:defRPr/>
-            </a:pPr>
-            <a:r>
-              <a:rPr kumimoji="0" lang="en-US" sz="1800" b="0" i="0" u="none" strike="noStrike" kern="1200" cap="none" spc="0" normalizeH="0" baseline="0" noProof="0" dirty="0">
+                <a:latin typeface="TheSans Swisscom Light"/>
+                <a:ea typeface="+mn-ea"/>
+                <a:cs typeface="+mn-cs"/>
+              </a:rPr>
+              <a:t>System Demo</a:t>
+            </a:r>
+            <a:br>
+              <a:rPr kumimoji="0" lang="en-US" sz="2000" b="1" i="0" u="none" strike="noStrike" kern="1200" cap="none" spc="-50" normalizeH="0" baseline="0" noProof="0" dirty="0">
                 <a:ln>
                   <a:noFill/>
                 </a:ln>
                 <a:solidFill>
-                  <a:prstClr val="black"/>
+                  <a:srgbClr val="321A10"/>
                 </a:solidFill>
                 <a:effectLst/>
                 <a:uLnTx/>
                 <a:uFillTx/>
-                <a:latin typeface="Calibri" panose="020F0502020204030204"/>
-                <a:ea typeface="+mn-ea"/>
-                <a:cs typeface="+mn-cs"/>
-              </a:rPr>
-              <a:t>What changed and when, on which connectivity service, and how does it impact the customers?</a:t>
-            </a:r>
-          </a:p>
-          <a:p>
-            <a:pPr marL="0" marR="0" lvl="0" indent="0" algn="l" defTabSz="914400" rtl="0" eaLnBrk="1" fontAlgn="auto" latinLnBrk="0" hangingPunct="1">
-              <a:lnSpc>
-                <a:spcPct val="110000"/>
-              </a:lnSpc>
-              <a:spcBef>
-                <a:spcPts val="600"/>
-              </a:spcBef>
-              <a:spcAft>
-                <a:spcPts val="600"/>
-              </a:spcAft>
-              <a:buClrTx/>
-              <a:buSzTx/>
-              <a:buFont typeface="Arial" panose="020B0604020202020204" pitchFamily="34" charset="0"/>
-              <a:buNone/>
-              <a:tabLst/>
-              <a:defRPr/>
-            </a:pPr>
-            <a:r>
-              <a:rPr kumimoji="0" lang="en-US" sz="1800" b="1" i="0" u="none" strike="noStrike" kern="1200" cap="none" spc="0" normalizeH="0" baseline="0" noProof="0" dirty="0">
+                <a:latin typeface="TheSans Swisscom Light"/>
+                <a:ea typeface="+mn-ea"/>
+                <a:cs typeface="+mn-cs"/>
+              </a:rPr>
+            </a:br>
+            <a:br>
+              <a:rPr kumimoji="0" lang="en-US" sz="2000" b="1" i="0" u="none" strike="noStrike" kern="1200" cap="none" spc="-50" normalizeH="0" baseline="0" noProof="0" dirty="0">
                 <a:ln>
                   <a:noFill/>
                 </a:ln>
                 <a:solidFill>
-                  <a:prstClr val="black"/>
+                  <a:srgbClr val="333333"/>
                 </a:solidFill>
                 <a:effectLst/>
                 <a:uLnTx/>
                 <a:uFillTx/>
-                <a:latin typeface="Calibri" panose="020F0502020204030204"/>
-                <a:ea typeface="+mn-ea"/>
-                <a:cs typeface="+mn-cs"/>
-              </a:rPr>
-              <a:t>Focuses</a:t>
-            </a:r>
-          </a:p>
-          <a:p>
-            <a:pPr marL="0" marR="0" lvl="0" indent="0" algn="l" defTabSz="914400" rtl="0" eaLnBrk="1" fontAlgn="auto" latinLnBrk="0" hangingPunct="1">
-              <a:lnSpc>
-                <a:spcPct val="110000"/>
-              </a:lnSpc>
-              <a:spcBef>
-                <a:spcPts val="0"/>
-              </a:spcBef>
-              <a:spcAft>
-                <a:spcPts val="0"/>
-              </a:spcAft>
-              <a:buClrTx/>
-              <a:buSzTx/>
-              <a:buFont typeface="Arial" panose="020B0604020202020204" pitchFamily="34" charset="0"/>
-              <a:buNone/>
-              <a:tabLst/>
-              <a:defRPr/>
-            </a:pPr>
-            <a:r>
-              <a:rPr kumimoji="0" lang="en-US" sz="1800" b="0" i="0" u="none" strike="noStrike" kern="1200" cap="none" spc="0" normalizeH="0" baseline="0" noProof="0" dirty="0">
+                <a:latin typeface="TheSans Swisscom Light"/>
+                <a:ea typeface="+mn-ea"/>
+                <a:cs typeface="+mn-cs"/>
+              </a:rPr>
+            </a:br>
+            <a:r>
+              <a:rPr kumimoji="0" lang="en-US" sz="2000" b="1" i="0" u="none" strike="noStrike" kern="1200" cap="none" spc="-50" normalizeH="0" baseline="0" noProof="0" dirty="0">
                 <a:ln>
                   <a:noFill/>
                 </a:ln>
                 <a:solidFill>
-                  <a:prstClr val="black"/>
+                  <a:srgbClr val="333333"/>
                 </a:solidFill>
                 <a:effectLst/>
                 <a:uLnTx/>
                 <a:uFillTx/>
-                <a:latin typeface="Calibri" panose="020F0502020204030204"/>
-                <a:ea typeface="+mn-ea"/>
-                <a:cs typeface="+mn-cs"/>
-              </a:rPr>
-              <a:t>Provides meaningful connectivity service impact information before customer is aware of and support in root-cause analysis.</a:t>
-            </a:r>
-          </a:p>
-          <a:p>
-            <a:pPr marL="0" marR="0" lvl="0" indent="0" algn="l" defTabSz="914400" rtl="0" eaLnBrk="1" fontAlgn="auto" latinLnBrk="0" hangingPunct="1">
-              <a:lnSpc>
-                <a:spcPct val="110000"/>
-              </a:lnSpc>
-              <a:spcBef>
-                <a:spcPts val="600"/>
-              </a:spcBef>
-              <a:spcAft>
-                <a:spcPts val="600"/>
-              </a:spcAft>
-              <a:buClrTx/>
-              <a:buSzTx/>
-              <a:buFont typeface="Arial" panose="020B0604020202020204" pitchFamily="34" charset="0"/>
-              <a:buNone/>
-              <a:tabLst/>
-              <a:defRPr/>
-            </a:pPr>
-            <a:r>
-              <a:rPr kumimoji="0" lang="en-US" sz="1800" b="1" i="0" u="none" strike="noStrike" kern="1200" cap="none" spc="0" normalizeH="0" baseline="0" noProof="0" dirty="0">
+                <a:latin typeface="TheSans Swisscom Light"/>
+                <a:ea typeface="+mn-ea"/>
+                <a:cs typeface="+mn-cs"/>
+              </a:rPr>
+              <a:t>Detect L3 VPN Topology changes </a:t>
+            </a:r>
+            <a:br>
+              <a:rPr kumimoji="0" lang="en-US" sz="2000" b="1" i="0" u="none" strike="noStrike" kern="1200" cap="none" spc="-50" normalizeH="0" baseline="0" noProof="0" dirty="0">
                 <a:ln>
                   <a:noFill/>
                 </a:ln>
                 <a:solidFill>
-                  <a:prstClr val="black"/>
+                  <a:srgbClr val="333333"/>
                 </a:solidFill>
                 <a:effectLst/>
                 <a:uLnTx/>
                 <a:uFillTx/>
-                <a:latin typeface="Calibri" panose="020F0502020204030204"/>
-                <a:ea typeface="+mn-ea"/>
-                <a:cs typeface="+mn-cs"/>
-              </a:rPr>
-              <a:t>Data Mesh</a:t>
-            </a:r>
-          </a:p>
-          <a:p>
-            <a:pPr marL="0" marR="0" lvl="0" indent="0" algn="l" defTabSz="914400" rtl="0" eaLnBrk="1" fontAlgn="auto" latinLnBrk="0" hangingPunct="1">
-              <a:lnSpc>
-                <a:spcPct val="110000"/>
-              </a:lnSpc>
-              <a:spcBef>
-                <a:spcPts val="0"/>
-              </a:spcBef>
-              <a:spcAft>
-                <a:spcPts val="0"/>
-              </a:spcAft>
-              <a:buClrTx/>
-              <a:buSzTx/>
-              <a:buFont typeface="Arial" panose="020B0604020202020204" pitchFamily="34" charset="0"/>
-              <a:buNone/>
-              <a:tabLst/>
-              <a:defRPr/>
-            </a:pPr>
-            <a:r>
-              <a:rPr kumimoji="0" lang="en-US" sz="1800" b="0" i="0" u="none" strike="noStrike" kern="1200" cap="none" spc="0" normalizeH="0" baseline="0" noProof="0" dirty="0">
+                <a:latin typeface="TheSans Swisscom Light"/>
+                <a:ea typeface="+mn-ea"/>
+                <a:cs typeface="+mn-cs"/>
+              </a:rPr>
+            </a:br>
+            <a:r>
+              <a:rPr kumimoji="0" lang="en-US" sz="2000" b="1" i="0" u="none" strike="noStrike" kern="1200" cap="none" spc="-50" normalizeH="0" baseline="0" noProof="0" dirty="0">
                 <a:ln>
                   <a:noFill/>
                 </a:ln>
                 <a:solidFill>
-                  <a:prstClr val="black"/>
+                  <a:srgbClr val="333333"/>
                 </a:solidFill>
                 <a:effectLst/>
                 <a:uLnTx/>
                 <a:uFillTx/>
-                <a:latin typeface="Calibri" panose="020F0502020204030204"/>
-                <a:ea typeface="+mn-ea"/>
-                <a:cs typeface="+mn-cs"/>
-              </a:rPr>
-              <a:t>Consumes operational real-time Forwarding Plane, Control Plane and Management Plane metrics and produces analytical alerts.</a:t>
-            </a:r>
-          </a:p>
-          <a:p>
-            <a:pPr marL="0" marR="0" lvl="0" indent="0" algn="l" defTabSz="914400" rtl="0" eaLnBrk="1" fontAlgn="auto" latinLnBrk="0" hangingPunct="1">
-              <a:lnSpc>
-                <a:spcPct val="110000"/>
-              </a:lnSpc>
-              <a:spcBef>
-                <a:spcPts val="600"/>
-              </a:spcBef>
-              <a:spcAft>
-                <a:spcPts val="600"/>
-              </a:spcAft>
-              <a:buClrTx/>
-              <a:buSzTx/>
-              <a:buFont typeface="Arial" panose="020B0604020202020204" pitchFamily="34" charset="0"/>
-              <a:buNone/>
-              <a:tabLst/>
-              <a:defRPr/>
-            </a:pPr>
-            <a:r>
-              <a:rPr kumimoji="0" lang="en-US" sz="1800" b="1" i="0" u="none" strike="noStrike" kern="1200" cap="none" spc="0" normalizeH="0" baseline="0" noProof="0" dirty="0">
+                <a:latin typeface="TheSans Swisscom Light"/>
+                <a:ea typeface="+mn-ea"/>
+                <a:cs typeface="+mn-cs"/>
+              </a:rPr>
+              <a:t>and its Forwarding Plane impact</a:t>
+            </a:r>
+            <a:br>
+              <a:rPr kumimoji="0" lang="en-US" sz="2000" b="1" i="0" u="none" strike="noStrike" kern="1200" cap="none" spc="-50" normalizeH="0" baseline="0" noProof="0" dirty="0">
                 <a:ln>
                   <a:noFill/>
                 </a:ln>
                 <a:solidFill>
-                  <a:prstClr val="black"/>
+                  <a:srgbClr val="333333"/>
                 </a:solidFill>
                 <a:effectLst/>
                 <a:uLnTx/>
                 <a:uFillTx/>
-                <a:latin typeface="Calibri" panose="020F0502020204030204"/>
-                <a:ea typeface="+mn-ea"/>
-                <a:cs typeface="+mn-cs"/>
-              </a:rPr>
-              <a:t>Direction</a:t>
-            </a:r>
-          </a:p>
-          <a:p>
-            <a:pPr marL="0" marR="0" lvl="0" indent="0" algn="l" defTabSz="914400" rtl="0" eaLnBrk="1" fontAlgn="auto" latinLnBrk="0" hangingPunct="1">
-              <a:lnSpc>
-                <a:spcPct val="110000"/>
-              </a:lnSpc>
-              <a:spcBef>
-                <a:spcPts val="0"/>
-              </a:spcBef>
-              <a:spcAft>
-                <a:spcPts val="0"/>
-              </a:spcAft>
-              <a:buClrTx/>
-              <a:buSzTx/>
-              <a:buFont typeface="Arial" panose="020B0604020202020204" pitchFamily="34" charset="0"/>
-              <a:buNone/>
-              <a:tabLst/>
-              <a:defRPr/>
-            </a:pPr>
-            <a:r>
-              <a:rPr kumimoji="0" lang="en-US" sz="1800" b="0" i="0" u="none" strike="noStrike" kern="1200" cap="none" spc="0" normalizeH="0" baseline="0" noProof="0" dirty="0">
+                <a:latin typeface="TheSans Swisscom Light"/>
+                <a:ea typeface="+mn-ea"/>
+                <a:cs typeface="+mn-cs"/>
+              </a:rPr>
+            </a:br>
+            <a:r>
+              <a:rPr kumimoji="0" lang="en-US" sz="2000" b="1" i="0" u="none" strike="noStrike" kern="1200" cap="none" spc="-50" normalizeH="0" baseline="0" noProof="0" dirty="0">
                 <a:ln>
                   <a:noFill/>
                 </a:ln>
                 <a:solidFill>
-                  <a:prstClr val="black"/>
+                  <a:srgbClr val="333333"/>
                 </a:solidFill>
                 <a:effectLst/>
                 <a:uLnTx/>
                 <a:uFillTx/>
-                <a:latin typeface="Calibri" panose="020F0502020204030204"/>
-                <a:ea typeface="+mn-ea"/>
-                <a:cs typeface="+mn-cs"/>
-              </a:rPr>
-              <a:t>From connectivity service to network platform.</a:t>
-            </a:r>
-          </a:p>
-        </p:txBody>
-      </p:sp>
-      <p:sp>
-        <p:nvSpPr>
-          <p:cNvPr id="7" name="Inhaltsplatzhalter 1">
-            <a:extLst>
-              <a:ext uri="{FF2B5EF4-FFF2-40B4-BE49-F238E27FC236}">
-                <a16:creationId xmlns:a16="http://schemas.microsoft.com/office/drawing/2014/main" id="{2727A73F-4E58-7304-CF16-627D8D6C87D5}"/>
-              </a:ext>
-            </a:extLst>
-          </p:cNvPr>
-          <p:cNvSpPr txBox="1">
-            <a:spLocks/>
-          </p:cNvSpPr>
-          <p:nvPr/>
-        </p:nvSpPr>
-        <p:spPr bwMode="black">
-          <a:xfrm>
-            <a:off x="7514369" y="3383533"/>
-            <a:ext cx="4032000" cy="1440000"/>
-          </a:xfrm>
-          <a:prstGeom prst="rect">
-            <a:avLst/>
-          </a:prstGeom>
-        </p:spPr>
-        <p:txBody>
-          <a:bodyPr lIns="0" tIns="0" rIns="0" bIns="0" anchor="t"/>
-          <a:lstStyle>
-            <a:lvl1pPr marL="0" indent="0" algn="l" defTabSz="914400" rtl="0" eaLnBrk="1" latinLnBrk="0" hangingPunct="1">
-              <a:lnSpc>
-                <a:spcPct val="110000"/>
-              </a:lnSpc>
-              <a:spcBef>
-                <a:spcPts val="600"/>
-              </a:spcBef>
-              <a:spcAft>
-                <a:spcPts val="600"/>
-              </a:spcAft>
-              <a:buFont typeface="Arial" panose="020B0604020202020204" pitchFamily="34" charset="0"/>
-              <a:buNone/>
-              <a:defRPr sz="1600" b="0" kern="1200">
-                <a:solidFill>
-                  <a:schemeClr val="tx1"/>
-                </a:solidFill>
-                <a:latin typeface="+mn-lt"/>
-                <a:ea typeface="+mn-ea"/>
-                <a:cs typeface="+mn-cs"/>
-              </a:defRPr>
-            </a:lvl1pPr>
-            <a:lvl2pPr marL="180000" indent="-180000" algn="l" defTabSz="914400" rtl="0" eaLnBrk="1" latinLnBrk="0" hangingPunct="1">
-              <a:lnSpc>
-                <a:spcPct val="110000"/>
-              </a:lnSpc>
-              <a:spcBef>
-                <a:spcPts val="200"/>
-              </a:spcBef>
-              <a:spcAft>
-                <a:spcPts val="200"/>
-              </a:spcAft>
-              <a:buFont typeface="Arial" panose="020B0604020202020204" pitchFamily="34" charset="0"/>
-              <a:buChar char="•"/>
-              <a:defRPr sz="1600" kern="1200">
-                <a:solidFill>
-                  <a:schemeClr val="tx1"/>
-                </a:solidFill>
-                <a:latin typeface="+mn-lt"/>
-                <a:ea typeface="+mn-ea"/>
-                <a:cs typeface="+mn-cs"/>
-              </a:defRPr>
-            </a:lvl2pPr>
-            <a:lvl3pPr marL="360000" indent="-180000" algn="l" defTabSz="914400" rtl="0" eaLnBrk="1" latinLnBrk="0" hangingPunct="1">
-              <a:lnSpc>
-                <a:spcPct val="110000"/>
-              </a:lnSpc>
-              <a:spcBef>
-                <a:spcPts val="200"/>
-              </a:spcBef>
-              <a:spcAft>
-                <a:spcPts val="200"/>
-              </a:spcAft>
-              <a:buFont typeface="TheSans Swisscom Light" panose="020B0300040303060204" pitchFamily="34" charset="0"/>
-              <a:buChar char="−"/>
-              <a:defRPr sz="1600" kern="1200">
-                <a:solidFill>
-                  <a:schemeClr val="tx1"/>
-                </a:solidFill>
-                <a:latin typeface="+mn-lt"/>
-                <a:ea typeface="+mn-ea"/>
-                <a:cs typeface="+mn-cs"/>
-              </a:defRPr>
-            </a:lvl3pPr>
-            <a:lvl4pPr marL="540000" indent="-180000" algn="l" defTabSz="914400" rtl="0" eaLnBrk="1" latinLnBrk="0" hangingPunct="1">
-              <a:lnSpc>
-                <a:spcPct val="110000"/>
-              </a:lnSpc>
-              <a:spcBef>
-                <a:spcPts val="200"/>
-              </a:spcBef>
-              <a:spcAft>
-                <a:spcPts val="200"/>
-              </a:spcAft>
-              <a:buFont typeface="TheSans Swisscom Light" panose="020B0300040303060204" pitchFamily="34" charset="0"/>
-              <a:buChar char="−"/>
-              <a:defRPr sz="1600" kern="1200">
-                <a:solidFill>
-                  <a:schemeClr val="tx1"/>
-                </a:solidFill>
-                <a:latin typeface="+mn-lt"/>
-                <a:ea typeface="+mn-ea"/>
-                <a:cs typeface="+mn-cs"/>
-              </a:defRPr>
-            </a:lvl4pPr>
-            <a:lvl5pPr marL="540000" indent="-180000" algn="l" defTabSz="914400" rtl="0" eaLnBrk="1" latinLnBrk="0" hangingPunct="1">
-              <a:lnSpc>
-                <a:spcPct val="110000"/>
-              </a:lnSpc>
-              <a:spcBef>
-                <a:spcPts val="200"/>
-              </a:spcBef>
-              <a:spcAft>
-                <a:spcPts val="200"/>
-              </a:spcAft>
-              <a:buFont typeface="TheSans Swisscom Light" panose="020B0300040303060204" pitchFamily="34" charset="0"/>
-              <a:buChar char="−"/>
-              <a:defRPr sz="1600" kern="1200">
-                <a:solidFill>
-                  <a:schemeClr val="tx1"/>
-                </a:solidFill>
-                <a:latin typeface="+mn-lt"/>
-                <a:ea typeface="+mn-ea"/>
-                <a:cs typeface="+mn-cs"/>
-              </a:defRPr>
-            </a:lvl5pPr>
-            <a:lvl6pPr marL="540000" indent="-180000" algn="l" defTabSz="914400" rtl="0" eaLnBrk="1" latinLnBrk="0" hangingPunct="1">
-              <a:lnSpc>
-                <a:spcPct val="110000"/>
-              </a:lnSpc>
-              <a:spcBef>
-                <a:spcPts val="200"/>
-              </a:spcBef>
-              <a:spcAft>
-                <a:spcPts val="200"/>
-              </a:spcAft>
-              <a:buFont typeface="TheSans Swisscom Light" panose="020B0300040303060204" pitchFamily="34" charset="0"/>
-              <a:buChar char="−"/>
-              <a:defRPr sz="1600" kern="1200">
-                <a:solidFill>
-                  <a:schemeClr val="tx1"/>
-                </a:solidFill>
-                <a:latin typeface="+mn-lt"/>
-                <a:ea typeface="+mn-ea"/>
-                <a:cs typeface="+mn-cs"/>
-              </a:defRPr>
-            </a:lvl6pPr>
-            <a:lvl7pPr marL="540000" indent="-180000" algn="l" defTabSz="914400" rtl="0" eaLnBrk="1" latinLnBrk="0" hangingPunct="1">
-              <a:lnSpc>
-                <a:spcPct val="110000"/>
-              </a:lnSpc>
-              <a:spcBef>
-                <a:spcPts val="200"/>
-              </a:spcBef>
-              <a:spcAft>
-                <a:spcPts val="200"/>
-              </a:spcAft>
-              <a:buFont typeface="TheSans Swisscom Light" panose="020B0300040303060204" pitchFamily="34" charset="0"/>
-              <a:buChar char="−"/>
-              <a:defRPr sz="1600" kern="1200">
-                <a:solidFill>
-                  <a:schemeClr val="tx1"/>
-                </a:solidFill>
-                <a:latin typeface="+mn-lt"/>
-                <a:ea typeface="+mn-ea"/>
-                <a:cs typeface="+mn-cs"/>
-              </a:defRPr>
-            </a:lvl7pPr>
-            <a:lvl8pPr marL="540000" indent="-180000" algn="l" defTabSz="914400" rtl="0" eaLnBrk="1" latinLnBrk="0" hangingPunct="1">
-              <a:lnSpc>
-                <a:spcPct val="110000"/>
-              </a:lnSpc>
-              <a:spcBef>
-                <a:spcPts val="200"/>
-              </a:spcBef>
-              <a:spcAft>
-                <a:spcPts val="200"/>
-              </a:spcAft>
-              <a:buFont typeface="TheSans Swisscom Light" panose="020B0300040303060204" pitchFamily="34" charset="0"/>
-              <a:buChar char="−"/>
-              <a:defRPr sz="1600" kern="1200">
-                <a:solidFill>
-                  <a:schemeClr val="tx1"/>
-                </a:solidFill>
-                <a:latin typeface="+mn-lt"/>
-                <a:ea typeface="+mn-ea"/>
-                <a:cs typeface="+mn-cs"/>
-              </a:defRPr>
-            </a:lvl8pPr>
-            <a:lvl9pPr marL="540000" indent="-180000" algn="l" defTabSz="914400" rtl="0" eaLnBrk="1" latinLnBrk="0" hangingPunct="1">
-              <a:lnSpc>
-                <a:spcPct val="110000"/>
-              </a:lnSpc>
-              <a:spcBef>
-                <a:spcPts val="200"/>
-              </a:spcBef>
-              <a:spcAft>
-                <a:spcPts val="200"/>
-              </a:spcAft>
-              <a:buFont typeface="TheSans Swisscom Light" panose="020B0300040303060204" pitchFamily="34" charset="0"/>
-              <a:buChar char="−"/>
-              <a:defRPr sz="1600" kern="1200">
-                <a:solidFill>
-                  <a:schemeClr val="tx1"/>
-                </a:solidFill>
-                <a:latin typeface="+mn-lt"/>
-                <a:ea typeface="+mn-ea"/>
-                <a:cs typeface="+mn-cs"/>
-              </a:defRPr>
-            </a:lvl9pPr>
-          </a:lstStyle>
-          <a:p>
-            <a:pPr marL="0" marR="0" lvl="0" indent="0" algn="l" defTabSz="914400" rtl="0" eaLnBrk="1" fontAlgn="auto" latinLnBrk="0" hangingPunct="1">
-              <a:lnSpc>
-                <a:spcPct val="110000"/>
-              </a:lnSpc>
-              <a:spcBef>
-                <a:spcPts val="600"/>
-              </a:spcBef>
-              <a:spcAft>
-                <a:spcPts val="600"/>
-              </a:spcAft>
-              <a:buClrTx/>
-              <a:buSzTx/>
-              <a:buFont typeface="Arial" panose="020B0604020202020204" pitchFamily="34" charset="0"/>
-              <a:buNone/>
-              <a:tabLst/>
-              <a:defRPr/>
-            </a:pPr>
-            <a:endParaRPr kumimoji="0" lang="en-US" sz="1600" b="0" i="0" u="none" strike="noStrike" kern="1200" cap="none" spc="0" normalizeH="0" baseline="0" noProof="0" dirty="0">
-              <a:ln>
-                <a:noFill/>
-              </a:ln>
-              <a:solidFill>
-                <a:srgbClr val="E7E6E6"/>
-              </a:solidFill>
-              <a:effectLst/>
-              <a:uLnTx/>
-              <a:uFillTx/>
-              <a:latin typeface="Calibri" panose="020F0502020204030204"/>
-              <a:ea typeface="+mn-ea"/>
-              <a:cs typeface="+mn-cs"/>
-            </a:endParaRPr>
-          </a:p>
-        </p:txBody>
-      </p:sp>
-      <p:sp>
-        <p:nvSpPr>
-          <p:cNvPr id="8" name="Freeform 81">
-            <a:extLst>
-              <a:ext uri="{FF2B5EF4-FFF2-40B4-BE49-F238E27FC236}">
-                <a16:creationId xmlns:a16="http://schemas.microsoft.com/office/drawing/2014/main" id="{AC97AA67-80C3-B6F7-F631-98BE70FEFABA}"/>
-              </a:ext>
-            </a:extLst>
-          </p:cNvPr>
-          <p:cNvSpPr>
-            <a:spLocks noEditPoints="1"/>
-          </p:cNvSpPr>
-          <p:nvPr>
-            <p:custDataLst>
-              <p:tags r:id="rId1"/>
-            </p:custDataLst>
-          </p:nvPr>
-        </p:nvSpPr>
-        <p:spPr bwMode="black">
-          <a:xfrm>
-            <a:off x="6924136" y="3100652"/>
-            <a:ext cx="328612" cy="328612"/>
-          </a:xfrm>
-          <a:custGeom>
-            <a:avLst/>
-            <a:gdLst>
-              <a:gd name="T0" fmla="*/ 68 w 88"/>
-              <a:gd name="T1" fmla="*/ 36 h 88"/>
-              <a:gd name="T2" fmla="*/ 64 w 88"/>
-              <a:gd name="T3" fmla="*/ 40 h 88"/>
-              <a:gd name="T4" fmla="*/ 56 w 88"/>
-              <a:gd name="T5" fmla="*/ 40 h 88"/>
-              <a:gd name="T6" fmla="*/ 56 w 88"/>
-              <a:gd name="T7" fmla="*/ 48 h 88"/>
-              <a:gd name="T8" fmla="*/ 52 w 88"/>
-              <a:gd name="T9" fmla="*/ 52 h 88"/>
-              <a:gd name="T10" fmla="*/ 48 w 88"/>
-              <a:gd name="T11" fmla="*/ 48 h 88"/>
-              <a:gd name="T12" fmla="*/ 48 w 88"/>
-              <a:gd name="T13" fmla="*/ 40 h 88"/>
-              <a:gd name="T14" fmla="*/ 40 w 88"/>
-              <a:gd name="T15" fmla="*/ 40 h 88"/>
-              <a:gd name="T16" fmla="*/ 36 w 88"/>
-              <a:gd name="T17" fmla="*/ 36 h 88"/>
-              <a:gd name="T18" fmla="*/ 40 w 88"/>
-              <a:gd name="T19" fmla="*/ 32 h 88"/>
-              <a:gd name="T20" fmla="*/ 48 w 88"/>
-              <a:gd name="T21" fmla="*/ 32 h 88"/>
-              <a:gd name="T22" fmla="*/ 48 w 88"/>
-              <a:gd name="T23" fmla="*/ 24 h 88"/>
-              <a:gd name="T24" fmla="*/ 52 w 88"/>
-              <a:gd name="T25" fmla="*/ 20 h 88"/>
-              <a:gd name="T26" fmla="*/ 56 w 88"/>
-              <a:gd name="T27" fmla="*/ 24 h 88"/>
-              <a:gd name="T28" fmla="*/ 56 w 88"/>
-              <a:gd name="T29" fmla="*/ 32 h 88"/>
-              <a:gd name="T30" fmla="*/ 64 w 88"/>
-              <a:gd name="T31" fmla="*/ 32 h 88"/>
-              <a:gd name="T32" fmla="*/ 68 w 88"/>
-              <a:gd name="T33" fmla="*/ 36 h 88"/>
-              <a:gd name="T34" fmla="*/ 88 w 88"/>
-              <a:gd name="T35" fmla="*/ 36 h 88"/>
-              <a:gd name="T36" fmla="*/ 52 w 88"/>
-              <a:gd name="T37" fmla="*/ 72 h 88"/>
-              <a:gd name="T38" fmla="*/ 30 w 88"/>
-              <a:gd name="T39" fmla="*/ 64 h 88"/>
-              <a:gd name="T40" fmla="*/ 7 w 88"/>
-              <a:gd name="T41" fmla="*/ 87 h 88"/>
-              <a:gd name="T42" fmla="*/ 1 w 88"/>
-              <a:gd name="T43" fmla="*/ 87 h 88"/>
-              <a:gd name="T44" fmla="*/ 1 w 88"/>
-              <a:gd name="T45" fmla="*/ 81 h 88"/>
-              <a:gd name="T46" fmla="*/ 24 w 88"/>
-              <a:gd name="T47" fmla="*/ 58 h 88"/>
-              <a:gd name="T48" fmla="*/ 16 w 88"/>
-              <a:gd name="T49" fmla="*/ 36 h 88"/>
-              <a:gd name="T50" fmla="*/ 52 w 88"/>
-              <a:gd name="T51" fmla="*/ 0 h 88"/>
-              <a:gd name="T52" fmla="*/ 88 w 88"/>
-              <a:gd name="T53" fmla="*/ 36 h 88"/>
-              <a:gd name="T54" fmla="*/ 80 w 88"/>
-              <a:gd name="T55" fmla="*/ 36 h 88"/>
-              <a:gd name="T56" fmla="*/ 52 w 88"/>
-              <a:gd name="T57" fmla="*/ 8 h 88"/>
-              <a:gd name="T58" fmla="*/ 24 w 88"/>
-              <a:gd name="T59" fmla="*/ 36 h 88"/>
-              <a:gd name="T60" fmla="*/ 52 w 88"/>
-              <a:gd name="T61" fmla="*/ 64 h 88"/>
-              <a:gd name="T62" fmla="*/ 80 w 88"/>
-              <a:gd name="T63" fmla="*/ 36 h 88"/>
-            </a:gdLst>
-            <a:ahLst/>
-            <a:cxnLst>
-              <a:cxn ang="0">
-                <a:pos x="T0" y="T1"/>
-              </a:cxn>
-              <a:cxn ang="0">
-                <a:pos x="T2" y="T3"/>
-              </a:cxn>
-              <a:cxn ang="0">
-                <a:pos x="T4" y="T5"/>
-              </a:cxn>
-              <a:cxn ang="0">
-                <a:pos x="T6" y="T7"/>
-              </a:cxn>
-              <a:cxn ang="0">
-                <a:pos x="T8" y="T9"/>
-              </a:cxn>
-              <a:cxn ang="0">
-                <a:pos x="T10" y="T11"/>
-              </a:cxn>
-              <a:cxn ang="0">
-                <a:pos x="T12" y="T13"/>
-              </a:cxn>
-              <a:cxn ang="0">
-                <a:pos x="T14" y="T15"/>
-              </a:cxn>
-              <a:cxn ang="0">
-                <a:pos x="T16" y="T17"/>
-              </a:cxn>
-              <a:cxn ang="0">
-                <a:pos x="T18" y="T19"/>
-              </a:cxn>
-              <a:cxn ang="0">
-                <a:pos x="T20" y="T21"/>
-              </a:cxn>
-              <a:cxn ang="0">
-                <a:pos x="T22" y="T23"/>
-              </a:cxn>
-              <a:cxn ang="0">
-                <a:pos x="T24" y="T25"/>
-              </a:cxn>
-              <a:cxn ang="0">
-                <a:pos x="T26" y="T27"/>
-              </a:cxn>
-              <a:cxn ang="0">
-                <a:pos x="T28" y="T29"/>
-              </a:cxn>
-              <a:cxn ang="0">
-                <a:pos x="T30" y="T31"/>
-              </a:cxn>
-              <a:cxn ang="0">
-                <a:pos x="T32" y="T33"/>
-              </a:cxn>
-              <a:cxn ang="0">
-                <a:pos x="T34" y="T35"/>
-              </a:cxn>
-              <a:cxn ang="0">
-                <a:pos x="T36" y="T37"/>
-              </a:cxn>
-              <a:cxn ang="0">
-                <a:pos x="T38" y="T39"/>
-              </a:cxn>
-              <a:cxn ang="0">
-                <a:pos x="T40" y="T41"/>
-              </a:cxn>
-              <a:cxn ang="0">
-                <a:pos x="T42" y="T43"/>
-              </a:cxn>
-              <a:cxn ang="0">
-                <a:pos x="T44" y="T45"/>
-              </a:cxn>
-              <a:cxn ang="0">
-                <a:pos x="T46" y="T47"/>
-              </a:cxn>
-              <a:cxn ang="0">
-                <a:pos x="T48" y="T49"/>
-              </a:cxn>
-              <a:cxn ang="0">
-                <a:pos x="T50" y="T51"/>
-              </a:cxn>
-              <a:cxn ang="0">
-                <a:pos x="T52" y="T53"/>
-              </a:cxn>
-              <a:cxn ang="0">
-                <a:pos x="T54" y="T55"/>
-              </a:cxn>
-              <a:cxn ang="0">
-                <a:pos x="T56" y="T57"/>
-              </a:cxn>
-              <a:cxn ang="0">
-                <a:pos x="T58" y="T59"/>
-              </a:cxn>
-              <a:cxn ang="0">
-                <a:pos x="T60" y="T61"/>
-              </a:cxn>
-              <a:cxn ang="0">
-                <a:pos x="T62" y="T63"/>
-              </a:cxn>
-            </a:cxnLst>
-            <a:rect l="0" t="0" r="r" b="b"/>
-            <a:pathLst>
-              <a:path w="88" h="88">
-                <a:moveTo>
-                  <a:pt x="68" y="36"/>
-                </a:moveTo>
-                <a:cubicBezTo>
-                  <a:pt x="68" y="38"/>
-                  <a:pt x="66" y="40"/>
-                  <a:pt x="64" y="40"/>
-                </a:cubicBezTo>
-                <a:cubicBezTo>
-                  <a:pt x="56" y="40"/>
-                  <a:pt x="56" y="40"/>
-                  <a:pt x="56" y="40"/>
-                </a:cubicBezTo>
-                <a:cubicBezTo>
-                  <a:pt x="56" y="48"/>
-                  <a:pt x="56" y="48"/>
-                  <a:pt x="56" y="48"/>
-                </a:cubicBezTo>
-                <a:cubicBezTo>
-                  <a:pt x="56" y="50"/>
-                  <a:pt x="54" y="52"/>
-                  <a:pt x="52" y="52"/>
-                </a:cubicBezTo>
-                <a:cubicBezTo>
-                  <a:pt x="50" y="52"/>
-                  <a:pt x="48" y="50"/>
-                  <a:pt x="48" y="48"/>
-                </a:cubicBezTo>
-                <a:cubicBezTo>
-                  <a:pt x="48" y="40"/>
-                  <a:pt x="48" y="40"/>
-                  <a:pt x="48" y="40"/>
-                </a:cubicBezTo>
-                <a:cubicBezTo>
-                  <a:pt x="40" y="40"/>
-                  <a:pt x="40" y="40"/>
-                  <a:pt x="40" y="40"/>
-                </a:cubicBezTo>
-                <a:cubicBezTo>
-                  <a:pt x="38" y="40"/>
-                  <a:pt x="36" y="38"/>
-                  <a:pt x="36" y="36"/>
-                </a:cubicBezTo>
-                <a:cubicBezTo>
-                  <a:pt x="36" y="34"/>
-                  <a:pt x="38" y="32"/>
-                  <a:pt x="40" y="32"/>
-                </a:cubicBezTo>
-                <a:cubicBezTo>
-                  <a:pt x="48" y="32"/>
-                  <a:pt x="48" y="32"/>
-                  <a:pt x="48" y="32"/>
-                </a:cubicBezTo>
-                <a:cubicBezTo>
-                  <a:pt x="48" y="24"/>
-                  <a:pt x="48" y="24"/>
-                  <a:pt x="48" y="24"/>
-                </a:cubicBezTo>
-                <a:cubicBezTo>
-                  <a:pt x="48" y="22"/>
-                  <a:pt x="50" y="20"/>
-                  <a:pt x="52" y="20"/>
-                </a:cubicBezTo>
-                <a:cubicBezTo>
-                  <a:pt x="54" y="20"/>
-                  <a:pt x="56" y="22"/>
-                  <a:pt x="56" y="24"/>
-                </a:cubicBezTo>
-                <a:cubicBezTo>
-                  <a:pt x="56" y="32"/>
-                  <a:pt x="56" y="32"/>
-                  <a:pt x="56" y="32"/>
-                </a:cubicBezTo>
-                <a:cubicBezTo>
-                  <a:pt x="64" y="32"/>
-                  <a:pt x="64" y="32"/>
-                  <a:pt x="64" y="32"/>
-                </a:cubicBezTo>
-                <a:cubicBezTo>
-                  <a:pt x="66" y="32"/>
-                  <a:pt x="68" y="34"/>
-                  <a:pt x="68" y="36"/>
-                </a:cubicBezTo>
-                <a:close/>
-                <a:moveTo>
-                  <a:pt x="88" y="36"/>
-                </a:moveTo>
-                <a:cubicBezTo>
-                  <a:pt x="88" y="56"/>
-                  <a:pt x="72" y="72"/>
-                  <a:pt x="52" y="72"/>
-                </a:cubicBezTo>
-                <a:cubicBezTo>
-                  <a:pt x="44" y="72"/>
-                  <a:pt x="36" y="69"/>
-                  <a:pt x="30" y="64"/>
-                </a:cubicBezTo>
-                <a:cubicBezTo>
-                  <a:pt x="7" y="87"/>
-                  <a:pt x="7" y="87"/>
-                  <a:pt x="7" y="87"/>
-                </a:cubicBezTo>
-                <a:cubicBezTo>
-                  <a:pt x="5" y="88"/>
-                  <a:pt x="3" y="88"/>
-                  <a:pt x="1" y="87"/>
-                </a:cubicBezTo>
-                <a:cubicBezTo>
-                  <a:pt x="0" y="85"/>
-                  <a:pt x="0" y="83"/>
-                  <a:pt x="1" y="81"/>
-                </a:cubicBezTo>
-                <a:cubicBezTo>
-                  <a:pt x="24" y="58"/>
-                  <a:pt x="24" y="58"/>
-                  <a:pt x="24" y="58"/>
-                </a:cubicBezTo>
-                <a:cubicBezTo>
-                  <a:pt x="19" y="52"/>
-                  <a:pt x="16" y="44"/>
-                  <a:pt x="16" y="36"/>
-                </a:cubicBezTo>
-                <a:cubicBezTo>
-                  <a:pt x="16" y="16"/>
-                  <a:pt x="32" y="0"/>
-                  <a:pt x="52" y="0"/>
-                </a:cubicBezTo>
-                <a:cubicBezTo>
-                  <a:pt x="72" y="0"/>
-                  <a:pt x="88" y="16"/>
-                  <a:pt x="88" y="36"/>
-                </a:cubicBezTo>
-                <a:close/>
-                <a:moveTo>
-                  <a:pt x="80" y="36"/>
-                </a:moveTo>
-                <a:cubicBezTo>
-                  <a:pt x="80" y="21"/>
-                  <a:pt x="67" y="8"/>
-                  <a:pt x="52" y="8"/>
-                </a:cubicBezTo>
-                <a:cubicBezTo>
-                  <a:pt x="37" y="8"/>
-                  <a:pt x="24" y="21"/>
-                  <a:pt x="24" y="36"/>
-                </a:cubicBezTo>
-                <a:cubicBezTo>
-                  <a:pt x="24" y="51"/>
-                  <a:pt x="37" y="64"/>
-                  <a:pt x="52" y="64"/>
-                </a:cubicBezTo>
-                <a:cubicBezTo>
-                  <a:pt x="67" y="64"/>
-                  <a:pt x="80" y="51"/>
-                  <a:pt x="80" y="36"/>
-                </a:cubicBezTo>
-                <a:close/>
-              </a:path>
-            </a:pathLst>
-          </a:custGeom>
-          <a:solidFill>
-            <a:srgbClr val="A63297"/>
-          </a:solidFill>
-          <a:ln>
-            <a:noFill/>
-          </a:ln>
-        </p:spPr>
-        <p:txBody>
-          <a:bodyPr vert="horz" wrap="square" lIns="91440" tIns="45720" rIns="91440" bIns="45720" numCol="1" anchor="t" anchorCtr="0" compatLnSpc="1">
-            <a:prstTxWarp prst="textNoShape">
-              <a:avLst/>
-            </a:prstTxWarp>
-          </a:bodyPr>
-          <a:lstStyle/>
-          <a:p>
-            <a:pPr marL="0" marR="0" lvl="0" indent="0" algn="l" defTabSz="914400" rtl="0" eaLnBrk="1" fontAlgn="auto" latinLnBrk="0" hangingPunct="1">
-              <a:lnSpc>
-                <a:spcPct val="100000"/>
-              </a:lnSpc>
-              <a:spcBef>
-                <a:spcPts val="0"/>
-              </a:spcBef>
-              <a:spcAft>
-                <a:spcPts val="0"/>
-              </a:spcAft>
-              <a:buClrTx/>
-              <a:buSzTx/>
-              <a:buFontTx/>
-              <a:buNone/>
-              <a:tabLst/>
-              <a:defRPr/>
-            </a:pPr>
-            <a:endParaRPr kumimoji="0" lang="en-US" sz="1600" b="0" i="0" u="none" strike="noStrike" kern="1200" cap="none" spc="0" normalizeH="0" baseline="0" noProof="0" dirty="0">
-              <a:ln>
-                <a:noFill/>
-              </a:ln>
-              <a:solidFill>
-                <a:srgbClr val="0EABA9"/>
-              </a:solidFill>
-              <a:effectLst/>
-              <a:uLnTx/>
-              <a:uFillTx/>
-              <a:latin typeface="Calibri" panose="020F0502020204030204"/>
-              <a:ea typeface="+mn-ea"/>
-              <a:cs typeface="+mn-cs"/>
-            </a:endParaRPr>
-          </a:p>
-        </p:txBody>
-      </p:sp>
-      <p:sp>
-        <p:nvSpPr>
-          <p:cNvPr id="9" name="Inhaltsplatzhalter 1">
-            <a:extLst>
-              <a:ext uri="{FF2B5EF4-FFF2-40B4-BE49-F238E27FC236}">
-                <a16:creationId xmlns:a16="http://schemas.microsoft.com/office/drawing/2014/main" id="{AE8C7DD3-D1F1-0DFF-EE87-6F292DE4F59F}"/>
-              </a:ext>
-            </a:extLst>
-          </p:cNvPr>
-          <p:cNvSpPr txBox="1">
-            <a:spLocks/>
-          </p:cNvSpPr>
-          <p:nvPr/>
-        </p:nvSpPr>
-        <p:spPr bwMode="black">
-          <a:xfrm>
-            <a:off x="7514369" y="5387987"/>
-            <a:ext cx="4032000" cy="1398094"/>
-          </a:xfrm>
-          <a:prstGeom prst="rect">
-            <a:avLst/>
-          </a:prstGeom>
-        </p:spPr>
-        <p:txBody>
-          <a:bodyPr lIns="0" tIns="0" rIns="0" bIns="0" anchor="t"/>
-          <a:lstStyle>
-            <a:lvl1pPr marL="0" indent="0" algn="l" defTabSz="914400" rtl="0" eaLnBrk="1" latinLnBrk="0" hangingPunct="1">
-              <a:lnSpc>
-                <a:spcPct val="110000"/>
-              </a:lnSpc>
-              <a:spcBef>
-                <a:spcPts val="600"/>
-              </a:spcBef>
-              <a:spcAft>
-                <a:spcPts val="600"/>
-              </a:spcAft>
-              <a:buFont typeface="Arial" panose="020B0604020202020204" pitchFamily="34" charset="0"/>
-              <a:buNone/>
-              <a:defRPr sz="1600" b="0" kern="1200">
-                <a:solidFill>
-                  <a:schemeClr val="tx1"/>
-                </a:solidFill>
-                <a:latin typeface="+mn-lt"/>
-                <a:ea typeface="+mn-ea"/>
-                <a:cs typeface="+mn-cs"/>
-              </a:defRPr>
-            </a:lvl1pPr>
-            <a:lvl2pPr marL="180000" indent="-180000" algn="l" defTabSz="914400" rtl="0" eaLnBrk="1" latinLnBrk="0" hangingPunct="1">
-              <a:lnSpc>
-                <a:spcPct val="110000"/>
-              </a:lnSpc>
-              <a:spcBef>
-                <a:spcPts val="200"/>
-              </a:spcBef>
-              <a:spcAft>
-                <a:spcPts val="200"/>
-              </a:spcAft>
-              <a:buFont typeface="Arial" panose="020B0604020202020204" pitchFamily="34" charset="0"/>
-              <a:buChar char="•"/>
-              <a:defRPr sz="1600" kern="1200">
-                <a:solidFill>
-                  <a:schemeClr val="tx1"/>
-                </a:solidFill>
-                <a:latin typeface="+mn-lt"/>
-                <a:ea typeface="+mn-ea"/>
-                <a:cs typeface="+mn-cs"/>
-              </a:defRPr>
-            </a:lvl2pPr>
-            <a:lvl3pPr marL="360000" indent="-180000" algn="l" defTabSz="914400" rtl="0" eaLnBrk="1" latinLnBrk="0" hangingPunct="1">
-              <a:lnSpc>
-                <a:spcPct val="110000"/>
-              </a:lnSpc>
-              <a:spcBef>
-                <a:spcPts val="200"/>
-              </a:spcBef>
-              <a:spcAft>
-                <a:spcPts val="200"/>
-              </a:spcAft>
-              <a:buFont typeface="TheSans Swisscom Light" panose="020B0300040303060204" pitchFamily="34" charset="0"/>
-              <a:buChar char="−"/>
-              <a:defRPr sz="1600" kern="1200">
-                <a:solidFill>
-                  <a:schemeClr val="tx1"/>
-                </a:solidFill>
-                <a:latin typeface="+mn-lt"/>
-                <a:ea typeface="+mn-ea"/>
-                <a:cs typeface="+mn-cs"/>
-              </a:defRPr>
-            </a:lvl3pPr>
-            <a:lvl4pPr marL="540000" indent="-180000" algn="l" defTabSz="914400" rtl="0" eaLnBrk="1" latinLnBrk="0" hangingPunct="1">
-              <a:lnSpc>
-                <a:spcPct val="110000"/>
-              </a:lnSpc>
-              <a:spcBef>
-                <a:spcPts val="200"/>
-              </a:spcBef>
-              <a:spcAft>
-                <a:spcPts val="200"/>
-              </a:spcAft>
-              <a:buFont typeface="TheSans Swisscom Light" panose="020B0300040303060204" pitchFamily="34" charset="0"/>
-              <a:buChar char="−"/>
-              <a:defRPr sz="1600" kern="1200">
-                <a:solidFill>
-                  <a:schemeClr val="tx1"/>
-                </a:solidFill>
-                <a:latin typeface="+mn-lt"/>
-                <a:ea typeface="+mn-ea"/>
-                <a:cs typeface="+mn-cs"/>
-              </a:defRPr>
-            </a:lvl4pPr>
-            <a:lvl5pPr marL="540000" indent="-180000" algn="l" defTabSz="914400" rtl="0" eaLnBrk="1" latinLnBrk="0" hangingPunct="1">
-              <a:lnSpc>
-                <a:spcPct val="110000"/>
-              </a:lnSpc>
-              <a:spcBef>
-                <a:spcPts val="200"/>
-              </a:spcBef>
-              <a:spcAft>
-                <a:spcPts val="200"/>
-              </a:spcAft>
-              <a:buFont typeface="TheSans Swisscom Light" panose="020B0300040303060204" pitchFamily="34" charset="0"/>
-              <a:buChar char="−"/>
-              <a:defRPr sz="1600" kern="1200">
-                <a:solidFill>
-                  <a:schemeClr val="tx1"/>
-                </a:solidFill>
-                <a:latin typeface="+mn-lt"/>
-                <a:ea typeface="+mn-ea"/>
-                <a:cs typeface="+mn-cs"/>
-              </a:defRPr>
-            </a:lvl5pPr>
-            <a:lvl6pPr marL="540000" indent="-180000" algn="l" defTabSz="914400" rtl="0" eaLnBrk="1" latinLnBrk="0" hangingPunct="1">
-              <a:lnSpc>
-                <a:spcPct val="110000"/>
-              </a:lnSpc>
-              <a:spcBef>
-                <a:spcPts val="200"/>
-              </a:spcBef>
-              <a:spcAft>
-                <a:spcPts val="200"/>
-              </a:spcAft>
-              <a:buFont typeface="TheSans Swisscom Light" panose="020B0300040303060204" pitchFamily="34" charset="0"/>
-              <a:buChar char="−"/>
-              <a:defRPr sz="1600" kern="1200">
-                <a:solidFill>
-                  <a:schemeClr val="tx1"/>
-                </a:solidFill>
-                <a:latin typeface="+mn-lt"/>
-                <a:ea typeface="+mn-ea"/>
-                <a:cs typeface="+mn-cs"/>
-              </a:defRPr>
-            </a:lvl6pPr>
-            <a:lvl7pPr marL="540000" indent="-180000" algn="l" defTabSz="914400" rtl="0" eaLnBrk="1" latinLnBrk="0" hangingPunct="1">
-              <a:lnSpc>
-                <a:spcPct val="110000"/>
-              </a:lnSpc>
-              <a:spcBef>
-                <a:spcPts val="200"/>
-              </a:spcBef>
-              <a:spcAft>
-                <a:spcPts val="200"/>
-              </a:spcAft>
-              <a:buFont typeface="TheSans Swisscom Light" panose="020B0300040303060204" pitchFamily="34" charset="0"/>
-              <a:buChar char="−"/>
-              <a:defRPr sz="1600" kern="1200">
-                <a:solidFill>
-                  <a:schemeClr val="tx1"/>
-                </a:solidFill>
-                <a:latin typeface="+mn-lt"/>
-                <a:ea typeface="+mn-ea"/>
-                <a:cs typeface="+mn-cs"/>
-              </a:defRPr>
-            </a:lvl7pPr>
-            <a:lvl8pPr marL="540000" indent="-180000" algn="l" defTabSz="914400" rtl="0" eaLnBrk="1" latinLnBrk="0" hangingPunct="1">
-              <a:lnSpc>
-                <a:spcPct val="110000"/>
-              </a:lnSpc>
-              <a:spcBef>
-                <a:spcPts val="200"/>
-              </a:spcBef>
-              <a:spcAft>
-                <a:spcPts val="200"/>
-              </a:spcAft>
-              <a:buFont typeface="TheSans Swisscom Light" panose="020B0300040303060204" pitchFamily="34" charset="0"/>
-              <a:buChar char="−"/>
-              <a:defRPr sz="1600" kern="1200">
-                <a:solidFill>
-                  <a:schemeClr val="tx1"/>
-                </a:solidFill>
-                <a:latin typeface="+mn-lt"/>
-                <a:ea typeface="+mn-ea"/>
-                <a:cs typeface="+mn-cs"/>
-              </a:defRPr>
-            </a:lvl8pPr>
-            <a:lvl9pPr marL="540000" indent="-180000" algn="l" defTabSz="914400" rtl="0" eaLnBrk="1" latinLnBrk="0" hangingPunct="1">
-              <a:lnSpc>
-                <a:spcPct val="110000"/>
-              </a:lnSpc>
-              <a:spcBef>
-                <a:spcPts val="200"/>
-              </a:spcBef>
-              <a:spcAft>
-                <a:spcPts val="200"/>
-              </a:spcAft>
-              <a:buFont typeface="TheSans Swisscom Light" panose="020B0300040303060204" pitchFamily="34" charset="0"/>
-              <a:buChar char="−"/>
-              <a:defRPr sz="1600" kern="1200">
-                <a:solidFill>
-                  <a:schemeClr val="tx1"/>
-                </a:solidFill>
-                <a:latin typeface="+mn-lt"/>
-                <a:ea typeface="+mn-ea"/>
-                <a:cs typeface="+mn-cs"/>
-              </a:defRPr>
-            </a:lvl9pPr>
-          </a:lstStyle>
-          <a:p>
-            <a:pPr marL="0" marR="0" lvl="0" indent="0" algn="l" defTabSz="914400" rtl="0" eaLnBrk="1" fontAlgn="auto" latinLnBrk="0" hangingPunct="1">
-              <a:lnSpc>
-                <a:spcPct val="110000"/>
-              </a:lnSpc>
-              <a:spcBef>
-                <a:spcPts val="600"/>
-              </a:spcBef>
-              <a:spcAft>
-                <a:spcPts val="600"/>
-              </a:spcAft>
-              <a:buClrTx/>
-              <a:buSzTx/>
-              <a:buFont typeface="Arial" panose="020B0604020202020204" pitchFamily="34" charset="0"/>
-              <a:buNone/>
-              <a:tabLst/>
-              <a:defRPr/>
-            </a:pPr>
-            <a:endParaRPr kumimoji="0" lang="en-US" sz="1600" b="0" i="0" u="none" strike="noStrike" kern="1200" cap="none" spc="0" normalizeH="0" baseline="0" noProof="0" dirty="0">
-              <a:ln>
-                <a:noFill/>
-              </a:ln>
-              <a:solidFill>
-                <a:srgbClr val="E7E6E6"/>
-              </a:solidFill>
-              <a:effectLst/>
-              <a:uLnTx/>
-              <a:uFillTx/>
-              <a:latin typeface="Calibri" panose="020F0502020204030204"/>
-              <a:ea typeface="+mn-ea"/>
-              <a:cs typeface="+mn-cs"/>
-            </a:endParaRPr>
+                <a:latin typeface="TheSans Swisscom Light"/>
+                <a:ea typeface="+mn-ea"/>
+                <a:cs typeface="+mn-cs"/>
+              </a:rPr>
+              <a:t>in </a:t>
+            </a:r>
+            <a:r>
+              <a:rPr kumimoji="0" lang="en-US" sz="2000" b="1" i="0" u="none" strike="noStrike" kern="1200" cap="none" spc="-50" normalizeH="0" baseline="0" noProof="0" dirty="0">
+                <a:ln>
+                  <a:noFill/>
+                </a:ln>
+                <a:solidFill>
+                  <a:srgbClr val="FF0000"/>
+                </a:solidFill>
+                <a:effectLst/>
+                <a:uLnTx/>
+                <a:uFillTx/>
+                <a:latin typeface="TheSans Swisscom Light"/>
+                <a:ea typeface="+mn-ea"/>
+                <a:cs typeface="+mn-cs"/>
+              </a:rPr>
+              <a:t>Near Real-Time</a:t>
+            </a:r>
           </a:p>
         </p:txBody>
       </p:sp>
       <p:pic>
         <p:nvPicPr>
-          <p:cNvPr id="10" name="Graphic 9">
+          <p:cNvPr id="5" name="Picture 4">
             <a:extLst>
               <a:ext uri="{FF2B5EF4-FFF2-40B4-BE49-F238E27FC236}">
-                <a16:creationId xmlns:a16="http://schemas.microsoft.com/office/drawing/2014/main" id="{EF8CBE0D-416F-8BAD-1E56-FA9713FABCF5}"/>
+                <a16:creationId xmlns:a16="http://schemas.microsoft.com/office/drawing/2014/main" id="{61C68E00-6D94-F42D-C3EE-88A0B5A5937D}"/>
               </a:ext>
             </a:extLst>
           </p:cNvPr>
@@ -46850,440 +48363,233 @@
           <p:nvPr/>
         </p:nvPicPr>
         <p:blipFill>
-          <a:blip r:embed="rId4">
-            <a:extLst>
-              <a:ext uri="{28A0092B-C50C-407E-A947-70E740481C1C}">
-                <a14:useLocalDpi xmlns:a14="http://schemas.microsoft.com/office/drawing/2010/main" val="0"/>
-              </a:ext>
-              <a:ext uri="{96DAC541-7B7A-43D3-8B79-37D633B846F1}">
-                <asvg:svgBlip xmlns:asvg="http://schemas.microsoft.com/office/drawing/2016/SVG/main" r:embed="rId5"/>
-              </a:ext>
-            </a:extLst>
-          </a:blip>
+          <a:blip r:embed="rId4"/>
           <a:stretch>
             <a:fillRect/>
           </a:stretch>
         </p:blipFill>
         <p:spPr>
           <a:xfrm>
-            <a:off x="6883242" y="1734999"/>
-            <a:ext cx="410400" cy="410400"/>
+            <a:off x="1138390" y="1132113"/>
+            <a:ext cx="5767508" cy="4345577"/>
           </a:xfrm>
           <a:prstGeom prst="rect">
             <a:avLst/>
           </a:prstGeom>
         </p:spPr>
       </p:pic>
-      <p:pic>
-        <p:nvPicPr>
-          <p:cNvPr id="11" name="Graphic 10">
+      <p:cxnSp>
+        <p:nvCxnSpPr>
+          <p:cNvPr id="7" name="Straight Connector 6">
             <a:extLst>
               <a:ext uri="{FF2B5EF4-FFF2-40B4-BE49-F238E27FC236}">
-                <a16:creationId xmlns:a16="http://schemas.microsoft.com/office/drawing/2014/main" id="{0B68DB88-2125-5D8A-E234-D104730CD789}"/>
+                <a16:creationId xmlns:a16="http://schemas.microsoft.com/office/drawing/2014/main" id="{B36ECB33-A792-C7CE-A3DA-9B928204F1D8}"/>
               </a:ext>
             </a:extLst>
           </p:cNvPr>
-          <p:cNvPicPr>
-            <a:picLocks noChangeAspect="1"/>
-          </p:cNvPicPr>
+          <p:cNvCxnSpPr>
+            <a:cxnSpLocks/>
+          </p:cNvCxnSpPr>
           <p:nvPr/>
-        </p:nvPicPr>
-        <p:blipFill>
-          <a:blip r:embed="rId6">
-            <a:extLst>
-              <a:ext uri="{28A0092B-C50C-407E-A947-70E740481C1C}">
-                <a14:useLocalDpi xmlns:a14="http://schemas.microsoft.com/office/drawing/2010/main" val="0"/>
-              </a:ext>
-              <a:ext uri="{96DAC541-7B7A-43D3-8B79-37D633B846F1}">
-                <asvg:svgBlip xmlns:asvg="http://schemas.microsoft.com/office/drawing/2016/SVG/main" r:embed="rId7"/>
-              </a:ext>
-            </a:extLst>
-          </a:blip>
-          <a:stretch>
-            <a:fillRect/>
-          </a:stretch>
-        </p:blipFill>
+        </p:nvCxnSpPr>
         <p:spPr>
           <a:xfrm>
-            <a:off x="6883242" y="5833131"/>
-            <a:ext cx="410400" cy="410400"/>
+            <a:off x="1720179" y="1475305"/>
+            <a:ext cx="0" cy="3854341"/>
           </a:xfrm>
-          <a:prstGeom prst="rect">
+          <a:prstGeom prst="line">
             <a:avLst/>
           </a:prstGeom>
+          <a:noFill/>
+          <a:ln w="12700" cap="flat">
+            <a:solidFill>
+              <a:srgbClr val="FF0000"/>
+            </a:solidFill>
+            <a:prstDash val="sysDot"/>
+            <a:round/>
+          </a:ln>
+          <a:effectLst>
+            <a:outerShdw blurRad="38100" dist="20000" dir="5400000" rotWithShape="0">
+              <a:srgbClr val="000000">
+                <a:alpha val="38000"/>
+              </a:srgbClr>
+            </a:outerShdw>
+          </a:effectLst>
+          <a:sp3d/>
         </p:spPr>
-      </p:pic>
-      <p:sp>
-        <p:nvSpPr>
-          <p:cNvPr id="12" name="Inhaltsplatzhalter 1">
+        <p:style>
+          <a:lnRef idx="0">
+            <a:scrgbClr r="0" g="0" b="0"/>
+          </a:lnRef>
+          <a:fillRef idx="0">
+            <a:scrgbClr r="0" g="0" b="0"/>
+          </a:fillRef>
+          <a:effectRef idx="0">
+            <a:scrgbClr r="0" g="0" b="0"/>
+          </a:effectRef>
+          <a:fontRef idx="none"/>
+        </p:style>
+      </p:cxnSp>
+      <p:cxnSp>
+        <p:nvCxnSpPr>
+          <p:cNvPr id="14" name="Straight Connector 13">
             <a:extLst>
               <a:ext uri="{FF2B5EF4-FFF2-40B4-BE49-F238E27FC236}">
-                <a16:creationId xmlns:a16="http://schemas.microsoft.com/office/drawing/2014/main" id="{F823DFEB-60B2-6861-BABA-41683121FBF6}"/>
+                <a16:creationId xmlns:a16="http://schemas.microsoft.com/office/drawing/2014/main" id="{DF8FFC08-AD32-126D-410C-DE1D65099B3F}"/>
               </a:ext>
             </a:extLst>
           </p:cNvPr>
-          <p:cNvSpPr txBox="1">
-            <a:spLocks/>
-          </p:cNvSpPr>
+          <p:cNvCxnSpPr>
+            <a:cxnSpLocks/>
+          </p:cNvCxnSpPr>
           <p:nvPr/>
-        </p:nvSpPr>
-        <p:spPr bwMode="black">
+        </p:nvCxnSpPr>
+        <p:spPr>
           <a:xfrm>
-            <a:off x="7514369" y="5013855"/>
-            <a:ext cx="4032000" cy="1388709"/>
+            <a:off x="2565963" y="1475305"/>
+            <a:ext cx="0" cy="3854341"/>
           </a:xfrm>
-          <a:prstGeom prst="rect">
+          <a:prstGeom prst="line">
             <a:avLst/>
           </a:prstGeom>
+          <a:noFill/>
+          <a:ln w="12700" cap="flat">
+            <a:solidFill>
+              <a:srgbClr val="FF0000"/>
+            </a:solidFill>
+            <a:prstDash val="sysDot"/>
+            <a:round/>
+          </a:ln>
+          <a:effectLst>
+            <a:outerShdw blurRad="38100" dist="20000" dir="5400000" rotWithShape="0">
+              <a:srgbClr val="000000">
+                <a:alpha val="38000"/>
+              </a:srgbClr>
+            </a:outerShdw>
+          </a:effectLst>
+          <a:sp3d/>
         </p:spPr>
-        <p:txBody>
-          <a:bodyPr lIns="0" tIns="0" rIns="0" bIns="0" anchor="t"/>
-          <a:lstStyle>
-            <a:lvl1pPr marL="0" indent="0" algn="l" defTabSz="914400" rtl="0" eaLnBrk="1" latinLnBrk="0" hangingPunct="1">
-              <a:lnSpc>
-                <a:spcPct val="110000"/>
-              </a:lnSpc>
-              <a:spcBef>
-                <a:spcPts val="600"/>
-              </a:spcBef>
-              <a:spcAft>
-                <a:spcPts val="600"/>
-              </a:spcAft>
-              <a:buFont typeface="Arial" panose="020B0604020202020204" pitchFamily="34" charset="0"/>
-              <a:buNone/>
-              <a:defRPr sz="1600" b="0" kern="1200">
-                <a:solidFill>
-                  <a:schemeClr val="tx1"/>
-                </a:solidFill>
-                <a:latin typeface="+mn-lt"/>
-                <a:ea typeface="+mn-ea"/>
-                <a:cs typeface="+mn-cs"/>
-              </a:defRPr>
-            </a:lvl1pPr>
-            <a:lvl2pPr marL="180000" indent="-180000" algn="l" defTabSz="914400" rtl="0" eaLnBrk="1" latinLnBrk="0" hangingPunct="1">
-              <a:lnSpc>
-                <a:spcPct val="110000"/>
-              </a:lnSpc>
-              <a:spcBef>
-                <a:spcPts val="200"/>
-              </a:spcBef>
-              <a:spcAft>
-                <a:spcPts val="200"/>
-              </a:spcAft>
-              <a:buFont typeface="Arial" panose="020B0604020202020204" pitchFamily="34" charset="0"/>
-              <a:buChar char="•"/>
-              <a:defRPr sz="1600" kern="1200">
-                <a:solidFill>
-                  <a:schemeClr val="tx1"/>
-                </a:solidFill>
-                <a:latin typeface="+mn-lt"/>
-                <a:ea typeface="+mn-ea"/>
-                <a:cs typeface="+mn-cs"/>
-              </a:defRPr>
-            </a:lvl2pPr>
-            <a:lvl3pPr marL="360000" indent="-180000" algn="l" defTabSz="914400" rtl="0" eaLnBrk="1" latinLnBrk="0" hangingPunct="1">
-              <a:lnSpc>
-                <a:spcPct val="110000"/>
-              </a:lnSpc>
-              <a:spcBef>
-                <a:spcPts val="200"/>
-              </a:spcBef>
-              <a:spcAft>
-                <a:spcPts val="200"/>
-              </a:spcAft>
-              <a:buFont typeface="TheSans Swisscom Light" panose="020B0300040303060204" pitchFamily="34" charset="0"/>
-              <a:buChar char="−"/>
-              <a:defRPr sz="1600" kern="1200">
-                <a:solidFill>
-                  <a:schemeClr val="tx1"/>
-                </a:solidFill>
-                <a:latin typeface="+mn-lt"/>
-                <a:ea typeface="+mn-ea"/>
-                <a:cs typeface="+mn-cs"/>
-              </a:defRPr>
-            </a:lvl3pPr>
-            <a:lvl4pPr marL="540000" indent="-180000" algn="l" defTabSz="914400" rtl="0" eaLnBrk="1" latinLnBrk="0" hangingPunct="1">
-              <a:lnSpc>
-                <a:spcPct val="110000"/>
-              </a:lnSpc>
-              <a:spcBef>
-                <a:spcPts val="200"/>
-              </a:spcBef>
-              <a:spcAft>
-                <a:spcPts val="200"/>
-              </a:spcAft>
-              <a:buFont typeface="TheSans Swisscom Light" panose="020B0300040303060204" pitchFamily="34" charset="0"/>
-              <a:buChar char="−"/>
-              <a:defRPr sz="1600" kern="1200">
-                <a:solidFill>
-                  <a:schemeClr val="tx1"/>
-                </a:solidFill>
-                <a:latin typeface="+mn-lt"/>
-                <a:ea typeface="+mn-ea"/>
-                <a:cs typeface="+mn-cs"/>
-              </a:defRPr>
-            </a:lvl4pPr>
-            <a:lvl5pPr marL="540000" indent="-180000" algn="l" defTabSz="914400" rtl="0" eaLnBrk="1" latinLnBrk="0" hangingPunct="1">
-              <a:lnSpc>
-                <a:spcPct val="110000"/>
-              </a:lnSpc>
-              <a:spcBef>
-                <a:spcPts val="200"/>
-              </a:spcBef>
-              <a:spcAft>
-                <a:spcPts val="200"/>
-              </a:spcAft>
-              <a:buFont typeface="TheSans Swisscom Light" panose="020B0300040303060204" pitchFamily="34" charset="0"/>
-              <a:buChar char="−"/>
-              <a:defRPr sz="1600" kern="1200">
-                <a:solidFill>
-                  <a:schemeClr val="tx1"/>
-                </a:solidFill>
-                <a:latin typeface="+mn-lt"/>
-                <a:ea typeface="+mn-ea"/>
-                <a:cs typeface="+mn-cs"/>
-              </a:defRPr>
-            </a:lvl5pPr>
-            <a:lvl6pPr marL="540000" indent="-180000" algn="l" defTabSz="914400" rtl="0" eaLnBrk="1" latinLnBrk="0" hangingPunct="1">
-              <a:lnSpc>
-                <a:spcPct val="110000"/>
-              </a:lnSpc>
-              <a:spcBef>
-                <a:spcPts val="200"/>
-              </a:spcBef>
-              <a:spcAft>
-                <a:spcPts val="200"/>
-              </a:spcAft>
-              <a:buFont typeface="TheSans Swisscom Light" panose="020B0300040303060204" pitchFamily="34" charset="0"/>
-              <a:buChar char="−"/>
-              <a:defRPr sz="1600" kern="1200">
-                <a:solidFill>
-                  <a:schemeClr val="tx1"/>
-                </a:solidFill>
-                <a:latin typeface="+mn-lt"/>
-                <a:ea typeface="+mn-ea"/>
-                <a:cs typeface="+mn-cs"/>
-              </a:defRPr>
-            </a:lvl6pPr>
-            <a:lvl7pPr marL="540000" indent="-180000" algn="l" defTabSz="914400" rtl="0" eaLnBrk="1" latinLnBrk="0" hangingPunct="1">
-              <a:lnSpc>
-                <a:spcPct val="110000"/>
-              </a:lnSpc>
-              <a:spcBef>
-                <a:spcPts val="200"/>
-              </a:spcBef>
-              <a:spcAft>
-                <a:spcPts val="200"/>
-              </a:spcAft>
-              <a:buFont typeface="TheSans Swisscom Light" panose="020B0300040303060204" pitchFamily="34" charset="0"/>
-              <a:buChar char="−"/>
-              <a:defRPr sz="1600" kern="1200">
-                <a:solidFill>
-                  <a:schemeClr val="tx1"/>
-                </a:solidFill>
-                <a:latin typeface="+mn-lt"/>
-                <a:ea typeface="+mn-ea"/>
-                <a:cs typeface="+mn-cs"/>
-              </a:defRPr>
-            </a:lvl7pPr>
-            <a:lvl8pPr marL="540000" indent="-180000" algn="l" defTabSz="914400" rtl="0" eaLnBrk="1" latinLnBrk="0" hangingPunct="1">
-              <a:lnSpc>
-                <a:spcPct val="110000"/>
-              </a:lnSpc>
-              <a:spcBef>
-                <a:spcPts val="200"/>
-              </a:spcBef>
-              <a:spcAft>
-                <a:spcPts val="200"/>
-              </a:spcAft>
-              <a:buFont typeface="TheSans Swisscom Light" panose="020B0300040303060204" pitchFamily="34" charset="0"/>
-              <a:buChar char="−"/>
-              <a:defRPr sz="1600" kern="1200">
-                <a:solidFill>
-                  <a:schemeClr val="tx1"/>
-                </a:solidFill>
-                <a:latin typeface="+mn-lt"/>
-                <a:ea typeface="+mn-ea"/>
-                <a:cs typeface="+mn-cs"/>
-              </a:defRPr>
-            </a:lvl8pPr>
-            <a:lvl9pPr marL="540000" indent="-180000" algn="l" defTabSz="914400" rtl="0" eaLnBrk="1" latinLnBrk="0" hangingPunct="1">
-              <a:lnSpc>
-                <a:spcPct val="110000"/>
-              </a:lnSpc>
-              <a:spcBef>
-                <a:spcPts val="200"/>
-              </a:spcBef>
-              <a:spcAft>
-                <a:spcPts val="200"/>
-              </a:spcAft>
-              <a:buFont typeface="TheSans Swisscom Light" panose="020B0300040303060204" pitchFamily="34" charset="0"/>
-              <a:buChar char="−"/>
-              <a:defRPr sz="1600" kern="1200">
-                <a:solidFill>
-                  <a:schemeClr val="tx1"/>
-                </a:solidFill>
-                <a:latin typeface="+mn-lt"/>
-                <a:ea typeface="+mn-ea"/>
-                <a:cs typeface="+mn-cs"/>
-              </a:defRPr>
-            </a:lvl9pPr>
-          </a:lstStyle>
-          <a:p>
-            <a:pPr marL="0" marR="0" lvl="0" indent="0" algn="l" defTabSz="914400" rtl="0" eaLnBrk="1" fontAlgn="auto" latinLnBrk="0" hangingPunct="1">
-              <a:lnSpc>
-                <a:spcPct val="110000"/>
-              </a:lnSpc>
-              <a:spcBef>
-                <a:spcPts val="600"/>
-              </a:spcBef>
-              <a:spcAft>
-                <a:spcPts val="600"/>
-              </a:spcAft>
-              <a:buClrTx/>
-              <a:buSzTx/>
-              <a:buFont typeface="Arial" panose="020B0604020202020204" pitchFamily="34" charset="0"/>
-              <a:buNone/>
-              <a:tabLst/>
-              <a:defRPr/>
-            </a:pPr>
-            <a:endParaRPr kumimoji="0" lang="en-US" sz="1600" b="0" i="0" u="none" strike="noStrike" kern="1200" cap="none" spc="0" normalizeH="0" baseline="0" noProof="0" dirty="0">
-              <a:ln>
-                <a:noFill/>
-              </a:ln>
-              <a:solidFill>
-                <a:srgbClr val="E7E6E6"/>
-              </a:solidFill>
-              <a:effectLst/>
-              <a:uLnTx/>
-              <a:uFillTx/>
-              <a:latin typeface="Calibri" panose="020F0502020204030204"/>
-              <a:ea typeface="+mn-ea"/>
-              <a:cs typeface="+mn-cs"/>
-            </a:endParaRPr>
-          </a:p>
-        </p:txBody>
-      </p:sp>
-      <p:pic>
-        <p:nvPicPr>
-          <p:cNvPr id="13" name="Graphic 12">
+        <p:style>
+          <a:lnRef idx="0">
+            <a:scrgbClr r="0" g="0" b="0"/>
+          </a:lnRef>
+          <a:fillRef idx="0">
+            <a:scrgbClr r="0" g="0" b="0"/>
+          </a:fillRef>
+          <a:effectRef idx="0">
+            <a:scrgbClr r="0" g="0" b="0"/>
+          </a:effectRef>
+          <a:fontRef idx="none"/>
+        </p:style>
+      </p:cxnSp>
+      <p:cxnSp>
+        <p:nvCxnSpPr>
+          <p:cNvPr id="15" name="Straight Connector 14">
             <a:extLst>
               <a:ext uri="{FF2B5EF4-FFF2-40B4-BE49-F238E27FC236}">
-                <a16:creationId xmlns:a16="http://schemas.microsoft.com/office/drawing/2014/main" id="{F95B0A8A-AF7B-BD55-22AA-98E6E6CF536D}"/>
+                <a16:creationId xmlns:a16="http://schemas.microsoft.com/office/drawing/2014/main" id="{3AB90515-8012-B50E-1F7E-08EFEAD19B7A}"/>
               </a:ext>
             </a:extLst>
           </p:cNvPr>
-          <p:cNvPicPr>
-            <a:picLocks noChangeAspect="1"/>
-          </p:cNvPicPr>
+          <p:cNvCxnSpPr>
+            <a:cxnSpLocks/>
+          </p:cNvCxnSpPr>
           <p:nvPr/>
-        </p:nvPicPr>
-        <p:blipFill rotWithShape="1">
-          <a:blip r:embed="rId8" cstate="print">
-            <a:extLst>
-              <a:ext uri="{28A0092B-C50C-407E-A947-70E740481C1C}">
-                <a14:useLocalDpi xmlns:a14="http://schemas.microsoft.com/office/drawing/2010/main" val="0"/>
-              </a:ext>
-              <a:ext uri="{96DAC541-7B7A-43D3-8B79-37D633B846F1}">
-                <asvg:svgBlip xmlns:asvg="http://schemas.microsoft.com/office/drawing/2016/SVG/main" r:embed="rId9"/>
-              </a:ext>
-            </a:extLst>
-          </a:blip>
-          <a:srcRect/>
-          <a:stretch/>
-        </p:blipFill>
+        </p:nvCxnSpPr>
         <p:spPr>
           <a:xfrm>
-            <a:off x="6882162" y="4448315"/>
-            <a:ext cx="411480" cy="411480"/>
+            <a:off x="4968685" y="1475305"/>
+            <a:ext cx="0" cy="3854341"/>
           </a:xfrm>
-          <a:prstGeom prst="rect">
+          <a:prstGeom prst="line">
             <a:avLst/>
           </a:prstGeom>
+          <a:noFill/>
+          <a:ln w="12700" cap="flat">
+            <a:solidFill>
+              <a:srgbClr val="FF0000"/>
+            </a:solidFill>
+            <a:prstDash val="sysDot"/>
+            <a:round/>
+          </a:ln>
+          <a:effectLst>
+            <a:outerShdw blurRad="38100" dist="20000" dir="5400000" rotWithShape="0">
+              <a:srgbClr val="000000">
+                <a:alpha val="38000"/>
+              </a:srgbClr>
+            </a:outerShdw>
+          </a:effectLst>
+          <a:sp3d/>
         </p:spPr>
-      </p:pic>
-      <p:pic>
-        <p:nvPicPr>
-          <p:cNvPr id="15" name="Picture 14">
+        <p:style>
+          <a:lnRef idx="0">
+            <a:scrgbClr r="0" g="0" b="0"/>
+          </a:lnRef>
+          <a:fillRef idx="0">
+            <a:scrgbClr r="0" g="0" b="0"/>
+          </a:fillRef>
+          <a:effectRef idx="0">
+            <a:scrgbClr r="0" g="0" b="0"/>
+          </a:effectRef>
+          <a:fontRef idx="none"/>
+        </p:style>
+      </p:cxnSp>
+      <p:cxnSp>
+        <p:nvCxnSpPr>
+          <p:cNvPr id="16" name="Straight Connector 15">
             <a:extLst>
               <a:ext uri="{FF2B5EF4-FFF2-40B4-BE49-F238E27FC236}">
-                <a16:creationId xmlns:a16="http://schemas.microsoft.com/office/drawing/2014/main" id="{D722580C-E14C-C31D-D703-E102C17A75C2}"/>
+                <a16:creationId xmlns:a16="http://schemas.microsoft.com/office/drawing/2014/main" id="{8BAB2A93-1FD4-1171-26E5-EFE2B463BEA8}"/>
               </a:ext>
             </a:extLst>
           </p:cNvPr>
-          <p:cNvPicPr>
-            <a:picLocks noChangeAspect="1"/>
-          </p:cNvPicPr>
+          <p:cNvCxnSpPr>
+            <a:cxnSpLocks/>
+          </p:cNvCxnSpPr>
           <p:nvPr/>
-        </p:nvPicPr>
-        <p:blipFill>
-          <a:blip r:embed="rId10"/>
-          <a:stretch>
-            <a:fillRect/>
-          </a:stretch>
-        </p:blipFill>
+        </p:nvCxnSpPr>
         <p:spPr>
           <a:xfrm>
-            <a:off x="993210" y="1891618"/>
-            <a:ext cx="1685925" cy="1457325"/>
+            <a:off x="5731040" y="1475305"/>
+            <a:ext cx="0" cy="3854341"/>
           </a:xfrm>
-          <a:prstGeom prst="rect">
+          <a:prstGeom prst="line">
             <a:avLst/>
           </a:prstGeom>
+          <a:noFill/>
+          <a:ln w="12700" cap="flat">
+            <a:solidFill>
+              <a:srgbClr val="FF0000"/>
+            </a:solidFill>
+            <a:prstDash val="sysDot"/>
+            <a:round/>
+          </a:ln>
+          <a:effectLst>
+            <a:outerShdw blurRad="38100" dist="20000" dir="5400000" rotWithShape="0">
+              <a:srgbClr val="000000">
+                <a:alpha val="38000"/>
+              </a:srgbClr>
+            </a:outerShdw>
+          </a:effectLst>
+          <a:sp3d/>
         </p:spPr>
-      </p:pic>
-      <p:sp>
-        <p:nvSpPr>
-          <p:cNvPr id="16" name="Title 1">
-            <a:extLst>
-              <a:ext uri="{FF2B5EF4-FFF2-40B4-BE49-F238E27FC236}">
-                <a16:creationId xmlns:a16="http://schemas.microsoft.com/office/drawing/2014/main" id="{2D8B3AFB-4500-052D-4E96-82B4FC5CC5DF}"/>
-              </a:ext>
-            </a:extLst>
-          </p:cNvPr>
-          <p:cNvSpPr>
-            <a:spLocks noGrp="1"/>
-          </p:cNvSpPr>
-          <p:nvPr>
-            <p:ph type="title"/>
-          </p:nvPr>
-        </p:nvSpPr>
-        <p:spPr>
-          <a:xfrm>
-            <a:off x="838200" y="365125"/>
-            <a:ext cx="10515600" cy="1325563"/>
-          </a:xfrm>
-        </p:spPr>
-        <p:txBody>
-          <a:bodyPr>
-            <a:normAutofit/>
-          </a:bodyPr>
-          <a:lstStyle/>
-          <a:p>
-            <a:r>
-              <a:rPr lang="en-US" sz="2800" b="1" dirty="0"/>
-              <a:t>What does Network Anomaly Detection mean</a:t>
-            </a:r>
-            <a:br>
-              <a:rPr lang="en-US" sz="3600" dirty="0"/>
-            </a:br>
-            <a:r>
-              <a:rPr lang="en-US" sz="2700" dirty="0">
-                <a:solidFill>
-                  <a:schemeClr val="bg2">
-                    <a:lumMod val="75000"/>
-                  </a:schemeClr>
-                </a:solidFill>
-              </a:rPr>
-              <a:t>Monitor changes, called outliers, in networks</a:t>
-            </a:r>
-          </a:p>
-        </p:txBody>
-      </p:sp>
+        <p:style>
+          <a:lnRef idx="0">
+            <a:scrgbClr r="0" g="0" b="0"/>
+          </a:lnRef>
+          <a:fillRef idx="0">
+            <a:scrgbClr r="0" g="0" b="0"/>
+          </a:fillRef>
+          <a:effectRef idx="0">
+            <a:scrgbClr r="0" g="0" b="0"/>
+          </a:effectRef>
+          <a:fontRef idx="none"/>
+        </p:style>
+      </p:cxnSp>
     </p:spTree>
     <p:extLst>
       <p:ext uri="{BB962C8B-B14F-4D97-AF65-F5344CB8AC3E}">
-        <p14:creationId xmlns:p14="http://schemas.microsoft.com/office/powerpoint/2010/main" val="3384652948"/>
+        <p14:creationId xmlns:p14="http://schemas.microsoft.com/office/powerpoint/2010/main" val="9902367"/>
       </p:ext>
     </p:extLst>
   </p:cSld>
